--- a/ch10.pptx
+++ b/ch10.pptx
@@ -182,6 +182,36 @@
       </a:defRPr>
     </a:lvl9pPr>
   </p:defaultTextStyle>
+  <p:extLst>
+    <p:ext uri="{EFAFB233-063F-42B5-8137-9DF3F51BA10A}">
+      <p15:sldGuideLst xmlns:p15="http://schemas.microsoft.com/office/powerpoint/2012/main">
+        <p15:guide id="1" orient="horz" pos="816">
+          <p15:clr>
+            <a:srgbClr val="A4A3A4"/>
+          </p15:clr>
+        </p15:guide>
+        <p15:guide id="2" pos="521">
+          <p15:clr>
+            <a:srgbClr val="A4A3A4"/>
+          </p15:clr>
+        </p15:guide>
+      </p15:sldGuideLst>
+    </p:ext>
+    <p:ext uri="{2D200454-40CA-4A62-9FC3-DE9A4176ACB9}">
+      <p15:notesGuideLst xmlns:p15="http://schemas.microsoft.com/office/powerpoint/2012/main">
+        <p15:guide id="1" orient="horz" pos="2928">
+          <p15:clr>
+            <a:srgbClr val="A4A3A4"/>
+          </p15:clr>
+        </p15:guide>
+        <p15:guide id="2" pos="2168">
+          <p15:clr>
+            <a:srgbClr val="A4A3A4"/>
+          </p15:clr>
+        </p15:guide>
+      </p15:notesGuideLst>
+    </p:ext>
+  </p:extLst>
 </p:presentation>
 </file>
 
@@ -595,35 +625,35 @@
           <a:p>
             <a:pPr lvl="0"/>
             <a:r>
-              <a:rPr lang="en-US" noProof="0" smtClean="0"/>
+              <a:rPr lang="en-US" noProof="0"/>
               <a:t>Click to edit Master text styles</a:t>
             </a:r>
           </a:p>
           <a:p>
             <a:pPr lvl="1"/>
             <a:r>
-              <a:rPr lang="en-US" noProof="0" smtClean="0"/>
+              <a:rPr lang="en-US" noProof="0"/>
               <a:t>Second level</a:t>
             </a:r>
           </a:p>
           <a:p>
             <a:pPr lvl="2"/>
             <a:r>
-              <a:rPr lang="en-US" noProof="0" smtClean="0"/>
+              <a:rPr lang="en-US" noProof="0"/>
               <a:t>Third level</a:t>
             </a:r>
           </a:p>
           <a:p>
             <a:pPr lvl="3"/>
             <a:r>
-              <a:rPr lang="en-US" noProof="0" smtClean="0"/>
+              <a:rPr lang="en-US" noProof="0"/>
               <a:t>Fourth level</a:t>
             </a:r>
           </a:p>
           <a:p>
             <a:pPr lvl="4"/>
             <a:r>
-              <a:rPr lang="en-US" noProof="0" smtClean="0"/>
+              <a:rPr lang="en-US" noProof="0"/>
               <a:t>Fifth level</a:t>
             </a:r>
           </a:p>
@@ -897,7 +927,7 @@
               <a:pPr/>
               <a:t>1</a:t>
             </a:fld>
-            <a:endParaRPr lang="en-US" altLang="zh-TW" smtClean="0"/>
+            <a:endParaRPr lang="en-US" altLang="zh-TW"/>
           </a:p>
         </p:txBody>
       </p:sp>
@@ -934,7 +964,7 @@
           <a:lstStyle/>
           <a:p>
             <a:pPr eaLnBrk="1" hangingPunct="1"/>
-            <a:endParaRPr lang="zh-TW" altLang="zh-TW" smtClean="0"/>
+            <a:endParaRPr lang="zh-TW" altLang="zh-TW"/>
           </a:p>
         </p:txBody>
       </p:sp>
@@ -985,7 +1015,7 @@
               <a:pPr/>
               <a:t>10</a:t>
             </a:fld>
-            <a:endParaRPr lang="en-US" altLang="zh-TW" smtClean="0"/>
+            <a:endParaRPr lang="en-US" altLang="zh-TW"/>
           </a:p>
         </p:txBody>
       </p:sp>
@@ -1022,7 +1052,7 @@
           <a:lstStyle/>
           <a:p>
             <a:pPr eaLnBrk="1" hangingPunct="1"/>
-            <a:endParaRPr lang="zh-TW" altLang="zh-TW" smtClean="0"/>
+            <a:endParaRPr lang="zh-TW" altLang="zh-TW"/>
           </a:p>
         </p:txBody>
       </p:sp>
@@ -1073,7 +1103,7 @@
               <a:pPr/>
               <a:t>11</a:t>
             </a:fld>
-            <a:endParaRPr lang="en-US" altLang="zh-TW" smtClean="0"/>
+            <a:endParaRPr lang="en-US" altLang="zh-TW"/>
           </a:p>
         </p:txBody>
       </p:sp>
@@ -1110,7 +1140,7 @@
           <a:lstStyle/>
           <a:p>
             <a:pPr eaLnBrk="1" hangingPunct="1"/>
-            <a:endParaRPr lang="zh-TW" altLang="zh-TW" smtClean="0"/>
+            <a:endParaRPr lang="zh-TW" altLang="zh-TW"/>
           </a:p>
         </p:txBody>
       </p:sp>
@@ -1161,7 +1191,7 @@
               <a:pPr/>
               <a:t>12</a:t>
             </a:fld>
-            <a:endParaRPr lang="en-US" altLang="zh-TW" smtClean="0"/>
+            <a:endParaRPr lang="en-US" altLang="zh-TW"/>
           </a:p>
         </p:txBody>
       </p:sp>
@@ -1198,7 +1228,7 @@
           <a:lstStyle/>
           <a:p>
             <a:pPr eaLnBrk="1" hangingPunct="1"/>
-            <a:endParaRPr lang="zh-TW" altLang="zh-TW" smtClean="0"/>
+            <a:endParaRPr lang="zh-TW" altLang="zh-TW"/>
           </a:p>
         </p:txBody>
       </p:sp>
@@ -1249,7 +1279,7 @@
               <a:pPr/>
               <a:t>13</a:t>
             </a:fld>
-            <a:endParaRPr lang="en-US" altLang="zh-TW" smtClean="0"/>
+            <a:endParaRPr lang="en-US" altLang="zh-TW"/>
           </a:p>
         </p:txBody>
       </p:sp>
@@ -1286,7 +1316,7 @@
           <a:lstStyle/>
           <a:p>
             <a:pPr eaLnBrk="1" hangingPunct="1"/>
-            <a:endParaRPr lang="zh-TW" altLang="zh-TW" smtClean="0"/>
+            <a:endParaRPr lang="zh-TW" altLang="zh-TW"/>
           </a:p>
         </p:txBody>
       </p:sp>
@@ -1337,7 +1367,7 @@
               <a:pPr/>
               <a:t>14</a:t>
             </a:fld>
-            <a:endParaRPr lang="en-US" altLang="zh-TW" smtClean="0"/>
+            <a:endParaRPr lang="en-US" altLang="zh-TW"/>
           </a:p>
         </p:txBody>
       </p:sp>
@@ -1374,7 +1404,7 @@
           <a:lstStyle/>
           <a:p>
             <a:pPr eaLnBrk="1" hangingPunct="1"/>
-            <a:endParaRPr lang="zh-TW" altLang="zh-TW" smtClean="0"/>
+            <a:endParaRPr lang="zh-TW" altLang="zh-TW"/>
           </a:p>
         </p:txBody>
       </p:sp>
@@ -1425,7 +1455,7 @@
               <a:pPr/>
               <a:t>15</a:t>
             </a:fld>
-            <a:endParaRPr lang="en-US" altLang="zh-TW" smtClean="0"/>
+            <a:endParaRPr lang="en-US" altLang="zh-TW"/>
           </a:p>
         </p:txBody>
       </p:sp>
@@ -1462,7 +1492,7 @@
           <a:lstStyle/>
           <a:p>
             <a:pPr eaLnBrk="1" hangingPunct="1"/>
-            <a:endParaRPr lang="zh-TW" altLang="zh-TW" smtClean="0"/>
+            <a:endParaRPr lang="zh-TW" altLang="zh-TW"/>
           </a:p>
         </p:txBody>
       </p:sp>
@@ -1513,7 +1543,7 @@
               <a:pPr/>
               <a:t>16</a:t>
             </a:fld>
-            <a:endParaRPr lang="en-US" altLang="zh-TW" smtClean="0"/>
+            <a:endParaRPr lang="en-US" altLang="zh-TW"/>
           </a:p>
         </p:txBody>
       </p:sp>
@@ -1550,7 +1580,7 @@
           <a:lstStyle/>
           <a:p>
             <a:pPr eaLnBrk="1" hangingPunct="1"/>
-            <a:endParaRPr lang="zh-TW" altLang="zh-TW" smtClean="0"/>
+            <a:endParaRPr lang="zh-TW" altLang="zh-TW"/>
           </a:p>
         </p:txBody>
       </p:sp>
@@ -1601,7 +1631,7 @@
               <a:pPr/>
               <a:t>17</a:t>
             </a:fld>
-            <a:endParaRPr lang="en-US" altLang="zh-TW" smtClean="0"/>
+            <a:endParaRPr lang="en-US" altLang="zh-TW"/>
           </a:p>
         </p:txBody>
       </p:sp>
@@ -1638,7 +1668,7 @@
           <a:lstStyle/>
           <a:p>
             <a:pPr eaLnBrk="1" hangingPunct="1"/>
-            <a:endParaRPr lang="zh-TW" altLang="zh-TW" smtClean="0"/>
+            <a:endParaRPr lang="zh-TW" altLang="zh-TW"/>
           </a:p>
         </p:txBody>
       </p:sp>
@@ -1689,7 +1719,7 @@
               <a:pPr/>
               <a:t>19</a:t>
             </a:fld>
-            <a:endParaRPr lang="en-US" altLang="zh-TW" smtClean="0"/>
+            <a:endParaRPr lang="en-US" altLang="zh-TW"/>
           </a:p>
         </p:txBody>
       </p:sp>
@@ -1726,7 +1756,7 @@
           <a:lstStyle/>
           <a:p>
             <a:pPr eaLnBrk="1" hangingPunct="1"/>
-            <a:endParaRPr lang="zh-TW" altLang="zh-TW" smtClean="0"/>
+            <a:endParaRPr lang="zh-TW" altLang="zh-TW"/>
           </a:p>
         </p:txBody>
       </p:sp>
@@ -1777,7 +1807,7 @@
               <a:pPr/>
               <a:t>20</a:t>
             </a:fld>
-            <a:endParaRPr lang="en-US" altLang="zh-TW" smtClean="0"/>
+            <a:endParaRPr lang="en-US" altLang="zh-TW"/>
           </a:p>
         </p:txBody>
       </p:sp>
@@ -1814,7 +1844,7 @@
           <a:lstStyle/>
           <a:p>
             <a:pPr eaLnBrk="1" hangingPunct="1"/>
-            <a:endParaRPr lang="zh-TW" altLang="zh-TW" smtClean="0"/>
+            <a:endParaRPr lang="zh-TW" altLang="zh-TW"/>
           </a:p>
         </p:txBody>
       </p:sp>
@@ -1865,7 +1895,7 @@
               <a:pPr/>
               <a:t>2</a:t>
             </a:fld>
-            <a:endParaRPr lang="en-US" altLang="zh-TW" smtClean="0"/>
+            <a:endParaRPr lang="en-US" altLang="zh-TW"/>
           </a:p>
         </p:txBody>
       </p:sp>
@@ -1902,7 +1932,7 @@
           <a:lstStyle/>
           <a:p>
             <a:pPr eaLnBrk="1" hangingPunct="1"/>
-            <a:endParaRPr lang="zh-TW" altLang="zh-TW" smtClean="0"/>
+            <a:endParaRPr lang="zh-TW" altLang="zh-TW"/>
           </a:p>
         </p:txBody>
       </p:sp>
@@ -1953,7 +1983,7 @@
               <a:pPr/>
               <a:t>21</a:t>
             </a:fld>
-            <a:endParaRPr lang="en-US" altLang="zh-TW" smtClean="0"/>
+            <a:endParaRPr lang="en-US" altLang="zh-TW"/>
           </a:p>
         </p:txBody>
       </p:sp>
@@ -1990,7 +2020,7 @@
           <a:lstStyle/>
           <a:p>
             <a:pPr eaLnBrk="1" hangingPunct="1"/>
-            <a:endParaRPr lang="zh-TW" altLang="zh-TW" smtClean="0"/>
+            <a:endParaRPr lang="zh-TW" altLang="zh-TW"/>
           </a:p>
         </p:txBody>
       </p:sp>
@@ -2041,7 +2071,7 @@
               <a:pPr/>
               <a:t>22</a:t>
             </a:fld>
-            <a:endParaRPr lang="en-US" altLang="zh-TW" smtClean="0"/>
+            <a:endParaRPr lang="en-US" altLang="zh-TW"/>
           </a:p>
         </p:txBody>
       </p:sp>
@@ -2078,7 +2108,7 @@
           <a:lstStyle/>
           <a:p>
             <a:pPr eaLnBrk="1" hangingPunct="1"/>
-            <a:endParaRPr lang="zh-TW" altLang="zh-TW" smtClean="0"/>
+            <a:endParaRPr lang="zh-TW" altLang="zh-TW"/>
           </a:p>
         </p:txBody>
       </p:sp>
@@ -2129,7 +2159,7 @@
               <a:pPr/>
               <a:t>23</a:t>
             </a:fld>
-            <a:endParaRPr lang="en-US" altLang="zh-TW" smtClean="0"/>
+            <a:endParaRPr lang="en-US" altLang="zh-TW"/>
           </a:p>
         </p:txBody>
       </p:sp>
@@ -2166,7 +2196,7 @@
           <a:lstStyle/>
           <a:p>
             <a:pPr eaLnBrk="1" hangingPunct="1"/>
-            <a:endParaRPr lang="zh-TW" altLang="zh-TW" smtClean="0"/>
+            <a:endParaRPr lang="zh-TW" altLang="zh-TW"/>
           </a:p>
         </p:txBody>
       </p:sp>
@@ -2217,7 +2247,7 @@
               <a:pPr/>
               <a:t>24</a:t>
             </a:fld>
-            <a:endParaRPr lang="en-US" altLang="zh-TW" smtClean="0"/>
+            <a:endParaRPr lang="en-US" altLang="zh-TW"/>
           </a:p>
         </p:txBody>
       </p:sp>
@@ -2254,7 +2284,7 @@
           <a:lstStyle/>
           <a:p>
             <a:pPr eaLnBrk="1" hangingPunct="1"/>
-            <a:endParaRPr lang="zh-TW" altLang="zh-TW" smtClean="0"/>
+            <a:endParaRPr lang="zh-TW" altLang="zh-TW"/>
           </a:p>
         </p:txBody>
       </p:sp>
@@ -2305,7 +2335,7 @@
               <a:pPr/>
               <a:t>25</a:t>
             </a:fld>
-            <a:endParaRPr lang="en-US" altLang="zh-TW" smtClean="0"/>
+            <a:endParaRPr lang="en-US" altLang="zh-TW"/>
           </a:p>
         </p:txBody>
       </p:sp>
@@ -2342,7 +2372,7 @@
           <a:lstStyle/>
           <a:p>
             <a:pPr eaLnBrk="1" hangingPunct="1"/>
-            <a:endParaRPr lang="zh-TW" altLang="zh-TW" smtClean="0"/>
+            <a:endParaRPr lang="zh-TW" altLang="zh-TW"/>
           </a:p>
         </p:txBody>
       </p:sp>
@@ -2393,7 +2423,7 @@
               <a:pPr/>
               <a:t>26</a:t>
             </a:fld>
-            <a:endParaRPr lang="en-US" altLang="zh-TW" smtClean="0"/>
+            <a:endParaRPr lang="en-US" altLang="zh-TW"/>
           </a:p>
         </p:txBody>
       </p:sp>
@@ -2430,7 +2460,7 @@
           <a:lstStyle/>
           <a:p>
             <a:pPr eaLnBrk="1" hangingPunct="1"/>
-            <a:endParaRPr lang="zh-TW" altLang="zh-TW" smtClean="0"/>
+            <a:endParaRPr lang="zh-TW" altLang="zh-TW"/>
           </a:p>
         </p:txBody>
       </p:sp>
@@ -2481,7 +2511,7 @@
               <a:pPr/>
               <a:t>27</a:t>
             </a:fld>
-            <a:endParaRPr lang="en-US" altLang="zh-TW" smtClean="0"/>
+            <a:endParaRPr lang="en-US" altLang="zh-TW"/>
           </a:p>
         </p:txBody>
       </p:sp>
@@ -2518,7 +2548,7 @@
           <a:lstStyle/>
           <a:p>
             <a:pPr eaLnBrk="1" hangingPunct="1"/>
-            <a:endParaRPr lang="zh-TW" altLang="zh-TW" smtClean="0"/>
+            <a:endParaRPr lang="zh-TW" altLang="zh-TW"/>
           </a:p>
         </p:txBody>
       </p:sp>
@@ -2569,7 +2599,7 @@
               <a:pPr/>
               <a:t>28</a:t>
             </a:fld>
-            <a:endParaRPr lang="en-US" altLang="zh-TW" smtClean="0"/>
+            <a:endParaRPr lang="en-US" altLang="zh-TW"/>
           </a:p>
         </p:txBody>
       </p:sp>
@@ -2606,7 +2636,7 @@
           <a:lstStyle/>
           <a:p>
             <a:pPr eaLnBrk="1" hangingPunct="1"/>
-            <a:endParaRPr lang="zh-TW" altLang="zh-TW" smtClean="0"/>
+            <a:endParaRPr lang="zh-TW" altLang="zh-TW"/>
           </a:p>
         </p:txBody>
       </p:sp>
@@ -2657,7 +2687,7 @@
               <a:pPr/>
               <a:t>29</a:t>
             </a:fld>
-            <a:endParaRPr lang="en-US" altLang="zh-TW" smtClean="0"/>
+            <a:endParaRPr lang="en-US" altLang="zh-TW"/>
           </a:p>
         </p:txBody>
       </p:sp>
@@ -2694,7 +2724,7 @@
           <a:lstStyle/>
           <a:p>
             <a:pPr eaLnBrk="1" hangingPunct="1"/>
-            <a:endParaRPr lang="zh-TW" altLang="zh-TW" smtClean="0"/>
+            <a:endParaRPr lang="zh-TW" altLang="zh-TW"/>
           </a:p>
         </p:txBody>
       </p:sp>
@@ -2745,7 +2775,7 @@
               <a:pPr/>
               <a:t>30</a:t>
             </a:fld>
-            <a:endParaRPr lang="en-US" altLang="zh-TW" smtClean="0"/>
+            <a:endParaRPr lang="en-US" altLang="zh-TW"/>
           </a:p>
         </p:txBody>
       </p:sp>
@@ -2782,7 +2812,7 @@
           <a:lstStyle/>
           <a:p>
             <a:pPr eaLnBrk="1" hangingPunct="1"/>
-            <a:endParaRPr lang="zh-TW" altLang="zh-TW" smtClean="0"/>
+            <a:endParaRPr lang="zh-TW" altLang="zh-TW"/>
           </a:p>
         </p:txBody>
       </p:sp>
@@ -2833,7 +2863,7 @@
               <a:pPr/>
               <a:t>3</a:t>
             </a:fld>
-            <a:endParaRPr lang="en-US" altLang="zh-TW" smtClean="0"/>
+            <a:endParaRPr lang="en-US" altLang="zh-TW"/>
           </a:p>
         </p:txBody>
       </p:sp>
@@ -2870,7 +2900,7 @@
           <a:lstStyle/>
           <a:p>
             <a:pPr eaLnBrk="1" hangingPunct="1"/>
-            <a:endParaRPr lang="zh-TW" altLang="zh-TW" smtClean="0"/>
+            <a:endParaRPr lang="zh-TW" altLang="zh-TW"/>
           </a:p>
         </p:txBody>
       </p:sp>
@@ -2921,7 +2951,7 @@
               <a:pPr/>
               <a:t>31</a:t>
             </a:fld>
-            <a:endParaRPr lang="en-US" altLang="zh-TW" smtClean="0"/>
+            <a:endParaRPr lang="en-US" altLang="zh-TW"/>
           </a:p>
         </p:txBody>
       </p:sp>
@@ -2958,7 +2988,7 @@
           <a:lstStyle/>
           <a:p>
             <a:pPr eaLnBrk="1" hangingPunct="1"/>
-            <a:endParaRPr lang="zh-TW" altLang="zh-TW" smtClean="0"/>
+            <a:endParaRPr lang="zh-TW" altLang="zh-TW"/>
           </a:p>
         </p:txBody>
       </p:sp>
@@ -3009,7 +3039,7 @@
               <a:pPr/>
               <a:t>32</a:t>
             </a:fld>
-            <a:endParaRPr lang="en-US" altLang="zh-TW" smtClean="0"/>
+            <a:endParaRPr lang="en-US" altLang="zh-TW"/>
           </a:p>
         </p:txBody>
       </p:sp>
@@ -3046,7 +3076,7 @@
           <a:lstStyle/>
           <a:p>
             <a:pPr eaLnBrk="1" hangingPunct="1"/>
-            <a:endParaRPr lang="zh-TW" altLang="zh-TW" smtClean="0"/>
+            <a:endParaRPr lang="zh-TW" altLang="zh-TW"/>
           </a:p>
         </p:txBody>
       </p:sp>
@@ -3097,7 +3127,7 @@
               <a:pPr/>
               <a:t>33</a:t>
             </a:fld>
-            <a:endParaRPr lang="en-US" altLang="zh-TW" smtClean="0"/>
+            <a:endParaRPr lang="en-US" altLang="zh-TW"/>
           </a:p>
         </p:txBody>
       </p:sp>
@@ -3134,7 +3164,7 @@
           <a:lstStyle/>
           <a:p>
             <a:pPr eaLnBrk="1" hangingPunct="1"/>
-            <a:endParaRPr lang="zh-TW" altLang="zh-TW" smtClean="0"/>
+            <a:endParaRPr lang="zh-TW" altLang="zh-TW"/>
           </a:p>
         </p:txBody>
       </p:sp>
@@ -3185,7 +3215,7 @@
               <a:pPr/>
               <a:t>34</a:t>
             </a:fld>
-            <a:endParaRPr lang="en-US" altLang="zh-TW" smtClean="0"/>
+            <a:endParaRPr lang="en-US" altLang="zh-TW"/>
           </a:p>
         </p:txBody>
       </p:sp>
@@ -3222,7 +3252,7 @@
           <a:lstStyle/>
           <a:p>
             <a:pPr eaLnBrk="1" hangingPunct="1"/>
-            <a:endParaRPr lang="zh-TW" altLang="zh-TW" smtClean="0"/>
+            <a:endParaRPr lang="zh-TW" altLang="zh-TW"/>
           </a:p>
         </p:txBody>
       </p:sp>
@@ -3273,7 +3303,7 @@
               <a:pPr/>
               <a:t>35</a:t>
             </a:fld>
-            <a:endParaRPr lang="en-US" altLang="zh-TW" smtClean="0"/>
+            <a:endParaRPr lang="en-US" altLang="zh-TW"/>
           </a:p>
         </p:txBody>
       </p:sp>
@@ -3310,7 +3340,7 @@
           <a:lstStyle/>
           <a:p>
             <a:pPr eaLnBrk="1" hangingPunct="1"/>
-            <a:endParaRPr lang="zh-TW" altLang="zh-TW" smtClean="0"/>
+            <a:endParaRPr lang="zh-TW" altLang="zh-TW"/>
           </a:p>
         </p:txBody>
       </p:sp>
@@ -3361,7 +3391,7 @@
               <a:pPr/>
               <a:t>36</a:t>
             </a:fld>
-            <a:endParaRPr lang="en-US" altLang="zh-TW" smtClean="0"/>
+            <a:endParaRPr lang="en-US" altLang="zh-TW"/>
           </a:p>
         </p:txBody>
       </p:sp>
@@ -3398,7 +3428,7 @@
           <a:lstStyle/>
           <a:p>
             <a:pPr eaLnBrk="1" hangingPunct="1"/>
-            <a:endParaRPr lang="zh-TW" altLang="zh-TW" smtClean="0"/>
+            <a:endParaRPr lang="zh-TW" altLang="zh-TW"/>
           </a:p>
         </p:txBody>
       </p:sp>
@@ -3449,7 +3479,7 @@
               <a:pPr/>
               <a:t>37</a:t>
             </a:fld>
-            <a:endParaRPr lang="en-US" altLang="zh-TW" smtClean="0"/>
+            <a:endParaRPr lang="en-US" altLang="zh-TW"/>
           </a:p>
         </p:txBody>
       </p:sp>
@@ -3486,7 +3516,7 @@
           <a:lstStyle/>
           <a:p>
             <a:pPr eaLnBrk="1" hangingPunct="1"/>
-            <a:endParaRPr lang="zh-TW" altLang="zh-TW" smtClean="0"/>
+            <a:endParaRPr lang="zh-TW" altLang="zh-TW"/>
           </a:p>
         </p:txBody>
       </p:sp>
@@ -3537,7 +3567,7 @@
               <a:pPr/>
               <a:t>38</a:t>
             </a:fld>
-            <a:endParaRPr lang="en-US" altLang="zh-TW" smtClean="0"/>
+            <a:endParaRPr lang="en-US" altLang="zh-TW"/>
           </a:p>
         </p:txBody>
       </p:sp>
@@ -3574,7 +3604,7 @@
           <a:lstStyle/>
           <a:p>
             <a:pPr eaLnBrk="1" hangingPunct="1"/>
-            <a:endParaRPr lang="zh-TW" altLang="zh-TW" smtClean="0"/>
+            <a:endParaRPr lang="zh-TW" altLang="zh-TW"/>
           </a:p>
         </p:txBody>
       </p:sp>
@@ -3625,7 +3655,7 @@
               <a:pPr/>
               <a:t>39</a:t>
             </a:fld>
-            <a:endParaRPr lang="en-US" altLang="zh-TW" smtClean="0"/>
+            <a:endParaRPr lang="en-US" altLang="zh-TW"/>
           </a:p>
         </p:txBody>
       </p:sp>
@@ -3662,7 +3692,7 @@
           <a:lstStyle/>
           <a:p>
             <a:pPr eaLnBrk="1" hangingPunct="1"/>
-            <a:endParaRPr lang="zh-TW" altLang="zh-TW" smtClean="0"/>
+            <a:endParaRPr lang="zh-TW" altLang="zh-TW"/>
           </a:p>
         </p:txBody>
       </p:sp>
@@ -3713,7 +3743,7 @@
               <a:pPr/>
               <a:t>40</a:t>
             </a:fld>
-            <a:endParaRPr lang="en-US" altLang="zh-TW" smtClean="0"/>
+            <a:endParaRPr lang="en-US" altLang="zh-TW"/>
           </a:p>
         </p:txBody>
       </p:sp>
@@ -3750,7 +3780,7 @@
           <a:lstStyle/>
           <a:p>
             <a:pPr eaLnBrk="1" hangingPunct="1"/>
-            <a:endParaRPr lang="zh-TW" altLang="zh-TW" smtClean="0"/>
+            <a:endParaRPr lang="zh-TW" altLang="zh-TW"/>
           </a:p>
         </p:txBody>
       </p:sp>
@@ -3801,7 +3831,7 @@
               <a:pPr/>
               <a:t>4</a:t>
             </a:fld>
-            <a:endParaRPr lang="en-US" altLang="zh-TW" smtClean="0"/>
+            <a:endParaRPr lang="en-US" altLang="zh-TW"/>
           </a:p>
         </p:txBody>
       </p:sp>
@@ -3838,7 +3868,7 @@
           <a:lstStyle/>
           <a:p>
             <a:pPr eaLnBrk="1" hangingPunct="1"/>
-            <a:endParaRPr lang="zh-TW" altLang="zh-TW" smtClean="0"/>
+            <a:endParaRPr lang="zh-TW" altLang="zh-TW"/>
           </a:p>
         </p:txBody>
       </p:sp>
@@ -3889,7 +3919,7 @@
               <a:pPr/>
               <a:t>41</a:t>
             </a:fld>
-            <a:endParaRPr lang="en-US" altLang="zh-TW" smtClean="0"/>
+            <a:endParaRPr lang="en-US" altLang="zh-TW"/>
           </a:p>
         </p:txBody>
       </p:sp>
@@ -3926,7 +3956,7 @@
           <a:lstStyle/>
           <a:p>
             <a:pPr eaLnBrk="1" hangingPunct="1"/>
-            <a:endParaRPr lang="zh-TW" altLang="zh-TW" smtClean="0"/>
+            <a:endParaRPr lang="zh-TW" altLang="zh-TW"/>
           </a:p>
         </p:txBody>
       </p:sp>
@@ -3977,7 +4007,7 @@
               <a:pPr/>
               <a:t>42</a:t>
             </a:fld>
-            <a:endParaRPr lang="en-US" altLang="zh-TW" smtClean="0"/>
+            <a:endParaRPr lang="en-US" altLang="zh-TW"/>
           </a:p>
         </p:txBody>
       </p:sp>
@@ -4014,7 +4044,7 @@
           <a:lstStyle/>
           <a:p>
             <a:pPr eaLnBrk="1" hangingPunct="1"/>
-            <a:endParaRPr lang="zh-TW" altLang="zh-TW" smtClean="0"/>
+            <a:endParaRPr lang="zh-TW" altLang="zh-TW"/>
           </a:p>
         </p:txBody>
       </p:sp>
@@ -4065,7 +4095,7 @@
               <a:pPr/>
               <a:t>43</a:t>
             </a:fld>
-            <a:endParaRPr lang="en-US" altLang="zh-TW" smtClean="0"/>
+            <a:endParaRPr lang="en-US" altLang="zh-TW"/>
           </a:p>
         </p:txBody>
       </p:sp>
@@ -4102,7 +4132,7 @@
           <a:lstStyle/>
           <a:p>
             <a:pPr eaLnBrk="1" hangingPunct="1"/>
-            <a:endParaRPr lang="zh-TW" altLang="zh-TW" smtClean="0"/>
+            <a:endParaRPr lang="zh-TW" altLang="zh-TW"/>
           </a:p>
         </p:txBody>
       </p:sp>
@@ -4153,7 +4183,7 @@
               <a:pPr/>
               <a:t>5</a:t>
             </a:fld>
-            <a:endParaRPr lang="en-US" altLang="zh-TW" smtClean="0"/>
+            <a:endParaRPr lang="en-US" altLang="zh-TW"/>
           </a:p>
         </p:txBody>
       </p:sp>
@@ -4190,7 +4220,7 @@
           <a:lstStyle/>
           <a:p>
             <a:pPr eaLnBrk="1" hangingPunct="1"/>
-            <a:endParaRPr lang="zh-TW" altLang="zh-TW" smtClean="0"/>
+            <a:endParaRPr lang="zh-TW" altLang="zh-TW"/>
           </a:p>
         </p:txBody>
       </p:sp>
@@ -4241,7 +4271,7 @@
               <a:pPr/>
               <a:t>6</a:t>
             </a:fld>
-            <a:endParaRPr lang="en-US" altLang="zh-TW" smtClean="0"/>
+            <a:endParaRPr lang="en-US" altLang="zh-TW"/>
           </a:p>
         </p:txBody>
       </p:sp>
@@ -4278,7 +4308,7 @@
           <a:lstStyle/>
           <a:p>
             <a:pPr eaLnBrk="1" hangingPunct="1"/>
-            <a:endParaRPr lang="zh-TW" altLang="zh-TW" smtClean="0"/>
+            <a:endParaRPr lang="zh-TW" altLang="zh-TW"/>
           </a:p>
         </p:txBody>
       </p:sp>
@@ -4329,7 +4359,7 @@
               <a:pPr/>
               <a:t>7</a:t>
             </a:fld>
-            <a:endParaRPr lang="en-US" altLang="zh-TW" smtClean="0"/>
+            <a:endParaRPr lang="en-US" altLang="zh-TW"/>
           </a:p>
         </p:txBody>
       </p:sp>
@@ -4366,7 +4396,7 @@
           <a:lstStyle/>
           <a:p>
             <a:pPr eaLnBrk="1" hangingPunct="1"/>
-            <a:endParaRPr lang="zh-TW" altLang="zh-TW" smtClean="0"/>
+            <a:endParaRPr lang="zh-TW" altLang="zh-TW"/>
           </a:p>
         </p:txBody>
       </p:sp>
@@ -4417,7 +4447,7 @@
               <a:pPr/>
               <a:t>8</a:t>
             </a:fld>
-            <a:endParaRPr lang="en-US" altLang="zh-TW" smtClean="0"/>
+            <a:endParaRPr lang="en-US" altLang="zh-TW"/>
           </a:p>
         </p:txBody>
       </p:sp>
@@ -4454,7 +4484,7 @@
           <a:lstStyle/>
           <a:p>
             <a:pPr eaLnBrk="1" hangingPunct="1"/>
-            <a:endParaRPr lang="zh-TW" altLang="zh-TW" smtClean="0"/>
+            <a:endParaRPr lang="zh-TW" altLang="zh-TW"/>
           </a:p>
         </p:txBody>
       </p:sp>
@@ -4505,7 +4535,7 @@
               <a:pPr/>
               <a:t>9</a:t>
             </a:fld>
-            <a:endParaRPr lang="en-US" altLang="zh-TW" smtClean="0"/>
+            <a:endParaRPr lang="en-US" altLang="zh-TW"/>
           </a:p>
         </p:txBody>
       </p:sp>
@@ -4542,7 +4572,7 @@
           <a:lstStyle/>
           <a:p>
             <a:pPr eaLnBrk="1" hangingPunct="1"/>
-            <a:endParaRPr lang="zh-TW" altLang="zh-TW" smtClean="0"/>
+            <a:endParaRPr lang="zh-TW" altLang="zh-TW"/>
           </a:p>
         </p:txBody>
       </p:sp>
@@ -4810,13 +4840,6 @@
   <p:clrMapOvr>
     <a:masterClrMapping/>
   </p:clrMapOvr>
-  <p:timing>
-    <p:tnLst>
-      <p:par>
-        <p:cTn id="1" dur="indefinite" restart="never" nodeType="tmRoot"/>
-      </p:par>
-    </p:tnLst>
-  </p:timing>
 </p:sldLayout>
 </file>
 
@@ -4853,10 +4876,9 @@
           <a:lstStyle/>
           <a:p>
             <a:r>
-              <a:rPr lang="en-US" smtClean="0"/>
+              <a:rPr lang="en-US"/>
               <a:t>Click to edit Master title style</a:t>
             </a:r>
-            <a:endParaRPr lang="en-US"/>
           </a:p>
         </p:txBody>
       </p:sp>
@@ -4877,38 +4899,37 @@
           <a:p>
             <a:pPr lvl="0"/>
             <a:r>
-              <a:rPr lang="en-US" smtClean="0"/>
+              <a:rPr lang="en-US"/>
               <a:t>Click to edit Master text styles</a:t>
             </a:r>
           </a:p>
           <a:p>
             <a:pPr lvl="1"/>
             <a:r>
-              <a:rPr lang="en-US" smtClean="0"/>
+              <a:rPr lang="en-US"/>
               <a:t>Second level</a:t>
             </a:r>
           </a:p>
           <a:p>
             <a:pPr lvl="2"/>
             <a:r>
-              <a:rPr lang="en-US" smtClean="0"/>
+              <a:rPr lang="en-US"/>
               <a:t>Third level</a:t>
             </a:r>
           </a:p>
           <a:p>
             <a:pPr lvl="3"/>
             <a:r>
-              <a:rPr lang="en-US" smtClean="0"/>
+              <a:rPr lang="en-US"/>
               <a:t>Fourth level</a:t>
             </a:r>
           </a:p>
           <a:p>
             <a:pPr lvl="4"/>
             <a:r>
-              <a:rPr lang="en-US" smtClean="0"/>
+              <a:rPr lang="en-US"/>
               <a:t>Fifth level</a:t>
             </a:r>
-            <a:endParaRPr lang="en-US"/>
           </a:p>
         </p:txBody>
       </p:sp>
@@ -4958,10 +4979,9 @@
           <a:lstStyle/>
           <a:p>
             <a:r>
-              <a:rPr lang="en-US" smtClean="0"/>
+              <a:rPr lang="en-US"/>
               <a:t>Click to edit Master title style</a:t>
             </a:r>
-            <a:endParaRPr lang="en-US"/>
           </a:p>
         </p:txBody>
       </p:sp>
@@ -4987,38 +5007,37 @@
           <a:p>
             <a:pPr lvl="0"/>
             <a:r>
-              <a:rPr lang="en-US" smtClean="0"/>
+              <a:rPr lang="en-US"/>
               <a:t>Click to edit Master text styles</a:t>
             </a:r>
           </a:p>
           <a:p>
             <a:pPr lvl="1"/>
             <a:r>
-              <a:rPr lang="en-US" smtClean="0"/>
+              <a:rPr lang="en-US"/>
               <a:t>Second level</a:t>
             </a:r>
           </a:p>
           <a:p>
             <a:pPr lvl="2"/>
             <a:r>
-              <a:rPr lang="en-US" smtClean="0"/>
+              <a:rPr lang="en-US"/>
               <a:t>Third level</a:t>
             </a:r>
           </a:p>
           <a:p>
             <a:pPr lvl="3"/>
             <a:r>
-              <a:rPr lang="en-US" smtClean="0"/>
+              <a:rPr lang="en-US"/>
               <a:t>Fourth level</a:t>
             </a:r>
           </a:p>
           <a:p>
             <a:pPr lvl="4"/>
             <a:r>
-              <a:rPr lang="en-US" smtClean="0"/>
+              <a:rPr lang="en-US"/>
               <a:t>Fifth level</a:t>
             </a:r>
-            <a:endParaRPr lang="en-US"/>
           </a:p>
         </p:txBody>
       </p:sp>
@@ -5063,10 +5082,9 @@
           <a:lstStyle/>
           <a:p>
             <a:r>
-              <a:rPr lang="en-US" smtClean="0"/>
+              <a:rPr lang="en-US"/>
               <a:t>Click to edit Master title style</a:t>
             </a:r>
-            <a:endParaRPr lang="en-US"/>
           </a:p>
         </p:txBody>
       </p:sp>
@@ -5087,38 +5105,37 @@
           <a:p>
             <a:pPr lvl="0"/>
             <a:r>
-              <a:rPr lang="en-US" smtClean="0"/>
+              <a:rPr lang="en-US"/>
               <a:t>Click to edit Master text styles</a:t>
             </a:r>
           </a:p>
           <a:p>
             <a:pPr lvl="1"/>
             <a:r>
-              <a:rPr lang="en-US" smtClean="0"/>
+              <a:rPr lang="en-US"/>
               <a:t>Second level</a:t>
             </a:r>
           </a:p>
           <a:p>
             <a:pPr lvl="2"/>
             <a:r>
-              <a:rPr lang="en-US" smtClean="0"/>
+              <a:rPr lang="en-US"/>
               <a:t>Third level</a:t>
             </a:r>
           </a:p>
           <a:p>
             <a:pPr lvl="3"/>
             <a:r>
-              <a:rPr lang="en-US" smtClean="0"/>
+              <a:rPr lang="en-US"/>
               <a:t>Fourth level</a:t>
             </a:r>
           </a:p>
           <a:p>
             <a:pPr lvl="4"/>
             <a:r>
-              <a:rPr lang="en-US" smtClean="0"/>
+              <a:rPr lang="en-US"/>
               <a:t>Fifth level</a:t>
             </a:r>
-            <a:endParaRPr lang="en-US"/>
           </a:p>
         </p:txBody>
       </p:sp>
@@ -5127,13 +5144,6 @@
   <p:clrMapOvr>
     <a:masterClrMapping/>
   </p:clrMapOvr>
-  <p:timing>
-    <p:tnLst>
-      <p:par>
-        <p:cTn id="1" dur="indefinite" restart="never" nodeType="tmRoot"/>
-      </p:par>
-    </p:tnLst>
-  </p:timing>
 </p:sldLayout>
 </file>
 
@@ -5179,10 +5189,9 @@
           </a:lstStyle>
           <a:p>
             <a:r>
-              <a:rPr lang="en-US" smtClean="0"/>
+              <a:rPr lang="en-US"/>
               <a:t>Click to edit Master title style</a:t>
             </a:r>
-            <a:endParaRPr lang="en-US"/>
           </a:p>
         </p:txBody>
       </p:sp>
@@ -5245,7 +5254,7 @@
           <a:p>
             <a:pPr lvl="0"/>
             <a:r>
-              <a:rPr lang="en-US" smtClean="0"/>
+              <a:rPr lang="en-US"/>
               <a:t>Click to edit Master text styles</a:t>
             </a:r>
           </a:p>
@@ -5292,10 +5301,9 @@
           <a:lstStyle/>
           <a:p>
             <a:r>
-              <a:rPr lang="en-US" smtClean="0"/>
+              <a:rPr lang="en-US"/>
               <a:t>Click to edit Master title style</a:t>
             </a:r>
-            <a:endParaRPr lang="en-US"/>
           </a:p>
         </p:txBody>
       </p:sp>
@@ -5349,38 +5357,37 @@
           <a:p>
             <a:pPr lvl="0"/>
             <a:r>
-              <a:rPr lang="en-US" smtClean="0"/>
+              <a:rPr lang="en-US"/>
               <a:t>Click to edit Master text styles</a:t>
             </a:r>
           </a:p>
           <a:p>
             <a:pPr lvl="1"/>
             <a:r>
-              <a:rPr lang="en-US" smtClean="0"/>
+              <a:rPr lang="en-US"/>
               <a:t>Second level</a:t>
             </a:r>
           </a:p>
           <a:p>
             <a:pPr lvl="2"/>
             <a:r>
-              <a:rPr lang="en-US" smtClean="0"/>
+              <a:rPr lang="en-US"/>
               <a:t>Third level</a:t>
             </a:r>
           </a:p>
           <a:p>
             <a:pPr lvl="3"/>
             <a:r>
-              <a:rPr lang="en-US" smtClean="0"/>
+              <a:rPr lang="en-US"/>
               <a:t>Fourth level</a:t>
             </a:r>
           </a:p>
           <a:p>
             <a:pPr lvl="4"/>
             <a:r>
-              <a:rPr lang="en-US" smtClean="0"/>
+              <a:rPr lang="en-US"/>
               <a:t>Fifth level</a:t>
             </a:r>
-            <a:endParaRPr lang="en-US"/>
           </a:p>
         </p:txBody>
       </p:sp>
@@ -5434,38 +5441,37 @@
           <a:p>
             <a:pPr lvl="0"/>
             <a:r>
-              <a:rPr lang="en-US" smtClean="0"/>
+              <a:rPr lang="en-US"/>
               <a:t>Click to edit Master text styles</a:t>
             </a:r>
           </a:p>
           <a:p>
             <a:pPr lvl="1"/>
             <a:r>
-              <a:rPr lang="en-US" smtClean="0"/>
+              <a:rPr lang="en-US"/>
               <a:t>Second level</a:t>
             </a:r>
           </a:p>
           <a:p>
             <a:pPr lvl="2"/>
             <a:r>
-              <a:rPr lang="en-US" smtClean="0"/>
+              <a:rPr lang="en-US"/>
               <a:t>Third level</a:t>
             </a:r>
           </a:p>
           <a:p>
             <a:pPr lvl="3"/>
             <a:r>
-              <a:rPr lang="en-US" smtClean="0"/>
+              <a:rPr lang="en-US"/>
               <a:t>Fourth level</a:t>
             </a:r>
           </a:p>
           <a:p>
             <a:pPr lvl="4"/>
             <a:r>
-              <a:rPr lang="en-US" smtClean="0"/>
+              <a:rPr lang="en-US"/>
               <a:t>Fifth level</a:t>
             </a:r>
-            <a:endParaRPr lang="en-US"/>
           </a:p>
         </p:txBody>
       </p:sp>
@@ -5519,10 +5525,9 @@
           </a:lstStyle>
           <a:p>
             <a:r>
-              <a:rPr lang="en-US" smtClean="0"/>
+              <a:rPr lang="en-US"/>
               <a:t>Click to edit Master title style</a:t>
             </a:r>
-            <a:endParaRPr lang="en-US"/>
           </a:p>
         </p:txBody>
       </p:sp>
@@ -5585,7 +5590,7 @@
           <a:p>
             <a:pPr lvl="0"/>
             <a:r>
-              <a:rPr lang="en-US" smtClean="0"/>
+              <a:rPr lang="en-US"/>
               <a:t>Click to edit Master text styles</a:t>
             </a:r>
           </a:p>
@@ -5641,38 +5646,37 @@
           <a:p>
             <a:pPr lvl="0"/>
             <a:r>
-              <a:rPr lang="en-US" smtClean="0"/>
+              <a:rPr lang="en-US"/>
               <a:t>Click to edit Master text styles</a:t>
             </a:r>
           </a:p>
           <a:p>
             <a:pPr lvl="1"/>
             <a:r>
-              <a:rPr lang="en-US" smtClean="0"/>
+              <a:rPr lang="en-US"/>
               <a:t>Second level</a:t>
             </a:r>
           </a:p>
           <a:p>
             <a:pPr lvl="2"/>
             <a:r>
-              <a:rPr lang="en-US" smtClean="0"/>
+              <a:rPr lang="en-US"/>
               <a:t>Third level</a:t>
             </a:r>
           </a:p>
           <a:p>
             <a:pPr lvl="3"/>
             <a:r>
-              <a:rPr lang="en-US" smtClean="0"/>
+              <a:rPr lang="en-US"/>
               <a:t>Fourth level</a:t>
             </a:r>
           </a:p>
           <a:p>
             <a:pPr lvl="4"/>
             <a:r>
-              <a:rPr lang="en-US" smtClean="0"/>
+              <a:rPr lang="en-US"/>
               <a:t>Fifth level</a:t>
             </a:r>
-            <a:endParaRPr lang="en-US"/>
           </a:p>
         </p:txBody>
       </p:sp>
@@ -5735,7 +5739,7 @@
           <a:p>
             <a:pPr lvl="0"/>
             <a:r>
-              <a:rPr lang="en-US" smtClean="0"/>
+              <a:rPr lang="en-US"/>
               <a:t>Click to edit Master text styles</a:t>
             </a:r>
           </a:p>
@@ -5791,38 +5795,37 @@
           <a:p>
             <a:pPr lvl="0"/>
             <a:r>
-              <a:rPr lang="en-US" smtClean="0"/>
+              <a:rPr lang="en-US"/>
               <a:t>Click to edit Master text styles</a:t>
             </a:r>
           </a:p>
           <a:p>
             <a:pPr lvl="1"/>
             <a:r>
-              <a:rPr lang="en-US" smtClean="0"/>
+              <a:rPr lang="en-US"/>
               <a:t>Second level</a:t>
             </a:r>
           </a:p>
           <a:p>
             <a:pPr lvl="2"/>
             <a:r>
-              <a:rPr lang="en-US" smtClean="0"/>
+              <a:rPr lang="en-US"/>
               <a:t>Third level</a:t>
             </a:r>
           </a:p>
           <a:p>
             <a:pPr lvl="3"/>
             <a:r>
-              <a:rPr lang="en-US" smtClean="0"/>
+              <a:rPr lang="en-US"/>
               <a:t>Fourth level</a:t>
             </a:r>
           </a:p>
           <a:p>
             <a:pPr lvl="4"/>
             <a:r>
-              <a:rPr lang="en-US" smtClean="0"/>
+              <a:rPr lang="en-US"/>
               <a:t>Fifth level</a:t>
             </a:r>
-            <a:endParaRPr lang="en-US"/>
           </a:p>
         </p:txBody>
       </p:sp>
@@ -5867,10 +5870,9 @@
           <a:lstStyle/>
           <a:p>
             <a:r>
-              <a:rPr lang="en-US" smtClean="0"/>
+              <a:rPr lang="en-US"/>
               <a:t>Click to edit Master title style</a:t>
             </a:r>
-            <a:endParaRPr lang="en-US"/>
           </a:p>
         </p:txBody>
       </p:sp>
@@ -5879,13 +5881,6 @@
   <p:clrMapOvr>
     <a:masterClrMapping/>
   </p:clrMapOvr>
-  <p:timing>
-    <p:tnLst>
-      <p:par>
-        <p:cTn id="1" dur="indefinite" restart="never" nodeType="tmRoot"/>
-      </p:par>
-    </p:tnLst>
-  </p:timing>
 </p:sldLayout>
 </file>
 
@@ -5956,10 +5951,9 @@
           </a:lstStyle>
           <a:p>
             <a:r>
-              <a:rPr lang="en-US" smtClean="0"/>
+              <a:rPr lang="en-US"/>
               <a:t>Click to edit Master title style</a:t>
             </a:r>
-            <a:endParaRPr lang="en-US"/>
           </a:p>
         </p:txBody>
       </p:sp>
@@ -6013,38 +6007,37 @@
           <a:p>
             <a:pPr lvl="0"/>
             <a:r>
-              <a:rPr lang="en-US" smtClean="0"/>
+              <a:rPr lang="en-US"/>
               <a:t>Click to edit Master text styles</a:t>
             </a:r>
           </a:p>
           <a:p>
             <a:pPr lvl="1"/>
             <a:r>
-              <a:rPr lang="en-US" smtClean="0"/>
+              <a:rPr lang="en-US"/>
               <a:t>Second level</a:t>
             </a:r>
           </a:p>
           <a:p>
             <a:pPr lvl="2"/>
             <a:r>
-              <a:rPr lang="en-US" smtClean="0"/>
+              <a:rPr lang="en-US"/>
               <a:t>Third level</a:t>
             </a:r>
           </a:p>
           <a:p>
             <a:pPr lvl="3"/>
             <a:r>
-              <a:rPr lang="en-US" smtClean="0"/>
+              <a:rPr lang="en-US"/>
               <a:t>Fourth level</a:t>
             </a:r>
           </a:p>
           <a:p>
             <a:pPr lvl="4"/>
             <a:r>
-              <a:rPr lang="en-US" smtClean="0"/>
+              <a:rPr lang="en-US"/>
               <a:t>Fifth level</a:t>
             </a:r>
-            <a:endParaRPr lang="en-US"/>
           </a:p>
         </p:txBody>
       </p:sp>
@@ -6107,7 +6100,7 @@
           <a:p>
             <a:pPr lvl="0"/>
             <a:r>
-              <a:rPr lang="en-US" smtClean="0"/>
+              <a:rPr lang="en-US"/>
               <a:t>Click to edit Master text styles</a:t>
             </a:r>
           </a:p>
@@ -6163,10 +6156,9 @@
           </a:lstStyle>
           <a:p>
             <a:r>
-              <a:rPr lang="en-US" smtClean="0"/>
+              <a:rPr lang="en-US"/>
               <a:t>Click to edit Master title style</a:t>
             </a:r>
-            <a:endParaRPr lang="en-US"/>
           </a:p>
         </p:txBody>
       </p:sp>
@@ -6228,7 +6220,7 @@
           </a:lstStyle>
           <a:p>
             <a:pPr lvl="0"/>
-            <a:endParaRPr lang="en-US" noProof="0" smtClean="0"/>
+            <a:endParaRPr lang="en-US" noProof="0"/>
           </a:p>
         </p:txBody>
       </p:sp>
@@ -6291,7 +6283,7 @@
           <a:p>
             <a:pPr lvl="0"/>
             <a:r>
-              <a:rPr lang="en-US" smtClean="0"/>
+              <a:rPr lang="en-US"/>
               <a:t>Click to edit Master text styles</a:t>
             </a:r>
           </a:p>
@@ -6366,7 +6358,7 @@
           <a:p>
             <a:pPr lvl="0"/>
             <a:r>
-              <a:rPr lang="en-US" altLang="zh-TW" dirty="0" smtClean="0"/>
+              <a:rPr lang="en-US" altLang="zh-TW" dirty="0"/>
               <a:t>Click to edit Master title style</a:t>
             </a:r>
           </a:p>
@@ -6408,35 +6400,35 @@
           <a:p>
             <a:pPr lvl="0"/>
             <a:r>
-              <a:rPr lang="en-US" altLang="zh-TW" smtClean="0"/>
+              <a:rPr lang="en-US" altLang="zh-TW"/>
               <a:t>Click to edit Master text styles</a:t>
             </a:r>
           </a:p>
           <a:p>
             <a:pPr lvl="1"/>
             <a:r>
-              <a:rPr lang="en-US" altLang="zh-TW" smtClean="0"/>
+              <a:rPr lang="en-US" altLang="zh-TW"/>
               <a:t>Second level</a:t>
             </a:r>
           </a:p>
           <a:p>
             <a:pPr lvl="2"/>
             <a:r>
-              <a:rPr lang="en-US" altLang="zh-TW" smtClean="0"/>
+              <a:rPr lang="en-US" altLang="zh-TW"/>
               <a:t>Third level</a:t>
             </a:r>
           </a:p>
           <a:p>
             <a:pPr lvl="3"/>
             <a:r>
-              <a:rPr lang="en-US" altLang="zh-TW" smtClean="0"/>
+              <a:rPr lang="en-US" altLang="zh-TW"/>
               <a:t>Fourth level</a:t>
             </a:r>
           </a:p>
           <a:p>
             <a:pPr lvl="4"/>
             <a:r>
-              <a:rPr lang="en-US" altLang="zh-TW" smtClean="0"/>
+              <a:rPr lang="en-US" altLang="zh-TW"/>
               <a:t>Fifth level</a:t>
             </a:r>
           </a:p>
@@ -6641,7 +6633,7 @@
               <a:defRPr/>
             </a:pPr>
             <a:r>
-              <a:rPr lang="en-US" altLang="zh-TW" sz="1400" b="1" dirty="0" smtClean="0">
+              <a:rPr lang="en-US" altLang="zh-TW" sz="1400" b="1" dirty="0">
                 <a:solidFill>
                   <a:schemeClr val="tx1"/>
                 </a:solidFill>
@@ -6689,13 +6681,6 @@
     <p:sldLayoutId id="2147483851" r:id="rId10"/>
     <p:sldLayoutId id="2147483852" r:id="rId11"/>
   </p:sldLayoutIdLst>
-  <p:timing>
-    <p:tnLst>
-      <p:par>
-        <p:cTn id="1" dur="indefinite" restart="never" nodeType="tmRoot"/>
-      </p:par>
-    </p:tnLst>
-  </p:timing>
   <p:txStyles>
     <p:titleStyle>
       <a:lvl1pPr algn="ctr" rtl="0" eaLnBrk="0" fontAlgn="base" hangingPunct="0">
@@ -7159,52 +7144,40 @@
           <a:p>
             <a:pPr eaLnBrk="1" hangingPunct="1"/>
             <a:r>
-              <a:rPr lang="en-US" altLang="zh-TW" sz="5400" dirty="0" smtClean="0">
-                <a:ea typeface="新細明體" charset="-120"/>
-              </a:rPr>
-              <a:t>Chapter </a:t>
-            </a:r>
-            <a:r>
-              <a:rPr lang="en-US" altLang="zh-TW" sz="5400" dirty="0" smtClean="0">
-                <a:ea typeface="新細明體" charset="-120"/>
-              </a:rPr>
-              <a:t>10  </a:t>
-            </a:r>
-            <a:r>
-              <a:rPr lang="en-US" altLang="zh-TW" sz="5400" dirty="0" smtClean="0">
-                <a:ea typeface="新細明體" charset="-120"/>
-              </a:rPr>
-              <a:t/>
+              <a:rPr lang="en-US" altLang="zh-TW" sz="5400" dirty="0">
+                <a:ea typeface="新細明體" charset="-120"/>
+              </a:rPr>
+              <a:t>Chapter 10  </a:t>
             </a:r>
             <a:br>
-              <a:rPr lang="en-US" altLang="zh-TW" sz="5400" dirty="0" smtClean="0">
+              <a:rPr lang="en-US" altLang="zh-TW" sz="5400" dirty="0">
                 <a:ea typeface="新細明體" charset="-120"/>
               </a:rPr>
             </a:br>
             <a:r>
-              <a:rPr lang="en-US" altLang="zh-TW" sz="5400" dirty="0" smtClean="0">
+              <a:rPr lang="en-US" altLang="zh-TW" sz="5400" dirty="0">
                 <a:ea typeface="新細明體" charset="-120"/>
               </a:rPr>
               <a:t>File-System</a:t>
             </a:r>
             <a:r>
-              <a:rPr lang="zh-TW" altLang="en-US" sz="5400" dirty="0" smtClean="0">
+              <a:rPr lang="zh-TW" altLang="en-US" sz="5400" dirty="0">
                 <a:ea typeface="新細明體" charset="-120"/>
               </a:rPr>
               <a:t>  </a:t>
             </a:r>
             <a:r>
-              <a:rPr lang="en-US" altLang="zh-TW" sz="5400" dirty="0" smtClean="0">
+              <a:rPr lang="en-US" altLang="zh-TW" sz="5400" dirty="0">
                 <a:ea typeface="新細明體" charset="-120"/>
               </a:rPr>
               <a:t> </a:t>
             </a:r>
             <a:br>
-              <a:rPr lang="en-US" altLang="zh-TW" sz="5400" dirty="0" smtClean="0">
+              <a:rPr lang="en-US" altLang="zh-TW" sz="5400" dirty="0">
                 <a:ea typeface="新細明體" charset="-120"/>
               </a:rPr>
             </a:br>
-            <a:endParaRPr lang="en-US" altLang="zh-TW" sz="5400" dirty="0" smtClean="0">
+            <a:endParaRPr lang="en-US" altLang="zh-TW" sz="5400" dirty="0">
               <a:ea typeface="新細明體" charset="-120"/>
             </a:endParaRPr>
           </a:p>
@@ -7215,13 +7188,6 @@
   <p:clrMapOvr>
     <a:masterClrMapping/>
   </p:clrMapOvr>
-  <p:timing>
-    <p:tnLst>
-      <p:par>
-        <p:cTn id="1" dur="indefinite" restart="never" nodeType="tmRoot"/>
-      </p:par>
-    </p:tnLst>
-  </p:timing>
 </p:sld>
 </file>
 
@@ -7259,7 +7225,7 @@
           <a:p>
             <a:pPr eaLnBrk="1" hangingPunct="1"/>
             <a:r>
-              <a:rPr lang="en-US" altLang="zh-TW" smtClean="0">
+              <a:rPr lang="en-US" altLang="zh-TW">
                 <a:ea typeface="新細明體" charset="-120"/>
               </a:rPr>
               <a:t>File Locking Example – Java API</a:t>
@@ -7295,7 +7261,7 @@
               <a:buNone/>
             </a:pPr>
             <a:r>
-              <a:rPr lang="en-US" altLang="zh-TW" sz="1600" dirty="0" smtClean="0">
+              <a:rPr lang="en-US" altLang="zh-TW" sz="1600" dirty="0">
                 <a:solidFill>
                   <a:srgbClr val="0033CC"/>
                 </a:solidFill>
@@ -7313,7 +7279,7 @@
               <a:buNone/>
             </a:pPr>
             <a:r>
-              <a:rPr lang="en-US" altLang="zh-TW" sz="1600" dirty="0" smtClean="0">
+              <a:rPr lang="en-US" altLang="zh-TW" sz="1600" dirty="0">
                 <a:solidFill>
                   <a:srgbClr val="0033CC"/>
                 </a:solidFill>
@@ -7322,7 +7288,7 @@
               <a:t>import </a:t>
             </a:r>
             <a:r>
-              <a:rPr lang="en-US" altLang="zh-TW" sz="1600" dirty="0" err="1" smtClean="0">
+              <a:rPr lang="en-US" altLang="zh-TW" sz="1600" dirty="0" err="1">
                 <a:solidFill>
                   <a:srgbClr val="0033CC"/>
                 </a:solidFill>
@@ -7331,7 +7297,7 @@
               <a:t>java.nio.channels</a:t>
             </a:r>
             <a:r>
-              <a:rPr lang="en-US" altLang="zh-TW" sz="1600" dirty="0" smtClean="0">
+              <a:rPr lang="en-US" altLang="zh-TW" sz="1600" dirty="0">
                 <a:solidFill>
                   <a:srgbClr val="0033CC"/>
                 </a:solidFill>
@@ -7349,7 +7315,7 @@
               <a:buNone/>
             </a:pPr>
             <a:r>
-              <a:rPr lang="en-US" altLang="zh-TW" sz="1600" dirty="0" smtClean="0">
+              <a:rPr lang="en-US" altLang="zh-TW" sz="1600" dirty="0">
                 <a:solidFill>
                   <a:srgbClr val="0033CC"/>
                 </a:solidFill>
@@ -7358,7 +7324,7 @@
               <a:t>public class </a:t>
             </a:r>
             <a:r>
-              <a:rPr lang="en-US" altLang="zh-TW" sz="1600" dirty="0" err="1" smtClean="0">
+              <a:rPr lang="en-US" altLang="zh-TW" sz="1600" dirty="0" err="1">
                 <a:solidFill>
                   <a:srgbClr val="0033CC"/>
                 </a:solidFill>
@@ -7367,7 +7333,7 @@
               <a:t>LockingExample</a:t>
             </a:r>
             <a:r>
-              <a:rPr lang="en-US" altLang="zh-TW" sz="1600" dirty="0" smtClean="0">
+              <a:rPr lang="en-US" altLang="zh-TW" sz="1600" dirty="0">
                 <a:solidFill>
                   <a:srgbClr val="0033CC"/>
                 </a:solidFill>
@@ -7376,7 +7342,7 @@
               <a:t> </a:t>
             </a:r>
             <a:r>
-              <a:rPr lang="en-US" altLang="zh-TW" sz="1600" i="1" dirty="0" smtClean="0">
+              <a:rPr lang="en-US" altLang="zh-TW" sz="1600" i="1" dirty="0">
                 <a:solidFill>
                   <a:srgbClr val="0033CC"/>
                 </a:solidFill>
@@ -7394,7 +7360,7 @@
               <a:buNone/>
             </a:pPr>
             <a:r>
-              <a:rPr lang="en-US" altLang="zh-TW" sz="1600" i="1" dirty="0" smtClean="0">
+              <a:rPr lang="en-US" altLang="zh-TW" sz="1600" i="1" dirty="0">
                 <a:solidFill>
                   <a:srgbClr val="0033CC"/>
                 </a:solidFill>
@@ -7403,7 +7369,7 @@
               <a:t>	</a:t>
             </a:r>
             <a:r>
-              <a:rPr lang="en-US" altLang="zh-TW" sz="1600" dirty="0" smtClean="0">
+              <a:rPr lang="en-US" altLang="zh-TW" sz="1600" dirty="0">
                 <a:solidFill>
                   <a:srgbClr val="0033CC"/>
                 </a:solidFill>
@@ -7412,7 +7378,7 @@
               <a:t>public static final </a:t>
             </a:r>
             <a:r>
-              <a:rPr lang="en-US" altLang="zh-TW" sz="1600" dirty="0" err="1" smtClean="0">
+              <a:rPr lang="en-US" altLang="zh-TW" sz="1600" dirty="0" err="1">
                 <a:solidFill>
                   <a:srgbClr val="0033CC"/>
                 </a:solidFill>
@@ -7421,7 +7387,7 @@
               <a:t>boolean</a:t>
             </a:r>
             <a:r>
-              <a:rPr lang="en-US" altLang="zh-TW" sz="1600" dirty="0" smtClean="0">
+              <a:rPr lang="en-US" altLang="zh-TW" sz="1600" dirty="0">
                 <a:solidFill>
                   <a:srgbClr val="0033CC"/>
                 </a:solidFill>
@@ -7439,7 +7405,7 @@
               <a:buNone/>
             </a:pPr>
             <a:r>
-              <a:rPr lang="en-US" altLang="zh-TW" sz="1600" dirty="0" smtClean="0">
+              <a:rPr lang="en-US" altLang="zh-TW" sz="1600" dirty="0">
                 <a:solidFill>
                   <a:srgbClr val="0033CC"/>
                 </a:solidFill>
@@ -7448,7 +7414,7 @@
               <a:t>	public static final </a:t>
             </a:r>
             <a:r>
-              <a:rPr lang="en-US" altLang="zh-TW" sz="1600" dirty="0" err="1" smtClean="0">
+              <a:rPr lang="en-US" altLang="zh-TW" sz="1600" dirty="0" err="1">
                 <a:solidFill>
                   <a:srgbClr val="0033CC"/>
                 </a:solidFill>
@@ -7457,7 +7423,7 @@
               <a:t>boolean</a:t>
             </a:r>
             <a:r>
-              <a:rPr lang="en-US" altLang="zh-TW" sz="1600" dirty="0" smtClean="0">
+              <a:rPr lang="en-US" altLang="zh-TW" sz="1600" dirty="0">
                 <a:solidFill>
                   <a:srgbClr val="0033CC"/>
                 </a:solidFill>
@@ -7475,7 +7441,7 @@
               <a:buNone/>
             </a:pPr>
             <a:r>
-              <a:rPr lang="en-US" altLang="zh-TW" sz="1600" dirty="0" smtClean="0">
+              <a:rPr lang="en-US" altLang="zh-TW" sz="1600" dirty="0">
                 <a:solidFill>
                   <a:srgbClr val="0033CC"/>
                 </a:solidFill>
@@ -7484,7 +7450,7 @@
               <a:t>	public static void main(String </a:t>
             </a:r>
             <a:r>
-              <a:rPr lang="en-US" altLang="zh-TW" sz="1600" dirty="0" err="1" smtClean="0">
+              <a:rPr lang="en-US" altLang="zh-TW" sz="1600" dirty="0" err="1">
                 <a:solidFill>
                   <a:srgbClr val="0033CC"/>
                 </a:solidFill>
@@ -7493,7 +7459,7 @@
               <a:t>arsg</a:t>
             </a:r>
             <a:r>
-              <a:rPr lang="en-US" altLang="zh-TW" sz="1600" dirty="0" smtClean="0">
+              <a:rPr lang="en-US" altLang="zh-TW" sz="1600" dirty="0">
                 <a:solidFill>
                   <a:srgbClr val="0033CC"/>
                 </a:solidFill>
@@ -7502,7 +7468,7 @@
               <a:t>[]) throws </a:t>
             </a:r>
             <a:r>
-              <a:rPr lang="en-US" altLang="zh-TW" sz="1600" dirty="0" err="1" smtClean="0">
+              <a:rPr lang="en-US" altLang="zh-TW" sz="1600" dirty="0" err="1">
                 <a:solidFill>
                   <a:srgbClr val="0033CC"/>
                 </a:solidFill>
@@ -7511,7 +7477,7 @@
               <a:t>IOException</a:t>
             </a:r>
             <a:r>
-              <a:rPr lang="en-US" altLang="zh-TW" sz="1600" dirty="0" smtClean="0">
+              <a:rPr lang="en-US" altLang="zh-TW" sz="1600" dirty="0">
                 <a:solidFill>
                   <a:srgbClr val="0033CC"/>
                 </a:solidFill>
@@ -7520,7 +7486,7 @@
               <a:t> </a:t>
             </a:r>
             <a:r>
-              <a:rPr lang="en-US" altLang="zh-TW" sz="1600" i="1" dirty="0" smtClean="0">
+              <a:rPr lang="en-US" altLang="zh-TW" sz="1600" i="1" dirty="0">
                 <a:solidFill>
                   <a:srgbClr val="0033CC"/>
                 </a:solidFill>
@@ -7538,7 +7504,7 @@
               <a:buNone/>
             </a:pPr>
             <a:r>
-              <a:rPr lang="en-US" altLang="zh-TW" sz="1600" dirty="0" smtClean="0">
+              <a:rPr lang="en-US" altLang="zh-TW" sz="1600" dirty="0">
                 <a:solidFill>
                   <a:srgbClr val="0033CC"/>
                 </a:solidFill>
@@ -7547,7 +7513,7 @@
               <a:t>		</a:t>
             </a:r>
             <a:r>
-              <a:rPr lang="en-US" altLang="zh-TW" sz="1600" dirty="0" err="1" smtClean="0">
+              <a:rPr lang="en-US" altLang="zh-TW" sz="1600" dirty="0" err="1">
                 <a:solidFill>
                   <a:srgbClr val="FF0000"/>
                 </a:solidFill>
@@ -7556,7 +7522,7 @@
               <a:t>FileLock</a:t>
             </a:r>
             <a:r>
-              <a:rPr lang="en-US" altLang="zh-TW" sz="1600" dirty="0" smtClean="0">
+              <a:rPr lang="en-US" altLang="zh-TW" sz="1600" dirty="0">
                 <a:solidFill>
                   <a:srgbClr val="FF0000"/>
                 </a:solidFill>
@@ -7565,7 +7531,7 @@
               <a:t> </a:t>
             </a:r>
             <a:r>
-              <a:rPr lang="en-US" altLang="zh-TW" sz="1600" dirty="0" err="1" smtClean="0">
+              <a:rPr lang="en-US" altLang="zh-TW" sz="1600" dirty="0" err="1">
                 <a:solidFill>
                   <a:srgbClr val="FF0000"/>
                 </a:solidFill>
@@ -7574,7 +7540,7 @@
               <a:t>sharedLock</a:t>
             </a:r>
             <a:r>
-              <a:rPr lang="en-US" altLang="zh-TW" sz="1600" dirty="0" smtClean="0">
+              <a:rPr lang="en-US" altLang="zh-TW" sz="1600" dirty="0">
                 <a:solidFill>
                   <a:srgbClr val="FF0000"/>
                 </a:solidFill>
@@ -7592,7 +7558,7 @@
               <a:buNone/>
             </a:pPr>
             <a:r>
-              <a:rPr lang="en-US" altLang="zh-TW" sz="1600" dirty="0" smtClean="0">
+              <a:rPr lang="en-US" altLang="zh-TW" sz="1600" dirty="0">
                 <a:solidFill>
                   <a:srgbClr val="0033CC"/>
                 </a:solidFill>
@@ -7601,7 +7567,7 @@
               <a:t>		</a:t>
             </a:r>
             <a:r>
-              <a:rPr lang="en-US" altLang="zh-TW" sz="1600" dirty="0" err="1" smtClean="0">
+              <a:rPr lang="en-US" altLang="zh-TW" sz="1600" dirty="0" err="1">
                 <a:solidFill>
                   <a:srgbClr val="FF0000"/>
                 </a:solidFill>
@@ -7610,7 +7576,7 @@
               <a:t>FileLock</a:t>
             </a:r>
             <a:r>
-              <a:rPr lang="en-US" altLang="zh-TW" sz="1600" dirty="0" smtClean="0">
+              <a:rPr lang="en-US" altLang="zh-TW" sz="1600" dirty="0">
                 <a:solidFill>
                   <a:srgbClr val="FF0000"/>
                 </a:solidFill>
@@ -7619,7 +7585,7 @@
               <a:t> </a:t>
             </a:r>
             <a:r>
-              <a:rPr lang="en-US" altLang="zh-TW" sz="1600" dirty="0" err="1" smtClean="0">
+              <a:rPr lang="en-US" altLang="zh-TW" sz="1600" dirty="0" err="1">
                 <a:solidFill>
                   <a:srgbClr val="FF0000"/>
                 </a:solidFill>
@@ -7628,7 +7594,7 @@
               <a:t>exclusiveLock</a:t>
             </a:r>
             <a:r>
-              <a:rPr lang="en-US" altLang="zh-TW" sz="1600" dirty="0" smtClean="0">
+              <a:rPr lang="en-US" altLang="zh-TW" sz="1600" dirty="0">
                 <a:solidFill>
                   <a:srgbClr val="FF0000"/>
                 </a:solidFill>
@@ -7646,7 +7612,7 @@
               <a:buNone/>
             </a:pPr>
             <a:r>
-              <a:rPr lang="en-US" altLang="zh-TW" sz="1600" dirty="0" smtClean="0">
+              <a:rPr lang="en-US" altLang="zh-TW" sz="1600" dirty="0">
                 <a:solidFill>
                   <a:srgbClr val="0033CC"/>
                 </a:solidFill>
@@ -7655,7 +7621,7 @@
               <a:t>		try </a:t>
             </a:r>
             <a:r>
-              <a:rPr lang="en-US" altLang="zh-TW" sz="1600" i="1" dirty="0" smtClean="0">
+              <a:rPr lang="en-US" altLang="zh-TW" sz="1600" i="1" dirty="0">
                 <a:solidFill>
                   <a:srgbClr val="0033CC"/>
                 </a:solidFill>
@@ -7673,7 +7639,7 @@
               <a:buNone/>
             </a:pPr>
             <a:r>
-              <a:rPr lang="en-US" altLang="zh-TW" sz="1600" dirty="0" smtClean="0">
+              <a:rPr lang="en-US" altLang="zh-TW" sz="1600" dirty="0">
                 <a:solidFill>
                   <a:srgbClr val="0033CC"/>
                 </a:solidFill>
@@ -7682,7 +7648,7 @@
               <a:t>			</a:t>
             </a:r>
             <a:r>
-              <a:rPr lang="en-US" altLang="zh-TW" sz="1800" dirty="0" err="1" smtClean="0">
+              <a:rPr lang="en-US" altLang="zh-TW" sz="1800" dirty="0" err="1">
                 <a:solidFill>
                   <a:srgbClr val="FF0000"/>
                 </a:solidFill>
@@ -7691,7 +7657,7 @@
               <a:t>RandomAccessFile</a:t>
             </a:r>
             <a:r>
-              <a:rPr lang="en-US" altLang="zh-TW" sz="1800" dirty="0" smtClean="0">
+              <a:rPr lang="en-US" altLang="zh-TW" sz="1800" dirty="0">
                 <a:solidFill>
                   <a:srgbClr val="FF0000"/>
                 </a:solidFill>
@@ -7700,7 +7666,7 @@
               <a:t> </a:t>
             </a:r>
             <a:r>
-              <a:rPr lang="en-US" altLang="zh-TW" sz="1800" dirty="0" err="1" smtClean="0">
+              <a:rPr lang="en-US" altLang="zh-TW" sz="1800" dirty="0" err="1">
                 <a:solidFill>
                   <a:srgbClr val="FF0000"/>
                 </a:solidFill>
@@ -7709,7 +7675,7 @@
               <a:t>raf</a:t>
             </a:r>
             <a:r>
-              <a:rPr lang="en-US" altLang="zh-TW" sz="1800" dirty="0" smtClean="0">
+              <a:rPr lang="en-US" altLang="zh-TW" sz="1800" dirty="0">
                 <a:solidFill>
                   <a:srgbClr val="FF0000"/>
                 </a:solidFill>
@@ -7718,7 +7684,7 @@
               <a:t> = new </a:t>
             </a:r>
             <a:r>
-              <a:rPr lang="en-US" altLang="zh-TW" sz="1800" dirty="0" err="1" smtClean="0">
+              <a:rPr lang="en-US" altLang="zh-TW" sz="1800" dirty="0" err="1">
                 <a:solidFill>
                   <a:srgbClr val="FF0000"/>
                 </a:solidFill>
@@ -7727,7 +7693,7 @@
               <a:t>RandomAccessFile</a:t>
             </a:r>
             <a:r>
-              <a:rPr lang="en-US" altLang="zh-TW" sz="1800" dirty="0" smtClean="0">
+              <a:rPr lang="en-US" altLang="zh-TW" sz="1800" dirty="0">
                 <a:solidFill>
                   <a:srgbClr val="FF0000"/>
                 </a:solidFill>
@@ -7736,7 +7702,7 @@
               <a:t>("file.txt", "</a:t>
             </a:r>
             <a:r>
-              <a:rPr lang="en-US" altLang="zh-TW" sz="1800" dirty="0" err="1" smtClean="0">
+              <a:rPr lang="en-US" altLang="zh-TW" sz="1800" dirty="0" err="1">
                 <a:solidFill>
                   <a:srgbClr val="FF0000"/>
                 </a:solidFill>
@@ -7745,7 +7711,7 @@
               <a:t>rw</a:t>
             </a:r>
             <a:r>
-              <a:rPr lang="en-US" altLang="zh-TW" sz="1800" dirty="0" smtClean="0">
+              <a:rPr lang="en-US" altLang="zh-TW" sz="1800" dirty="0">
                 <a:solidFill>
                   <a:srgbClr val="FF0000"/>
                 </a:solidFill>
@@ -7753,7 +7719,7 @@
               </a:rPr>
               <a:t>");</a:t>
             </a:r>
-            <a:endParaRPr lang="en-US" altLang="zh-TW" sz="1600" dirty="0" smtClean="0">
+            <a:endParaRPr lang="en-US" altLang="zh-TW" sz="1600" dirty="0">
               <a:solidFill>
                 <a:srgbClr val="FF0000"/>
               </a:solidFill>
@@ -7769,7 +7735,7 @@
               <a:buNone/>
             </a:pPr>
             <a:r>
-              <a:rPr lang="en-US" altLang="zh-TW" sz="1600" dirty="0" smtClean="0">
+              <a:rPr lang="en-US" altLang="zh-TW" sz="1600" dirty="0">
                 <a:solidFill>
                   <a:srgbClr val="0033CC"/>
                 </a:solidFill>
@@ -7787,7 +7753,7 @@
               <a:buNone/>
             </a:pPr>
             <a:r>
-              <a:rPr lang="en-US" altLang="zh-TW" sz="1600" dirty="0" smtClean="0">
+              <a:rPr lang="en-US" altLang="zh-TW" sz="1600" dirty="0">
                 <a:solidFill>
                   <a:srgbClr val="0033CC"/>
                 </a:solidFill>
@@ -7796,7 +7762,7 @@
               <a:t>			</a:t>
             </a:r>
             <a:r>
-              <a:rPr lang="en-US" altLang="zh-TW" sz="1800" dirty="0" err="1" smtClean="0">
+              <a:rPr lang="en-US" altLang="zh-TW" sz="1800" dirty="0" err="1">
                 <a:solidFill>
                   <a:srgbClr val="FF0000"/>
                 </a:solidFill>
@@ -7805,7 +7771,7 @@
               <a:t>FileChannel</a:t>
             </a:r>
             <a:r>
-              <a:rPr lang="en-US" altLang="zh-TW" sz="1800" dirty="0" smtClean="0">
+              <a:rPr lang="en-US" altLang="zh-TW" sz="1800" dirty="0">
                 <a:solidFill>
                   <a:srgbClr val="FF0000"/>
                 </a:solidFill>
@@ -7814,7 +7780,7 @@
               <a:t> </a:t>
             </a:r>
             <a:r>
-              <a:rPr lang="en-US" altLang="zh-TW" sz="1800" dirty="0" err="1" smtClean="0">
+              <a:rPr lang="en-US" altLang="zh-TW" sz="1800" dirty="0" err="1">
                 <a:solidFill>
                   <a:srgbClr val="FF0000"/>
                 </a:solidFill>
@@ -7823,7 +7789,7 @@
               <a:t>ch</a:t>
             </a:r>
             <a:r>
-              <a:rPr lang="en-US" altLang="zh-TW" sz="1800" dirty="0" smtClean="0">
+              <a:rPr lang="en-US" altLang="zh-TW" sz="1800" dirty="0">
                 <a:solidFill>
                   <a:srgbClr val="FF0000"/>
                 </a:solidFill>
@@ -7832,7 +7798,7 @@
               <a:t> = </a:t>
             </a:r>
             <a:r>
-              <a:rPr lang="en-US" altLang="zh-TW" sz="1800" dirty="0" err="1" smtClean="0">
+              <a:rPr lang="en-US" altLang="zh-TW" sz="1800" dirty="0" err="1">
                 <a:solidFill>
                   <a:srgbClr val="FF0000"/>
                 </a:solidFill>
@@ -7841,7 +7807,7 @@
               <a:t>raf.getChannel</a:t>
             </a:r>
             <a:r>
-              <a:rPr lang="en-US" altLang="zh-TW" sz="1800" dirty="0" smtClean="0">
+              <a:rPr lang="en-US" altLang="zh-TW" sz="1800" dirty="0">
                 <a:solidFill>
                   <a:srgbClr val="FF0000"/>
                 </a:solidFill>
@@ -7849,7 +7815,7 @@
               </a:rPr>
               <a:t>();</a:t>
             </a:r>
-            <a:endParaRPr lang="en-US" altLang="zh-TW" sz="1600" dirty="0" smtClean="0">
+            <a:endParaRPr lang="en-US" altLang="zh-TW" sz="1600" dirty="0">
               <a:solidFill>
                 <a:srgbClr val="FF0000"/>
               </a:solidFill>
@@ -7865,7 +7831,7 @@
               <a:buNone/>
             </a:pPr>
             <a:r>
-              <a:rPr lang="en-US" altLang="zh-TW" sz="1600" dirty="0" smtClean="0">
+              <a:rPr lang="en-US" altLang="zh-TW" sz="1600" dirty="0">
                 <a:solidFill>
                   <a:srgbClr val="0033CC"/>
                 </a:solidFill>
@@ -7883,7 +7849,7 @@
               <a:buNone/>
             </a:pPr>
             <a:r>
-              <a:rPr lang="en-US" altLang="zh-TW" sz="1600" dirty="0" smtClean="0">
+              <a:rPr lang="en-US" altLang="zh-TW" sz="1600" dirty="0">
                 <a:solidFill>
                   <a:srgbClr val="0033CC"/>
                 </a:solidFill>
@@ -7892,7 +7858,7 @@
               <a:t>			</a:t>
             </a:r>
             <a:r>
-              <a:rPr lang="en-US" altLang="zh-TW" sz="1800" dirty="0" err="1" smtClean="0">
+              <a:rPr lang="en-US" altLang="zh-TW" sz="1800" dirty="0" err="1">
                 <a:solidFill>
                   <a:srgbClr val="FF0000"/>
                 </a:solidFill>
@@ -7901,7 +7867,7 @@
               <a:t>exclusiveLock</a:t>
             </a:r>
             <a:r>
-              <a:rPr lang="en-US" altLang="zh-TW" sz="1800" dirty="0" smtClean="0">
+              <a:rPr lang="en-US" altLang="zh-TW" sz="1800" dirty="0">
                 <a:solidFill>
                   <a:srgbClr val="FF0000"/>
                 </a:solidFill>
@@ -7910,7 +7876,7 @@
               <a:t> = </a:t>
             </a:r>
             <a:r>
-              <a:rPr lang="en-US" altLang="zh-TW" sz="1800" dirty="0" err="1" smtClean="0">
+              <a:rPr lang="en-US" altLang="zh-TW" sz="1800" dirty="0" err="1">
                 <a:solidFill>
                   <a:srgbClr val="FF0000"/>
                 </a:solidFill>
@@ -7919,7 +7885,7 @@
               <a:t>ch.lock</a:t>
             </a:r>
             <a:r>
-              <a:rPr lang="en-US" altLang="zh-TW" sz="1800" dirty="0" smtClean="0">
+              <a:rPr lang="en-US" altLang="zh-TW" sz="1800" dirty="0">
                 <a:solidFill>
                   <a:srgbClr val="FF0000"/>
                 </a:solidFill>
@@ -7928,7 +7894,7 @@
               <a:t>(0, </a:t>
             </a:r>
             <a:r>
-              <a:rPr lang="en-US" altLang="zh-TW" sz="1800" dirty="0" err="1" smtClean="0">
+              <a:rPr lang="en-US" altLang="zh-TW" sz="1800" dirty="0" err="1">
                 <a:solidFill>
                   <a:srgbClr val="FF0000"/>
                 </a:solidFill>
@@ -7937,7 +7903,7 @@
               <a:t>raf.length</a:t>
             </a:r>
             <a:r>
-              <a:rPr lang="en-US" altLang="zh-TW" sz="1800" dirty="0" smtClean="0">
+              <a:rPr lang="en-US" altLang="zh-TW" sz="1800" dirty="0">
                 <a:solidFill>
                   <a:srgbClr val="FF0000"/>
                 </a:solidFill>
@@ -7945,7 +7911,7 @@
               </a:rPr>
               <a:t>()/2, EXCLUSIVE);</a:t>
             </a:r>
-            <a:endParaRPr lang="en-US" altLang="zh-TW" sz="1600" dirty="0" smtClean="0">
+            <a:endParaRPr lang="en-US" altLang="zh-TW" sz="1600" dirty="0">
               <a:solidFill>
                 <a:srgbClr val="FF0000"/>
               </a:solidFill>
@@ -7960,7 +7926,7 @@
               <a:buFont typeface="Monotype Sorts" charset="2"/>
               <a:buNone/>
             </a:pPr>
-            <a:endParaRPr lang="en-US" altLang="zh-TW" sz="1600" dirty="0" smtClean="0">
+            <a:endParaRPr lang="en-US" altLang="zh-TW" sz="1600" dirty="0">
               <a:solidFill>
                 <a:srgbClr val="0033CC"/>
               </a:solidFill>
@@ -7976,7 +7942,7 @@
               <a:buNone/>
             </a:pPr>
             <a:r>
-              <a:rPr lang="en-US" altLang="zh-TW" sz="1600" dirty="0" smtClean="0">
+              <a:rPr lang="en-US" altLang="zh-TW" sz="1600" dirty="0">
                 <a:solidFill>
                   <a:srgbClr val="0033CC"/>
                 </a:solidFill>
@@ -7993,7 +7959,7 @@
               <a:buFont typeface="Monotype Sorts" charset="2"/>
               <a:buNone/>
             </a:pPr>
-            <a:endParaRPr lang="en-US" altLang="zh-TW" sz="1600" dirty="0" smtClean="0">
+            <a:endParaRPr lang="en-US" altLang="zh-TW" sz="1600" dirty="0">
               <a:solidFill>
                 <a:srgbClr val="0033CC"/>
               </a:solidFill>
@@ -8009,7 +7975,7 @@
               <a:buNone/>
             </a:pPr>
             <a:r>
-              <a:rPr lang="en-US" altLang="zh-TW" sz="1600" dirty="0" smtClean="0">
+              <a:rPr lang="en-US" altLang="zh-TW" sz="1600" dirty="0">
                 <a:solidFill>
                   <a:srgbClr val="0033CC"/>
                 </a:solidFill>
@@ -8027,7 +7993,7 @@
               <a:buNone/>
             </a:pPr>
             <a:r>
-              <a:rPr lang="en-US" altLang="zh-TW" sz="1600" dirty="0" smtClean="0">
+              <a:rPr lang="en-US" altLang="zh-TW" sz="1600" dirty="0">
                 <a:solidFill>
                   <a:srgbClr val="0033CC"/>
                 </a:solidFill>
@@ -8036,7 +8002,7 @@
               <a:t>			</a:t>
             </a:r>
             <a:r>
-              <a:rPr lang="en-US" altLang="zh-TW" sz="1800" dirty="0" err="1" smtClean="0">
+              <a:rPr lang="en-US" altLang="zh-TW" sz="1800" dirty="0" err="1">
                 <a:solidFill>
                   <a:srgbClr val="FF0000"/>
                 </a:solidFill>
@@ -8045,7 +8011,7 @@
               <a:t>exclusiveLock.release</a:t>
             </a:r>
             <a:r>
-              <a:rPr lang="en-US" altLang="zh-TW" sz="1800" dirty="0" smtClean="0">
+              <a:rPr lang="en-US" altLang="zh-TW" sz="1800" dirty="0">
                 <a:solidFill>
                   <a:srgbClr val="FF0000"/>
                 </a:solidFill>
@@ -8053,7 +8019,7 @@
               </a:rPr>
               <a:t>();</a:t>
             </a:r>
-            <a:endParaRPr lang="en-US" altLang="zh-TW" sz="1600" dirty="0" smtClean="0">
+            <a:endParaRPr lang="en-US" altLang="zh-TW" sz="1600" dirty="0">
               <a:solidFill>
                 <a:srgbClr val="FF0000"/>
               </a:solidFill>
@@ -8068,7 +8034,7 @@
               <a:buFont typeface="Monotype Sorts" charset="2"/>
               <a:buNone/>
             </a:pPr>
-            <a:endParaRPr lang="en-US" altLang="zh-TW" sz="1600" dirty="0" smtClean="0">
+            <a:endParaRPr lang="en-US" altLang="zh-TW" sz="1600" dirty="0">
               <a:solidFill>
                 <a:srgbClr val="0033CC"/>
               </a:solidFill>
@@ -8780,7 +8746,7 @@
           <a:p>
             <a:pPr eaLnBrk="1" hangingPunct="1"/>
             <a:r>
-              <a:rPr lang="en-US" altLang="zh-TW" smtClean="0">
+              <a:rPr lang="en-US" altLang="zh-TW">
                 <a:ea typeface="新細明體" charset="-120"/>
               </a:rPr>
               <a:t>File Locking Example – Java API (cont)</a:t>
@@ -8816,7 +8782,7 @@
               <a:buNone/>
             </a:pPr>
             <a:r>
-              <a:rPr lang="en-US" altLang="zh-TW" sz="1800" dirty="0" smtClean="0">
+              <a:rPr lang="en-US" altLang="zh-TW" sz="1800" dirty="0">
                 <a:solidFill>
                   <a:srgbClr val="0033CC"/>
                 </a:solidFill>
@@ -8834,7 +8800,7 @@
               <a:buNone/>
             </a:pPr>
             <a:r>
-              <a:rPr lang="en-US" altLang="zh-TW" sz="1800" dirty="0" smtClean="0">
+              <a:rPr lang="en-US" altLang="zh-TW" sz="1800" dirty="0">
                 <a:solidFill>
                   <a:srgbClr val="0033CC"/>
                 </a:solidFill>
@@ -8843,7 +8809,7 @@
               <a:t>			</a:t>
             </a:r>
             <a:r>
-              <a:rPr lang="en-US" altLang="zh-TW" sz="1800" dirty="0" err="1" smtClean="0">
+              <a:rPr lang="en-US" altLang="zh-TW" sz="1800" dirty="0" err="1">
                 <a:solidFill>
                   <a:srgbClr val="FF0000"/>
                 </a:solidFill>
@@ -8852,7 +8818,7 @@
               <a:t>sharedLock</a:t>
             </a:r>
             <a:r>
-              <a:rPr lang="en-US" altLang="zh-TW" sz="1800" dirty="0" smtClean="0">
+              <a:rPr lang="en-US" altLang="zh-TW" sz="1800" dirty="0">
                 <a:solidFill>
                   <a:srgbClr val="FF0000"/>
                 </a:solidFill>
@@ -8861,7 +8827,7 @@
               <a:t> = </a:t>
             </a:r>
             <a:r>
-              <a:rPr lang="en-US" altLang="zh-TW" sz="1800" dirty="0" err="1" smtClean="0">
+              <a:rPr lang="en-US" altLang="zh-TW" sz="1800" dirty="0" err="1">
                 <a:solidFill>
                   <a:srgbClr val="FF0000"/>
                 </a:solidFill>
@@ -8870,7 +8836,7 @@
               <a:t>ch.lock</a:t>
             </a:r>
             <a:r>
-              <a:rPr lang="en-US" altLang="zh-TW" sz="1800" dirty="0" smtClean="0">
+              <a:rPr lang="en-US" altLang="zh-TW" sz="1800" dirty="0">
                 <a:solidFill>
                   <a:srgbClr val="FF0000"/>
                 </a:solidFill>
@@ -8879,7 +8845,7 @@
               <a:t>(</a:t>
             </a:r>
             <a:r>
-              <a:rPr lang="en-US" altLang="zh-TW" sz="1800" dirty="0" err="1" smtClean="0">
+              <a:rPr lang="en-US" altLang="zh-TW" sz="1800" dirty="0" err="1">
                 <a:solidFill>
                   <a:srgbClr val="FF0000"/>
                 </a:solidFill>
@@ -8888,7 +8854,7 @@
               <a:t>raf.length</a:t>
             </a:r>
             <a:r>
-              <a:rPr lang="en-US" altLang="zh-TW" sz="1800" dirty="0" smtClean="0">
+              <a:rPr lang="en-US" altLang="zh-TW" sz="1800" dirty="0">
                 <a:solidFill>
                   <a:srgbClr val="FF0000"/>
                 </a:solidFill>
@@ -8897,7 +8863,7 @@
               <a:t>()/2+1, </a:t>
             </a:r>
             <a:r>
-              <a:rPr lang="en-US" altLang="zh-TW" sz="1800" dirty="0" err="1" smtClean="0">
+              <a:rPr lang="en-US" altLang="zh-TW" sz="1800" dirty="0" err="1">
                 <a:solidFill>
                   <a:srgbClr val="FF0000"/>
                 </a:solidFill>
@@ -8906,7 +8872,7 @@
               <a:t>raf.length</a:t>
             </a:r>
             <a:r>
-              <a:rPr lang="en-US" altLang="zh-TW" sz="1800" dirty="0" smtClean="0">
+              <a:rPr lang="en-US" altLang="zh-TW" sz="1800" dirty="0">
                 <a:solidFill>
                   <a:srgbClr val="FF0000"/>
                 </a:solidFill>
@@ -8923,7 +8889,7 @@
               <a:buFont typeface="Monotype Sorts" charset="2"/>
               <a:buNone/>
             </a:pPr>
-            <a:endParaRPr lang="en-US" altLang="zh-TW" sz="1800" dirty="0" smtClean="0">
+            <a:endParaRPr lang="en-US" altLang="zh-TW" sz="1800" dirty="0">
               <a:solidFill>
                 <a:srgbClr val="0033CC"/>
               </a:solidFill>
@@ -8939,7 +8905,7 @@
               <a:buNone/>
             </a:pPr>
             <a:r>
-              <a:rPr lang="en-US" altLang="zh-TW" sz="1800" dirty="0" smtClean="0">
+              <a:rPr lang="en-US" altLang="zh-TW" sz="1800" dirty="0">
                 <a:solidFill>
                   <a:srgbClr val="0033CC"/>
                 </a:solidFill>
@@ -8956,7 +8922,7 @@
               <a:buFont typeface="Monotype Sorts" charset="2"/>
               <a:buNone/>
             </a:pPr>
-            <a:endParaRPr lang="en-US" altLang="zh-TW" sz="1800" dirty="0" smtClean="0">
+            <a:endParaRPr lang="en-US" altLang="zh-TW" sz="1800" dirty="0">
               <a:solidFill>
                 <a:srgbClr val="0033CC"/>
               </a:solidFill>
@@ -8972,7 +8938,7 @@
               <a:buNone/>
             </a:pPr>
             <a:r>
-              <a:rPr lang="en-US" altLang="zh-TW" sz="1800" dirty="0" smtClean="0">
+              <a:rPr lang="en-US" altLang="zh-TW" sz="1800" dirty="0">
                 <a:solidFill>
                   <a:srgbClr val="0033CC"/>
                 </a:solidFill>
@@ -8990,7 +8956,7 @@
               <a:buNone/>
             </a:pPr>
             <a:r>
-              <a:rPr lang="en-US" altLang="zh-TW" sz="1800" dirty="0" smtClean="0">
+              <a:rPr lang="en-US" altLang="zh-TW" sz="1800" dirty="0">
                 <a:solidFill>
                   <a:srgbClr val="0033CC"/>
                 </a:solidFill>
@@ -8999,7 +8965,7 @@
               <a:t>			</a:t>
             </a:r>
             <a:r>
-              <a:rPr lang="en-US" altLang="zh-TW" sz="1800" dirty="0" err="1" smtClean="0">
+              <a:rPr lang="en-US" altLang="zh-TW" sz="1800" dirty="0" err="1">
                 <a:solidFill>
                   <a:srgbClr val="FF0000"/>
                 </a:solidFill>
@@ -9008,7 +8974,7 @@
               <a:t>sharedLock.release</a:t>
             </a:r>
             <a:r>
-              <a:rPr lang="en-US" altLang="zh-TW" sz="1800" dirty="0" smtClean="0">
+              <a:rPr lang="en-US" altLang="zh-TW" sz="1800" dirty="0">
                 <a:solidFill>
                   <a:srgbClr val="FF0000"/>
                 </a:solidFill>
@@ -9026,7 +8992,7 @@
               <a:buNone/>
             </a:pPr>
             <a:r>
-              <a:rPr lang="en-US" altLang="zh-TW" sz="1800" i="1" dirty="0" smtClean="0">
+              <a:rPr lang="en-US" altLang="zh-TW" sz="1800" i="1" dirty="0">
                 <a:solidFill>
                   <a:srgbClr val="0033CC"/>
                 </a:solidFill>
@@ -9035,7 +9001,7 @@
               <a:t>		</a:t>
             </a:r>
             <a:r>
-              <a:rPr lang="en-US" altLang="zh-TW" sz="1800" dirty="0" smtClean="0">
+              <a:rPr lang="en-US" altLang="zh-TW" sz="1800" dirty="0">
                 <a:solidFill>
                   <a:srgbClr val="0033CC"/>
                 </a:solidFill>
@@ -9044,7 +9010,7 @@
               <a:t>}</a:t>
             </a:r>
             <a:r>
-              <a:rPr lang="en-US" altLang="zh-TW" sz="1800" i="1" dirty="0" smtClean="0">
+              <a:rPr lang="en-US" altLang="zh-TW" sz="1800" i="1" dirty="0">
                 <a:solidFill>
                   <a:srgbClr val="0033CC"/>
                 </a:solidFill>
@@ -9053,7 +9019,7 @@
               <a:t> </a:t>
             </a:r>
             <a:r>
-              <a:rPr lang="en-US" altLang="zh-TW" sz="1800" dirty="0" smtClean="0">
+              <a:rPr lang="en-US" altLang="zh-TW" sz="1800" dirty="0">
                 <a:solidFill>
                   <a:srgbClr val="0033CC"/>
                 </a:solidFill>
@@ -9062,7 +9028,7 @@
               <a:t>catch (</a:t>
             </a:r>
             <a:r>
-              <a:rPr lang="en-US" altLang="zh-TW" sz="1800" dirty="0" err="1" smtClean="0">
+              <a:rPr lang="en-US" altLang="zh-TW" sz="1800" dirty="0" err="1">
                 <a:solidFill>
                   <a:srgbClr val="0033CC"/>
                 </a:solidFill>
@@ -9071,7 +9037,7 @@
               <a:t>java.io.IOException</a:t>
             </a:r>
             <a:r>
-              <a:rPr lang="en-US" altLang="zh-TW" sz="1800" dirty="0" smtClean="0">
+              <a:rPr lang="en-US" altLang="zh-TW" sz="1800" dirty="0">
                 <a:solidFill>
                   <a:srgbClr val="0033CC"/>
                 </a:solidFill>
@@ -9080,7 +9046,7 @@
               <a:t> </a:t>
             </a:r>
             <a:r>
-              <a:rPr lang="en-US" altLang="zh-TW" sz="1800" dirty="0" err="1" smtClean="0">
+              <a:rPr lang="en-US" altLang="zh-TW" sz="1800" dirty="0" err="1">
                 <a:solidFill>
                   <a:srgbClr val="0033CC"/>
                 </a:solidFill>
@@ -9089,7 +9055,7 @@
               <a:t>ioe</a:t>
             </a:r>
             <a:r>
-              <a:rPr lang="en-US" altLang="zh-TW" sz="1800" dirty="0" smtClean="0">
+              <a:rPr lang="en-US" altLang="zh-TW" sz="1800" dirty="0">
                 <a:solidFill>
                   <a:srgbClr val="0033CC"/>
                 </a:solidFill>
@@ -9098,7 +9064,7 @@
               <a:t>) {</a:t>
             </a:r>
             <a:r>
-              <a:rPr lang="en-US" altLang="zh-TW" sz="1800" i="1" dirty="0" smtClean="0">
+              <a:rPr lang="en-US" altLang="zh-TW" sz="1800" i="1" dirty="0">
                 <a:solidFill>
                   <a:srgbClr val="0033CC"/>
                 </a:solidFill>
@@ -9116,7 +9082,7 @@
               <a:buNone/>
             </a:pPr>
             <a:r>
-              <a:rPr lang="en-US" altLang="zh-TW" sz="1800" i="1" dirty="0" smtClean="0">
+              <a:rPr lang="en-US" altLang="zh-TW" sz="1800" i="1" dirty="0">
                 <a:solidFill>
                   <a:srgbClr val="0033CC"/>
                 </a:solidFill>
@@ -9125,7 +9091,7 @@
               <a:t>			</a:t>
             </a:r>
             <a:r>
-              <a:rPr lang="en-US" altLang="zh-TW" sz="1800" dirty="0" err="1" smtClean="0">
+              <a:rPr lang="en-US" altLang="zh-TW" sz="1800" dirty="0" err="1">
                 <a:solidFill>
                   <a:srgbClr val="0033CC"/>
                 </a:solidFill>
@@ -9134,7 +9100,7 @@
               <a:t>System.err.println</a:t>
             </a:r>
             <a:r>
-              <a:rPr lang="en-US" altLang="zh-TW" sz="1800" dirty="0" smtClean="0">
+              <a:rPr lang="en-US" altLang="zh-TW" sz="1800" dirty="0">
                 <a:solidFill>
                   <a:srgbClr val="0033CC"/>
                 </a:solidFill>
@@ -9143,7 +9109,7 @@
               <a:t>(</a:t>
             </a:r>
             <a:r>
-              <a:rPr lang="en-US" altLang="zh-TW" sz="1800" dirty="0" err="1" smtClean="0">
+              <a:rPr lang="en-US" altLang="zh-TW" sz="1800" dirty="0" err="1">
                 <a:solidFill>
                   <a:srgbClr val="0033CC"/>
                 </a:solidFill>
@@ -9152,7 +9118,7 @@
               <a:t>ioe</a:t>
             </a:r>
             <a:r>
-              <a:rPr lang="en-US" altLang="zh-TW" sz="1800" dirty="0" smtClean="0">
+              <a:rPr lang="en-US" altLang="zh-TW" sz="1800" dirty="0">
                 <a:solidFill>
                   <a:srgbClr val="0033CC"/>
                 </a:solidFill>
@@ -9170,7 +9136,7 @@
               <a:buNone/>
             </a:pPr>
             <a:r>
-              <a:rPr lang="en-US" altLang="zh-TW" sz="1800" i="1" dirty="0" smtClean="0">
+              <a:rPr lang="en-US" altLang="zh-TW" sz="1800" i="1" dirty="0">
                 <a:solidFill>
                   <a:srgbClr val="0033CC"/>
                 </a:solidFill>
@@ -9179,7 +9145,7 @@
               <a:t>		</a:t>
             </a:r>
             <a:r>
-              <a:rPr lang="en-US" altLang="zh-TW" sz="1800" dirty="0" smtClean="0">
+              <a:rPr lang="en-US" altLang="zh-TW" sz="1800" dirty="0">
                 <a:solidFill>
                   <a:srgbClr val="0033CC"/>
                 </a:solidFill>
@@ -9188,7 +9154,7 @@
               <a:t>}finally {</a:t>
             </a:r>
             <a:r>
-              <a:rPr lang="en-US" altLang="zh-TW" sz="1800" i="1" dirty="0" smtClean="0">
+              <a:rPr lang="en-US" altLang="zh-TW" sz="1800" i="1" dirty="0">
                 <a:solidFill>
                   <a:srgbClr val="0033CC"/>
                 </a:solidFill>
@@ -9206,7 +9172,7 @@
               <a:buNone/>
             </a:pPr>
             <a:r>
-              <a:rPr lang="en-US" altLang="zh-TW" sz="1800" dirty="0" smtClean="0">
+              <a:rPr lang="en-US" altLang="zh-TW" sz="1800" dirty="0">
                 <a:solidFill>
                   <a:srgbClr val="0033CC"/>
                 </a:solidFill>
@@ -9215,7 +9181,7 @@
               <a:t>			if (</a:t>
             </a:r>
             <a:r>
-              <a:rPr lang="en-US" altLang="zh-TW" sz="1800" dirty="0" err="1" smtClean="0">
+              <a:rPr lang="en-US" altLang="zh-TW" sz="1800" dirty="0" err="1">
                 <a:solidFill>
                   <a:srgbClr val="0033CC"/>
                 </a:solidFill>
@@ -9224,7 +9190,7 @@
               <a:t>exclusiveLock</a:t>
             </a:r>
             <a:r>
-              <a:rPr lang="en-US" altLang="zh-TW" sz="1800" dirty="0" smtClean="0">
+              <a:rPr lang="en-US" altLang="zh-TW" sz="1800" dirty="0">
                 <a:solidFill>
                   <a:srgbClr val="0033CC"/>
                 </a:solidFill>
@@ -9242,7 +9208,7 @@
               <a:buNone/>
             </a:pPr>
             <a:r>
-              <a:rPr lang="en-US" altLang="zh-TW" sz="1800" dirty="0" smtClean="0">
+              <a:rPr lang="en-US" altLang="zh-TW" sz="1800" dirty="0">
                 <a:solidFill>
                   <a:srgbClr val="0033CC"/>
                 </a:solidFill>
@@ -9251,7 +9217,7 @@
               <a:t>			</a:t>
             </a:r>
             <a:r>
-              <a:rPr lang="en-US" altLang="zh-TW" sz="1800" dirty="0" err="1" smtClean="0">
+              <a:rPr lang="en-US" altLang="zh-TW" sz="1800" dirty="0" err="1">
                 <a:solidFill>
                   <a:srgbClr val="0033CC"/>
                 </a:solidFill>
@@ -9260,7 +9226,7 @@
               <a:t>exclusiveLock.release</a:t>
             </a:r>
             <a:r>
-              <a:rPr lang="en-US" altLang="zh-TW" sz="1800" dirty="0" smtClean="0">
+              <a:rPr lang="en-US" altLang="zh-TW" sz="1800" dirty="0">
                 <a:solidFill>
                   <a:srgbClr val="0033CC"/>
                 </a:solidFill>
@@ -9278,7 +9244,7 @@
               <a:buNone/>
             </a:pPr>
             <a:r>
-              <a:rPr lang="en-US" altLang="zh-TW" sz="1800" dirty="0" smtClean="0">
+              <a:rPr lang="en-US" altLang="zh-TW" sz="1800" dirty="0">
                 <a:solidFill>
                   <a:srgbClr val="0033CC"/>
                 </a:solidFill>
@@ -9287,7 +9253,7 @@
               <a:t>			if (</a:t>
             </a:r>
             <a:r>
-              <a:rPr lang="en-US" altLang="zh-TW" sz="1800" dirty="0" err="1" smtClean="0">
+              <a:rPr lang="en-US" altLang="zh-TW" sz="1800" dirty="0" err="1">
                 <a:solidFill>
                   <a:srgbClr val="0033CC"/>
                 </a:solidFill>
@@ -9296,7 +9262,7 @@
               <a:t>sharedLock</a:t>
             </a:r>
             <a:r>
-              <a:rPr lang="en-US" altLang="zh-TW" sz="1800" dirty="0" smtClean="0">
+              <a:rPr lang="en-US" altLang="zh-TW" sz="1800" dirty="0">
                 <a:solidFill>
                   <a:srgbClr val="0033CC"/>
                 </a:solidFill>
@@ -9314,7 +9280,7 @@
               <a:buNone/>
             </a:pPr>
             <a:r>
-              <a:rPr lang="en-US" altLang="zh-TW" sz="1800" dirty="0" smtClean="0">
+              <a:rPr lang="en-US" altLang="zh-TW" sz="1800" dirty="0">
                 <a:solidFill>
                   <a:srgbClr val="0033CC"/>
                 </a:solidFill>
@@ -9323,7 +9289,7 @@
               <a:t>			</a:t>
             </a:r>
             <a:r>
-              <a:rPr lang="en-US" altLang="zh-TW" sz="1800" dirty="0" err="1" smtClean="0">
+              <a:rPr lang="en-US" altLang="zh-TW" sz="1800" dirty="0" err="1">
                 <a:solidFill>
                   <a:srgbClr val="0033CC"/>
                 </a:solidFill>
@@ -9332,7 +9298,7 @@
               <a:t>sharedLock.release</a:t>
             </a:r>
             <a:r>
-              <a:rPr lang="en-US" altLang="zh-TW" sz="1800" dirty="0" smtClean="0">
+              <a:rPr lang="en-US" altLang="zh-TW" sz="1800" dirty="0">
                 <a:solidFill>
                   <a:srgbClr val="0033CC"/>
                 </a:solidFill>
@@ -9350,7 +9316,7 @@
               <a:buNone/>
             </a:pPr>
             <a:r>
-              <a:rPr lang="en-US" altLang="zh-TW" sz="1800" i="1" dirty="0" smtClean="0">
+              <a:rPr lang="en-US" altLang="zh-TW" sz="1800" i="1" dirty="0">
                 <a:solidFill>
                   <a:srgbClr val="0033CC"/>
                 </a:solidFill>
@@ -9359,7 +9325,7 @@
               <a:t>		</a:t>
             </a:r>
             <a:r>
-              <a:rPr lang="en-US" altLang="zh-TW" sz="1800" dirty="0" smtClean="0">
+              <a:rPr lang="en-US" altLang="zh-TW" sz="1800" dirty="0">
                 <a:solidFill>
                   <a:srgbClr val="0033CC"/>
                 </a:solidFill>
@@ -9377,7 +9343,7 @@
               <a:buNone/>
             </a:pPr>
             <a:r>
-              <a:rPr lang="en-US" altLang="zh-TW" sz="1800" i="1" dirty="0" smtClean="0">
+              <a:rPr lang="en-US" altLang="zh-TW" sz="1800" i="1" dirty="0">
                 <a:solidFill>
                   <a:srgbClr val="0033CC"/>
                 </a:solidFill>
@@ -9386,7 +9352,7 @@
               <a:t>	</a:t>
             </a:r>
             <a:r>
-              <a:rPr lang="en-US" altLang="zh-TW" sz="1800" dirty="0" smtClean="0">
+              <a:rPr lang="en-US" altLang="zh-TW" sz="1800" dirty="0">
                 <a:solidFill>
                   <a:srgbClr val="0033CC"/>
                 </a:solidFill>
@@ -9404,7 +9370,7 @@
               <a:buNone/>
             </a:pPr>
             <a:r>
-              <a:rPr lang="en-US" altLang="zh-TW" sz="1800" dirty="0" smtClean="0">
+              <a:rPr lang="en-US" altLang="zh-TW" sz="1800" dirty="0">
                 <a:solidFill>
                   <a:srgbClr val="0033CC"/>
                 </a:solidFill>
@@ -9419,7 +9385,7 @@
                 <a:spcPct val="80000"/>
               </a:lnSpc>
             </a:pPr>
-            <a:endParaRPr lang="en-US" altLang="zh-TW" sz="1800" dirty="0" smtClean="0">
+            <a:endParaRPr lang="en-US" altLang="zh-TW" sz="1800" dirty="0">
               <a:solidFill>
                 <a:srgbClr val="0033CC"/>
               </a:solidFill>
@@ -9814,7 +9780,7 @@
           <a:p>
             <a:pPr eaLnBrk="1" hangingPunct="1"/>
             <a:r>
-              <a:rPr lang="en-US" altLang="zh-TW" smtClean="0">
+              <a:rPr lang="en-US" altLang="zh-TW">
                 <a:ea typeface="新細明體" charset="-120"/>
               </a:rPr>
               <a:t>File Types – Name, Extension</a:t>
@@ -9861,13 +9827,6 @@
   <p:clrMapOvr>
     <a:masterClrMapping/>
   </p:clrMapOvr>
-  <p:timing>
-    <p:tnLst>
-      <p:par>
-        <p:cTn id="1" dur="indefinite" restart="never" nodeType="tmRoot"/>
-      </p:par>
-    </p:tnLst>
-  </p:timing>
 </p:sld>
 </file>
 
@@ -9905,7 +9864,7 @@
           <a:p>
             <a:pPr eaLnBrk="1" hangingPunct="1"/>
             <a:r>
-              <a:rPr lang="en-US" altLang="zh-TW" smtClean="0">
+              <a:rPr lang="en-US" altLang="zh-TW">
                 <a:ea typeface="新細明體" charset="-120"/>
               </a:rPr>
               <a:t>Access Methods</a:t>
@@ -9943,7 +9902,7 @@
               </a:tabLst>
             </a:pPr>
             <a:r>
-              <a:rPr lang="en-US" altLang="zh-TW" sz="2800" b="1" dirty="0" smtClean="0">
+              <a:rPr lang="en-US" altLang="zh-TW" sz="2800" b="1" dirty="0">
                 <a:solidFill>
                   <a:srgbClr val="FF0000"/>
                 </a:solidFill>
@@ -9968,7 +9927,7 @@
               </a:tabLst>
             </a:pPr>
             <a:r>
-              <a:rPr lang="en-US" altLang="zh-TW" sz="2400" dirty="0" smtClean="0">
+              <a:rPr lang="en-US" altLang="zh-TW" sz="2400" dirty="0">
                 <a:solidFill>
                   <a:srgbClr val="0033CC"/>
                 </a:solidFill>
@@ -9993,7 +9952,7 @@
               </a:tabLst>
             </a:pPr>
             <a:r>
-              <a:rPr lang="en-US" altLang="zh-TW" sz="2400" dirty="0" smtClean="0">
+              <a:rPr lang="en-US" altLang="zh-TW" sz="2400" dirty="0">
                 <a:solidFill>
                   <a:srgbClr val="0033CC"/>
                 </a:solidFill>
@@ -10018,7 +9977,7 @@
               </a:tabLst>
             </a:pPr>
             <a:r>
-              <a:rPr lang="en-US" altLang="zh-TW" sz="2400" dirty="0" smtClean="0">
+              <a:rPr lang="en-US" altLang="zh-TW" sz="2400" dirty="0">
                 <a:solidFill>
                   <a:srgbClr val="0033CC"/>
                 </a:solidFill>
@@ -10043,7 +10002,7 @@
               </a:tabLst>
             </a:pPr>
             <a:r>
-              <a:rPr lang="en-US" altLang="zh-TW" sz="2400" dirty="0" smtClean="0">
+              <a:rPr lang="en-US" altLang="zh-TW" sz="2400" dirty="0">
                 <a:solidFill>
                   <a:srgbClr val="0033CC"/>
                 </a:solidFill>
@@ -10063,7 +10022,7 @@
               </a:tabLst>
             </a:pPr>
             <a:r>
-              <a:rPr lang="en-US" altLang="zh-TW" sz="2800" b="1" dirty="0" smtClean="0">
+              <a:rPr lang="en-US" altLang="zh-TW" sz="2800" b="1" dirty="0">
                 <a:solidFill>
                   <a:srgbClr val="FF0000"/>
                 </a:solidFill>
@@ -10088,7 +10047,7 @@
               </a:tabLst>
             </a:pPr>
             <a:r>
-              <a:rPr lang="en-US" altLang="zh-TW" sz="2400" dirty="0" smtClean="0">
+              <a:rPr lang="en-US" altLang="zh-TW" sz="2400" dirty="0">
                 <a:solidFill>
                   <a:srgbClr val="0033CC"/>
                 </a:solidFill>
@@ -10097,7 +10056,7 @@
               <a:t>		read </a:t>
             </a:r>
             <a:r>
-              <a:rPr lang="en-US" altLang="zh-TW" sz="2400" i="1" dirty="0" smtClean="0">
+              <a:rPr lang="en-US" altLang="zh-TW" sz="2400" i="1" dirty="0">
                 <a:solidFill>
                   <a:srgbClr val="0033CC"/>
                 </a:solidFill>
@@ -10122,7 +10081,7 @@
               </a:tabLst>
             </a:pPr>
             <a:r>
-              <a:rPr lang="en-US" altLang="zh-TW" sz="2400" dirty="0" smtClean="0">
+              <a:rPr lang="en-US" altLang="zh-TW" sz="2400" dirty="0">
                 <a:solidFill>
                   <a:srgbClr val="0033CC"/>
                 </a:solidFill>
@@ -10131,7 +10090,7 @@
               <a:t>		write </a:t>
             </a:r>
             <a:r>
-              <a:rPr lang="en-US" altLang="zh-TW" sz="2400" i="1" dirty="0" smtClean="0">
+              <a:rPr lang="en-US" altLang="zh-TW" sz="2400" i="1" dirty="0">
                 <a:solidFill>
                   <a:srgbClr val="0033CC"/>
                 </a:solidFill>
@@ -10156,7 +10115,7 @@
               </a:tabLst>
             </a:pPr>
             <a:r>
-              <a:rPr lang="en-US" altLang="zh-TW" sz="2400" dirty="0" smtClean="0">
+              <a:rPr lang="en-US" altLang="zh-TW" sz="2400" dirty="0">
                 <a:solidFill>
                   <a:srgbClr val="0033CC"/>
                 </a:solidFill>
@@ -10165,7 +10124,7 @@
               <a:t>		position to </a:t>
             </a:r>
             <a:r>
-              <a:rPr lang="en-US" altLang="zh-TW" sz="2400" i="1" dirty="0" smtClean="0">
+              <a:rPr lang="en-US" altLang="zh-TW" sz="2400" i="1" dirty="0">
                 <a:solidFill>
                   <a:srgbClr val="0033CC"/>
                 </a:solidFill>
@@ -10190,7 +10149,7 @@
               </a:tabLst>
             </a:pPr>
             <a:r>
-              <a:rPr lang="en-US" altLang="zh-TW" sz="2400" dirty="0" smtClean="0">
+              <a:rPr lang="en-US" altLang="zh-TW" sz="2400" dirty="0">
                 <a:solidFill>
                   <a:srgbClr val="0033CC"/>
                 </a:solidFill>
@@ -10215,7 +10174,7 @@
               </a:tabLst>
             </a:pPr>
             <a:r>
-              <a:rPr lang="en-US" altLang="zh-TW" sz="2400" dirty="0" smtClean="0">
+              <a:rPr lang="en-US" altLang="zh-TW" sz="2400" dirty="0">
                 <a:solidFill>
                   <a:srgbClr val="0033CC"/>
                 </a:solidFill>
@@ -10240,7 +10199,7 @@
               </a:tabLst>
             </a:pPr>
             <a:r>
-              <a:rPr lang="en-US" altLang="zh-TW" sz="2400" dirty="0" smtClean="0">
+              <a:rPr lang="en-US" altLang="zh-TW" sz="2400" dirty="0">
                 <a:solidFill>
                   <a:srgbClr val="0033CC"/>
                 </a:solidFill>
@@ -10249,7 +10208,7 @@
               <a:t>		rewrite </a:t>
             </a:r>
             <a:r>
-              <a:rPr lang="en-US" altLang="zh-TW" sz="2400" i="1" dirty="0" smtClean="0">
+              <a:rPr lang="en-US" altLang="zh-TW" sz="2400" i="1" dirty="0">
                 <a:solidFill>
                   <a:srgbClr val="0033CC"/>
                 </a:solidFill>
@@ -10271,19 +10230,19 @@
               </a:tabLst>
             </a:pPr>
             <a:r>
-              <a:rPr lang="en-US" altLang="zh-TW" sz="2400" dirty="0" smtClean="0">
+              <a:rPr lang="en-US" altLang="zh-TW" sz="2400" dirty="0">
                 <a:ea typeface="新細明體" charset="-120"/>
               </a:rPr>
               <a:t>	</a:t>
             </a:r>
             <a:r>
-              <a:rPr lang="en-US" altLang="zh-TW" sz="2400" i="1" dirty="0" smtClean="0">
+              <a:rPr lang="en-US" altLang="zh-TW" sz="2400" i="1" dirty="0">
                 <a:ea typeface="新細明體" charset="-120"/>
               </a:rPr>
               <a:t>n</a:t>
             </a:r>
             <a:r>
-              <a:rPr lang="en-US" altLang="zh-TW" sz="2400" dirty="0" smtClean="0">
+              <a:rPr lang="en-US" altLang="zh-TW" sz="2400" dirty="0">
                 <a:ea typeface="新細明體" charset="-120"/>
               </a:rPr>
               <a:t> = relative block number</a:t>
@@ -10296,13 +10255,6 @@
   <p:clrMapOvr>
     <a:masterClrMapping/>
   </p:clrMapOvr>
-  <p:timing>
-    <p:tnLst>
-      <p:par>
-        <p:cTn id="1" dur="indefinite" restart="never" nodeType="tmRoot"/>
-      </p:par>
-    </p:tnLst>
-  </p:timing>
 </p:sld>
 </file>
 
@@ -10340,7 +10292,7 @@
           <a:p>
             <a:pPr eaLnBrk="1" hangingPunct="1"/>
             <a:r>
-              <a:rPr lang="en-US" altLang="zh-TW" smtClean="0">
+              <a:rPr lang="en-US" altLang="zh-TW">
                 <a:ea typeface="新細明體" charset="-120"/>
               </a:rPr>
               <a:t>Sequential-access File</a:t>
@@ -10385,13 +10337,6 @@
   <p:clrMapOvr>
     <a:masterClrMapping/>
   </p:clrMapOvr>
-  <p:timing>
-    <p:tnLst>
-      <p:par>
-        <p:cTn id="1" dur="indefinite" restart="never" nodeType="tmRoot"/>
-      </p:par>
-    </p:tnLst>
-  </p:timing>
 </p:sld>
 </file>
 
@@ -10434,7 +10379,7 @@
           <a:p>
             <a:pPr eaLnBrk="1" hangingPunct="1"/>
             <a:r>
-              <a:rPr lang="en-US" altLang="zh-TW" sz="2800" dirty="0" smtClean="0">
+              <a:rPr lang="en-US" altLang="zh-TW" sz="2800" dirty="0">
                 <a:ea typeface="新細明體" charset="-120"/>
               </a:rPr>
               <a:t>Simulation of Sequential Access on Direct-access File</a:t>
@@ -10479,13 +10424,6 @@
   <p:clrMapOvr>
     <a:masterClrMapping/>
   </p:clrMapOvr>
-  <p:timing>
-    <p:tnLst>
-      <p:par>
-        <p:cTn id="1" dur="indefinite" restart="never" nodeType="tmRoot"/>
-      </p:par>
-    </p:tnLst>
-  </p:timing>
 </p:sld>
 </file>
 
@@ -10528,7 +10466,7 @@
           <a:p>
             <a:pPr eaLnBrk="1" hangingPunct="1"/>
             <a:r>
-              <a:rPr lang="en-US" altLang="zh-TW" smtClean="0">
+              <a:rPr lang="en-US" altLang="zh-TW">
                 <a:ea typeface="新細明體" charset="-120"/>
               </a:rPr>
               <a:t>Example of Index and Relative Files</a:t>
@@ -10573,13 +10511,6 @@
   <p:clrMapOvr>
     <a:masterClrMapping/>
   </p:clrMapOvr>
-  <p:timing>
-    <p:tnLst>
-      <p:par>
-        <p:cTn id="1" dur="indefinite" restart="never" nodeType="tmRoot"/>
-      </p:par>
-    </p:tnLst>
-  </p:timing>
 </p:sld>
 </file>
 
@@ -10617,7 +10548,7 @@
           <a:p>
             <a:pPr eaLnBrk="1" hangingPunct="1"/>
             <a:r>
-              <a:rPr lang="en-US" altLang="zh-TW" smtClean="0">
+              <a:rPr lang="en-US" altLang="zh-TW">
                 <a:ea typeface="新細明體" charset="-120"/>
               </a:rPr>
               <a:t>Directory Structure</a:t>
@@ -10651,7 +10582,7 @@
               </a:lnSpc>
             </a:pPr>
             <a:r>
-              <a:rPr lang="en-US" altLang="zh-TW" sz="2800" dirty="0" smtClean="0">
+              <a:rPr lang="en-US" altLang="zh-TW" sz="2800" dirty="0">
                 <a:ea typeface="新細明體" charset="-120"/>
               </a:rPr>
               <a:t>A collection of nodes containing information about all files</a:t>
@@ -12042,13 +11973,6 @@
   <p:clrMapOvr>
     <a:masterClrMapping/>
   </p:clrMapOvr>
-  <p:timing>
-    <p:tnLst>
-      <p:par>
-        <p:cTn id="1" dur="indefinite" restart="never" nodeType="tmRoot"/>
-      </p:par>
-    </p:tnLst>
-  </p:timing>
 </p:sld>
 </file>
 
@@ -12086,7 +12010,7 @@
           <a:p>
             <a:pPr eaLnBrk="1" hangingPunct="1"/>
             <a:r>
-              <a:rPr lang="en-US" altLang="zh-TW" smtClean="0">
+              <a:rPr lang="en-US" altLang="zh-TW">
                 <a:ea typeface="新細明體" charset="-120"/>
               </a:rPr>
               <a:t>Disk Structure</a:t>
@@ -12115,13 +12039,13 @@
           <a:lstStyle/>
           <a:p>
             <a:r>
-              <a:rPr lang="en-US" altLang="zh-TW" sz="2400" dirty="0" smtClean="0">
+              <a:rPr lang="en-US" altLang="zh-TW" sz="2400" dirty="0">
                 <a:ea typeface="新細明體" charset="-120"/>
               </a:rPr>
               <a:t>Disk can be subdivided into </a:t>
             </a:r>
             <a:r>
-              <a:rPr lang="en-US" altLang="zh-TW" sz="2400" dirty="0" smtClean="0">
+              <a:rPr lang="en-US" altLang="zh-TW" sz="2400" dirty="0">
                 <a:solidFill>
                   <a:srgbClr val="FF0000"/>
                 </a:solidFill>
@@ -12132,13 +12056,13 @@
           </a:p>
           <a:p>
             <a:r>
-              <a:rPr lang="en-US" altLang="zh-TW" sz="2400" dirty="0" smtClean="0">
+              <a:rPr lang="en-US" altLang="zh-TW" sz="2400" dirty="0">
                 <a:ea typeface="新細明體" charset="-120"/>
               </a:rPr>
               <a:t>Disks or partitions can be </a:t>
             </a:r>
             <a:r>
-              <a:rPr lang="en-US" altLang="zh-TW" sz="2400" dirty="0" smtClean="0">
+              <a:rPr lang="en-US" altLang="zh-TW" sz="2400" dirty="0">
                 <a:solidFill>
                   <a:srgbClr val="3366FF"/>
                 </a:solidFill>
@@ -12147,7 +12071,7 @@
               <a:t>RAID </a:t>
             </a:r>
             <a:r>
-              <a:rPr lang="en-US" altLang="zh-TW" sz="2400" dirty="0" smtClean="0">
+              <a:rPr lang="en-US" altLang="zh-TW" sz="2400" dirty="0">
                 <a:ea typeface="新細明體" charset="-120"/>
               </a:rPr>
               <a:t>protected against failure</a:t>
@@ -12155,13 +12079,13 @@
           </a:p>
           <a:p>
             <a:r>
-              <a:rPr lang="en-US" altLang="zh-TW" sz="2400" dirty="0" smtClean="0">
+              <a:rPr lang="en-US" altLang="zh-TW" sz="2400" dirty="0">
                 <a:ea typeface="新細明體" charset="-120"/>
               </a:rPr>
               <a:t>Disk or partition can be used </a:t>
             </a:r>
             <a:r>
-              <a:rPr lang="en-US" altLang="zh-TW" sz="2400" dirty="0" smtClean="0">
+              <a:rPr lang="en-US" altLang="zh-TW" sz="2400" dirty="0">
                 <a:solidFill>
                   <a:srgbClr val="FF0000"/>
                 </a:solidFill>
@@ -12170,13 +12094,13 @@
               <a:t>raw </a:t>
             </a:r>
             <a:r>
-              <a:rPr lang="en-US" altLang="zh-TW" sz="2400" dirty="0" smtClean="0">
+              <a:rPr lang="en-US" altLang="zh-TW" sz="2400" dirty="0">
                 <a:ea typeface="新細明體" charset="-120"/>
               </a:rPr>
               <a:t>– without a file system, or </a:t>
             </a:r>
             <a:r>
-              <a:rPr lang="en-US" altLang="zh-TW" sz="2400" dirty="0" smtClean="0">
+              <a:rPr lang="en-US" altLang="zh-TW" sz="2400" dirty="0">
                 <a:solidFill>
                   <a:srgbClr val="FF0000"/>
                 </a:solidFill>
@@ -12185,7 +12109,7 @@
               <a:t>formatted</a:t>
             </a:r>
             <a:r>
-              <a:rPr lang="en-US" altLang="zh-TW" sz="2400" dirty="0" smtClean="0">
+              <a:rPr lang="en-US" altLang="zh-TW" sz="2400" dirty="0">
                 <a:solidFill>
                   <a:srgbClr val="3366FF"/>
                 </a:solidFill>
@@ -12194,7 +12118,7 @@
               <a:t> </a:t>
             </a:r>
             <a:r>
-              <a:rPr lang="en-US" altLang="zh-TW" sz="2400" dirty="0" smtClean="0">
+              <a:rPr lang="en-US" altLang="zh-TW" sz="2400" dirty="0">
                 <a:ea typeface="新細明體" charset="-120"/>
               </a:rPr>
               <a:t>with a file system</a:t>
@@ -12202,7 +12126,7 @@
           </a:p>
           <a:p>
             <a:r>
-              <a:rPr lang="en-US" altLang="zh-TW" sz="2400" dirty="0" smtClean="0">
+              <a:rPr lang="en-US" altLang="zh-TW" sz="2400" dirty="0">
                 <a:ea typeface="新細明體" charset="-120"/>
               </a:rPr>
               <a:t>Partitions also known as minidisks, slices</a:t>
@@ -12210,13 +12134,13 @@
           </a:p>
           <a:p>
             <a:r>
-              <a:rPr lang="en-US" altLang="zh-TW" sz="2400" dirty="0" smtClean="0">
+              <a:rPr lang="en-US" altLang="zh-TW" sz="2400" dirty="0">
                 <a:ea typeface="新細明體" charset="-120"/>
               </a:rPr>
               <a:t>Entity containing file system known as a </a:t>
             </a:r>
             <a:r>
-              <a:rPr lang="en-US" altLang="zh-TW" sz="2400" dirty="0" smtClean="0">
+              <a:rPr lang="en-US" altLang="zh-TW" sz="2400" dirty="0">
                 <a:solidFill>
                   <a:srgbClr val="FF0000"/>
                 </a:solidFill>
@@ -12227,13 +12151,13 @@
           </a:p>
           <a:p>
             <a:r>
-              <a:rPr lang="en-US" altLang="zh-TW" sz="2400" dirty="0" smtClean="0">
+              <a:rPr lang="en-US" altLang="zh-TW" sz="2400" dirty="0">
                 <a:ea typeface="新細明體" charset="-120"/>
               </a:rPr>
               <a:t>Each volume containing file system also tracks that file system’s info in </a:t>
             </a:r>
             <a:r>
-              <a:rPr lang="en-US" altLang="zh-TW" sz="2400" dirty="0" smtClean="0">
+              <a:rPr lang="en-US" altLang="zh-TW" sz="2400" dirty="0">
                 <a:solidFill>
                   <a:srgbClr val="FF0000"/>
                 </a:solidFill>
@@ -12242,13 +12166,13 @@
               <a:t>device directory </a:t>
             </a:r>
             <a:r>
-              <a:rPr lang="en-US" altLang="zh-TW" sz="2400" dirty="0" smtClean="0">
+              <a:rPr lang="en-US" altLang="zh-TW" sz="2400" dirty="0">
                 <a:ea typeface="新細明體" charset="-120"/>
               </a:rPr>
               <a:t>or </a:t>
             </a:r>
             <a:r>
-              <a:rPr lang="en-US" altLang="zh-TW" sz="2400" dirty="0" smtClean="0">
+              <a:rPr lang="en-US" altLang="zh-TW" sz="2400" dirty="0">
                 <a:solidFill>
                   <a:srgbClr val="3366FF"/>
                 </a:solidFill>
@@ -12259,13 +12183,13 @@
           </a:p>
           <a:p>
             <a:r>
-              <a:rPr lang="en-US" altLang="zh-TW" sz="2400" dirty="0" smtClean="0">
+              <a:rPr lang="en-US" altLang="zh-TW" sz="2400" dirty="0">
                 <a:ea typeface="新細明體" charset="-120"/>
               </a:rPr>
               <a:t>As well as </a:t>
             </a:r>
             <a:r>
-              <a:rPr lang="en-US" altLang="zh-TW" sz="2400" dirty="0" smtClean="0">
+              <a:rPr lang="en-US" altLang="zh-TW" sz="2400" dirty="0">
                 <a:solidFill>
                   <a:srgbClr val="3366FF"/>
                 </a:solidFill>
@@ -12274,13 +12198,13 @@
               <a:t>general-purpose file systems </a:t>
             </a:r>
             <a:r>
-              <a:rPr lang="en-US" altLang="zh-TW" sz="2400" dirty="0" smtClean="0">
+              <a:rPr lang="en-US" altLang="zh-TW" sz="2400" dirty="0">
                 <a:ea typeface="新細明體" charset="-120"/>
               </a:rPr>
               <a:t>there are many </a:t>
             </a:r>
             <a:r>
-              <a:rPr lang="en-US" altLang="zh-TW" sz="2400" dirty="0" smtClean="0">
+              <a:rPr lang="en-US" altLang="zh-TW" sz="2400" dirty="0">
                 <a:solidFill>
                   <a:srgbClr val="3366FF"/>
                 </a:solidFill>
@@ -12289,7 +12213,7 @@
               <a:t>special-purpose file systems</a:t>
             </a:r>
             <a:r>
-              <a:rPr lang="en-US" altLang="zh-TW" sz="2400" dirty="0" smtClean="0">
+              <a:rPr lang="en-US" altLang="zh-TW" sz="2400" dirty="0">
                 <a:ea typeface="新細明體" charset="-120"/>
               </a:rPr>
               <a:t>, frequently all within the same operating system or computer (Solaris)</a:t>
@@ -12804,7 +12728,7 @@
           <a:p>
             <a:pPr eaLnBrk="1" hangingPunct="1"/>
             <a:r>
-              <a:rPr lang="en-US" altLang="zh-TW" smtClean="0">
+              <a:rPr lang="en-US" altLang="zh-TW">
                 <a:ea typeface="新細明體" charset="-120"/>
               </a:rPr>
               <a:t>A Typical File-system Organization</a:t>
@@ -15309,7 +15233,7 @@
           <a:p>
             <a:pPr eaLnBrk="1" hangingPunct="1"/>
             <a:r>
-              <a:rPr lang="en-US" altLang="zh-TW" smtClean="0">
+              <a:rPr lang="en-US" altLang="zh-TW">
                 <a:ea typeface="新細明體" charset="-120"/>
               </a:rPr>
               <a:t>Chapter 10:  File System</a:t>
@@ -15338,7 +15262,7 @@
           <a:lstStyle/>
           <a:p>
             <a:r>
-              <a:rPr lang="en-US" altLang="zh-TW" sz="3200" dirty="0" smtClean="0">
+              <a:rPr lang="en-US" altLang="zh-TW" sz="3200" dirty="0">
                 <a:ea typeface="新細明體" charset="-120"/>
               </a:rPr>
               <a:t>File Concept</a:t>
@@ -15346,7 +15270,7 @@
           </a:p>
           <a:p>
             <a:r>
-              <a:rPr lang="en-US" altLang="zh-TW" sz="3200" dirty="0" smtClean="0">
+              <a:rPr lang="en-US" altLang="zh-TW" sz="3200" dirty="0">
                 <a:ea typeface="新細明體" charset="-120"/>
               </a:rPr>
               <a:t>Access Methods</a:t>
@@ -15354,7 +15278,7 @@
           </a:p>
           <a:p>
             <a:r>
-              <a:rPr lang="en-US" altLang="zh-TW" sz="3200" dirty="0" smtClean="0">
+              <a:rPr lang="en-US" altLang="zh-TW" sz="3200" dirty="0">
                 <a:ea typeface="新細明體" charset="-120"/>
               </a:rPr>
               <a:t>Directory Structure</a:t>
@@ -15362,7 +15286,7 @@
           </a:p>
           <a:p>
             <a:r>
-              <a:rPr lang="en-US" altLang="zh-TW" sz="3200" dirty="0" smtClean="0">
+              <a:rPr lang="en-US" altLang="zh-TW" sz="3200" dirty="0">
                 <a:ea typeface="新細明體" charset="-120"/>
               </a:rPr>
               <a:t>File-System Mounting</a:t>
@@ -15370,7 +15294,7 @@
           </a:p>
           <a:p>
             <a:r>
-              <a:rPr lang="en-US" altLang="zh-TW" sz="3200" dirty="0" smtClean="0">
+              <a:rPr lang="en-US" altLang="zh-TW" sz="3200" dirty="0">
                 <a:ea typeface="新細明體" charset="-120"/>
               </a:rPr>
               <a:t>File Sharing</a:t>
@@ -15378,7 +15302,7 @@
           </a:p>
           <a:p>
             <a:r>
-              <a:rPr lang="en-US" altLang="zh-TW" sz="3200" dirty="0" smtClean="0">
+              <a:rPr lang="en-US" altLang="zh-TW" sz="3200" dirty="0">
                 <a:ea typeface="新細明體" charset="-120"/>
               </a:rPr>
               <a:t>Protection</a:t>
@@ -15391,13 +15315,6 @@
   <p:clrMapOvr>
     <a:masterClrMapping/>
   </p:clrMapOvr>
-  <p:timing>
-    <p:tnLst>
-      <p:par>
-        <p:cTn id="1" dur="indefinite" restart="never" nodeType="tmRoot"/>
-      </p:par>
-    </p:tnLst>
-  </p:timing>
 </p:sld>
 </file>
 
@@ -15440,7 +15357,7 @@
           <a:p>
             <a:pPr eaLnBrk="1" hangingPunct="1"/>
             <a:r>
-              <a:rPr lang="en-US" altLang="zh-TW" dirty="0" smtClean="0">
+              <a:rPr lang="en-US" altLang="zh-TW" dirty="0">
                 <a:ea typeface="新細明體" charset="-120"/>
               </a:rPr>
               <a:t>Operations Performed on Directory</a:t>
@@ -15464,7 +15381,7 @@
           <a:lstStyle/>
           <a:p>
             <a:r>
-              <a:rPr lang="en-US" altLang="zh-TW" sz="2800" smtClean="0">
+              <a:rPr lang="en-US" altLang="zh-TW" sz="2800">
                 <a:ea typeface="新細明體" charset="-120"/>
               </a:rPr>
               <a:t>Search for a file</a:t>
@@ -15472,7 +15389,7 @@
           </a:p>
           <a:p>
             <a:r>
-              <a:rPr lang="en-US" altLang="zh-TW" sz="2800" smtClean="0">
+              <a:rPr lang="en-US" altLang="zh-TW" sz="2800">
                 <a:ea typeface="新細明體" charset="-120"/>
               </a:rPr>
               <a:t>Create a file</a:t>
@@ -15480,7 +15397,7 @@
           </a:p>
           <a:p>
             <a:r>
-              <a:rPr lang="en-US" altLang="zh-TW" sz="2800" smtClean="0">
+              <a:rPr lang="en-US" altLang="zh-TW" sz="2800">
                 <a:ea typeface="新細明體" charset="-120"/>
               </a:rPr>
               <a:t>Delete a file</a:t>
@@ -15488,7 +15405,7 @@
           </a:p>
           <a:p>
             <a:r>
-              <a:rPr lang="en-US" altLang="zh-TW" sz="2800" smtClean="0">
+              <a:rPr lang="en-US" altLang="zh-TW" sz="2800">
                 <a:ea typeface="新細明體" charset="-120"/>
               </a:rPr>
               <a:t>List a directory</a:t>
@@ -15496,7 +15413,7 @@
           </a:p>
           <a:p>
             <a:r>
-              <a:rPr lang="en-US" altLang="zh-TW" sz="2800" smtClean="0">
+              <a:rPr lang="en-US" altLang="zh-TW" sz="2800">
                 <a:ea typeface="新細明體" charset="-120"/>
               </a:rPr>
               <a:t>Rename a file</a:t>
@@ -15504,7 +15421,7 @@
           </a:p>
           <a:p>
             <a:r>
-              <a:rPr lang="en-US" altLang="zh-TW" sz="2800" smtClean="0">
+              <a:rPr lang="en-US" altLang="zh-TW" sz="2800">
                 <a:ea typeface="新細明體" charset="-120"/>
               </a:rPr>
               <a:t>Traverse the file system</a:t>
@@ -15517,13 +15434,6 @@
   <p:clrMapOvr>
     <a:masterClrMapping/>
   </p:clrMapOvr>
-  <p:timing>
-    <p:tnLst>
-      <p:par>
-        <p:cTn id="1" dur="indefinite" restart="never" nodeType="tmRoot"/>
-      </p:par>
-    </p:tnLst>
-  </p:timing>
 </p:sld>
 </file>
 
@@ -15566,7 +15476,7 @@
           <a:p>
             <a:pPr eaLnBrk="1" hangingPunct="1"/>
             <a:r>
-              <a:rPr lang="en-US" altLang="zh-TW" dirty="0" smtClean="0">
+              <a:rPr lang="en-US" altLang="zh-TW" dirty="0">
                 <a:ea typeface="新細明體" charset="-120"/>
               </a:rPr>
               <a:t>Organize the Directory (Logically) to Obtain</a:t>
@@ -15595,7 +15505,7 @@
           <a:lstStyle/>
           <a:p>
             <a:r>
-              <a:rPr lang="en-US" altLang="zh-TW" sz="2800" dirty="0" smtClean="0">
+              <a:rPr lang="en-US" altLang="zh-TW" sz="2800" dirty="0">
                 <a:solidFill>
                   <a:srgbClr val="FF0000"/>
                 </a:solidFill>
@@ -15604,7 +15514,7 @@
               <a:t>Efficiency</a:t>
             </a:r>
             <a:r>
-              <a:rPr lang="en-US" altLang="zh-TW" sz="2800" dirty="0" smtClean="0">
+              <a:rPr lang="en-US" altLang="zh-TW" sz="2800" dirty="0">
                 <a:ea typeface="新細明體" charset="-120"/>
               </a:rPr>
               <a:t> – locating a file quickly</a:t>
@@ -15612,7 +15522,7 @@
           </a:p>
           <a:p>
             <a:r>
-              <a:rPr lang="en-US" altLang="zh-TW" sz="2800" dirty="0" smtClean="0">
+              <a:rPr lang="en-US" altLang="zh-TW" sz="2800" dirty="0">
                 <a:solidFill>
                   <a:srgbClr val="FF0000"/>
                 </a:solidFill>
@@ -15621,7 +15531,7 @@
               <a:t>Naming </a:t>
             </a:r>
             <a:r>
-              <a:rPr lang="en-US" altLang="zh-TW" sz="2800" dirty="0" smtClean="0">
+              <a:rPr lang="en-US" altLang="zh-TW" sz="2800" dirty="0">
                 <a:ea typeface="新細明體" charset="-120"/>
               </a:rPr>
               <a:t>– convenient to users</a:t>
@@ -15630,7 +15540,7 @@
           <a:p>
             <a:pPr lvl="1"/>
             <a:r>
-              <a:rPr lang="en-US" altLang="zh-TW" sz="2800" dirty="0" smtClean="0">
+              <a:rPr lang="en-US" altLang="zh-TW" sz="2800" dirty="0">
                 <a:ea typeface="新細明體" charset="-120"/>
               </a:rPr>
               <a:t>Two users can have same name for different files</a:t>
@@ -15639,7 +15549,7 @@
           <a:p>
             <a:pPr lvl="1"/>
             <a:r>
-              <a:rPr lang="en-US" altLang="zh-TW" sz="2800" dirty="0" smtClean="0">
+              <a:rPr lang="en-US" altLang="zh-TW" sz="2800" dirty="0">
                 <a:ea typeface="新細明體" charset="-120"/>
               </a:rPr>
               <a:t>The same file can have several different names</a:t>
@@ -15647,7 +15557,7 @@
           </a:p>
           <a:p>
             <a:r>
-              <a:rPr lang="en-US" altLang="zh-TW" sz="2800" dirty="0" smtClean="0">
+              <a:rPr lang="en-US" altLang="zh-TW" sz="2800" dirty="0">
                 <a:solidFill>
                   <a:srgbClr val="FF0000"/>
                 </a:solidFill>
@@ -15656,7 +15566,7 @@
               <a:t>Grouping </a:t>
             </a:r>
             <a:r>
-              <a:rPr lang="en-US" altLang="zh-TW" sz="2800" dirty="0" smtClean="0">
+              <a:rPr lang="en-US" altLang="zh-TW" sz="2800" dirty="0">
                 <a:ea typeface="新細明體" charset="-120"/>
               </a:rPr>
               <a:t>– logical grouping of files by properties, (e.g., all Java programs, all games, …)</a:t>
@@ -16008,12 +15918,12 @@
           <a:p>
             <a:pPr eaLnBrk="1" hangingPunct="1"/>
             <a:r>
-              <a:rPr lang="en-US" altLang="zh-TW" smtClean="0">
+              <a:rPr lang="en-US" altLang="zh-TW">
                 <a:ea typeface="新細明體" charset="-120"/>
               </a:rPr>
               <a:t>Single-Level Directory</a:t>
             </a:r>
-            <a:endParaRPr lang="en-US" altLang="zh-TW" sz="2400" smtClean="0">
+            <a:endParaRPr lang="en-US" altLang="zh-TW" sz="2400">
               <a:ea typeface="新細明體" charset="-120"/>
             </a:endParaRPr>
           </a:p>
@@ -16040,13 +15950,13 @@
           <a:lstStyle/>
           <a:p>
             <a:r>
-              <a:rPr lang="en-US" altLang="zh-TW" sz="3200" dirty="0" smtClean="0">
+              <a:rPr lang="en-US" altLang="zh-TW" sz="3200" dirty="0">
                 <a:ea typeface="新細明體" charset="-120"/>
               </a:rPr>
               <a:t>A </a:t>
             </a:r>
             <a:r>
-              <a:rPr lang="en-US" altLang="zh-TW" sz="3200" dirty="0" smtClean="0">
+              <a:rPr lang="en-US" altLang="zh-TW" sz="3200" dirty="0">
                 <a:solidFill>
                   <a:srgbClr val="FF0000"/>
                 </a:solidFill>
@@ -16055,7 +15965,7 @@
               <a:t>single directory </a:t>
             </a:r>
             <a:r>
-              <a:rPr lang="en-US" altLang="zh-TW" sz="3200" dirty="0" smtClean="0">
+              <a:rPr lang="en-US" altLang="zh-TW" sz="3200" dirty="0">
                 <a:ea typeface="新細明體" charset="-120"/>
               </a:rPr>
               <a:t>for all users</a:t>
@@ -16099,25 +16009,18 @@
               <a:buChar char="l"/>
             </a:pPr>
             <a:r>
-              <a:rPr lang="zh-TW" altLang="en-US" sz="2800" b="1" dirty="0" smtClean="0">
+              <a:rPr lang="zh-TW" altLang="en-US" sz="2800" b="1" dirty="0">
                 <a:latin typeface="Candara" pitchFamily="34" charset="0"/>
                 <a:ea typeface="新細明體" charset="-120"/>
               </a:rPr>
               <a:t> </a:t>
-            </a:r>
-            <a:r>
-              <a:rPr lang="en-US" altLang="zh-TW" sz="2800" b="1" dirty="0" smtClean="0">
-                <a:latin typeface="Candara" pitchFamily="34" charset="0"/>
-                <a:ea typeface="新細明體" charset="-120"/>
-              </a:rPr>
-              <a:t>Naming </a:t>
             </a:r>
             <a:r>
               <a:rPr lang="en-US" altLang="zh-TW" sz="2800" b="1" dirty="0">
                 <a:latin typeface="Candara" pitchFamily="34" charset="0"/>
                 <a:ea typeface="新細明體" charset="-120"/>
               </a:rPr>
-              <a:t>problem</a:t>
+              <a:t>Naming problem</a:t>
             </a:r>
             <a:br>
               <a:rPr lang="en-US" altLang="zh-TW" sz="2800" b="1" dirty="0">
@@ -16139,25 +16042,18 @@
               <a:buChar char="l"/>
             </a:pPr>
             <a:r>
-              <a:rPr lang="zh-TW" altLang="en-US" sz="2800" b="1" dirty="0" smtClean="0">
+              <a:rPr lang="zh-TW" altLang="en-US" sz="2800" b="1" dirty="0">
                 <a:latin typeface="Candara" pitchFamily="34" charset="0"/>
                 <a:ea typeface="新細明體" charset="-120"/>
               </a:rPr>
               <a:t> </a:t>
-            </a:r>
-            <a:r>
-              <a:rPr lang="en-US" altLang="zh-TW" sz="2800" b="1" dirty="0" smtClean="0">
-                <a:latin typeface="Candara" pitchFamily="34" charset="0"/>
-                <a:ea typeface="新細明體" charset="-120"/>
-              </a:rPr>
-              <a:t>Grouping </a:t>
             </a:r>
             <a:r>
               <a:rPr lang="en-US" altLang="zh-TW" sz="2800" b="1" dirty="0">
                 <a:latin typeface="Candara" pitchFamily="34" charset="0"/>
                 <a:ea typeface="新細明體" charset="-120"/>
               </a:rPr>
-              <a:t>problem</a:t>
+              <a:t>Grouping problem</a:t>
             </a:r>
           </a:p>
         </p:txBody>
@@ -16199,13 +16095,6 @@
   <p:clrMapOvr>
     <a:masterClrMapping/>
   </p:clrMapOvr>
-  <p:timing>
-    <p:tnLst>
-      <p:par>
-        <p:cTn id="1" dur="indefinite" restart="never" nodeType="tmRoot"/>
-      </p:par>
-    </p:tnLst>
-  </p:timing>
 </p:sld>
 </file>
 
@@ -16243,12 +16132,12 @@
           <a:p>
             <a:pPr eaLnBrk="1" hangingPunct="1"/>
             <a:r>
-              <a:rPr lang="en-US" altLang="zh-TW" smtClean="0">
+              <a:rPr lang="en-US" altLang="zh-TW">
                 <a:ea typeface="新細明體" charset="-120"/>
               </a:rPr>
               <a:t>Two-Level Directory</a:t>
             </a:r>
-            <a:endParaRPr lang="en-US" altLang="zh-TW" sz="2400" smtClean="0">
+            <a:endParaRPr lang="en-US" altLang="zh-TW" sz="2400">
               <a:ea typeface="新細明體" charset="-120"/>
             </a:endParaRPr>
           </a:p>
@@ -16275,7 +16164,7 @@
           <a:lstStyle/>
           <a:p>
             <a:r>
-              <a:rPr lang="en-US" altLang="zh-TW" sz="3200" dirty="0" smtClean="0">
+              <a:rPr lang="en-US" altLang="zh-TW" sz="3200" dirty="0">
                 <a:solidFill>
                   <a:srgbClr val="FF0000"/>
                 </a:solidFill>
@@ -16284,7 +16173,7 @@
               <a:t>Separate directory </a:t>
             </a:r>
             <a:r>
-              <a:rPr lang="en-US" altLang="zh-TW" sz="3200" dirty="0" smtClean="0">
+              <a:rPr lang="en-US" altLang="zh-TW" sz="3200" dirty="0">
                 <a:ea typeface="新細明體" charset="-120"/>
               </a:rPr>
               <a:t>for each user</a:t>
@@ -18509,7 +18398,7 @@
           <a:p>
             <a:pPr eaLnBrk="1" hangingPunct="1"/>
             <a:r>
-              <a:rPr lang="en-US" altLang="zh-TW" smtClean="0">
+              <a:rPr lang="en-US" altLang="zh-TW">
                 <a:ea typeface="新細明體" charset="-120"/>
               </a:rPr>
               <a:t>Tree-Structured Directories</a:t>
@@ -21229,7 +21118,7 @@
           <a:p>
             <a:pPr eaLnBrk="1" hangingPunct="1"/>
             <a:r>
-              <a:rPr lang="en-US" altLang="zh-TW" smtClean="0">
+              <a:rPr lang="en-US" altLang="zh-TW">
                 <a:ea typeface="新細明體" charset="-120"/>
               </a:rPr>
               <a:t>Tree-Structured Directories (Cont)</a:t>
@@ -21253,7 +21142,7 @@
           <a:lstStyle/>
           <a:p>
             <a:r>
-              <a:rPr lang="en-US" altLang="zh-TW" sz="3200" dirty="0" smtClean="0">
+              <a:rPr lang="en-US" altLang="zh-TW" sz="3200" dirty="0">
                 <a:ea typeface="新細明體" charset="-120"/>
               </a:rPr>
               <a:t>Efficient searching</a:t>
@@ -21261,7 +21150,7 @@
           </a:p>
           <a:p>
             <a:r>
-              <a:rPr lang="en-US" altLang="zh-TW" sz="3200" dirty="0" smtClean="0">
+              <a:rPr lang="en-US" altLang="zh-TW" sz="3200" dirty="0">
                 <a:ea typeface="新細明體" charset="-120"/>
               </a:rPr>
               <a:t>Grouping Capability</a:t>
@@ -21269,13 +21158,13 @@
           </a:p>
           <a:p>
             <a:r>
-              <a:rPr lang="en-US" altLang="zh-TW" sz="3200" dirty="0" smtClean="0">
+              <a:rPr lang="en-US" altLang="zh-TW" sz="3200" dirty="0">
                 <a:ea typeface="新細明體" charset="-120"/>
               </a:rPr>
               <a:t>Current directory (</a:t>
             </a:r>
             <a:r>
-              <a:rPr lang="en-US" altLang="zh-TW" sz="3200" dirty="0" smtClean="0">
+              <a:rPr lang="en-US" altLang="zh-TW" sz="3200" dirty="0">
                 <a:solidFill>
                   <a:srgbClr val="FF0000"/>
                 </a:solidFill>
@@ -21284,7 +21173,7 @@
               <a:t>working directory</a:t>
             </a:r>
             <a:r>
-              <a:rPr lang="en-US" altLang="zh-TW" sz="3200" dirty="0" smtClean="0">
+              <a:rPr lang="en-US" altLang="zh-TW" sz="3200" dirty="0">
                 <a:ea typeface="新細明體" charset="-120"/>
               </a:rPr>
               <a:t>)</a:t>
@@ -21293,7 +21182,7 @@
           <a:p>
             <a:pPr lvl="1"/>
             <a:r>
-              <a:rPr lang="en-US" altLang="zh-TW" sz="3200" dirty="0" err="1" smtClean="0">
+              <a:rPr lang="en-US" altLang="zh-TW" sz="3200" dirty="0" err="1">
                 <a:solidFill>
                   <a:srgbClr val="0033CC"/>
                 </a:solidFill>
@@ -21302,7 +21191,7 @@
               <a:t>cd</a:t>
             </a:r>
             <a:r>
-              <a:rPr lang="en-US" altLang="zh-TW" sz="3200" dirty="0" smtClean="0">
+              <a:rPr lang="en-US" altLang="zh-TW" sz="3200" dirty="0">
                 <a:solidFill>
                   <a:srgbClr val="0033CC"/>
                 </a:solidFill>
@@ -21311,7 +21200,7 @@
               <a:t> /spell/mail/</a:t>
             </a:r>
             <a:r>
-              <a:rPr lang="en-US" altLang="zh-TW" sz="3200" dirty="0" err="1" smtClean="0">
+              <a:rPr lang="en-US" altLang="zh-TW" sz="3200" dirty="0" err="1">
                 <a:solidFill>
                   <a:srgbClr val="0033CC"/>
                 </a:solidFill>
@@ -21319,7 +21208,7 @@
               </a:rPr>
               <a:t>prog</a:t>
             </a:r>
-            <a:endParaRPr lang="en-US" altLang="zh-TW" sz="3200" dirty="0" smtClean="0">
+            <a:endParaRPr lang="en-US" altLang="zh-TW" sz="3200" dirty="0">
               <a:solidFill>
                 <a:srgbClr val="0033CC"/>
               </a:solidFill>
@@ -21329,7 +21218,7 @@
           <a:p>
             <a:pPr lvl="1"/>
             <a:r>
-              <a:rPr lang="en-US" altLang="zh-TW" sz="3200" dirty="0" smtClean="0">
+              <a:rPr lang="en-US" altLang="zh-TW" sz="3200" dirty="0">
                 <a:solidFill>
                   <a:srgbClr val="0033CC"/>
                 </a:solidFill>
@@ -21689,7 +21578,7 @@
           <a:p>
             <a:pPr eaLnBrk="1" hangingPunct="1"/>
             <a:r>
-              <a:rPr lang="en-US" altLang="zh-TW" smtClean="0">
+              <a:rPr lang="en-US" altLang="zh-TW">
                 <a:ea typeface="新細明體" charset="-120"/>
               </a:rPr>
               <a:t>Tree-Structured Directories (Cont)</a:t>
@@ -21726,25 +21615,25 @@
               </a:tabLst>
             </a:pPr>
             <a:r>
-              <a:rPr lang="en-US" altLang="zh-TW" sz="2400" b="1" dirty="0" smtClean="0">
+              <a:rPr lang="en-US" altLang="zh-TW" sz="2400" b="1" dirty="0">
                 <a:ea typeface="新細明體" charset="-120"/>
               </a:rPr>
               <a:t>Absolute</a:t>
             </a:r>
             <a:r>
-              <a:rPr lang="en-US" altLang="zh-TW" sz="2400" dirty="0" smtClean="0">
+              <a:rPr lang="en-US" altLang="zh-TW" sz="2400" dirty="0">
                 <a:ea typeface="新細明體" charset="-120"/>
               </a:rPr>
               <a:t> or </a:t>
             </a:r>
             <a:r>
-              <a:rPr lang="en-US" altLang="zh-TW" sz="2400" b="1" dirty="0" smtClean="0">
+              <a:rPr lang="en-US" altLang="zh-TW" sz="2400" b="1" dirty="0">
                 <a:ea typeface="新細明體" charset="-120"/>
               </a:rPr>
               <a:t>relative</a:t>
             </a:r>
             <a:r>
-              <a:rPr lang="en-US" altLang="zh-TW" sz="2400" dirty="0" smtClean="0">
+              <a:rPr lang="en-US" altLang="zh-TW" sz="2400" dirty="0">
                 <a:ea typeface="新細明體" charset="-120"/>
               </a:rPr>
               <a:t> path name</a:t>
@@ -21760,13 +21649,13 @@
               </a:tabLst>
             </a:pPr>
             <a:r>
-              <a:rPr lang="en-US" altLang="zh-TW" sz="2400" dirty="0" smtClean="0">
+              <a:rPr lang="en-US" altLang="zh-TW" sz="2400" dirty="0">
                 <a:ea typeface="新細明體" charset="-120"/>
               </a:rPr>
               <a:t>Creating a new file is done in </a:t>
             </a:r>
             <a:r>
-              <a:rPr lang="en-US" altLang="zh-TW" sz="2400" dirty="0" smtClean="0">
+              <a:rPr lang="en-US" altLang="zh-TW" sz="2400" dirty="0">
                 <a:solidFill>
                   <a:srgbClr val="FF0000"/>
                 </a:solidFill>
@@ -21785,7 +21674,7 @@
               </a:tabLst>
             </a:pPr>
             <a:r>
-              <a:rPr lang="en-US" altLang="zh-TW" sz="2400" dirty="0" smtClean="0">
+              <a:rPr lang="en-US" altLang="zh-TW" sz="2400" dirty="0">
                 <a:ea typeface="新細明體" charset="-120"/>
               </a:rPr>
               <a:t>Delete a file</a:t>
@@ -21803,13 +21692,13 @@
               </a:tabLst>
             </a:pPr>
             <a:r>
-              <a:rPr lang="en-US" altLang="zh-TW" sz="2400" dirty="0" smtClean="0">
+              <a:rPr lang="en-US" altLang="zh-TW" sz="2400" dirty="0">
                 <a:ea typeface="新細明體" charset="-120"/>
               </a:rPr>
               <a:t>		</a:t>
             </a:r>
             <a:r>
-              <a:rPr lang="en-US" altLang="zh-TW" sz="2400" dirty="0" err="1" smtClean="0">
+              <a:rPr lang="en-US" altLang="zh-TW" sz="2400" dirty="0" err="1">
                 <a:solidFill>
                   <a:srgbClr val="0033CC"/>
                 </a:solidFill>
@@ -21818,7 +21707,7 @@
               <a:t>rm</a:t>
             </a:r>
             <a:r>
-              <a:rPr lang="en-US" altLang="zh-TW" sz="2400" dirty="0" smtClean="0">
+              <a:rPr lang="en-US" altLang="zh-TW" sz="2400" dirty="0">
                 <a:solidFill>
                   <a:srgbClr val="0033CC"/>
                 </a:solidFill>
@@ -21837,7 +21726,7 @@
               </a:tabLst>
             </a:pPr>
             <a:r>
-              <a:rPr lang="en-US" altLang="zh-TW" sz="2400" dirty="0" smtClean="0">
+              <a:rPr lang="en-US" altLang="zh-TW" sz="2400" dirty="0">
                 <a:ea typeface="新細明體" charset="-120"/>
               </a:rPr>
               <a:t>Creating a new subdirectory is done in current directory</a:t>
@@ -21855,13 +21744,13 @@
               </a:tabLst>
             </a:pPr>
             <a:r>
-              <a:rPr lang="en-US" altLang="zh-TW" sz="2400" dirty="0" smtClean="0">
+              <a:rPr lang="en-US" altLang="zh-TW" sz="2400" dirty="0">
                 <a:ea typeface="新細明體" charset="-120"/>
               </a:rPr>
               <a:t>		</a:t>
             </a:r>
             <a:r>
-              <a:rPr lang="en-US" altLang="zh-TW" sz="2400" dirty="0" err="1" smtClean="0">
+              <a:rPr lang="en-US" altLang="zh-TW" sz="2400" dirty="0" err="1">
                 <a:solidFill>
                   <a:srgbClr val="0033CC"/>
                 </a:solidFill>
@@ -21870,7 +21759,7 @@
               <a:t>mkdir</a:t>
             </a:r>
             <a:r>
-              <a:rPr lang="en-US" altLang="zh-TW" sz="2400" dirty="0" smtClean="0">
+              <a:rPr lang="en-US" altLang="zh-TW" sz="2400" dirty="0">
                 <a:solidFill>
                   <a:srgbClr val="0033CC"/>
                 </a:solidFill>
@@ -21891,13 +21780,13 @@
               </a:tabLst>
             </a:pPr>
             <a:r>
-              <a:rPr lang="en-US" altLang="zh-TW" sz="2400" dirty="0" smtClean="0">
+              <a:rPr lang="en-US" altLang="zh-TW" sz="2400" dirty="0">
                 <a:ea typeface="新細明體" charset="-120"/>
               </a:rPr>
               <a:t>	Example:  if in current directory   </a:t>
             </a:r>
             <a:r>
-              <a:rPr lang="en-US" altLang="zh-TW" sz="2400" dirty="0" smtClean="0">
+              <a:rPr lang="en-US" altLang="zh-TW" sz="2400" dirty="0">
                 <a:solidFill>
                   <a:srgbClr val="0033CC"/>
                 </a:solidFill>
@@ -21918,13 +21807,13 @@
               </a:tabLst>
             </a:pPr>
             <a:r>
-              <a:rPr lang="en-US" altLang="zh-TW" sz="2400" dirty="0" smtClean="0">
+              <a:rPr lang="en-US" altLang="zh-TW" sz="2400" dirty="0">
                 <a:ea typeface="新細明體" charset="-120"/>
               </a:rPr>
               <a:t>		</a:t>
             </a:r>
             <a:r>
-              <a:rPr lang="en-US" altLang="zh-TW" sz="2400" dirty="0" err="1" smtClean="0">
+              <a:rPr lang="en-US" altLang="zh-TW" sz="2400" dirty="0" err="1">
                 <a:solidFill>
                   <a:srgbClr val="0033CC"/>
                 </a:solidFill>
@@ -21933,7 +21822,7 @@
               <a:t>mkdir</a:t>
             </a:r>
             <a:r>
-              <a:rPr lang="en-US" altLang="zh-TW" sz="2400" dirty="0" smtClean="0">
+              <a:rPr lang="en-US" altLang="zh-TW" sz="2400" dirty="0">
                 <a:solidFill>
                   <a:srgbClr val="0033CC"/>
                 </a:solidFill>
@@ -22996,12 +22885,12 @@
           <a:p>
             <a:pPr eaLnBrk="1" hangingPunct="1"/>
             <a:r>
-              <a:rPr lang="en-US" altLang="zh-TW" smtClean="0">
+              <a:rPr lang="en-US" altLang="zh-TW">
                 <a:ea typeface="新細明體" charset="-120"/>
               </a:rPr>
               <a:t>Acyclic-Graph Directories</a:t>
             </a:r>
-            <a:endParaRPr lang="en-US" altLang="zh-TW" sz="2400" smtClean="0">
+            <a:endParaRPr lang="en-US" altLang="zh-TW" sz="2400">
               <a:ea typeface="新細明體" charset="-120"/>
             </a:endParaRPr>
           </a:p>
@@ -23028,13 +22917,13 @@
           <a:lstStyle/>
           <a:p>
             <a:r>
-              <a:rPr lang="en-US" altLang="zh-TW" dirty="0" smtClean="0">
+              <a:rPr lang="en-US" altLang="zh-TW" dirty="0">
                 <a:ea typeface="新細明體" charset="-120"/>
               </a:rPr>
               <a:t>Have </a:t>
             </a:r>
             <a:r>
-              <a:rPr lang="en-US" altLang="zh-TW" dirty="0" smtClean="0">
+              <a:rPr lang="en-US" altLang="zh-TW" dirty="0">
                 <a:solidFill>
                   <a:srgbClr val="FF0000"/>
                 </a:solidFill>
@@ -23043,7 +22932,7 @@
               <a:t>shared subdirectories and files</a:t>
             </a:r>
             <a:r>
-              <a:rPr lang="en-US" altLang="zh-TW" dirty="0" smtClean="0">
+              <a:rPr lang="en-US" altLang="zh-TW" dirty="0">
                 <a:ea typeface="新細明體" charset="-120"/>
               </a:rPr>
               <a:t>, for joined project, for example</a:t>
@@ -23950,7 +23839,7 @@
           <a:p>
             <a:pPr eaLnBrk="1" hangingPunct="1"/>
             <a:r>
-              <a:rPr lang="en-US" altLang="zh-TW" smtClean="0">
+              <a:rPr lang="en-US" altLang="zh-TW">
                 <a:ea typeface="新細明體" charset="-120"/>
               </a:rPr>
               <a:t>Acyclic-Graph Directories (Cont.)</a:t>
@@ -23979,13 +23868,13 @@
           <a:lstStyle/>
           <a:p>
             <a:r>
-              <a:rPr lang="en-US" altLang="zh-TW" sz="2400" dirty="0" smtClean="0">
+              <a:rPr lang="en-US" altLang="zh-TW" sz="2400" dirty="0">
                 <a:ea typeface="新細明體" charset="-120"/>
               </a:rPr>
               <a:t>Allows directories </a:t>
             </a:r>
             <a:r>
-              <a:rPr lang="en-US" altLang="zh-TW" sz="2400" dirty="0" smtClean="0">
+              <a:rPr lang="en-US" altLang="zh-TW" sz="2400" dirty="0">
                 <a:solidFill>
                   <a:srgbClr val="FF0000"/>
                 </a:solidFill>
@@ -23994,13 +23883,13 @@
               <a:t>to share subdirectories and files</a:t>
             </a:r>
             <a:r>
-              <a:rPr lang="en-US" altLang="zh-TW" sz="2400" dirty="0" smtClean="0">
+              <a:rPr lang="en-US" altLang="zh-TW" sz="2400" dirty="0">
                 <a:ea typeface="新細明體" charset="-120"/>
               </a:rPr>
               <a:t>. The same file or subdirector</a:t>
             </a:r>
             <a:r>
-              <a:rPr lang="en-US" altLang="zh-TW" dirty="0" smtClean="0">
+              <a:rPr lang="en-US" altLang="zh-TW" dirty="0">
                 <a:ea typeface="新細明體" charset="-120"/>
               </a:rPr>
               <a:t>y may be in two different directories</a:t>
@@ -24008,24 +23897,24 @@
           </a:p>
           <a:p>
             <a:r>
-              <a:rPr lang="en-US" altLang="zh-TW" sz="2400" dirty="0" smtClean="0">
+              <a:rPr lang="en-US" altLang="zh-TW" sz="2400" dirty="0">
                 <a:ea typeface="新細明體" charset="-120"/>
               </a:rPr>
               <a:t>Shared files </a:t>
             </a:r>
             <a:r>
-              <a:rPr lang="en-US" altLang="zh-TW" dirty="0" smtClean="0">
+              <a:rPr lang="en-US" altLang="zh-TW" dirty="0">
                 <a:ea typeface="新細明體" charset="-120"/>
               </a:rPr>
               <a:t>and subdirectories can be implemented in several ways.</a:t>
             </a:r>
-            <a:endParaRPr lang="en-US" altLang="zh-TW" sz="2400" dirty="0" smtClean="0">
+            <a:endParaRPr lang="en-US" altLang="zh-TW" sz="2400" dirty="0">
               <a:ea typeface="新細明體" charset="-120"/>
             </a:endParaRPr>
           </a:p>
           <a:p>
             <a:r>
-              <a:rPr lang="en-US" altLang="zh-TW" sz="2400" dirty="0" smtClean="0">
+              <a:rPr lang="en-US" altLang="zh-TW" sz="2400" dirty="0">
                 <a:solidFill>
                   <a:srgbClr val="FF0000"/>
                 </a:solidFill>
@@ -24034,7 +23923,7 @@
               <a:t>Create a </a:t>
             </a:r>
             <a:r>
-              <a:rPr lang="en-US" altLang="zh-TW" dirty="0" smtClean="0">
+              <a:rPr lang="en-US" altLang="zh-TW" dirty="0">
                 <a:solidFill>
                   <a:srgbClr val="FF0000"/>
                 </a:solidFill>
@@ -24043,7 +23932,7 @@
               <a:t>new </a:t>
             </a:r>
             <a:r>
-              <a:rPr lang="en-US" altLang="zh-TW" sz="2400" dirty="0" smtClean="0">
+              <a:rPr lang="en-US" altLang="zh-TW" sz="2400" dirty="0">
                 <a:solidFill>
                   <a:srgbClr val="FF0000"/>
                 </a:solidFill>
@@ -24052,13 +23941,13 @@
               <a:t>directory entry  </a:t>
             </a:r>
             <a:r>
-              <a:rPr lang="en-US" altLang="zh-TW" sz="2400" dirty="0" smtClean="0">
+              <a:rPr lang="en-US" altLang="zh-TW" sz="2400" dirty="0">
                 <a:ea typeface="新細明體" charset="-120"/>
               </a:rPr>
               <a:t>- </a:t>
             </a:r>
             <a:r>
-              <a:rPr lang="en-US" altLang="zh-TW" sz="2400" dirty="0" smtClean="0">
+              <a:rPr lang="en-US" altLang="zh-TW" sz="2400" dirty="0">
                 <a:solidFill>
                   <a:srgbClr val="FF0000"/>
                 </a:solidFill>
@@ -24070,7 +23959,7 @@
           <a:p>
             <a:pPr lvl="1"/>
             <a:r>
-              <a:rPr lang="en-US" altLang="zh-TW" sz="2400" b="1" dirty="0" smtClean="0">
+              <a:rPr lang="en-US" altLang="zh-TW" sz="2400" b="1" dirty="0">
                 <a:solidFill>
                   <a:srgbClr val="FF0000"/>
                 </a:solidFill>
@@ -24079,19 +23968,19 @@
               <a:t>Link</a:t>
             </a:r>
             <a:r>
-              <a:rPr lang="en-US" altLang="zh-TW" sz="2400" dirty="0" smtClean="0">
+              <a:rPr lang="en-US" altLang="zh-TW" sz="2400" dirty="0">
                 <a:ea typeface="新細明體" charset="-120"/>
               </a:rPr>
               <a:t> – a pointer to another file or subdirectory. A link may be implemented as an </a:t>
             </a:r>
             <a:r>
-              <a:rPr lang="en-US" altLang="zh-TW" dirty="0" smtClean="0">
+              <a:rPr lang="en-US" altLang="zh-TW" dirty="0">
                 <a:ea typeface="新細明體" charset="-120"/>
               </a:rPr>
               <a:t>absolute or a relative </a:t>
             </a:r>
             <a:r>
-              <a:rPr lang="en-US" altLang="zh-TW" dirty="0" smtClean="0">
+              <a:rPr lang="en-US" altLang="zh-TW" dirty="0">
                 <a:solidFill>
                   <a:srgbClr val="FF0000"/>
                 </a:solidFill>
@@ -24100,19 +23989,19 @@
               <a:t>path name</a:t>
             </a:r>
             <a:r>
-              <a:rPr lang="en-US" altLang="zh-TW" dirty="0" smtClean="0">
+              <a:rPr lang="en-US" altLang="zh-TW" dirty="0">
                 <a:ea typeface="新細明體" charset="-120"/>
               </a:rPr>
               <a:t>. </a:t>
             </a:r>
-            <a:endParaRPr lang="en-US" altLang="zh-TW" sz="2400" dirty="0" smtClean="0">
+            <a:endParaRPr lang="en-US" altLang="zh-TW" sz="2400" dirty="0">
               <a:ea typeface="新細明體" charset="-120"/>
             </a:endParaRPr>
           </a:p>
           <a:p>
             <a:pPr lvl="1"/>
             <a:r>
-              <a:rPr lang="en-US" altLang="zh-TW" sz="2400" b="1" dirty="0" smtClean="0">
+              <a:rPr lang="en-US" altLang="zh-TW" sz="2400" b="1" dirty="0">
                 <a:solidFill>
                   <a:srgbClr val="FF0000"/>
                 </a:solidFill>
@@ -24121,7 +24010,7 @@
               <a:t>Resolve the link</a:t>
             </a:r>
             <a:r>
-              <a:rPr lang="en-US" altLang="zh-TW" sz="2400" dirty="0" smtClean="0">
+              <a:rPr lang="en-US" altLang="zh-TW" sz="2400" dirty="0">
                 <a:solidFill>
                   <a:srgbClr val="FF0000"/>
                 </a:solidFill>
@@ -24130,12 +24019,12 @@
               <a:t> </a:t>
             </a:r>
             <a:r>
-              <a:rPr lang="en-US" altLang="zh-TW" sz="2400" dirty="0" smtClean="0">
+              <a:rPr lang="en-US" altLang="zh-TW" sz="2400" dirty="0">
                 <a:ea typeface="新細明體" charset="-120"/>
               </a:rPr>
               <a:t>– using that path name to locate the real file. Links are easily identified by their format in the directory entry and are effectively indirect pointers.</a:t>
             </a:r>
-            <a:endParaRPr lang="en-US" altLang="zh-TW" sz="2400" b="1" dirty="0" smtClean="0">
+            <a:endParaRPr lang="en-US" altLang="zh-TW" sz="2400" b="1" dirty="0">
               <a:ea typeface="新細明體" charset="-120"/>
             </a:endParaRPr>
           </a:p>
@@ -24485,12 +24374,12 @@
           <a:p>
             <a:pPr eaLnBrk="1" hangingPunct="1"/>
             <a:r>
-              <a:rPr lang="en-US" altLang="zh-TW" smtClean="0">
+              <a:rPr lang="en-US" altLang="zh-TW">
                 <a:ea typeface="新細明體" charset="-120"/>
               </a:rPr>
               <a:t>General Graph Directory</a:t>
             </a:r>
-            <a:endParaRPr lang="en-US" altLang="zh-TW" sz="2400" smtClean="0">
+            <a:endParaRPr lang="en-US" altLang="zh-TW" sz="2400">
               <a:ea typeface="新細明體" charset="-120"/>
             </a:endParaRPr>
           </a:p>
@@ -24580,7 +24469,7 @@
               <a:defRPr/>
             </a:pPr>
             <a:r>
-              <a:rPr kumimoji="1" lang="en-US" altLang="zh-TW" sz="2400" b="1" i="0" u="none" strike="noStrike" kern="0" cap="none" spc="0" normalizeH="0" baseline="0" noProof="0" dirty="0" smtClean="0">
+              <a:rPr kumimoji="1" lang="en-US" altLang="zh-TW" sz="2400" b="1" i="0" u="none" strike="noStrike" kern="0" cap="none" spc="0" normalizeH="0" baseline="0" noProof="0" dirty="0">
                 <a:ln>
                   <a:noFill/>
                 </a:ln>
@@ -24597,7 +24486,7 @@
               <a:t>A serious problem with using acyclic-</a:t>
             </a:r>
             <a:r>
-              <a:rPr kumimoji="1" lang="en-US" altLang="zh-TW" sz="2400" b="1" kern="0" dirty="0" smtClean="0">
+              <a:rPr kumimoji="1" lang="en-US" altLang="zh-TW" sz="2400" b="1" kern="0" dirty="0">
                 <a:latin typeface="Candara" pitchFamily="34" charset="0"/>
                 <a:ea typeface="新細明體" charset="-120"/>
                 <a:cs typeface="Candara" pitchFamily="34" charset="0"/>
@@ -24605,7 +24494,7 @@
               <a:t>graph structure is </a:t>
             </a:r>
             <a:r>
-              <a:rPr kumimoji="1" lang="en-US" altLang="zh-TW" sz="2400" b="1" kern="0" dirty="0" smtClean="0">
+              <a:rPr kumimoji="1" lang="en-US" altLang="zh-TW" sz="2400" b="1" kern="0" dirty="0">
                 <a:solidFill>
                   <a:srgbClr val="FF0000"/>
                 </a:solidFill>
@@ -24616,7 +24505,7 @@
               <a:t>ensuring that there is no cycles</a:t>
             </a:r>
             <a:r>
-              <a:rPr kumimoji="1" lang="en-US" altLang="zh-TW" sz="2400" b="1" kern="0" dirty="0" smtClean="0">
+              <a:rPr kumimoji="1" lang="en-US" altLang="zh-TW" sz="2400" b="1" kern="0" dirty="0">
                 <a:latin typeface="Candara" pitchFamily="34" charset="0"/>
                 <a:ea typeface="新細明體" charset="-120"/>
                 <a:cs typeface="Candara" pitchFamily="34" charset="0"/>
@@ -24645,7 +24534,7 @@
               <a:defRPr/>
             </a:pPr>
             <a:r>
-              <a:rPr kumimoji="1" lang="en-US" altLang="zh-TW" sz="2400" b="1" i="0" u="none" strike="noStrike" kern="0" cap="none" spc="0" normalizeH="0" baseline="0" noProof="0" dirty="0" smtClean="0">
+              <a:rPr kumimoji="1" lang="en-US" altLang="zh-TW" sz="2400" b="1" i="0" u="none" strike="noStrike" kern="0" cap="none" spc="0" normalizeH="0" baseline="0" noProof="0" dirty="0">
                 <a:ln>
                   <a:noFill/>
                 </a:ln>
@@ -24662,7 +24551,7 @@
               <a:t>However,</a:t>
             </a:r>
             <a:r>
-              <a:rPr kumimoji="1" lang="en-US" altLang="zh-TW" sz="2400" b="1" i="0" u="none" strike="noStrike" kern="0" cap="none" spc="0" normalizeH="0" noProof="0" dirty="0" smtClean="0">
+              <a:rPr kumimoji="1" lang="en-US" altLang="zh-TW" sz="2400" b="1" i="0" u="none" strike="noStrike" kern="0" cap="none" spc="0" normalizeH="0" noProof="0" dirty="0">
                 <a:ln>
                   <a:noFill/>
                 </a:ln>
@@ -24679,7 +24568,7 @@
               <a:t> when we </a:t>
             </a:r>
             <a:r>
-              <a:rPr kumimoji="1" lang="en-US" altLang="zh-TW" sz="2400" b="1" i="0" u="none" strike="noStrike" kern="0" cap="none" spc="0" normalizeH="0" noProof="0" dirty="0" smtClean="0">
+              <a:rPr kumimoji="1" lang="en-US" altLang="zh-TW" sz="2400" b="1" i="0" u="none" strike="noStrike" kern="0" cap="none" spc="0" normalizeH="0" noProof="0" dirty="0">
                 <a:ln>
                   <a:noFill/>
                 </a:ln>
@@ -24696,7 +24585,7 @@
               <a:t>add links</a:t>
             </a:r>
             <a:r>
-              <a:rPr kumimoji="1" lang="en-US" altLang="zh-TW" sz="2400" b="1" i="0" u="none" strike="noStrike" kern="0" cap="none" spc="0" normalizeH="0" noProof="0" dirty="0" smtClean="0">
+              <a:rPr kumimoji="1" lang="en-US" altLang="zh-TW" sz="2400" b="1" i="0" u="none" strike="noStrike" kern="0" cap="none" spc="0" normalizeH="0" noProof="0" dirty="0">
                 <a:ln>
                   <a:noFill/>
                 </a:ln>
@@ -24712,7 +24601,7 @@
               </a:rPr>
               <a:t>, the tree structure is destroyed, resulting in a simple graph structure. </a:t>
             </a:r>
-            <a:endParaRPr kumimoji="1" lang="en-US" altLang="zh-TW" sz="2400" b="1" i="0" u="none" strike="noStrike" kern="0" cap="none" spc="0" normalizeH="0" baseline="0" noProof="0" dirty="0" smtClean="0">
+            <a:endParaRPr kumimoji="1" lang="en-US" altLang="zh-TW" sz="2400" b="1" i="0" u="none" strike="noStrike" kern="0" cap="none" spc="0" normalizeH="0" baseline="0" noProof="0" dirty="0">
               <a:ln>
                 <a:noFill/>
               </a:ln>
@@ -25388,7 +25277,7 @@
           <a:lstStyle/>
           <a:p>
             <a:r>
-              <a:rPr lang="en-US" altLang="zh-TW" sz="2400" b="1" dirty="0" smtClean="0">
+              <a:rPr lang="en-US" altLang="zh-TW" sz="2400" b="1" dirty="0">
                 <a:solidFill>
                   <a:srgbClr val="FF0000"/>
                 </a:solidFill>
@@ -25815,7 +25704,7 @@
           <a:p>
             <a:pPr eaLnBrk="1" hangingPunct="1"/>
             <a:r>
-              <a:rPr lang="en-US" altLang="zh-TW" smtClean="0">
+              <a:rPr lang="en-US" altLang="zh-TW">
                 <a:ea typeface="新細明體" charset="-120"/>
               </a:rPr>
               <a:t>Objectives</a:t>
@@ -25844,13 +25733,13 @@
           <a:lstStyle/>
           <a:p>
             <a:r>
-              <a:rPr lang="en-US" altLang="zh-TW" sz="2800" dirty="0" smtClean="0">
+              <a:rPr lang="en-US" altLang="zh-TW" sz="2800" dirty="0">
                 <a:ea typeface="新細明體" charset="-120"/>
               </a:rPr>
               <a:t>To explain the </a:t>
             </a:r>
             <a:r>
-              <a:rPr lang="en-US" altLang="zh-TW" sz="2800" dirty="0" smtClean="0">
+              <a:rPr lang="en-US" altLang="zh-TW" sz="2800" dirty="0">
                 <a:solidFill>
                   <a:srgbClr val="FF0000"/>
                 </a:solidFill>
@@ -25861,13 +25750,13 @@
           </a:p>
           <a:p>
             <a:r>
-              <a:rPr lang="en-US" altLang="zh-TW" sz="2800" dirty="0" smtClean="0">
+              <a:rPr lang="en-US" altLang="zh-TW" sz="2800" dirty="0">
                 <a:ea typeface="新細明體" charset="-120"/>
               </a:rPr>
               <a:t>To describe the </a:t>
             </a:r>
             <a:r>
-              <a:rPr lang="en-US" altLang="zh-TW" sz="2800" dirty="0" smtClean="0">
+              <a:rPr lang="en-US" altLang="zh-TW" sz="2800" dirty="0">
                 <a:solidFill>
                   <a:srgbClr val="FF0000"/>
                 </a:solidFill>
@@ -25878,13 +25767,13 @@
           </a:p>
           <a:p>
             <a:r>
-              <a:rPr lang="en-US" altLang="zh-TW" sz="2800" dirty="0" smtClean="0">
+              <a:rPr lang="en-US" altLang="zh-TW" sz="2800" dirty="0">
                 <a:ea typeface="新細明體" charset="-120"/>
               </a:rPr>
               <a:t>To discuss file-system </a:t>
             </a:r>
             <a:r>
-              <a:rPr lang="en-US" altLang="zh-TW" sz="2800" dirty="0" smtClean="0">
+              <a:rPr lang="en-US" altLang="zh-TW" sz="2800" dirty="0">
                 <a:solidFill>
                   <a:srgbClr val="FF0000"/>
                 </a:solidFill>
@@ -25893,7 +25782,7 @@
               <a:t>design tradeoffs</a:t>
             </a:r>
             <a:r>
-              <a:rPr lang="en-US" altLang="zh-TW" sz="2800" dirty="0" smtClean="0">
+              <a:rPr lang="en-US" altLang="zh-TW" sz="2800" dirty="0">
                 <a:ea typeface="新細明體" charset="-120"/>
               </a:rPr>
               <a:t>, including </a:t>
@@ -25902,7 +25791,7 @@
           <a:p>
             <a:pPr lvl="1"/>
             <a:r>
-              <a:rPr lang="en-US" altLang="zh-TW" sz="2800" dirty="0" smtClean="0">
+              <a:rPr lang="en-US" altLang="zh-TW" sz="2800" dirty="0">
                 <a:ea typeface="新細明體" charset="-120"/>
               </a:rPr>
               <a:t>access methods, </a:t>
@@ -25911,7 +25800,7 @@
           <a:p>
             <a:pPr lvl="1"/>
             <a:r>
-              <a:rPr lang="en-US" altLang="zh-TW" sz="2800" dirty="0" smtClean="0">
+              <a:rPr lang="en-US" altLang="zh-TW" sz="2800" dirty="0">
                 <a:ea typeface="新細明體" charset="-120"/>
               </a:rPr>
               <a:t>file sharing, </a:t>
@@ -25920,7 +25809,7 @@
           <a:p>
             <a:pPr lvl="1"/>
             <a:r>
-              <a:rPr lang="en-US" altLang="zh-TW" sz="2800" dirty="0" smtClean="0">
+              <a:rPr lang="en-US" altLang="zh-TW" sz="2800" dirty="0">
                 <a:ea typeface="新細明體" charset="-120"/>
               </a:rPr>
               <a:t>file locking, and </a:t>
@@ -25929,7 +25818,7 @@
           <a:p>
             <a:pPr lvl="1"/>
             <a:r>
-              <a:rPr lang="en-US" altLang="zh-TW" sz="2800" dirty="0" smtClean="0">
+              <a:rPr lang="en-US" altLang="zh-TW" sz="2800" dirty="0">
                 <a:ea typeface="新細明體" charset="-120"/>
               </a:rPr>
               <a:t>directory structures</a:t>
@@ -25937,13 +25826,13 @@
           </a:p>
           <a:p>
             <a:r>
-              <a:rPr lang="en-US" altLang="zh-TW" sz="2800" dirty="0" smtClean="0">
+              <a:rPr lang="en-US" altLang="zh-TW" sz="2800" dirty="0">
                 <a:ea typeface="新細明體" charset="-120"/>
               </a:rPr>
               <a:t>To explore </a:t>
             </a:r>
             <a:r>
-              <a:rPr lang="en-US" altLang="zh-TW" sz="2800" dirty="0" smtClean="0">
+              <a:rPr lang="en-US" altLang="zh-TW" sz="2800" dirty="0">
                 <a:solidFill>
                   <a:srgbClr val="FF0000"/>
                 </a:solidFill>
@@ -25953,7 +25842,7 @@
             </a:r>
           </a:p>
           <a:p>
-            <a:endParaRPr lang="en-US" altLang="zh-TW" sz="2800" dirty="0" smtClean="0">
+            <a:endParaRPr lang="en-US" altLang="zh-TW" sz="2800" dirty="0">
               <a:ea typeface="新細明體" charset="-120"/>
             </a:endParaRPr>
           </a:p>
@@ -26450,7 +26339,7 @@
           <a:p>
             <a:pPr eaLnBrk="1" hangingPunct="1"/>
             <a:r>
-              <a:rPr lang="en-US" altLang="zh-TW" smtClean="0">
+              <a:rPr lang="en-US" altLang="zh-TW">
                 <a:ea typeface="新細明體" charset="-120"/>
               </a:rPr>
               <a:t>General Graph Directory (Cont.)</a:t>
@@ -26479,7 +26368,7 @@
           <a:lstStyle/>
           <a:p>
             <a:r>
-              <a:rPr lang="en-US" altLang="zh-TW" sz="2800" dirty="0" smtClean="0">
+              <a:rPr lang="en-US" altLang="zh-TW" sz="2800" dirty="0">
                 <a:ea typeface="新細明體" charset="-120"/>
               </a:rPr>
               <a:t>If cycles are allowed to exist in the directory</a:t>
@@ -26488,13 +26377,13 @@
           <a:p>
             <a:pPr lvl="1"/>
             <a:r>
-              <a:rPr lang="en-US" altLang="zh-TW" sz="2800" dirty="0" smtClean="0">
+              <a:rPr lang="en-US" altLang="zh-TW" sz="2800" dirty="0">
                 <a:ea typeface="新細明體" charset="-120"/>
               </a:rPr>
               <a:t>An </a:t>
             </a:r>
             <a:r>
-              <a:rPr lang="en-US" altLang="zh-TW" sz="2800" dirty="0" smtClean="0">
+              <a:rPr lang="en-US" altLang="zh-TW" sz="2800" dirty="0">
                 <a:solidFill>
                   <a:srgbClr val="FF0000"/>
                 </a:solidFill>
@@ -26503,7 +26392,7 @@
               <a:t>infinite loop</a:t>
             </a:r>
             <a:r>
-              <a:rPr lang="en-US" altLang="zh-TW" sz="2800" dirty="0" smtClean="0">
+              <a:rPr lang="en-US" altLang="zh-TW" sz="2800" dirty="0">
                 <a:ea typeface="新細明體" charset="-120"/>
               </a:rPr>
               <a:t> continually searching through the cycle</a:t>
@@ -26512,13 +26401,13 @@
           <a:p>
             <a:pPr lvl="1"/>
             <a:r>
-              <a:rPr lang="en-US" altLang="zh-TW" sz="2800" dirty="0" smtClean="0">
+              <a:rPr lang="en-US" altLang="zh-TW" sz="2800" dirty="0">
                 <a:ea typeface="新細明體" charset="-120"/>
               </a:rPr>
               <a:t>When a file can be </a:t>
             </a:r>
             <a:r>
-              <a:rPr lang="en-US" altLang="zh-TW" sz="2800" dirty="0" smtClean="0">
+              <a:rPr lang="en-US" altLang="zh-TW" sz="2800" dirty="0">
                 <a:solidFill>
                   <a:srgbClr val="FF0000"/>
                 </a:solidFill>
@@ -26527,7 +26416,7 @@
               <a:t>deleted</a:t>
             </a:r>
             <a:r>
-              <a:rPr lang="en-US" altLang="zh-TW" sz="2800" dirty="0" smtClean="0">
+              <a:rPr lang="en-US" altLang="zh-TW" sz="2800" dirty="0">
                 <a:ea typeface="新細明體" charset="-120"/>
               </a:rPr>
               <a:t> ?</a:t>
@@ -26536,13 +26425,13 @@
           <a:p>
             <a:pPr lvl="2"/>
             <a:r>
-              <a:rPr lang="en-US" altLang="zh-TW" dirty="0" smtClean="0">
+              <a:rPr lang="en-US" altLang="zh-TW" dirty="0">
                 <a:ea typeface="新細明體" charset="-120"/>
               </a:rPr>
               <a:t>A </a:t>
             </a:r>
             <a:r>
-              <a:rPr lang="en-US" altLang="zh-TW" dirty="0" smtClean="0">
+              <a:rPr lang="en-US" altLang="zh-TW" dirty="0">
                 <a:solidFill>
                   <a:srgbClr val="FF0000"/>
                 </a:solidFill>
@@ -26551,7 +26440,7 @@
               <a:t>Garbage collection scheme </a:t>
             </a:r>
             <a:r>
-              <a:rPr lang="en-US" altLang="zh-TW" dirty="0" smtClean="0">
+              <a:rPr lang="en-US" altLang="zh-TW" dirty="0">
                 <a:ea typeface="新細明體" charset="-120"/>
               </a:rPr>
               <a:t>is used to determine when the last reference has been deleted and the disk space can be reallocated.</a:t>
@@ -26559,13 +26448,13 @@
           </a:p>
           <a:p>
             <a:r>
-              <a:rPr lang="en-US" altLang="zh-TW" sz="2800" dirty="0" smtClean="0">
+              <a:rPr lang="en-US" altLang="zh-TW" sz="2800" dirty="0">
                 <a:ea typeface="新細明體" charset="-120"/>
               </a:rPr>
               <a:t>Every time a new link is added use a </a:t>
             </a:r>
             <a:r>
-              <a:rPr lang="en-US" altLang="zh-TW" sz="2800" dirty="0" smtClean="0">
+              <a:rPr lang="en-US" altLang="zh-TW" sz="2800" dirty="0">
                 <a:solidFill>
                   <a:srgbClr val="FF0000"/>
                 </a:solidFill>
@@ -26574,7 +26463,7 @@
               <a:t>cycle detection algorithm</a:t>
             </a:r>
             <a:r>
-              <a:rPr lang="en-US" altLang="zh-TW" sz="2800" dirty="0" smtClean="0">
+              <a:rPr lang="en-US" altLang="zh-TW" sz="2800" dirty="0">
                 <a:ea typeface="新細明體" charset="-120"/>
               </a:rPr>
               <a:t> to determine whether it is OK</a:t>
@@ -26837,7 +26726,7 @@
           <a:p>
             <a:pPr eaLnBrk="1" hangingPunct="1"/>
             <a:r>
-              <a:rPr lang="en-US" altLang="zh-TW" dirty="0" smtClean="0">
+              <a:rPr lang="en-US" altLang="zh-TW" dirty="0">
                 <a:ea typeface="新細明體" charset="-120"/>
               </a:rPr>
               <a:t>File System Mounting</a:t>
@@ -26866,13 +26755,13 @@
           <a:lstStyle/>
           <a:p>
             <a:r>
-              <a:rPr lang="en-US" altLang="zh-TW" sz="3200" dirty="0" smtClean="0">
+              <a:rPr lang="en-US" altLang="zh-TW" sz="3200" dirty="0">
                 <a:ea typeface="新細明體" charset="-120"/>
               </a:rPr>
               <a:t>A file system must be </a:t>
             </a:r>
             <a:r>
-              <a:rPr lang="en-US" altLang="zh-TW" sz="3200" b="1" dirty="0" smtClean="0">
+              <a:rPr lang="en-US" altLang="zh-TW" sz="3200" b="1" dirty="0">
                 <a:solidFill>
                   <a:srgbClr val="FF0000"/>
                 </a:solidFill>
@@ -26881,7 +26770,7 @@
               <a:t>mounted</a:t>
             </a:r>
             <a:r>
-              <a:rPr lang="en-US" altLang="zh-TW" sz="3200" dirty="0" smtClean="0">
+              <a:rPr lang="en-US" altLang="zh-TW" sz="3200" dirty="0">
                 <a:ea typeface="新細明體" charset="-120"/>
               </a:rPr>
               <a:t> before it can be accessed</a:t>
@@ -26889,37 +26778,25 @@
           </a:p>
           <a:p>
             <a:r>
-              <a:rPr lang="en-US" altLang="zh-TW" sz="3200" dirty="0" smtClean="0">
+              <a:rPr lang="en-US" altLang="zh-TW" sz="3200" dirty="0">
                 <a:ea typeface="新細明體" charset="-120"/>
               </a:rPr>
               <a:t>A </a:t>
             </a:r>
             <a:r>
-              <a:rPr lang="en-US" altLang="zh-TW" sz="3200" dirty="0" err="1" smtClean="0">
+              <a:rPr lang="en-US" altLang="zh-TW" sz="3200" dirty="0" err="1">
                 <a:ea typeface="新細明體" charset="-120"/>
               </a:rPr>
               <a:t>unmounted</a:t>
             </a:r>
             <a:r>
-              <a:rPr lang="en-US" altLang="zh-TW" sz="3200" dirty="0" smtClean="0">
-                <a:ea typeface="新細明體" charset="-120"/>
-              </a:rPr>
-              <a:t> file system </a:t>
-            </a:r>
-            <a:r>
-              <a:rPr lang="en-US" altLang="zh-TW" sz="3200" dirty="0" smtClean="0">
-                <a:ea typeface="新細明體" charset="-120"/>
-              </a:rPr>
-              <a:t>is </a:t>
-            </a:r>
-            <a:r>
-              <a:rPr lang="en-US" altLang="zh-TW" sz="3200" dirty="0" smtClean="0">
-                <a:ea typeface="新細明體" charset="-120"/>
-              </a:rPr>
-              <a:t>mounted at a </a:t>
-            </a:r>
-            <a:r>
-              <a:rPr lang="en-US" altLang="zh-TW" sz="3200" b="1" dirty="0" smtClean="0">
+              <a:rPr lang="en-US" altLang="zh-TW" sz="3200" dirty="0">
+                <a:ea typeface="新細明體" charset="-120"/>
+              </a:rPr>
+              <a:t> file system is mounted at a </a:t>
+            </a:r>
+            <a:r>
+              <a:rPr lang="en-US" altLang="zh-TW" sz="3200" b="1" dirty="0">
                 <a:solidFill>
                   <a:srgbClr val="FF0000"/>
                 </a:solidFill>
@@ -26927,7 +26804,7 @@
               </a:rPr>
               <a:t>mount point</a:t>
             </a:r>
-            <a:endParaRPr lang="en-US" altLang="zh-TW" sz="3200" dirty="0" smtClean="0">
+            <a:endParaRPr lang="en-US" altLang="zh-TW" sz="3200" dirty="0">
               <a:solidFill>
                 <a:srgbClr val="FF0000"/>
               </a:solidFill>
@@ -26941,13 +26818,6 @@
   <p:clrMapOvr>
     <a:masterClrMapping/>
   </p:clrMapOvr>
-  <p:timing>
-    <p:tnLst>
-      <p:par>
-        <p:cTn id="1" dur="indefinite" restart="never" nodeType="tmRoot"/>
-      </p:par>
-    </p:tnLst>
-  </p:timing>
 </p:sld>
 </file>
 
@@ -26990,19 +26860,19 @@
           <a:p>
             <a:pPr eaLnBrk="1" hangingPunct="1"/>
             <a:r>
-              <a:rPr lang="en-US" altLang="zh-TW" sz="2400" dirty="0" smtClean="0">
+              <a:rPr lang="en-US" altLang="zh-TW" sz="2400" dirty="0">
                 <a:ea typeface="新細明體" charset="-120"/>
               </a:rPr>
               <a:t>(a) Existing.                        (b) </a:t>
             </a:r>
             <a:r>
-              <a:rPr lang="en-US" altLang="zh-TW" sz="2400" dirty="0" err="1" smtClean="0">
+              <a:rPr lang="en-US" altLang="zh-TW" sz="2400" dirty="0" err="1">
                 <a:ea typeface="新細明體" charset="-120"/>
               </a:rPr>
               <a:t>Unmounted</a:t>
             </a:r>
             <a:r>
-              <a:rPr lang="en-US" altLang="zh-TW" sz="2400" dirty="0" smtClean="0">
+              <a:rPr lang="en-US" altLang="zh-TW" sz="2400" dirty="0">
                 <a:ea typeface="新細明體" charset="-120"/>
               </a:rPr>
               <a:t> Partition</a:t>
@@ -27092,7 +26962,7 @@
               <a:defRPr/>
             </a:pPr>
             <a:r>
-              <a:rPr kumimoji="0" lang="en-US" altLang="zh-TW" sz="3600" b="1" i="0" u="none" strike="noStrike" kern="0" cap="none" spc="0" normalizeH="0" baseline="0" noProof="0" smtClean="0">
+              <a:rPr kumimoji="0" lang="en-US" altLang="zh-TW" sz="3600" b="1" i="0" u="none" strike="noStrike" kern="0" cap="none" spc="0" normalizeH="0" baseline="0" noProof="0">
                 <a:ln>
                   <a:noFill/>
                 </a:ln>
@@ -27108,7 +26978,7 @@
               </a:rPr>
               <a:t>File System Mounting</a:t>
             </a:r>
-            <a:endParaRPr kumimoji="0" lang="en-US" altLang="zh-TW" sz="3600" b="1" i="0" u="none" strike="noStrike" kern="0" cap="none" spc="0" normalizeH="0" baseline="0" noProof="0" dirty="0" smtClean="0">
+            <a:endParaRPr kumimoji="0" lang="en-US" altLang="zh-TW" sz="3600" b="1" i="0" u="none" strike="noStrike" kern="0" cap="none" spc="0" normalizeH="0" baseline="0" noProof="0" dirty="0">
               <a:ln>
                 <a:noFill/>
               </a:ln>
@@ -27269,7 +27139,7 @@
               <a:defRPr/>
             </a:pPr>
             <a:r>
-              <a:rPr lang="en-US" altLang="zh-TW" sz="2800" b="1" kern="0" dirty="0" smtClean="0">
+              <a:rPr lang="en-US" altLang="zh-TW" sz="2800" b="1" kern="0" dirty="0">
                 <a:solidFill>
                   <a:srgbClr val="FF0000"/>
                 </a:solidFill>
@@ -27299,7 +27169,7 @@
               <a:defRPr/>
             </a:pPr>
             <a:r>
-              <a:rPr lang="en-US" altLang="zh-TW" sz="2800" b="1" kern="0" dirty="0" smtClean="0">
+              <a:rPr lang="en-US" altLang="zh-TW" sz="2800" b="1" kern="0" dirty="0">
                 <a:solidFill>
                   <a:srgbClr val="FF0000"/>
                 </a:solidFill>
@@ -27310,7 +27180,7 @@
               <a:t>on </a:t>
             </a:r>
             <a:r>
-              <a:rPr lang="en-US" altLang="zh-TW" sz="2800" b="1" i="1" kern="0" dirty="0" smtClean="0">
+              <a:rPr lang="en-US" altLang="zh-TW" sz="2800" b="1" i="1" kern="0" dirty="0">
                 <a:solidFill>
                   <a:srgbClr val="FF0000"/>
                 </a:solidFill>
@@ -27321,7 +27191,7 @@
               <a:t>/device/</a:t>
             </a:r>
             <a:r>
-              <a:rPr lang="en-US" altLang="zh-TW" sz="2800" b="1" i="1" kern="0" dirty="0" err="1" smtClean="0">
+              <a:rPr lang="en-US" altLang="zh-TW" sz="2800" b="1" i="1" kern="0" dirty="0" err="1">
                 <a:solidFill>
                   <a:srgbClr val="FF0000"/>
                 </a:solidFill>
@@ -27332,7 +27202,7 @@
               <a:t>dsk</a:t>
             </a:r>
             <a:r>
-              <a:rPr lang="en-US" altLang="zh-TW" sz="2800" b="1" i="1" kern="0" dirty="0" smtClean="0">
+              <a:rPr lang="en-US" altLang="zh-TW" sz="2800" b="1" i="1" kern="0" dirty="0">
                 <a:solidFill>
                   <a:srgbClr val="FF0000"/>
                 </a:solidFill>
@@ -27343,7 +27213,7 @@
               <a:t> </a:t>
             </a:r>
             <a:r>
-              <a:rPr lang="en-US" altLang="zh-TW" sz="2800" b="1" kern="0" dirty="0" smtClean="0">
+              <a:rPr lang="en-US" altLang="zh-TW" sz="2800" b="1" kern="0" dirty="0">
                 <a:solidFill>
                   <a:srgbClr val="FF0000"/>
                 </a:solidFill>
@@ -27354,7 +27224,7 @@
               <a:t>over </a:t>
             </a:r>
             <a:r>
-              <a:rPr lang="en-US" altLang="zh-TW" sz="2800" b="1" i="1" kern="0" dirty="0" smtClean="0">
+              <a:rPr lang="en-US" altLang="zh-TW" sz="2800" b="1" i="1" kern="0" dirty="0">
                 <a:solidFill>
                   <a:srgbClr val="FF0000"/>
                 </a:solidFill>
@@ -27364,7 +27234,7 @@
               </a:rPr>
               <a:t>/users</a:t>
             </a:r>
-            <a:endParaRPr kumimoji="0" lang="en-US" altLang="zh-TW" sz="2800" b="1" i="1" u="none" strike="noStrike" kern="0" cap="none" spc="0" normalizeH="0" baseline="0" noProof="0" dirty="0" smtClean="0">
+            <a:endParaRPr kumimoji="0" lang="en-US" altLang="zh-TW" sz="2800" b="1" i="1" u="none" strike="noStrike" kern="0" cap="none" spc="0" normalizeH="0" baseline="0" noProof="0" dirty="0">
               <a:ln>
                 <a:noFill/>
               </a:ln>
@@ -27616,12 +27486,12 @@
           <a:p>
             <a:pPr eaLnBrk="1" hangingPunct="1"/>
             <a:r>
-              <a:rPr lang="en-US" altLang="zh-TW" dirty="0" smtClean="0">
+              <a:rPr lang="en-US" altLang="zh-TW" dirty="0">
                 <a:ea typeface="新細明體" charset="-120"/>
               </a:rPr>
               <a:t>Mount Point</a:t>
             </a:r>
-            <a:endParaRPr lang="en-US" altLang="zh-TW" sz="2400" dirty="0" smtClean="0">
+            <a:endParaRPr lang="en-US" altLang="zh-TW" sz="2400" dirty="0">
               <a:ea typeface="新細明體" charset="-120"/>
             </a:endParaRPr>
           </a:p>
@@ -27772,7 +27642,7 @@
               <a:defRPr/>
             </a:pPr>
             <a:r>
-              <a:rPr lang="en-US" altLang="zh-TW" sz="2800" b="1" kern="0" dirty="0" smtClean="0">
+              <a:rPr lang="en-US" altLang="zh-TW" sz="2800" b="1" kern="0" dirty="0">
                 <a:solidFill>
                   <a:srgbClr val="FF0000"/>
                 </a:solidFill>
@@ -27783,7 +27653,7 @@
               <a:t>The volume residing on </a:t>
             </a:r>
             <a:r>
-              <a:rPr lang="en-US" altLang="zh-TW" sz="2800" b="1" i="1" kern="0" dirty="0" smtClean="0">
+              <a:rPr lang="en-US" altLang="zh-TW" sz="2800" b="1" i="1" kern="0" dirty="0">
                 <a:solidFill>
                   <a:srgbClr val="FF0000"/>
                 </a:solidFill>
@@ -27794,7 +27664,7 @@
               <a:t>/device/</a:t>
             </a:r>
             <a:r>
-              <a:rPr lang="en-US" altLang="zh-TW" sz="2800" b="1" i="1" kern="0" dirty="0" err="1" smtClean="0">
+              <a:rPr lang="en-US" altLang="zh-TW" sz="2800" b="1" i="1" kern="0" dirty="0" err="1">
                 <a:solidFill>
                   <a:srgbClr val="FF0000"/>
                 </a:solidFill>
@@ -27805,7 +27675,7 @@
               <a:t>dsk</a:t>
             </a:r>
             <a:r>
-              <a:rPr lang="en-US" altLang="zh-TW" sz="2800" b="1" i="1" kern="0" dirty="0" smtClean="0">
+              <a:rPr lang="en-US" altLang="zh-TW" sz="2800" b="1" i="1" kern="0" dirty="0">
                 <a:solidFill>
                   <a:srgbClr val="FF0000"/>
                 </a:solidFill>
@@ -27835,7 +27705,7 @@
               <a:defRPr/>
             </a:pPr>
             <a:r>
-              <a:rPr lang="en-US" altLang="zh-TW" sz="2800" b="1" kern="0" dirty="0" smtClean="0">
+              <a:rPr lang="en-US" altLang="zh-TW" sz="2800" b="1" kern="0" dirty="0">
                 <a:solidFill>
                   <a:srgbClr val="FF0000"/>
                 </a:solidFill>
@@ -27846,7 +27716,7 @@
               <a:t>is mounted over </a:t>
             </a:r>
             <a:r>
-              <a:rPr lang="en-US" altLang="zh-TW" sz="2800" b="1" i="1" kern="0" dirty="0" smtClean="0">
+              <a:rPr lang="en-US" altLang="zh-TW" sz="2800" b="1" i="1" kern="0" dirty="0">
                 <a:solidFill>
                   <a:srgbClr val="FF0000"/>
                 </a:solidFill>
@@ -27856,7 +27726,7 @@
               </a:rPr>
               <a:t>/users</a:t>
             </a:r>
-            <a:endParaRPr kumimoji="0" lang="en-US" altLang="zh-TW" sz="2800" b="1" i="1" u="none" strike="noStrike" kern="0" cap="none" spc="0" normalizeH="0" baseline="0" noProof="0" dirty="0" smtClean="0">
+            <a:endParaRPr kumimoji="0" lang="en-US" altLang="zh-TW" sz="2800" b="1" i="1" u="none" strike="noStrike" kern="0" cap="none" spc="0" normalizeH="0" baseline="0" noProof="0" dirty="0">
               <a:ln>
                 <a:noFill/>
               </a:ln>
@@ -28121,7 +27991,7 @@
           <a:p>
             <a:pPr eaLnBrk="1" hangingPunct="1"/>
             <a:r>
-              <a:rPr lang="en-US" altLang="zh-TW" smtClean="0">
+              <a:rPr lang="en-US" altLang="zh-TW">
                 <a:ea typeface="新細明體" charset="-120"/>
               </a:rPr>
               <a:t>File Sharing</a:t>
@@ -28150,7 +28020,7 @@
           <a:lstStyle/>
           <a:p>
             <a:r>
-              <a:rPr lang="en-US" altLang="zh-TW" sz="2800" dirty="0" smtClean="0">
+              <a:rPr lang="en-US" altLang="zh-TW" sz="2800" dirty="0">
                 <a:solidFill>
                   <a:srgbClr val="FF0000"/>
                 </a:solidFill>
@@ -28159,7 +28029,7 @@
               <a:t>Sharing of files </a:t>
             </a:r>
             <a:r>
-              <a:rPr lang="en-US" altLang="zh-TW" sz="2800" dirty="0" smtClean="0">
+              <a:rPr lang="en-US" altLang="zh-TW" sz="2800" dirty="0">
                 <a:ea typeface="新細明體" charset="-120"/>
               </a:rPr>
               <a:t>on multi-user systems is desirable</a:t>
@@ -28167,13 +28037,13 @@
           </a:p>
           <a:p>
             <a:r>
-              <a:rPr lang="en-US" altLang="zh-TW" sz="2800" dirty="0" smtClean="0">
+              <a:rPr lang="en-US" altLang="zh-TW" sz="2800" dirty="0">
                 <a:ea typeface="新細明體" charset="-120"/>
               </a:rPr>
               <a:t>Sharing may be done through a </a:t>
             </a:r>
             <a:r>
-              <a:rPr lang="en-US" altLang="zh-TW" sz="2800" b="1" dirty="0" smtClean="0">
+              <a:rPr lang="en-US" altLang="zh-TW" sz="2800" b="1" dirty="0">
                 <a:solidFill>
                   <a:srgbClr val="FF0000"/>
                 </a:solidFill>
@@ -28182,7 +28052,7 @@
               <a:t>protection</a:t>
             </a:r>
             <a:r>
-              <a:rPr lang="en-US" altLang="zh-TW" sz="2800" dirty="0" smtClean="0">
+              <a:rPr lang="en-US" altLang="zh-TW" sz="2800" dirty="0">
                 <a:solidFill>
                   <a:srgbClr val="FF0000"/>
                 </a:solidFill>
@@ -28193,7 +28063,7 @@
           </a:p>
           <a:p>
             <a:r>
-              <a:rPr lang="en-US" altLang="zh-TW" sz="2800" dirty="0" smtClean="0">
+              <a:rPr lang="en-US" altLang="zh-TW" sz="2800" dirty="0">
                 <a:ea typeface="新細明體" charset="-120"/>
               </a:rPr>
               <a:t>On distributed systems, files may be shared across a network</a:t>
@@ -28201,7 +28071,7 @@
           </a:p>
           <a:p>
             <a:r>
-              <a:rPr lang="en-US" altLang="zh-TW" sz="2800" dirty="0" smtClean="0">
+              <a:rPr lang="en-US" altLang="zh-TW" sz="2800" dirty="0">
                 <a:ea typeface="新細明體" charset="-120"/>
               </a:rPr>
               <a:t>Network File System (NFS) is a common distributed file-sharing method</a:t>
@@ -28528,7 +28398,7 @@
           <a:p>
             <a:pPr eaLnBrk="1" hangingPunct="1"/>
             <a:r>
-              <a:rPr lang="en-US" altLang="zh-TW" smtClean="0">
+              <a:rPr lang="en-US" altLang="zh-TW">
                 <a:ea typeface="新細明體" charset="-120"/>
               </a:rPr>
               <a:t>File Sharing – Multiple Users</a:t>
@@ -28557,7 +28427,7 @@
           <a:lstStyle/>
           <a:p>
             <a:r>
-              <a:rPr lang="en-US" altLang="zh-TW" sz="2800" b="1" dirty="0" smtClean="0">
+              <a:rPr lang="en-US" altLang="zh-TW" sz="2800" b="1" dirty="0">
                 <a:solidFill>
                   <a:srgbClr val="FF0000"/>
                 </a:solidFill>
@@ -28566,7 +28436,7 @@
               <a:t>User IDs</a:t>
             </a:r>
             <a:r>
-              <a:rPr lang="en-US" altLang="zh-TW" sz="2800" dirty="0" smtClean="0">
+              <a:rPr lang="en-US" altLang="zh-TW" sz="2800" dirty="0">
                 <a:solidFill>
                   <a:srgbClr val="FF0000"/>
                 </a:solidFill>
@@ -28575,7 +28445,7 @@
               <a:t> </a:t>
             </a:r>
             <a:r>
-              <a:rPr lang="en-US" altLang="zh-TW" sz="2800" dirty="0" smtClean="0">
+              <a:rPr lang="en-US" altLang="zh-TW" sz="2800" dirty="0">
                 <a:ea typeface="新細明體" charset="-120"/>
               </a:rPr>
               <a:t>identify users, allowing permissions and protections to be per-user</a:t>
@@ -28583,7 +28453,7 @@
           </a:p>
           <a:p>
             <a:r>
-              <a:rPr lang="en-US" altLang="zh-TW" sz="2800" b="1" dirty="0" smtClean="0">
+              <a:rPr lang="en-US" altLang="zh-TW" sz="2800" b="1" dirty="0">
                 <a:solidFill>
                   <a:srgbClr val="FF0000"/>
                 </a:solidFill>
@@ -28592,7 +28462,7 @@
               <a:t>Group IDs</a:t>
             </a:r>
             <a:r>
-              <a:rPr lang="en-US" altLang="zh-TW" sz="2800" dirty="0" smtClean="0">
+              <a:rPr lang="en-US" altLang="zh-TW" sz="2800" dirty="0">
                 <a:solidFill>
                   <a:srgbClr val="FF0000"/>
                 </a:solidFill>
@@ -28601,7 +28471,7 @@
               <a:t> </a:t>
             </a:r>
             <a:r>
-              <a:rPr lang="en-US" altLang="zh-TW" sz="2800" dirty="0" smtClean="0">
+              <a:rPr lang="en-US" altLang="zh-TW" sz="2800" dirty="0">
                 <a:ea typeface="新細明體" charset="-120"/>
               </a:rPr>
               <a:t>allow users to be in groups, permitting group access rights</a:t>
@@ -28614,7 +28484,7 @@
               </a:lnSpc>
             </a:pPr>
             <a:r>
-              <a:rPr lang="en-US" altLang="zh-TW" sz="2800" dirty="0" smtClean="0">
+              <a:rPr lang="en-US" altLang="zh-TW" sz="2800" dirty="0">
                 <a:ea typeface="新細明體" charset="-120"/>
               </a:rPr>
               <a:t>Uses networking to allow file system access between systems</a:t>
@@ -28627,7 +28497,7 @@
               </a:lnSpc>
             </a:pPr>
             <a:r>
-              <a:rPr lang="en-US" altLang="zh-TW" sz="2800" dirty="0" smtClean="0">
+              <a:rPr lang="en-US" altLang="zh-TW" sz="2800" dirty="0">
                 <a:solidFill>
                   <a:srgbClr val="FF0000"/>
                 </a:solidFill>
@@ -28636,7 +28506,7 @@
               <a:t>Manually </a:t>
             </a:r>
             <a:r>
-              <a:rPr lang="en-US" altLang="zh-TW" sz="2800" dirty="0" smtClean="0">
+              <a:rPr lang="en-US" altLang="zh-TW" sz="2800" dirty="0">
                 <a:ea typeface="新細明體" charset="-120"/>
               </a:rPr>
               <a:t>via programs like FTP</a:t>
@@ -28649,7 +28519,7 @@
               </a:lnSpc>
             </a:pPr>
             <a:r>
-              <a:rPr lang="en-US" altLang="zh-TW" sz="2800" dirty="0" smtClean="0">
+              <a:rPr lang="en-US" altLang="zh-TW" sz="2800" dirty="0">
                 <a:solidFill>
                   <a:srgbClr val="FF0000"/>
                 </a:solidFill>
@@ -28658,13 +28528,13 @@
               <a:t>Automatically,</a:t>
             </a:r>
             <a:r>
-              <a:rPr lang="en-US" altLang="zh-TW" sz="2800" dirty="0" smtClean="0">
+              <a:rPr lang="en-US" altLang="zh-TW" sz="2800" dirty="0">
                 <a:ea typeface="新細明體" charset="-120"/>
               </a:rPr>
               <a:t> seamlessly using </a:t>
             </a:r>
             <a:r>
-              <a:rPr lang="en-US" altLang="zh-TW" sz="2800" b="1" dirty="0" smtClean="0">
+              <a:rPr lang="en-US" altLang="zh-TW" sz="2800" b="1" dirty="0">
                 <a:ea typeface="新細明體" charset="-120"/>
               </a:rPr>
               <a:t>distributed file systems</a:t>
@@ -28677,7 +28547,7 @@
               </a:lnSpc>
             </a:pPr>
             <a:r>
-              <a:rPr lang="en-US" altLang="zh-TW" sz="2800" dirty="0" smtClean="0">
+              <a:rPr lang="en-US" altLang="zh-TW" sz="2800" dirty="0">
                 <a:solidFill>
                   <a:srgbClr val="FF0000"/>
                 </a:solidFill>
@@ -28686,13 +28556,13 @@
               <a:t>Semi automatically </a:t>
             </a:r>
             <a:r>
-              <a:rPr lang="en-US" altLang="zh-TW" sz="2800" dirty="0" smtClean="0">
+              <a:rPr lang="en-US" altLang="zh-TW" sz="2800" dirty="0">
                 <a:ea typeface="新細明體" charset="-120"/>
               </a:rPr>
               <a:t>via the</a:t>
             </a:r>
             <a:r>
-              <a:rPr lang="en-US" altLang="zh-TW" sz="2800" b="1" dirty="0" smtClean="0">
+              <a:rPr lang="en-US" altLang="zh-TW" sz="2800" b="1" dirty="0">
                 <a:ea typeface="新細明體" charset="-120"/>
               </a:rPr>
               <a:t> WWW</a:t>
@@ -28703,7 +28573,7 @@
               <a:buFont typeface="Monotype Sorts" charset="2"/>
               <a:buNone/>
             </a:pPr>
-            <a:endParaRPr lang="en-US" altLang="zh-TW" sz="2800" dirty="0" smtClean="0">
+            <a:endParaRPr lang="en-US" altLang="zh-TW" sz="2800" dirty="0">
               <a:ea typeface="新細明體" charset="-120"/>
             </a:endParaRPr>
           </a:p>
@@ -29101,7 +28971,7 @@
           <a:p>
             <a:pPr eaLnBrk="1" hangingPunct="1"/>
             <a:r>
-              <a:rPr lang="en-US" altLang="zh-TW" smtClean="0">
+              <a:rPr lang="en-US" altLang="zh-TW">
                 <a:ea typeface="新細明體" charset="-120"/>
               </a:rPr>
               <a:t>File Sharing – Remote File Systems</a:t>
@@ -29135,19 +29005,19 @@
               </a:lnSpc>
             </a:pPr>
             <a:r>
-              <a:rPr lang="en-US" altLang="zh-TW" sz="2400" b="1" dirty="0" smtClean="0">
+              <a:rPr lang="en-US" altLang="zh-TW" sz="2400" b="1" dirty="0">
                 <a:ea typeface="新細明體" charset="-120"/>
               </a:rPr>
               <a:t>Client-server</a:t>
             </a:r>
             <a:r>
-              <a:rPr lang="en-US" altLang="zh-TW" sz="2400" dirty="0" smtClean="0">
+              <a:rPr lang="en-US" altLang="zh-TW" sz="2400" dirty="0">
                 <a:ea typeface="新細明體" charset="-120"/>
               </a:rPr>
               <a:t> model allows </a:t>
             </a:r>
             <a:r>
-              <a:rPr lang="en-US" altLang="zh-TW" sz="2400" dirty="0" smtClean="0">
+              <a:rPr lang="en-US" altLang="zh-TW" sz="2400" dirty="0">
                 <a:solidFill>
                   <a:srgbClr val="FF0000"/>
                 </a:solidFill>
@@ -29163,7 +29033,7 @@
               </a:lnSpc>
             </a:pPr>
             <a:r>
-              <a:rPr lang="en-US" altLang="zh-TW" sz="2400" dirty="0" smtClean="0">
+              <a:rPr lang="en-US" altLang="zh-TW" sz="2400" dirty="0">
                 <a:ea typeface="新細明體" charset="-120"/>
               </a:rPr>
               <a:t>Server can serve multiple clients</a:t>
@@ -29176,13 +29046,13 @@
               </a:lnSpc>
             </a:pPr>
             <a:r>
-              <a:rPr lang="en-US" altLang="zh-TW" sz="2400" dirty="0" smtClean="0">
+              <a:rPr lang="en-US" altLang="zh-TW" sz="2400" dirty="0">
                 <a:ea typeface="新細明體" charset="-120"/>
               </a:rPr>
               <a:t>Client and user-on-client </a:t>
             </a:r>
             <a:r>
-              <a:rPr lang="en-US" altLang="zh-TW" sz="2400" dirty="0" smtClean="0">
+              <a:rPr lang="en-US" altLang="zh-TW" sz="2400" dirty="0">
                 <a:solidFill>
                   <a:srgbClr val="FF0000"/>
                 </a:solidFill>
@@ -29191,7 +29061,7 @@
               <a:t>identification</a:t>
             </a:r>
             <a:r>
-              <a:rPr lang="en-US" altLang="zh-TW" sz="2400" dirty="0" smtClean="0">
+              <a:rPr lang="en-US" altLang="zh-TW" sz="2400" dirty="0">
                 <a:ea typeface="新細明體" charset="-120"/>
               </a:rPr>
               <a:t> is insecure or complicated</a:t>
@@ -29204,7 +29074,7 @@
               </a:lnSpc>
             </a:pPr>
             <a:r>
-              <a:rPr lang="en-US" altLang="zh-TW" sz="2400" b="1" dirty="0" smtClean="0">
+              <a:rPr lang="en-US" altLang="zh-TW" sz="2400" b="1" dirty="0">
                 <a:solidFill>
                   <a:srgbClr val="FF0000"/>
                 </a:solidFill>
@@ -29213,7 +29083,7 @@
               <a:t>NFS</a:t>
             </a:r>
             <a:r>
-              <a:rPr lang="en-US" altLang="zh-TW" sz="2400" dirty="0" smtClean="0">
+              <a:rPr lang="en-US" altLang="zh-TW" sz="2400" dirty="0">
                 <a:ea typeface="新細明體" charset="-120"/>
               </a:rPr>
               <a:t> is standard UNIX client-server file sharing protocol</a:t>
@@ -29226,7 +29096,7 @@
               </a:lnSpc>
             </a:pPr>
             <a:r>
-              <a:rPr lang="en-US" altLang="zh-TW" sz="2400" b="1" dirty="0" smtClean="0">
+              <a:rPr lang="en-US" altLang="zh-TW" sz="2400" b="1" dirty="0">
                 <a:solidFill>
                   <a:srgbClr val="FF0000"/>
                 </a:solidFill>
@@ -29235,7 +29105,7 @@
               <a:t>CIFS</a:t>
             </a:r>
             <a:r>
-              <a:rPr lang="zh-TW" altLang="en-US" sz="2400" b="1" dirty="0" smtClean="0">
+              <a:rPr lang="zh-TW" altLang="en-US" sz="2400" b="1" dirty="0">
                 <a:solidFill>
                   <a:srgbClr val="FF0000"/>
                 </a:solidFill>
@@ -29244,7 +29114,7 @@
               <a:t> </a:t>
             </a:r>
             <a:r>
-              <a:rPr lang="en-US" altLang="zh-TW" sz="2400" b="1" dirty="0" smtClean="0">
+              <a:rPr lang="en-US" altLang="zh-TW" sz="2400" b="1" dirty="0">
                 <a:solidFill>
                   <a:srgbClr val="FF0000"/>
                 </a:solidFill>
@@ -29253,7 +29123,7 @@
               <a:t>(Common Internet File System) </a:t>
             </a:r>
             <a:r>
-              <a:rPr lang="en-US" altLang="zh-TW" sz="2400" dirty="0" smtClean="0">
+              <a:rPr lang="en-US" altLang="zh-TW" sz="2400" dirty="0">
                 <a:ea typeface="新細明體" charset="-120"/>
               </a:rPr>
               <a:t>is standard Windows protocol</a:t>
@@ -29266,7 +29136,7 @@
               </a:lnSpc>
             </a:pPr>
             <a:r>
-              <a:rPr lang="en-US" altLang="zh-TW" sz="2400" dirty="0" smtClean="0">
+              <a:rPr lang="en-US" altLang="zh-TW" sz="2400" dirty="0">
                 <a:ea typeface="新細明體" charset="-120"/>
               </a:rPr>
               <a:t>Standard OS file calls are translated into remote calls</a:t>
@@ -29279,7 +29149,7 @@
               </a:lnSpc>
             </a:pPr>
             <a:r>
-              <a:rPr lang="en-US" altLang="zh-TW" sz="2400" dirty="0" smtClean="0">
+              <a:rPr lang="en-US" altLang="zh-TW" sz="2400" dirty="0">
                 <a:solidFill>
                   <a:srgbClr val="FF0000"/>
                 </a:solidFill>
@@ -29288,7 +29158,7 @@
               <a:t>Distributed Information Systems</a:t>
             </a:r>
             <a:r>
-              <a:rPr lang="en-US" altLang="zh-TW" sz="2800" dirty="0" smtClean="0">
+              <a:rPr lang="en-US" altLang="zh-TW" sz="2800" dirty="0">
                 <a:solidFill>
                   <a:srgbClr val="FF0000"/>
                 </a:solidFill>
@@ -29297,19 +29167,19 @@
               <a:t> </a:t>
             </a:r>
             <a:r>
-              <a:rPr lang="en-US" altLang="zh-TW" sz="2400" b="1" dirty="0" smtClean="0">
+              <a:rPr lang="en-US" altLang="zh-TW" sz="2400" b="1" dirty="0">
                 <a:ea typeface="新細明體" charset="-120"/>
               </a:rPr>
               <a:t>(distributed naming services)</a:t>
             </a:r>
             <a:r>
-              <a:rPr lang="en-US" altLang="zh-TW" sz="2400" dirty="0" smtClean="0">
+              <a:rPr lang="en-US" altLang="zh-TW" sz="2400" dirty="0">
                 <a:ea typeface="新細明體" charset="-120"/>
               </a:rPr>
               <a:t> such as LDAP (lightweight directory access protocol), DNS, NIS, Active Directory (Windows XP and Windows 2000) implement </a:t>
             </a:r>
             <a:r>
-              <a:rPr lang="en-US" altLang="zh-TW" sz="2400" dirty="0" smtClean="0">
+              <a:rPr lang="en-US" altLang="zh-TW" sz="2400" dirty="0">
                 <a:solidFill>
                   <a:srgbClr val="FF0000"/>
                 </a:solidFill>
@@ -29318,7 +29188,7 @@
               <a:t>unified access </a:t>
             </a:r>
             <a:r>
-              <a:rPr lang="en-US" altLang="zh-TW" sz="2400" dirty="0" smtClean="0">
+              <a:rPr lang="en-US" altLang="zh-TW" sz="2400" dirty="0">
                 <a:ea typeface="新細明體" charset="-120"/>
               </a:rPr>
               <a:t>to information needed for remote computing</a:t>
@@ -29828,7 +29698,7 @@
           <a:p>
             <a:pPr eaLnBrk="1" hangingPunct="1"/>
             <a:r>
-              <a:rPr lang="en-US" altLang="zh-TW" smtClean="0">
+              <a:rPr lang="en-US" altLang="zh-TW">
                 <a:ea typeface="新細明體" charset="-120"/>
               </a:rPr>
               <a:t>File Sharing – Failure Modes</a:t>
@@ -29857,13 +29727,13 @@
           <a:lstStyle/>
           <a:p>
             <a:r>
-              <a:rPr lang="en-US" altLang="zh-TW" sz="2800" dirty="0" smtClean="0">
+              <a:rPr lang="en-US" altLang="zh-TW" sz="2800" dirty="0">
                 <a:ea typeface="新細明體" charset="-120"/>
               </a:rPr>
               <a:t>Remote file systems add </a:t>
             </a:r>
             <a:r>
-              <a:rPr lang="en-US" altLang="zh-TW" sz="2800" dirty="0" smtClean="0">
+              <a:rPr lang="en-US" altLang="zh-TW" sz="2800" dirty="0">
                 <a:solidFill>
                   <a:srgbClr val="FF0000"/>
                 </a:solidFill>
@@ -29872,7 +29742,7 @@
               <a:t>new failure modes</a:t>
             </a:r>
             <a:r>
-              <a:rPr lang="en-US" altLang="zh-TW" sz="2800" dirty="0" smtClean="0">
+              <a:rPr lang="en-US" altLang="zh-TW" sz="2800" dirty="0">
                 <a:ea typeface="新細明體" charset="-120"/>
               </a:rPr>
               <a:t>, due to network failure, server failure</a:t>
@@ -29880,13 +29750,13 @@
           </a:p>
           <a:p>
             <a:r>
-              <a:rPr lang="en-US" altLang="zh-TW" sz="2800" dirty="0" smtClean="0">
+              <a:rPr lang="en-US" altLang="zh-TW" sz="2800" dirty="0">
                 <a:ea typeface="新細明體" charset="-120"/>
               </a:rPr>
               <a:t>Recovery from failure can involve </a:t>
             </a:r>
             <a:r>
-              <a:rPr lang="en-US" altLang="zh-TW" sz="2800" dirty="0" smtClean="0">
+              <a:rPr lang="en-US" altLang="zh-TW" sz="2800" dirty="0">
                 <a:solidFill>
                   <a:srgbClr val="FF0000"/>
                 </a:solidFill>
@@ -29895,7 +29765,7 @@
               <a:t>state information </a:t>
             </a:r>
             <a:r>
-              <a:rPr lang="en-US" altLang="zh-TW" sz="2800" dirty="0" smtClean="0">
+              <a:rPr lang="en-US" altLang="zh-TW" sz="2800" dirty="0">
                 <a:ea typeface="新細明體" charset="-120"/>
               </a:rPr>
               <a:t>about status of each remote request</a:t>
@@ -29903,7 +29773,7 @@
           </a:p>
           <a:p>
             <a:r>
-              <a:rPr lang="en-US" altLang="zh-TW" sz="2800" dirty="0" smtClean="0">
+              <a:rPr lang="en-US" altLang="zh-TW" sz="2800" dirty="0">
                 <a:solidFill>
                   <a:srgbClr val="FF0000"/>
                 </a:solidFill>
@@ -29912,7 +29782,7 @@
               <a:t>Stateless protocols</a:t>
             </a:r>
             <a:r>
-              <a:rPr lang="en-US" altLang="zh-TW" sz="2800" dirty="0" smtClean="0">
+              <a:rPr lang="en-US" altLang="zh-TW" sz="2800" dirty="0">
                 <a:ea typeface="新細明體" charset="-120"/>
               </a:rPr>
               <a:t> such as NFS include all information in each request, allowing easy recovery but less security</a:t>
@@ -30183,7 +30053,7 @@
           <a:p>
             <a:pPr eaLnBrk="1" hangingPunct="1"/>
             <a:r>
-              <a:rPr lang="en-US" altLang="zh-TW" dirty="0" smtClean="0">
+              <a:rPr lang="en-US" altLang="zh-TW" dirty="0">
                 <a:ea typeface="新細明體" charset="-120"/>
               </a:rPr>
               <a:t>File Sharing – Consistency Semantics</a:t>
@@ -30217,7 +30087,7 @@
               </a:lnSpc>
             </a:pPr>
             <a:r>
-              <a:rPr lang="en-US" altLang="zh-TW" sz="2800" b="1" dirty="0" smtClean="0">
+              <a:rPr lang="en-US" altLang="zh-TW" sz="2800" b="1" dirty="0">
                 <a:solidFill>
                   <a:srgbClr val="FF0000"/>
                 </a:solidFill>
@@ -30226,7 +30096,7 @@
               <a:t>Consistency semantics</a:t>
             </a:r>
             <a:r>
-              <a:rPr lang="en-US" altLang="zh-TW" sz="2800" dirty="0" smtClean="0">
+              <a:rPr lang="en-US" altLang="zh-TW" sz="2800" dirty="0">
                 <a:solidFill>
                   <a:srgbClr val="FF0000"/>
                 </a:solidFill>
@@ -30235,7 +30105,7 @@
               <a:t> </a:t>
             </a:r>
             <a:r>
-              <a:rPr lang="en-US" altLang="zh-TW" sz="2800" dirty="0" smtClean="0">
+              <a:rPr lang="en-US" altLang="zh-TW" sz="2800" dirty="0">
                 <a:ea typeface="新細明體" charset="-120"/>
               </a:rPr>
               <a:t>specify how multiple users are to access a shared file simultaneously</a:t>
@@ -30248,13 +30118,13 @@
               </a:lnSpc>
             </a:pPr>
             <a:r>
-              <a:rPr lang="en-US" altLang="zh-TW" sz="2000" dirty="0" smtClean="0">
+              <a:rPr lang="en-US" altLang="zh-TW" sz="2000" dirty="0">
                 <a:ea typeface="新細明體" charset="-120"/>
               </a:rPr>
               <a:t>Similar to Ch 6 </a:t>
             </a:r>
             <a:r>
-              <a:rPr lang="en-US" altLang="zh-TW" sz="2000" dirty="0" smtClean="0">
+              <a:rPr lang="en-US" altLang="zh-TW" sz="2000" dirty="0">
                 <a:solidFill>
                   <a:srgbClr val="FF0000"/>
                 </a:solidFill>
@@ -30270,7 +30140,7 @@
               </a:lnSpc>
             </a:pPr>
             <a:r>
-              <a:rPr lang="en-US" altLang="zh-TW" sz="2000" dirty="0" smtClean="0">
+              <a:rPr lang="en-US" altLang="zh-TW" sz="2000" dirty="0">
                 <a:ea typeface="新細明體" charset="-120"/>
               </a:rPr>
               <a:t>Tend to be less complex due to disk I/O and network latency (for remote file systems)</a:t>
@@ -30283,7 +30153,7 @@
               </a:lnSpc>
             </a:pPr>
             <a:r>
-              <a:rPr lang="en-US" altLang="zh-TW" sz="2000" dirty="0" smtClean="0">
+              <a:rPr lang="en-US" altLang="zh-TW" sz="2000" dirty="0">
                 <a:solidFill>
                   <a:srgbClr val="FF0000"/>
                 </a:solidFill>
@@ -30292,7 +30162,7 @@
               <a:t>Andrew File System </a:t>
             </a:r>
             <a:r>
-              <a:rPr lang="en-US" altLang="zh-TW" sz="2000" dirty="0" smtClean="0">
+              <a:rPr lang="en-US" altLang="zh-TW" sz="2000" dirty="0">
                 <a:ea typeface="新細明體" charset="-120"/>
               </a:rPr>
               <a:t>(AFS, Chapter 17) implemented complex remote file sharing semantics</a:t>
@@ -30305,7 +30175,7 @@
               </a:lnSpc>
             </a:pPr>
             <a:r>
-              <a:rPr lang="en-US" altLang="zh-TW" sz="2000" dirty="0" smtClean="0">
+              <a:rPr lang="en-US" altLang="zh-TW" sz="2000" dirty="0">
                 <a:solidFill>
                   <a:srgbClr val="FF0000"/>
                 </a:solidFill>
@@ -30314,7 +30184,7 @@
               <a:t>Unix file system </a:t>
             </a:r>
             <a:r>
-              <a:rPr lang="en-US" altLang="zh-TW" sz="2000" dirty="0" smtClean="0">
+              <a:rPr lang="en-US" altLang="zh-TW" sz="2000" dirty="0">
                 <a:ea typeface="新細明體" charset="-120"/>
               </a:rPr>
               <a:t>(UFS, Chapter 17) implements:</a:t>
@@ -30327,7 +30197,7 @@
               </a:lnSpc>
             </a:pPr>
             <a:r>
-              <a:rPr lang="en-US" altLang="zh-TW" sz="2000" dirty="0" smtClean="0">
+              <a:rPr lang="en-US" altLang="zh-TW" sz="2000" dirty="0">
                 <a:ea typeface="新細明體" charset="-120"/>
               </a:rPr>
               <a:t>Writes to an open file visible immediately to other users of the same open file</a:t>
@@ -30340,13 +30210,13 @@
               </a:lnSpc>
             </a:pPr>
             <a:r>
-              <a:rPr lang="en-US" altLang="zh-TW" sz="2000" dirty="0" smtClean="0">
+              <a:rPr lang="en-US" altLang="zh-TW" sz="2000" dirty="0">
                 <a:ea typeface="新細明體" charset="-120"/>
               </a:rPr>
               <a:t>Sharing </a:t>
             </a:r>
             <a:r>
-              <a:rPr lang="en-US" altLang="zh-TW" sz="2000" b="1" dirty="0" smtClean="0">
+              <a:rPr lang="en-US" altLang="zh-TW" sz="2000" b="1" dirty="0">
                 <a:solidFill>
                   <a:srgbClr val="FF0000"/>
                 </a:solidFill>
@@ -30355,7 +30225,7 @@
               <a:t>file pointer </a:t>
             </a:r>
             <a:r>
-              <a:rPr lang="en-US" altLang="zh-TW" sz="2000" dirty="0" smtClean="0">
+              <a:rPr lang="en-US" altLang="zh-TW" sz="2000" dirty="0">
                 <a:ea typeface="新細明體" charset="-120"/>
               </a:rPr>
               <a:t>to allow multiple users to read and write concurrently</a:t>
@@ -30368,13 +30238,13 @@
               </a:lnSpc>
             </a:pPr>
             <a:r>
-              <a:rPr lang="en-US" altLang="zh-TW" sz="2000" dirty="0" smtClean="0">
+              <a:rPr lang="en-US" altLang="zh-TW" sz="2000" dirty="0">
                 <a:ea typeface="新細明體" charset="-120"/>
               </a:rPr>
               <a:t>AFS has </a:t>
             </a:r>
             <a:r>
-              <a:rPr lang="en-US" altLang="zh-TW" sz="2000" b="1" dirty="0" smtClean="0">
+              <a:rPr lang="en-US" altLang="zh-TW" sz="2000" b="1" dirty="0">
                 <a:solidFill>
                   <a:srgbClr val="FF0000"/>
                 </a:solidFill>
@@ -30390,7 +30260,7 @@
               </a:lnSpc>
             </a:pPr>
             <a:r>
-              <a:rPr lang="en-US" altLang="zh-TW" sz="2000" dirty="0" smtClean="0">
+              <a:rPr lang="en-US" altLang="zh-TW" sz="2000" dirty="0">
                 <a:ea typeface="新細明體" charset="-120"/>
               </a:rPr>
               <a:t>Writes only visible to sessions starting after the file is closed</a:t>
@@ -30402,7 +30272,7 @@
                 <a:spcPct val="90000"/>
               </a:lnSpc>
             </a:pPr>
-            <a:endParaRPr lang="en-US" altLang="zh-TW" sz="2000" dirty="0" smtClean="0">
+            <a:endParaRPr lang="en-US" altLang="zh-TW" sz="2000" dirty="0">
               <a:ea typeface="新細明體" charset="-120"/>
             </a:endParaRPr>
           </a:p>
@@ -30412,7 +30282,7 @@
                 <a:spcPct val="90000"/>
               </a:lnSpc>
             </a:pPr>
-            <a:endParaRPr lang="en-US" altLang="zh-TW" sz="2000" dirty="0" smtClean="0">
+            <a:endParaRPr lang="en-US" altLang="zh-TW" sz="2000" dirty="0">
               <a:ea typeface="新細明體" charset="-120"/>
             </a:endParaRPr>
           </a:p>
@@ -30906,7 +30776,7 @@
           <a:p>
             <a:pPr eaLnBrk="1" hangingPunct="1"/>
             <a:r>
-              <a:rPr lang="en-US" altLang="zh-TW" smtClean="0">
+              <a:rPr lang="en-US" altLang="zh-TW">
                 <a:ea typeface="新細明體" charset="-120"/>
               </a:rPr>
               <a:t>Protection</a:t>
@@ -30935,7 +30805,7 @@
           <a:lstStyle/>
           <a:p>
             <a:r>
-              <a:rPr lang="en-US" altLang="zh-TW" sz="2800" dirty="0" smtClean="0">
+              <a:rPr lang="en-US" altLang="zh-TW" sz="2800" dirty="0">
                 <a:ea typeface="新細明體" charset="-120"/>
               </a:rPr>
               <a:t>File owner/creator should be able to control:</a:t>
@@ -30944,7 +30814,7 @@
           <a:p>
             <a:pPr lvl="1"/>
             <a:r>
-              <a:rPr lang="en-US" altLang="zh-TW" sz="2800" dirty="0" smtClean="0">
+              <a:rPr lang="en-US" altLang="zh-TW" sz="2800" dirty="0">
                 <a:ea typeface="新細明體" charset="-120"/>
               </a:rPr>
               <a:t>what can be done</a:t>
@@ -30953,7 +30823,7 @@
           <a:p>
             <a:pPr lvl="1"/>
             <a:r>
-              <a:rPr lang="en-US" altLang="zh-TW" sz="2800" dirty="0" smtClean="0">
+              <a:rPr lang="en-US" altLang="zh-TW" sz="2800" dirty="0">
                 <a:ea typeface="新細明體" charset="-120"/>
               </a:rPr>
               <a:t>by whom</a:t>
@@ -30961,7 +30831,7 @@
           </a:p>
           <a:p>
             <a:r>
-              <a:rPr lang="en-US" altLang="zh-TW" sz="2800" dirty="0" smtClean="0">
+              <a:rPr lang="en-US" altLang="zh-TW" sz="2800" dirty="0">
                 <a:ea typeface="新細明體" charset="-120"/>
               </a:rPr>
               <a:t>Types of access</a:t>
@@ -30970,7 +30840,7 @@
           <a:p>
             <a:pPr lvl="1"/>
             <a:r>
-              <a:rPr lang="en-US" altLang="zh-TW" sz="2800" b="1" dirty="0" smtClean="0">
+              <a:rPr lang="en-US" altLang="zh-TW" sz="2800" b="1" dirty="0">
                 <a:ea typeface="新細明體" charset="-120"/>
               </a:rPr>
               <a:t>Read</a:t>
@@ -30979,7 +30849,7 @@
           <a:p>
             <a:pPr lvl="1"/>
             <a:r>
-              <a:rPr lang="en-US" altLang="zh-TW" sz="2800" b="1" dirty="0" smtClean="0">
+              <a:rPr lang="en-US" altLang="zh-TW" sz="2800" b="1" dirty="0">
                 <a:ea typeface="新細明體" charset="-120"/>
               </a:rPr>
               <a:t>Write</a:t>
@@ -30988,7 +30858,7 @@
           <a:p>
             <a:pPr lvl="1"/>
             <a:r>
-              <a:rPr lang="en-US" altLang="zh-TW" sz="2800" b="1" dirty="0" smtClean="0">
+              <a:rPr lang="en-US" altLang="zh-TW" sz="2800" b="1" dirty="0">
                 <a:ea typeface="新細明體" charset="-120"/>
               </a:rPr>
               <a:t>Execute</a:t>
@@ -30997,7 +30867,7 @@
           <a:p>
             <a:pPr lvl="1"/>
             <a:r>
-              <a:rPr lang="en-US" altLang="zh-TW" sz="2800" b="1" dirty="0" smtClean="0">
+              <a:rPr lang="en-US" altLang="zh-TW" sz="2800" b="1" dirty="0">
                 <a:ea typeface="新細明體" charset="-120"/>
               </a:rPr>
               <a:t>Append</a:t>
@@ -31006,7 +30876,7 @@
           <a:p>
             <a:pPr lvl="1"/>
             <a:r>
-              <a:rPr lang="en-US" altLang="zh-TW" sz="2800" b="1" dirty="0" smtClean="0">
+              <a:rPr lang="en-US" altLang="zh-TW" sz="2800" b="1" dirty="0">
                 <a:ea typeface="新細明體" charset="-120"/>
               </a:rPr>
               <a:t>Delete</a:t>
@@ -31015,7 +30885,7 @@
           <a:p>
             <a:pPr lvl="1"/>
             <a:r>
-              <a:rPr lang="en-US" altLang="zh-TW" sz="2800" b="1" dirty="0" smtClean="0">
+              <a:rPr lang="en-US" altLang="zh-TW" sz="2800" b="1" dirty="0">
                 <a:ea typeface="新細明體" charset="-120"/>
               </a:rPr>
               <a:t>List</a:t>
@@ -31028,13 +30898,6 @@
   <p:clrMapOvr>
     <a:masterClrMapping/>
   </p:clrMapOvr>
-  <p:timing>
-    <p:tnLst>
-      <p:par>
-        <p:cTn id="1" dur="indefinite" restart="never" nodeType="tmRoot"/>
-      </p:par>
-    </p:tnLst>
-  </p:timing>
 </p:sld>
 </file>
 
@@ -31072,7 +30935,7 @@
           <a:p>
             <a:pPr eaLnBrk="1" hangingPunct="1"/>
             <a:r>
-              <a:rPr lang="en-US" altLang="zh-TW" dirty="0" smtClean="0">
+              <a:rPr lang="en-US" altLang="zh-TW" dirty="0">
                 <a:ea typeface="新細明體" charset="-120"/>
               </a:rPr>
               <a:t>File Concept</a:t>
@@ -31096,7 +30959,7 @@
           <a:lstStyle/>
           <a:p>
             <a:r>
-              <a:rPr lang="en-US" altLang="zh-TW" sz="3200" dirty="0" smtClean="0">
+              <a:rPr lang="en-US" altLang="zh-TW" sz="3200" dirty="0">
                 <a:solidFill>
                   <a:srgbClr val="FF0000"/>
                 </a:solidFill>
@@ -31107,7 +30970,7 @@
           </a:p>
           <a:p>
             <a:r>
-              <a:rPr lang="en-US" altLang="zh-TW" sz="3200" dirty="0" smtClean="0">
+              <a:rPr lang="en-US" altLang="zh-TW" sz="3200" dirty="0">
                 <a:ea typeface="新細明體" charset="-120"/>
               </a:rPr>
               <a:t>Types: </a:t>
@@ -31116,7 +30979,7 @@
           <a:p>
             <a:pPr lvl="1"/>
             <a:r>
-              <a:rPr lang="en-US" altLang="zh-TW" sz="2800" dirty="0" smtClean="0">
+              <a:rPr lang="en-US" altLang="zh-TW" sz="2800" dirty="0">
                 <a:solidFill>
                   <a:srgbClr val="FF0000"/>
                 </a:solidFill>
@@ -31128,7 +30991,7 @@
           <a:p>
             <a:pPr lvl="2"/>
             <a:r>
-              <a:rPr lang="en-US" altLang="zh-TW" sz="2800" dirty="0" smtClean="0">
+              <a:rPr lang="en-US" altLang="zh-TW" sz="2800" dirty="0">
                 <a:ea typeface="新細明體" charset="-120"/>
               </a:rPr>
               <a:t>numeric</a:t>
@@ -31137,7 +31000,7 @@
           <a:p>
             <a:pPr lvl="2"/>
             <a:r>
-              <a:rPr lang="en-US" altLang="zh-TW" sz="2800" dirty="0" smtClean="0">
+              <a:rPr lang="en-US" altLang="zh-TW" sz="2800" dirty="0">
                 <a:ea typeface="新細明體" charset="-120"/>
               </a:rPr>
               <a:t>character</a:t>
@@ -31146,7 +31009,7 @@
           <a:p>
             <a:pPr lvl="2"/>
             <a:r>
-              <a:rPr lang="en-US" altLang="zh-TW" sz="2800" dirty="0" smtClean="0">
+              <a:rPr lang="en-US" altLang="zh-TW" sz="2800" dirty="0">
                 <a:ea typeface="新細明體" charset="-120"/>
               </a:rPr>
               <a:t>binary</a:t>
@@ -31155,7 +31018,7 @@
           <a:p>
             <a:pPr lvl="1"/>
             <a:r>
-              <a:rPr lang="en-US" altLang="zh-TW" sz="2800" dirty="0" smtClean="0">
+              <a:rPr lang="en-US" altLang="zh-TW" sz="2800" dirty="0">
                 <a:solidFill>
                   <a:srgbClr val="FF0000"/>
                 </a:solidFill>
@@ -31171,13 +31034,6 @@
   <p:clrMapOvr>
     <a:masterClrMapping/>
   </p:clrMapOvr>
-  <p:timing>
-    <p:tnLst>
-      <p:par>
-        <p:cTn id="1" dur="indefinite" restart="never" nodeType="tmRoot"/>
-      </p:par>
-    </p:tnLst>
-  </p:timing>
 </p:sld>
 </file>
 
@@ -31215,7 +31071,7 @@
           <a:p>
             <a:pPr eaLnBrk="1" hangingPunct="1"/>
             <a:r>
-              <a:rPr lang="en-US" altLang="zh-TW" smtClean="0">
+              <a:rPr lang="en-US" altLang="zh-TW">
                 <a:ea typeface="新細明體" charset="-120"/>
               </a:rPr>
               <a:t>Access Lists and Groups</a:t>
@@ -31255,7 +31111,7 @@
               </a:tabLst>
             </a:pPr>
             <a:r>
-              <a:rPr lang="en-US" altLang="zh-TW" sz="2000" dirty="0" smtClean="0">
+              <a:rPr lang="en-US" altLang="zh-TW" sz="2000" dirty="0">
                 <a:solidFill>
                   <a:srgbClr val="FF0000"/>
                 </a:solidFill>
@@ -31277,7 +31133,7 @@
               </a:tabLst>
             </a:pPr>
             <a:r>
-              <a:rPr lang="en-US" altLang="zh-TW" sz="2000" dirty="0" smtClean="0">
+              <a:rPr lang="en-US" altLang="zh-TW" sz="2000" dirty="0">
                 <a:ea typeface="新細明體" charset="-120"/>
               </a:rPr>
               <a:t>Three classes of users</a:t>
@@ -31301,7 +31157,7 @@
               </a:tabLst>
             </a:pPr>
             <a:r>
-              <a:rPr lang="en-US" altLang="zh-TW" sz="2000" dirty="0" smtClean="0">
+              <a:rPr lang="en-US" altLang="zh-TW" sz="2000" dirty="0">
                 <a:ea typeface="新細明體" charset="-120"/>
               </a:rPr>
               <a:t>					RWX</a:t>
@@ -31325,13 +31181,13 @@
               </a:tabLst>
             </a:pPr>
             <a:r>
-              <a:rPr lang="en-US" altLang="zh-TW" sz="2000" dirty="0" smtClean="0">
+              <a:rPr lang="en-US" altLang="zh-TW" sz="2000" dirty="0">
                 <a:ea typeface="新細明體" charset="-120"/>
               </a:rPr>
               <a:t>		a) </a:t>
             </a:r>
             <a:r>
-              <a:rPr lang="en-US" altLang="zh-TW" sz="2000" b="1" dirty="0" smtClean="0">
+              <a:rPr lang="en-US" altLang="zh-TW" sz="2000" b="1" dirty="0">
                 <a:solidFill>
                   <a:srgbClr val="FF0000"/>
                 </a:solidFill>
@@ -31340,7 +31196,7 @@
               <a:t>owner access</a:t>
             </a:r>
             <a:r>
-              <a:rPr lang="en-US" altLang="zh-TW" sz="2000" dirty="0" smtClean="0">
+              <a:rPr lang="en-US" altLang="zh-TW" sz="2000" dirty="0">
                 <a:solidFill>
                   <a:srgbClr val="FF0000"/>
                 </a:solidFill>
@@ -31349,26 +31205,26 @@
               <a:t> </a:t>
             </a:r>
             <a:r>
-              <a:rPr lang="en-US" altLang="zh-TW" sz="2000" dirty="0" smtClean="0">
+              <a:rPr lang="en-US" altLang="zh-TW" sz="2000" dirty="0">
                 <a:ea typeface="新細明體" charset="-120"/>
               </a:rPr>
               <a:t>	7	</a:t>
             </a:r>
             <a:r>
-              <a:rPr lang="en-US" altLang="zh-TW" sz="2000" dirty="0" smtClean="0">
+              <a:rPr lang="en-US" altLang="zh-TW" sz="2000" dirty="0">
                 <a:ea typeface="新細明體" charset="-120"/>
                 <a:sym typeface="Symbol" charset="2"/>
               </a:rPr>
               <a:t>	1  1   1</a:t>
             </a:r>
             <a:br>
-              <a:rPr lang="en-US" altLang="zh-TW" sz="2000" dirty="0" smtClean="0">
+              <a:rPr lang="en-US" altLang="zh-TW" sz="2000" dirty="0">
                 <a:ea typeface="新細明體" charset="-120"/>
                 <a:sym typeface="Symbol" charset="2"/>
               </a:rPr>
             </a:br>
             <a:r>
-              <a:rPr lang="en-US" altLang="zh-TW" sz="2000" dirty="0" smtClean="0">
+              <a:rPr lang="en-US" altLang="zh-TW" sz="2000" dirty="0">
                 <a:ea typeface="新細明體" charset="-120"/>
                 <a:sym typeface="Symbol" charset="2"/>
               </a:rPr>
@@ -31393,14 +31249,14 @@
               </a:tabLst>
             </a:pPr>
             <a:r>
-              <a:rPr lang="en-US" altLang="zh-TW" sz="2000" dirty="0" smtClean="0">
+              <a:rPr lang="en-US" altLang="zh-TW" sz="2000" dirty="0">
                 <a:ea typeface="新細明體" charset="-120"/>
                 <a:sym typeface="Symbol" charset="2"/>
               </a:rPr>
               <a:t>		b) </a:t>
             </a:r>
             <a:r>
-              <a:rPr lang="en-US" altLang="zh-TW" sz="2000" b="1" dirty="0" smtClean="0">
+              <a:rPr lang="en-US" altLang="zh-TW" sz="2000" b="1" dirty="0">
                 <a:solidFill>
                   <a:srgbClr val="FF0000"/>
                 </a:solidFill>
@@ -31410,7 +31266,7 @@
               <a:t>group access</a:t>
             </a:r>
             <a:r>
-              <a:rPr lang="en-US" altLang="zh-TW" sz="2000" dirty="0" smtClean="0">
+              <a:rPr lang="en-US" altLang="zh-TW" sz="2000" dirty="0">
                 <a:solidFill>
                   <a:srgbClr val="FF0000"/>
                 </a:solidFill>
@@ -31420,7 +31276,7 @@
               <a:t> </a:t>
             </a:r>
             <a:r>
-              <a:rPr lang="en-US" altLang="zh-TW" sz="2000" dirty="0" smtClean="0">
+              <a:rPr lang="en-US" altLang="zh-TW" sz="2000" dirty="0">
                 <a:ea typeface="新細明體" charset="-120"/>
                 <a:sym typeface="Symbol" charset="2"/>
               </a:rPr>
@@ -31445,7 +31301,7 @@
               </a:tabLst>
             </a:pPr>
             <a:r>
-              <a:rPr lang="en-US" altLang="zh-TW" sz="2000" dirty="0" smtClean="0">
+              <a:rPr lang="en-US" altLang="zh-TW" sz="2000" dirty="0">
                 <a:ea typeface="新細明體" charset="-120"/>
                 <a:sym typeface="Symbol" charset="2"/>
               </a:rPr>
@@ -31470,14 +31326,14 @@
               </a:tabLst>
             </a:pPr>
             <a:r>
-              <a:rPr lang="en-US" altLang="zh-TW" sz="2000" dirty="0" smtClean="0">
+              <a:rPr lang="en-US" altLang="zh-TW" sz="2000" dirty="0">
                 <a:ea typeface="新細明體" charset="-120"/>
                 <a:sym typeface="Symbol" charset="2"/>
               </a:rPr>
               <a:t>		c) </a:t>
             </a:r>
             <a:r>
-              <a:rPr lang="en-US" altLang="zh-TW" sz="2000" b="1" dirty="0" smtClean="0">
+              <a:rPr lang="en-US" altLang="zh-TW" sz="2000" b="1" dirty="0">
                 <a:solidFill>
                   <a:srgbClr val="FF0000"/>
                 </a:solidFill>
@@ -31487,7 +31343,7 @@
               <a:t>public access</a:t>
             </a:r>
             <a:r>
-              <a:rPr lang="en-US" altLang="zh-TW" sz="2000" dirty="0" smtClean="0">
+              <a:rPr lang="en-US" altLang="zh-TW" sz="2000" dirty="0">
                 <a:ea typeface="新細明體" charset="-120"/>
                 <a:sym typeface="Symbol" charset="2"/>
               </a:rPr>
@@ -31507,7 +31363,7 @@
               </a:tabLst>
             </a:pPr>
             <a:r>
-              <a:rPr lang="en-US" altLang="zh-TW" sz="2000" dirty="0" smtClean="0">
+              <a:rPr lang="en-US" altLang="zh-TW" sz="2000" dirty="0">
                 <a:ea typeface="新細明體" charset="-120"/>
                 <a:sym typeface="Symbol" charset="2"/>
               </a:rPr>
@@ -31527,21 +31383,21 @@
               </a:tabLst>
             </a:pPr>
             <a:r>
-              <a:rPr lang="en-US" altLang="zh-TW" sz="2000" dirty="0" smtClean="0">
+              <a:rPr lang="en-US" altLang="zh-TW" sz="2000" dirty="0">
                 <a:ea typeface="新細明體" charset="-120"/>
                 <a:sym typeface="Symbol" charset="2"/>
               </a:rPr>
               <a:t>For a particular file (say </a:t>
             </a:r>
             <a:r>
-              <a:rPr lang="en-US" altLang="zh-TW" sz="2000" i="1" dirty="0" smtClean="0">
+              <a:rPr lang="en-US" altLang="zh-TW" sz="2000" i="1" dirty="0">
                 <a:ea typeface="新細明體" charset="-120"/>
                 <a:sym typeface="Symbol" charset="2"/>
               </a:rPr>
               <a:t>game</a:t>
             </a:r>
             <a:r>
-              <a:rPr lang="en-US" altLang="zh-TW" sz="2000" dirty="0" smtClean="0">
+              <a:rPr lang="en-US" altLang="zh-TW" sz="2000" dirty="0">
                 <a:ea typeface="新細明體" charset="-120"/>
                 <a:sym typeface="Symbol" charset="2"/>
               </a:rPr>
@@ -31997,13 +31853,6 @@
   <p:clrMapOvr>
     <a:masterClrMapping/>
   </p:clrMapOvr>
-  <p:timing>
-    <p:tnLst>
-      <p:par>
-        <p:cTn id="1" dur="indefinite" restart="never" nodeType="tmRoot"/>
-      </p:par>
-    </p:tnLst>
-  </p:timing>
 </p:sld>
 </file>
 
@@ -32046,7 +31895,7 @@
           <a:p>
             <a:pPr eaLnBrk="1" hangingPunct="1"/>
             <a:r>
-              <a:rPr lang="en-US" altLang="zh-TW" sz="3200" dirty="0" smtClean="0">
+              <a:rPr lang="en-US" altLang="zh-TW" sz="3200" dirty="0">
                 <a:ea typeface="新細明體" charset="-120"/>
               </a:rPr>
               <a:t>Windows XP Access-control List Management</a:t>
@@ -33159,7 +33008,7 @@
           <a:p>
             <a:pPr eaLnBrk="1" hangingPunct="1"/>
             <a:r>
-              <a:rPr lang="en-US" altLang="zh-TW" smtClean="0">
+              <a:rPr lang="en-US" altLang="zh-TW">
                 <a:ea typeface="新細明體" charset="-120"/>
               </a:rPr>
               <a:t>A Sample UNIX Directory Listing</a:t>
@@ -33325,7 +33174,7 @@
             <a:lstStyle/>
             <a:p>
               <a:r>
-                <a:rPr lang="en-US" altLang="zh-TW" sz="2400" b="1" dirty="0" smtClean="0">
+                <a:rPr lang="en-US" altLang="zh-TW" sz="2400" b="1" dirty="0">
                   <a:solidFill>
                     <a:srgbClr val="FF0000"/>
                   </a:solidFill>
@@ -33476,7 +33325,7 @@
             <a:lstStyle/>
             <a:p>
               <a:r>
-                <a:rPr lang="en-US" altLang="zh-TW" sz="2400" b="1" dirty="0" smtClean="0">
+                <a:rPr lang="en-US" altLang="zh-TW" sz="2400" b="1" dirty="0">
                   <a:solidFill>
                     <a:srgbClr val="FF0000"/>
                   </a:solidFill>
@@ -33841,7 +33690,7 @@
             <a:lstStyle/>
             <a:p>
               <a:r>
-                <a:rPr lang="en-US" altLang="zh-TW" sz="2400" b="1" dirty="0" smtClean="0">
+                <a:rPr lang="en-US" altLang="zh-TW" sz="2400" b="1" dirty="0">
                   <a:solidFill>
                     <a:srgbClr val="FF0000"/>
                   </a:solidFill>
@@ -34237,7 +34086,7 @@
             <a:lstStyle/>
             <a:p>
               <a:r>
-                <a:rPr lang="en-US" altLang="zh-TW" sz="2400" b="1" dirty="0" smtClean="0">
+                <a:rPr lang="en-US" altLang="zh-TW" sz="2400" b="1" dirty="0">
                   <a:solidFill>
                     <a:srgbClr val="FF0000"/>
                   </a:solidFill>
@@ -34633,7 +34482,7 @@
             <a:lstStyle/>
             <a:p>
               <a:r>
-                <a:rPr lang="en-US" altLang="zh-TW" sz="2400" b="1" dirty="0" smtClean="0">
+                <a:rPr lang="en-US" altLang="zh-TW" sz="2400" b="1" dirty="0">
                   <a:solidFill>
                     <a:srgbClr val="FF0000"/>
                   </a:solidFill>
@@ -35104,7 +34953,7 @@
           <a:p>
             <a:pPr eaLnBrk="1" hangingPunct="1"/>
             <a:r>
-              <a:rPr lang="en-US" altLang="zh-TW" sz="5400" dirty="0" smtClean="0">
+              <a:rPr lang="en-US" altLang="zh-TW" sz="5400" dirty="0">
                 <a:ea typeface="新細明體" charset="-120"/>
               </a:rPr>
               <a:t>End of Chapter 10</a:t>
@@ -35117,13 +34966,6 @@
   <p:clrMapOvr>
     <a:masterClrMapping/>
   </p:clrMapOvr>
-  <p:timing>
-    <p:tnLst>
-      <p:par>
-        <p:cTn id="1" dur="indefinite" restart="never" nodeType="tmRoot"/>
-      </p:par>
-    </p:tnLst>
-  </p:timing>
 </p:sld>
 </file>
 
@@ -35161,7 +35003,7 @@
           <a:p>
             <a:pPr eaLnBrk="1" hangingPunct="1"/>
             <a:r>
-              <a:rPr lang="en-US" altLang="zh-TW" smtClean="0">
+              <a:rPr lang="en-US" altLang="zh-TW">
                 <a:ea typeface="新細明體" charset="-120"/>
               </a:rPr>
               <a:t>File Structure</a:t>
@@ -35195,7 +35037,7 @@
               </a:lnSpc>
             </a:pPr>
             <a:r>
-              <a:rPr lang="en-US" altLang="zh-TW" sz="2400" dirty="0" smtClean="0">
+              <a:rPr lang="en-US" altLang="zh-TW" sz="2400" dirty="0">
                 <a:solidFill>
                   <a:srgbClr val="FF0000"/>
                 </a:solidFill>
@@ -35204,7 +35046,7 @@
               <a:t>None </a:t>
             </a:r>
             <a:r>
-              <a:rPr lang="en-US" altLang="zh-TW" sz="2400" dirty="0" smtClean="0">
+              <a:rPr lang="en-US" altLang="zh-TW" sz="2400" dirty="0">
                 <a:ea typeface="新細明體" charset="-120"/>
               </a:rPr>
               <a:t>- sequence of words, bytes</a:t>
@@ -35217,7 +35059,7 @@
               </a:lnSpc>
             </a:pPr>
             <a:r>
-              <a:rPr lang="en-US" altLang="zh-TW" sz="2400" dirty="0" smtClean="0">
+              <a:rPr lang="en-US" altLang="zh-TW" sz="2400" dirty="0">
                 <a:solidFill>
                   <a:srgbClr val="FF0000"/>
                 </a:solidFill>
@@ -35233,7 +35075,7 @@
               </a:lnSpc>
             </a:pPr>
             <a:r>
-              <a:rPr lang="en-US" altLang="zh-TW" sz="2400" dirty="0" smtClean="0">
+              <a:rPr lang="en-US" altLang="zh-TW" sz="2400" dirty="0">
                 <a:ea typeface="新細明體" charset="-120"/>
               </a:rPr>
               <a:t>Lines </a:t>
@@ -35246,7 +35088,7 @@
               </a:lnSpc>
             </a:pPr>
             <a:r>
-              <a:rPr lang="en-US" altLang="zh-TW" sz="2400" dirty="0" smtClean="0">
+              <a:rPr lang="en-US" altLang="zh-TW" sz="2400" dirty="0">
                 <a:ea typeface="新細明體" charset="-120"/>
               </a:rPr>
               <a:t>Fixed length</a:t>
@@ -35259,7 +35101,7 @@
               </a:lnSpc>
             </a:pPr>
             <a:r>
-              <a:rPr lang="en-US" altLang="zh-TW" sz="2400" dirty="0" smtClean="0">
+              <a:rPr lang="en-US" altLang="zh-TW" sz="2400" dirty="0">
                 <a:ea typeface="新細明體" charset="-120"/>
               </a:rPr>
               <a:t>Variable length</a:t>
@@ -35272,7 +35114,7 @@
               </a:lnSpc>
             </a:pPr>
             <a:r>
-              <a:rPr lang="en-US" altLang="zh-TW" sz="2400" dirty="0" smtClean="0">
+              <a:rPr lang="en-US" altLang="zh-TW" sz="2400" dirty="0">
                 <a:solidFill>
                   <a:srgbClr val="FF0000"/>
                 </a:solidFill>
@@ -35288,7 +35130,7 @@
               </a:lnSpc>
             </a:pPr>
             <a:r>
-              <a:rPr lang="en-US" altLang="zh-TW" sz="2400" dirty="0" smtClean="0">
+              <a:rPr lang="en-US" altLang="zh-TW" sz="2400" dirty="0">
                 <a:ea typeface="新細明體" charset="-120"/>
               </a:rPr>
               <a:t>Formatted document</a:t>
@@ -35301,13 +35143,13 @@
               </a:lnSpc>
             </a:pPr>
             <a:r>
-              <a:rPr lang="en-US" altLang="zh-TW" sz="2400" dirty="0" err="1" smtClean="0">
+              <a:rPr lang="en-US" altLang="zh-TW" sz="2400" dirty="0" err="1">
                 <a:ea typeface="新細明體" charset="-120"/>
               </a:rPr>
               <a:t>Relocatable</a:t>
             </a:r>
             <a:r>
-              <a:rPr lang="en-US" altLang="zh-TW" sz="2400" dirty="0" smtClean="0">
+              <a:rPr lang="en-US" altLang="zh-TW" sz="2400" dirty="0">
                 <a:ea typeface="新細明體" charset="-120"/>
               </a:rPr>
               <a:t> load file	</a:t>
@@ -35320,65 +35162,38 @@
               </a:lnSpc>
             </a:pPr>
             <a:r>
-              <a:rPr lang="en-US" altLang="zh-TW" sz="2400" dirty="0" smtClean="0">
-                <a:ea typeface="新細明體" charset="-120"/>
-              </a:rPr>
-              <a:t>Can simulate last two </a:t>
-            </a:r>
-            <a:r>
-              <a:rPr lang="en-US" altLang="zh-TW" sz="2400" dirty="0" smtClean="0">
-                <a:ea typeface="新細明體" charset="-120"/>
-              </a:rPr>
-              <a:t>methods with </a:t>
-            </a:r>
-            <a:r>
-              <a:rPr lang="en-US" altLang="zh-TW" sz="2400" dirty="0" smtClean="0">
-                <a:ea typeface="新細明體" charset="-120"/>
-              </a:rPr>
-              <a:t>first method by inserting appropriate </a:t>
-            </a:r>
-            <a:r>
-              <a:rPr lang="en-US" altLang="zh-TW" sz="2400" dirty="0" smtClean="0">
+              <a:rPr lang="en-US" altLang="zh-TW" sz="2400" dirty="0">
+                <a:ea typeface="新細明體" charset="-120"/>
+              </a:rPr>
+              <a:t>Can simulate last two methods with first method by inserting appropriate </a:t>
+            </a:r>
+            <a:r>
+              <a:rPr lang="en-US" altLang="zh-TW" sz="2400" dirty="0">
                 <a:solidFill>
                   <a:srgbClr val="FF0000"/>
                 </a:solidFill>
                 <a:ea typeface="新細明體" charset="-120"/>
               </a:rPr>
-              <a:t>control </a:t>
-            </a:r>
-            <a:r>
-              <a:rPr lang="en-US" altLang="zh-TW" sz="2400" dirty="0" smtClean="0">
+              <a:t>control characters</a:t>
+            </a:r>
+            <a:r>
+              <a:rPr lang="zh-TW" altLang="en-US" sz="2400" dirty="0">
                 <a:solidFill>
                   <a:srgbClr val="FF0000"/>
                 </a:solidFill>
                 <a:ea typeface="新細明體" charset="-120"/>
               </a:rPr>
-              <a:t>characters</a:t>
-            </a:r>
-            <a:r>
-              <a:rPr lang="zh-TW" altLang="en-US" sz="2400" dirty="0" smtClean="0">
+              <a:t> </a:t>
+            </a:r>
+            <a:r>
+              <a:rPr lang="en-US" altLang="zh-TW" sz="2400" dirty="0">
                 <a:solidFill>
                   <a:srgbClr val="FF0000"/>
                 </a:solidFill>
                 <a:ea typeface="新細明體" charset="-120"/>
               </a:rPr>
-              <a:t> </a:t>
-            </a:r>
-            <a:r>
-              <a:rPr lang="en-US" altLang="zh-TW" sz="2400" dirty="0" smtClean="0">
-                <a:solidFill>
-                  <a:srgbClr val="FF0000"/>
-                </a:solidFill>
-                <a:ea typeface="新細明體" charset="-120"/>
-              </a:rPr>
               <a:t>(CR, LF)</a:t>
             </a:r>
-            <a:endParaRPr lang="en-US" altLang="zh-TW" sz="2400" dirty="0" smtClean="0">
-              <a:solidFill>
-                <a:srgbClr val="FF0000"/>
-              </a:solidFill>
-              <a:ea typeface="新細明體" charset="-120"/>
-            </a:endParaRPr>
           </a:p>
           <a:p>
             <a:pPr>
@@ -35387,7 +35202,7 @@
               </a:lnSpc>
             </a:pPr>
             <a:r>
-              <a:rPr lang="en-US" altLang="zh-TW" sz="2400" dirty="0" smtClean="0">
+              <a:rPr lang="en-US" altLang="zh-TW" sz="2400" dirty="0">
                 <a:ea typeface="新細明體" charset="-120"/>
               </a:rPr>
               <a:t>Who decides:</a:t>
@@ -35400,7 +35215,7 @@
               </a:lnSpc>
             </a:pPr>
             <a:r>
-              <a:rPr lang="en-US" altLang="zh-TW" sz="2400" dirty="0" smtClean="0">
+              <a:rPr lang="en-US" altLang="zh-TW" sz="2400" dirty="0">
                 <a:ea typeface="新細明體" charset="-120"/>
               </a:rPr>
               <a:t>Operating system</a:t>
@@ -35413,7 +35228,7 @@
               </a:lnSpc>
             </a:pPr>
             <a:r>
-              <a:rPr lang="en-US" altLang="zh-TW" sz="2400" dirty="0" smtClean="0">
+              <a:rPr lang="en-US" altLang="zh-TW" sz="2400" dirty="0">
                 <a:ea typeface="新細明體" charset="-120"/>
               </a:rPr>
               <a:t>Program</a:t>
@@ -36102,7 +35917,7 @@
           <a:p>
             <a:pPr eaLnBrk="1" hangingPunct="1"/>
             <a:r>
-              <a:rPr lang="en-US" altLang="zh-TW" smtClean="0">
+              <a:rPr lang="en-US" altLang="zh-TW">
                 <a:ea typeface="新細明體" charset="-120"/>
               </a:rPr>
               <a:t>File Attributes</a:t>
@@ -36131,7 +35946,7 @@
           <a:lstStyle/>
           <a:p>
             <a:r>
-              <a:rPr lang="en-US" altLang="zh-TW" sz="2400" b="1" dirty="0" smtClean="0">
+              <a:rPr lang="en-US" altLang="zh-TW" sz="2400" b="1" dirty="0">
                 <a:solidFill>
                   <a:srgbClr val="FF0000"/>
                 </a:solidFill>
@@ -36140,7 +35955,7 @@
               <a:t>Name</a:t>
             </a:r>
             <a:r>
-              <a:rPr lang="en-US" altLang="zh-TW" sz="2400" dirty="0" smtClean="0">
+              <a:rPr lang="en-US" altLang="zh-TW" sz="2400" dirty="0">
                 <a:ea typeface="新細明體" charset="-120"/>
               </a:rPr>
               <a:t> – only information kept in human-readable form</a:t>
@@ -36148,7 +35963,7 @@
           </a:p>
           <a:p>
             <a:r>
-              <a:rPr lang="en-US" altLang="zh-TW" sz="2400" b="1" dirty="0" smtClean="0">
+              <a:rPr lang="en-US" altLang="zh-TW" sz="2400" b="1" dirty="0">
                 <a:solidFill>
                   <a:srgbClr val="FF0000"/>
                 </a:solidFill>
@@ -36157,7 +35972,7 @@
               <a:t>Identifier</a:t>
             </a:r>
             <a:r>
-              <a:rPr lang="en-US" altLang="zh-TW" sz="2400" dirty="0" smtClean="0">
+              <a:rPr lang="en-US" altLang="zh-TW" sz="2400" dirty="0">
                 <a:ea typeface="新細明體" charset="-120"/>
               </a:rPr>
               <a:t> – unique tag (number) identifies file within file system</a:t>
@@ -36165,7 +35980,7 @@
           </a:p>
           <a:p>
             <a:r>
-              <a:rPr lang="en-US" altLang="zh-TW" sz="2400" b="1" dirty="0" smtClean="0">
+              <a:rPr lang="en-US" altLang="zh-TW" sz="2400" b="1" dirty="0">
                 <a:solidFill>
                   <a:srgbClr val="FF0000"/>
                 </a:solidFill>
@@ -36174,7 +35989,7 @@
               <a:t>Type</a:t>
             </a:r>
             <a:r>
-              <a:rPr lang="en-US" altLang="zh-TW" sz="2400" dirty="0" smtClean="0">
+              <a:rPr lang="en-US" altLang="zh-TW" sz="2400" dirty="0">
                 <a:ea typeface="新細明體" charset="-120"/>
               </a:rPr>
               <a:t> – needed for systems that support different types</a:t>
@@ -36182,7 +35997,7 @@
           </a:p>
           <a:p>
             <a:r>
-              <a:rPr lang="en-US" altLang="zh-TW" sz="2400" b="1" dirty="0" smtClean="0">
+              <a:rPr lang="en-US" altLang="zh-TW" sz="2400" b="1" dirty="0">
                 <a:solidFill>
                   <a:srgbClr val="FF0000"/>
                 </a:solidFill>
@@ -36191,7 +36006,7 @@
               <a:t>Location</a:t>
             </a:r>
             <a:r>
-              <a:rPr lang="en-US" altLang="zh-TW" sz="2400" dirty="0" smtClean="0">
+              <a:rPr lang="en-US" altLang="zh-TW" sz="2400" dirty="0">
                 <a:ea typeface="新細明體" charset="-120"/>
               </a:rPr>
               <a:t> – pointer to file location on device</a:t>
@@ -36199,7 +36014,7 @@
           </a:p>
           <a:p>
             <a:r>
-              <a:rPr lang="en-US" altLang="zh-TW" sz="2400" b="1" dirty="0" smtClean="0">
+              <a:rPr lang="en-US" altLang="zh-TW" sz="2400" b="1" dirty="0">
                 <a:solidFill>
                   <a:srgbClr val="FF0000"/>
                 </a:solidFill>
@@ -36208,7 +36023,7 @@
               <a:t>Size</a:t>
             </a:r>
             <a:r>
-              <a:rPr lang="en-US" altLang="zh-TW" sz="2400" dirty="0" smtClean="0">
+              <a:rPr lang="en-US" altLang="zh-TW" sz="2400" dirty="0">
                 <a:ea typeface="新細明體" charset="-120"/>
               </a:rPr>
               <a:t> – current file size</a:t>
@@ -36216,7 +36031,7 @@
           </a:p>
           <a:p>
             <a:r>
-              <a:rPr lang="en-US" altLang="zh-TW" sz="2400" b="1" dirty="0" smtClean="0">
+              <a:rPr lang="en-US" altLang="zh-TW" sz="2400" b="1" dirty="0">
                 <a:solidFill>
                   <a:srgbClr val="FF0000"/>
                 </a:solidFill>
@@ -36225,7 +36040,7 @@
               <a:t>Protection</a:t>
             </a:r>
             <a:r>
-              <a:rPr lang="en-US" altLang="zh-TW" sz="2400" dirty="0" smtClean="0">
+              <a:rPr lang="en-US" altLang="zh-TW" sz="2400" dirty="0">
                 <a:solidFill>
                   <a:srgbClr val="FF0000"/>
                 </a:solidFill>
@@ -36234,7 +36049,7 @@
               <a:t> </a:t>
             </a:r>
             <a:r>
-              <a:rPr lang="en-US" altLang="zh-TW" sz="2400" dirty="0" smtClean="0">
+              <a:rPr lang="en-US" altLang="zh-TW" sz="2400" dirty="0">
                 <a:ea typeface="新細明體" charset="-120"/>
               </a:rPr>
               <a:t>– controls who can do reading, writing, executing</a:t>
@@ -36242,7 +36057,7 @@
           </a:p>
           <a:p>
             <a:r>
-              <a:rPr lang="en-US" altLang="zh-TW" sz="2400" b="1" dirty="0" smtClean="0">
+              <a:rPr lang="en-US" altLang="zh-TW" sz="2400" b="1" dirty="0">
                 <a:solidFill>
                   <a:srgbClr val="FF0000"/>
                 </a:solidFill>
@@ -36251,7 +36066,7 @@
               <a:t>Time, date, and user identification</a:t>
             </a:r>
             <a:r>
-              <a:rPr lang="en-US" altLang="zh-TW" sz="2400" dirty="0" smtClean="0">
+              <a:rPr lang="en-US" altLang="zh-TW" sz="2400" dirty="0">
                 <a:solidFill>
                   <a:srgbClr val="FF0000"/>
                 </a:solidFill>
@@ -36260,21 +36075,33 @@
               <a:t> </a:t>
             </a:r>
             <a:r>
-              <a:rPr lang="en-US" altLang="zh-TW" sz="2400" dirty="0" smtClean="0">
-                <a:ea typeface="新細明體" charset="-120"/>
-              </a:rPr>
-              <a:t>– data for protection, security, and usage monitoring</a:t>
-            </a:r>
-          </a:p>
-          <a:p>
-            <a:r>
-              <a:rPr lang="en-US" altLang="zh-TW" sz="2400" dirty="0" smtClean="0">
+              <a:rPr lang="en-US" altLang="zh-TW" sz="2400" dirty="0">
+                <a:ea typeface="新細明體" charset="-120"/>
+              </a:rPr>
+              <a:t>– data for protection, security, and usage</a:t>
+            </a:r>
+            <a:r>
+              <a:rPr lang="zh-TW" altLang="en-US" sz="2400" dirty="0">
+                <a:ea typeface="新細明體" charset="-120"/>
+              </a:rPr>
+              <a:t>查字典</a:t>
+            </a:r>
+            <a:r>
+              <a:rPr lang="en-US" altLang="zh-TW" sz="2400" dirty="0">
+                <a:ea typeface="新細明體" charset="-120"/>
+              </a:rPr>
+              <a:t> monitoring</a:t>
+            </a:r>
+          </a:p>
+          <a:p>
+            <a:r>
+              <a:rPr lang="en-US" altLang="zh-TW" sz="2400" dirty="0">
                 <a:ea typeface="新細明體" charset="-120"/>
               </a:rPr>
               <a:t>Information about files are kept in the </a:t>
             </a:r>
             <a:r>
-              <a:rPr lang="en-US" altLang="zh-TW" sz="2400" b="1" dirty="0" smtClean="0">
+              <a:rPr lang="en-US" altLang="zh-TW" sz="2400" b="1" dirty="0">
                 <a:solidFill>
                   <a:srgbClr val="FF0000"/>
                 </a:solidFill>
@@ -36283,7 +36110,7 @@
               <a:t>directory structure</a:t>
             </a:r>
             <a:r>
-              <a:rPr lang="en-US" altLang="zh-TW" sz="2400" dirty="0" smtClean="0">
+              <a:rPr lang="en-US" altLang="zh-TW" sz="2400" dirty="0">
                 <a:ea typeface="新細明體" charset="-120"/>
               </a:rPr>
               <a:t>, which is maintained on the disk</a:t>
@@ -36854,7 +36681,7 @@
           <a:p>
             <a:pPr eaLnBrk="1" hangingPunct="1"/>
             <a:r>
-              <a:rPr lang="en-US" altLang="zh-TW" smtClean="0">
+              <a:rPr lang="en-US" altLang="zh-TW">
                 <a:ea typeface="新細明體" charset="-120"/>
               </a:rPr>
               <a:t>File Operations</a:t>
@@ -36883,13 +36710,13 @@
           <a:lstStyle/>
           <a:p>
             <a:r>
-              <a:rPr lang="en-US" altLang="zh-TW" sz="2800" dirty="0" smtClean="0">
+              <a:rPr lang="en-US" altLang="zh-TW" sz="2800" dirty="0">
                 <a:ea typeface="新細明體" charset="-120"/>
               </a:rPr>
               <a:t>File is an </a:t>
             </a:r>
             <a:r>
-              <a:rPr lang="en-US" altLang="zh-TW" sz="2800" b="1" dirty="0" smtClean="0">
+              <a:rPr lang="en-US" altLang="zh-TW" sz="2800" b="1" dirty="0">
                 <a:solidFill>
                   <a:srgbClr val="FF0000"/>
                 </a:solidFill>
@@ -36900,7 +36727,7 @@
           </a:p>
           <a:p>
             <a:r>
-              <a:rPr lang="en-US" altLang="zh-TW" sz="2400" b="1" dirty="0" smtClean="0">
+              <a:rPr lang="en-US" altLang="zh-TW" sz="2400" b="1" dirty="0">
                 <a:ea typeface="新細明體" charset="-120"/>
               </a:rPr>
               <a:t>Create</a:t>
@@ -36908,7 +36735,7 @@
           </a:p>
           <a:p>
             <a:r>
-              <a:rPr lang="en-US" altLang="zh-TW" sz="2400" b="1" dirty="0" smtClean="0">
+              <a:rPr lang="en-US" altLang="zh-TW" sz="2400" b="1" dirty="0">
                 <a:ea typeface="新細明體" charset="-120"/>
               </a:rPr>
               <a:t>Write</a:t>
@@ -36916,7 +36743,7 @@
           </a:p>
           <a:p>
             <a:r>
-              <a:rPr lang="en-US" altLang="zh-TW" sz="2400" b="1" dirty="0" smtClean="0">
+              <a:rPr lang="en-US" altLang="zh-TW" sz="2400" b="1" dirty="0">
                 <a:ea typeface="新細明體" charset="-120"/>
               </a:rPr>
               <a:t>Read</a:t>
@@ -36924,7 +36751,7 @@
           </a:p>
           <a:p>
             <a:r>
-              <a:rPr lang="en-US" altLang="zh-TW" sz="2400" b="1" dirty="0" smtClean="0">
+              <a:rPr lang="en-US" altLang="zh-TW" sz="2400" b="1" dirty="0">
                 <a:ea typeface="新細明體" charset="-120"/>
               </a:rPr>
               <a:t>Reposition within file</a:t>
@@ -36932,7 +36759,7 @@
           </a:p>
           <a:p>
             <a:r>
-              <a:rPr lang="en-US" altLang="zh-TW" sz="2400" b="1" dirty="0" smtClean="0">
+              <a:rPr lang="en-US" altLang="zh-TW" sz="2400" b="1" dirty="0">
                 <a:ea typeface="新細明體" charset="-120"/>
               </a:rPr>
               <a:t>Delete</a:t>
@@ -36940,7 +36767,7 @@
           </a:p>
           <a:p>
             <a:r>
-              <a:rPr lang="en-US" altLang="zh-TW" sz="2400" b="1" dirty="0" smtClean="0">
+              <a:rPr lang="en-US" altLang="zh-TW" sz="2400" b="1" dirty="0">
                 <a:ea typeface="新細明體" charset="-120"/>
               </a:rPr>
               <a:t>Truncate</a:t>
@@ -36948,7 +36775,7 @@
           </a:p>
           <a:p>
             <a:r>
-              <a:rPr lang="en-US" altLang="zh-TW" sz="2400" i="1" dirty="0" smtClean="0">
+              <a:rPr lang="en-US" altLang="zh-TW" sz="2400" i="1" dirty="0">
                 <a:solidFill>
                   <a:srgbClr val="FF0000"/>
                 </a:solidFill>
@@ -36957,7 +36784,7 @@
               <a:t>Open(</a:t>
             </a:r>
             <a:r>
-              <a:rPr lang="en-US" altLang="zh-TW" sz="2400" i="1" dirty="0" err="1" smtClean="0">
+              <a:rPr lang="en-US" altLang="zh-TW" sz="2400" i="1" dirty="0" err="1">
                 <a:solidFill>
                   <a:srgbClr val="FF0000"/>
                 </a:solidFill>
@@ -36966,7 +36793,7 @@
               <a:t>F</a:t>
             </a:r>
             <a:r>
-              <a:rPr lang="en-US" altLang="zh-TW" sz="2400" i="1" baseline="-25000" dirty="0" err="1" smtClean="0">
+              <a:rPr lang="en-US" altLang="zh-TW" sz="2400" i="1" baseline="-25000" dirty="0" err="1">
                 <a:solidFill>
                   <a:srgbClr val="FF0000"/>
                 </a:solidFill>
@@ -36975,7 +36802,7 @@
               <a:t>i</a:t>
             </a:r>
             <a:r>
-              <a:rPr lang="en-US" altLang="zh-TW" sz="2400" i="1" dirty="0" smtClean="0">
+              <a:rPr lang="en-US" altLang="zh-TW" sz="2400" i="1" dirty="0">
                 <a:solidFill>
                   <a:srgbClr val="FF0000"/>
                 </a:solidFill>
@@ -36984,25 +36811,25 @@
               <a:t>)</a:t>
             </a:r>
             <a:r>
-              <a:rPr lang="en-US" altLang="zh-TW" sz="2400" dirty="0" smtClean="0">
+              <a:rPr lang="en-US" altLang="zh-TW" sz="2400" dirty="0">
                 <a:ea typeface="新細明體" charset="-120"/>
               </a:rPr>
               <a:t> – search the directory structure on disk for entry </a:t>
             </a:r>
             <a:r>
-              <a:rPr lang="en-US" altLang="zh-TW" sz="2400" i="1" dirty="0" err="1" smtClean="0">
+              <a:rPr lang="en-US" altLang="zh-TW" sz="2400" i="1" dirty="0" err="1">
                 <a:ea typeface="新細明體" charset="-120"/>
               </a:rPr>
               <a:t>F</a:t>
             </a:r>
             <a:r>
-              <a:rPr lang="en-US" altLang="zh-TW" sz="2400" i="1" baseline="-25000" dirty="0" err="1" smtClean="0">
+              <a:rPr lang="en-US" altLang="zh-TW" sz="2400" i="1" baseline="-25000" dirty="0" err="1">
                 <a:ea typeface="新細明體" charset="-120"/>
               </a:rPr>
               <a:t>i</a:t>
             </a:r>
             <a:r>
-              <a:rPr lang="en-US" altLang="zh-TW" sz="2400" dirty="0" smtClean="0">
+              <a:rPr lang="en-US" altLang="zh-TW" sz="2400" dirty="0">
                 <a:ea typeface="新細明體" charset="-120"/>
               </a:rPr>
               <a:t>, and move the content of entry to memory</a:t>
@@ -37010,7 +36837,7 @@
           </a:p>
           <a:p>
             <a:r>
-              <a:rPr lang="en-US" altLang="zh-TW" sz="2400" i="1" dirty="0" smtClean="0">
+              <a:rPr lang="en-US" altLang="zh-TW" sz="2400" i="1" dirty="0">
                 <a:solidFill>
                   <a:srgbClr val="FF0000"/>
                 </a:solidFill>
@@ -37019,7 +36846,7 @@
               <a:t>Close (</a:t>
             </a:r>
             <a:r>
-              <a:rPr lang="en-US" altLang="zh-TW" sz="2400" i="1" dirty="0" err="1" smtClean="0">
+              <a:rPr lang="en-US" altLang="zh-TW" sz="2400" i="1" dirty="0" err="1">
                 <a:solidFill>
                   <a:srgbClr val="FF0000"/>
                 </a:solidFill>
@@ -37028,7 +36855,7 @@
               <a:t>F</a:t>
             </a:r>
             <a:r>
-              <a:rPr lang="en-US" altLang="zh-TW" sz="2400" i="1" baseline="-25000" dirty="0" err="1" smtClean="0">
+              <a:rPr lang="en-US" altLang="zh-TW" sz="2400" i="1" baseline="-25000" dirty="0" err="1">
                 <a:solidFill>
                   <a:srgbClr val="FF0000"/>
                 </a:solidFill>
@@ -37037,7 +36864,7 @@
               <a:t>i</a:t>
             </a:r>
             <a:r>
-              <a:rPr lang="en-US" altLang="zh-TW" sz="2400" i="1" dirty="0" smtClean="0">
+              <a:rPr lang="en-US" altLang="zh-TW" sz="2400" i="1" dirty="0">
                 <a:solidFill>
                   <a:srgbClr val="FF0000"/>
                 </a:solidFill>
@@ -37046,25 +36873,25 @@
               <a:t>)</a:t>
             </a:r>
             <a:r>
-              <a:rPr lang="en-US" altLang="zh-TW" sz="2400" dirty="0" smtClean="0">
+              <a:rPr lang="en-US" altLang="zh-TW" sz="2400" dirty="0">
                 <a:ea typeface="新細明體" charset="-120"/>
               </a:rPr>
               <a:t> – move the content of entry </a:t>
             </a:r>
             <a:r>
-              <a:rPr lang="en-US" altLang="zh-TW" sz="2400" i="1" dirty="0" err="1" smtClean="0">
+              <a:rPr lang="en-US" altLang="zh-TW" sz="2400" i="1" dirty="0" err="1">
                 <a:ea typeface="新細明體" charset="-120"/>
               </a:rPr>
               <a:t>F</a:t>
             </a:r>
             <a:r>
-              <a:rPr lang="en-US" altLang="zh-TW" sz="2400" i="1" baseline="-25000" dirty="0" err="1" smtClean="0">
+              <a:rPr lang="en-US" altLang="zh-TW" sz="2400" i="1" baseline="-25000" dirty="0" err="1">
                 <a:ea typeface="新細明體" charset="-120"/>
               </a:rPr>
               <a:t>i</a:t>
             </a:r>
             <a:r>
-              <a:rPr lang="en-US" altLang="zh-TW" sz="2400" dirty="0" smtClean="0">
+              <a:rPr lang="en-US" altLang="zh-TW" sz="2400" dirty="0">
                 <a:ea typeface="新細明體" charset="-120"/>
               </a:rPr>
               <a:t> in memory to directory structure on disk</a:t>
@@ -37077,13 +36904,6 @@
   <p:clrMapOvr>
     <a:masterClrMapping/>
   </p:clrMapOvr>
-  <p:timing>
-    <p:tnLst>
-      <p:par>
-        <p:cTn id="1" dur="indefinite" restart="never" nodeType="tmRoot"/>
-      </p:par>
-    </p:tnLst>
-  </p:timing>
 </p:sld>
 </file>
 
@@ -37121,7 +36941,7 @@
           <a:p>
             <a:pPr eaLnBrk="1" hangingPunct="1"/>
             <a:r>
-              <a:rPr lang="en-US" altLang="zh-TW" smtClean="0">
+              <a:rPr lang="en-US" altLang="zh-TW">
                 <a:ea typeface="新細明體" charset="-120"/>
               </a:rPr>
               <a:t>Open Files</a:t>
@@ -37150,7 +36970,7 @@
           <a:lstStyle/>
           <a:p>
             <a:r>
-              <a:rPr lang="en-US" altLang="zh-TW" sz="2800" dirty="0" smtClean="0">
+              <a:rPr lang="en-US" altLang="zh-TW" sz="2800" dirty="0">
                 <a:ea typeface="新細明體" charset="-120"/>
               </a:rPr>
               <a:t>Several pieces of data are needed to manage open files:</a:t>
@@ -37159,7 +36979,7 @@
           <a:p>
             <a:pPr lvl="1"/>
             <a:r>
-              <a:rPr lang="en-US" altLang="zh-TW" b="1" dirty="0" smtClean="0">
+              <a:rPr lang="en-US" altLang="zh-TW" b="1" dirty="0">
                 <a:solidFill>
                   <a:srgbClr val="FF0000"/>
                 </a:solidFill>
@@ -37168,7 +36988,7 @@
               <a:t>File pointer</a:t>
             </a:r>
             <a:r>
-              <a:rPr lang="en-US" altLang="zh-TW" dirty="0" smtClean="0">
+              <a:rPr lang="en-US" altLang="zh-TW" dirty="0">
                 <a:ea typeface="新細明體" charset="-120"/>
               </a:rPr>
               <a:t>:  pointer to last read/write location, per process that has the file open</a:t>
@@ -37177,7 +36997,7 @@
           <a:p>
             <a:pPr lvl="1"/>
             <a:r>
-              <a:rPr lang="en-US" altLang="zh-TW" b="1" dirty="0" smtClean="0">
+              <a:rPr lang="en-US" altLang="zh-TW" b="1" dirty="0">
                 <a:solidFill>
                   <a:srgbClr val="FF0000"/>
                 </a:solidFill>
@@ -37186,7 +37006,7 @@
               <a:t>File-open count</a:t>
             </a:r>
             <a:r>
-              <a:rPr lang="en-US" altLang="zh-TW" dirty="0" smtClean="0">
+              <a:rPr lang="en-US" altLang="zh-TW" dirty="0">
                 <a:ea typeface="新細明體" charset="-120"/>
               </a:rPr>
               <a:t>: counter of number of times a file is open – to allow removal of data from open-file table when last process closes it</a:t>
@@ -37195,7 +37015,7 @@
           <a:p>
             <a:pPr lvl="1"/>
             <a:r>
-              <a:rPr lang="en-US" altLang="zh-TW" b="1" dirty="0" smtClean="0">
+              <a:rPr lang="en-US" altLang="zh-TW" b="1" dirty="0">
                 <a:solidFill>
                   <a:srgbClr val="FF0000"/>
                 </a:solidFill>
@@ -37204,7 +37024,7 @@
               <a:t>Disk location of the file</a:t>
             </a:r>
             <a:r>
-              <a:rPr lang="en-US" altLang="zh-TW" dirty="0" smtClean="0">
+              <a:rPr lang="en-US" altLang="zh-TW" dirty="0">
                 <a:ea typeface="新細明體" charset="-120"/>
               </a:rPr>
               <a:t>: cache of data access information</a:t>
@@ -37213,7 +37033,7 @@
           <a:p>
             <a:pPr lvl="1"/>
             <a:r>
-              <a:rPr lang="en-US" altLang="zh-TW" b="1" dirty="0" smtClean="0">
+              <a:rPr lang="en-US" altLang="zh-TW" b="1" dirty="0">
                 <a:solidFill>
                   <a:srgbClr val="FF0000"/>
                 </a:solidFill>
@@ -37222,7 +37042,7 @@
               <a:t>Access rights</a:t>
             </a:r>
             <a:r>
-              <a:rPr lang="en-US" altLang="zh-TW" dirty="0" smtClean="0">
+              <a:rPr lang="en-US" altLang="zh-TW" dirty="0">
                 <a:ea typeface="新細明體" charset="-120"/>
               </a:rPr>
               <a:t>: per-process access mode information</a:t>
@@ -37546,7 +37366,7 @@
           <a:p>
             <a:pPr eaLnBrk="1" hangingPunct="1"/>
             <a:r>
-              <a:rPr lang="en-US" altLang="zh-TW" smtClean="0">
+              <a:rPr lang="en-US" altLang="zh-TW">
                 <a:ea typeface="新細明體" charset="-120"/>
               </a:rPr>
               <a:t>Open File Locking</a:t>
@@ -37575,7 +37395,7 @@
           <a:lstStyle/>
           <a:p>
             <a:r>
-              <a:rPr lang="en-US" altLang="zh-TW" dirty="0" smtClean="0">
+              <a:rPr lang="en-US" altLang="zh-TW" dirty="0">
                 <a:ea typeface="新細明體" charset="-120"/>
               </a:rPr>
               <a:t>Provided by some operating systems and file systems</a:t>
@@ -37583,7 +37403,7 @@
           </a:p>
           <a:p>
             <a:r>
-              <a:rPr lang="en-US" altLang="zh-TW" dirty="0" smtClean="0">
+              <a:rPr lang="en-US" altLang="zh-TW" dirty="0">
                 <a:solidFill>
                   <a:srgbClr val="FF0000"/>
                 </a:solidFill>
@@ -37592,7 +37412,7 @@
               <a:t>Shared Lock</a:t>
             </a:r>
             <a:r>
-              <a:rPr lang="en-US" altLang="zh-TW" dirty="0" smtClean="0">
+              <a:rPr lang="en-US" altLang="zh-TW" dirty="0">
                 <a:ea typeface="新細明體" charset="-120"/>
               </a:rPr>
               <a:t>: several processes can acquire the lock concurrently (like a reader lock)</a:t>
@@ -37600,7 +37420,7 @@
           </a:p>
           <a:p>
             <a:r>
-              <a:rPr lang="en-US" altLang="zh-TW" dirty="0" smtClean="0">
+              <a:rPr lang="en-US" altLang="zh-TW" dirty="0">
                 <a:solidFill>
                   <a:srgbClr val="FF0000"/>
                 </a:solidFill>
@@ -37609,7 +37429,7 @@
               <a:t>Exclusive Lock</a:t>
             </a:r>
             <a:r>
-              <a:rPr lang="en-US" altLang="zh-TW" dirty="0" smtClean="0">
+              <a:rPr lang="en-US" altLang="zh-TW" dirty="0">
                 <a:ea typeface="新細明體" charset="-120"/>
               </a:rPr>
               <a:t>: Only one process at a time can acquire such a lock (like a writer lock)</a:t>
@@ -37617,16 +37437,40 @@
           </a:p>
           <a:p>
             <a:r>
-              <a:rPr lang="en-US" altLang="zh-TW" sz="2800" dirty="0" smtClean="0">
-                <a:ea typeface="新細明體" charset="-120"/>
-              </a:rPr>
-              <a:t>Mandatory or advisory file locking mechanisms:</a:t>
+              <a:rPr lang="en-US" altLang="zh-TW" sz="2800" dirty="0">
+                <a:ea typeface="新細明體" charset="-120"/>
+              </a:rPr>
+              <a:t>Mandatory</a:t>
+            </a:r>
+            <a:r>
+              <a:rPr lang="zh-TW" altLang="en-US" sz="2800" dirty="0">
+                <a:ea typeface="新細明體" charset="-120"/>
+              </a:rPr>
+              <a:t>查</a:t>
+            </a:r>
+            <a:r>
+              <a:rPr lang="en-US" altLang="zh-TW" sz="2800" dirty="0">
+                <a:ea typeface="新細明體" charset="-120"/>
+              </a:rPr>
+              <a:t> or advisory</a:t>
+            </a:r>
+            <a:r>
+              <a:rPr lang="zh-TW" altLang="en-US" sz="2800" dirty="0">
+                <a:ea typeface="新細明體" charset="-120"/>
+              </a:rPr>
+              <a:t>查</a:t>
+            </a:r>
+            <a:r>
+              <a:rPr lang="en-US" altLang="zh-TW" sz="2800" dirty="0">
+                <a:ea typeface="新細明體" charset="-120"/>
+              </a:rPr>
+              <a:t> file locking mechanisms:</a:t>
             </a:r>
           </a:p>
           <a:p>
             <a:pPr lvl="1"/>
             <a:r>
-              <a:rPr lang="en-US" altLang="zh-TW" b="1" dirty="0" smtClean="0">
+              <a:rPr lang="en-US" altLang="zh-TW" b="1" dirty="0">
                 <a:solidFill>
                   <a:srgbClr val="FF0000"/>
                 </a:solidFill>
@@ -37635,7 +37479,7 @@
               <a:t>Mandatory</a:t>
             </a:r>
             <a:r>
-              <a:rPr lang="en-US" altLang="zh-TW" dirty="0" smtClean="0">
+              <a:rPr lang="en-US" altLang="zh-TW" dirty="0">
                 <a:solidFill>
                   <a:srgbClr val="FF0000"/>
                 </a:solidFill>
@@ -37644,7 +37488,7 @@
               <a:t> </a:t>
             </a:r>
             <a:r>
-              <a:rPr lang="en-US" altLang="zh-TW" dirty="0" smtClean="0">
+              <a:rPr lang="en-US" altLang="zh-TW" dirty="0">
                 <a:ea typeface="新細明體" charset="-120"/>
               </a:rPr>
               <a:t>– Once a process acquires an exclusive lock, the OS will prevent any other process from accessing the locked file. (Windows)</a:t>
@@ -37653,7 +37497,7 @@
           <a:p>
             <a:pPr lvl="1"/>
             <a:r>
-              <a:rPr lang="en-US" altLang="zh-TW" b="1" dirty="0" smtClean="0">
+              <a:rPr lang="en-US" altLang="zh-TW" b="1" dirty="0">
                 <a:solidFill>
                   <a:srgbClr val="FF0000"/>
                 </a:solidFill>
@@ -37662,7 +37506,7 @@
               <a:t>Advisory</a:t>
             </a:r>
             <a:r>
-              <a:rPr lang="en-US" altLang="zh-TW" dirty="0" smtClean="0">
+              <a:rPr lang="en-US" altLang="zh-TW" dirty="0">
                 <a:ea typeface="新細明體" charset="-120"/>
               </a:rPr>
               <a:t> – The OS will not prevent a process from acquiring access to a locked file. Rather, the process must be written so that it manually acquiring the lock before accessing the file.  (UNIX)</a:t>

--- a/ch10.pptx
+++ b/ch10.pptx
@@ -3251,8 +3251,28 @@
           <a:bodyPr/>
           <a:lstStyle/>
           <a:p>
+            <a:r>
+              <a:rPr lang="en-US" altLang="zh-TW" sz="1200" dirty="0">
+                <a:ea typeface="新細明體" charset="-120"/>
+              </a:rPr>
+              <a:t>desirable  </a:t>
+            </a:r>
+            <a:r>
+              <a:rPr lang="zh-TW" altLang="en-US" sz="1200" b="0" i="0" kern="1200" dirty="0">
+                <a:solidFill>
+                  <a:schemeClr val="tx1"/>
+                </a:solidFill>
+                <a:effectLst/>
+                <a:latin typeface="Times New Roman" charset="0"/>
+                <a:ea typeface="MS PGothic" pitchFamily="34" charset="-128"/>
+                <a:cs typeface="ＭＳ Ｐゴシック" charset="-128"/>
+              </a:rPr>
+              <a:t>值得嚮往的</a:t>
+            </a:r>
+          </a:p>
+          <a:p>
             <a:pPr eaLnBrk="1" hangingPunct="1"/>
-            <a:endParaRPr lang="zh-TW" altLang="zh-TW"/>
+            <a:endParaRPr lang="zh-TW" altLang="zh-TW" dirty="0"/>
           </a:p>
         </p:txBody>
       </p:sp>
@@ -28531,7 +28551,17 @@
               <a:rPr lang="en-US" altLang="zh-TW" sz="2800" dirty="0">
                 <a:ea typeface="新細明體" charset="-120"/>
               </a:rPr>
-              <a:t> seamlessly using </a:t>
+              <a:t> seamlessly</a:t>
+            </a:r>
+            <a:r>
+              <a:rPr lang="zh-TW" altLang="en-US" b="0" dirty="0"/>
+              <a:t> 無縫地</a:t>
+            </a:r>
+            <a:r>
+              <a:rPr lang="en-US" altLang="zh-TW" sz="2800" dirty="0">
+                <a:ea typeface="新細明體" charset="-120"/>
+              </a:rPr>
+              <a:t> using </a:t>
             </a:r>
             <a:r>
               <a:rPr lang="en-US" altLang="zh-TW" sz="2800" b="1" dirty="0">
@@ -30094,6 +30124,15 @@
                 <a:ea typeface="新細明體" charset="-120"/>
               </a:rPr>
               <a:t>Consistency semantics</a:t>
+            </a:r>
+            <a:r>
+              <a:rPr lang="zh-TW" altLang="en-US" sz="2800" b="1" dirty="0">
+                <a:solidFill>
+                  <a:srgbClr val="FF0000"/>
+                </a:solidFill>
+                <a:ea typeface="新細明體" charset="-120"/>
+              </a:rPr>
+              <a:t>語意</a:t>
             </a:r>
             <a:r>
               <a:rPr lang="en-US" altLang="zh-TW" sz="2800" dirty="0">

--- a/ch10.pptx
+++ b/ch10.pptx
@@ -1052,7 +1052,31 @@
           <a:lstStyle/>
           <a:p>
             <a:pPr eaLnBrk="1" hangingPunct="1"/>
-            <a:endParaRPr lang="zh-TW" altLang="zh-TW"/>
+            <a:r>
+              <a:rPr lang="zh-TW" altLang="en-US" dirty="0"/>
+              <a:t>這個例子含 </a:t>
+            </a:r>
+            <a:r>
+              <a:rPr lang="en-US" altLang="zh-TW" dirty="0"/>
+              <a:t> </a:t>
+            </a:r>
+            <a:r>
+              <a:rPr lang="zh-TW" altLang="en-US" dirty="0"/>
+              <a:t>寫入時</a:t>
+            </a:r>
+            <a:r>
+              <a:rPr lang="en-US" altLang="zh-TW" dirty="0"/>
+              <a:t>exclusive / </a:t>
+            </a:r>
+            <a:r>
+              <a:rPr lang="zh-TW" altLang="en-US" dirty="0"/>
+              <a:t>讀取時</a:t>
+            </a:r>
+            <a:r>
+              <a:rPr lang="en-US" altLang="zh-TW" dirty="0"/>
+              <a:t>shared lock</a:t>
+            </a:r>
+            <a:endParaRPr lang="zh-TW" altLang="zh-TW" dirty="0"/>
           </a:p>
         </p:txBody>
       </p:sp>
@@ -1404,7 +1428,23 @@
           <a:lstStyle/>
           <a:p>
             <a:pPr eaLnBrk="1" hangingPunct="1"/>
-            <a:endParaRPr lang="zh-TW" altLang="zh-TW"/>
+            <a:r>
+              <a:rPr lang="en-US" altLang="zh-TW" dirty="0"/>
+              <a:t>rewind</a:t>
+            </a:r>
+            <a:r>
+              <a:rPr lang="zh-TW" altLang="en-US" dirty="0"/>
+              <a:t>往回奏走  或</a:t>
+            </a:r>
+            <a:r>
+              <a:rPr lang="en-US" altLang="zh-TW" dirty="0"/>
+              <a:t>reset </a:t>
+            </a:r>
+            <a:r>
+              <a:rPr lang="zh-TW" altLang="en-US" dirty="0"/>
+              <a:t>拉到最開始</a:t>
+            </a:r>
+            <a:endParaRPr lang="zh-TW" altLang="zh-TW" dirty="0"/>
           </a:p>
         </p:txBody>
       </p:sp>
@@ -1492,7 +1532,19 @@
           <a:lstStyle/>
           <a:p>
             <a:pPr eaLnBrk="1" hangingPunct="1"/>
-            <a:endParaRPr lang="zh-TW" altLang="zh-TW"/>
+            <a:r>
+              <a:rPr lang="en-US" altLang="zh-TW" dirty="0"/>
+              <a:t>direct</a:t>
+            </a:r>
+            <a:r>
+              <a:rPr lang="zh-TW" altLang="en-US" dirty="0"/>
+              <a:t>可以模擬 </a:t>
+            </a:r>
+            <a:r>
+              <a:rPr lang="en-US" altLang="zh-TW" dirty="0"/>
+              <a:t>sequential</a:t>
+            </a:r>
+            <a:endParaRPr lang="zh-TW" altLang="zh-TW" dirty="0"/>
           </a:p>
         </p:txBody>
       </p:sp>
@@ -1579,8 +1631,123 @@
           <a:bodyPr/>
           <a:lstStyle/>
           <a:p>
+            <a:pPr marL="0" marR="0" lvl="0" indent="0" algn="l" defTabSz="914400" rtl="0" eaLnBrk="1" fontAlgn="base" latinLnBrk="0" hangingPunct="1">
+              <a:lnSpc>
+                <a:spcPct val="100000"/>
+              </a:lnSpc>
+              <a:spcBef>
+                <a:spcPct val="30000"/>
+              </a:spcBef>
+              <a:spcAft>
+                <a:spcPct val="0"/>
+              </a:spcAft>
+              <a:buClrTx/>
+              <a:buSzTx/>
+              <a:buFontTx/>
+              <a:buNone/>
+              <a:tabLst/>
+              <a:defRPr/>
+            </a:pPr>
+            <a:r>
+              <a:rPr lang="en-US" altLang="zh-TW" sz="1200" b="0" i="0" kern="1200" dirty="0">
+                <a:solidFill>
+                  <a:schemeClr val="tx1"/>
+                </a:solidFill>
+                <a:effectLst/>
+                <a:latin typeface="Times New Roman" charset="0"/>
+                <a:ea typeface="MS PGothic" pitchFamily="34" charset="-128"/>
+                <a:cs typeface="ＭＳ Ｐゴシック" charset="-128"/>
+              </a:rPr>
+              <a:t>social security</a:t>
+            </a:r>
+            <a:r>
+              <a:rPr lang="zh-TW" altLang="en-US" sz="1200" b="0" i="0" kern="1200" dirty="0">
+                <a:solidFill>
+                  <a:schemeClr val="tx1"/>
+                </a:solidFill>
+                <a:effectLst/>
+                <a:latin typeface="Times New Roman" charset="0"/>
+                <a:ea typeface="MS PGothic" pitchFamily="34" charset="-128"/>
+                <a:cs typeface="ＭＳ Ｐゴシック" charset="-128"/>
+              </a:rPr>
+              <a:t>社會安全保險    這跟</a:t>
+            </a:r>
+            <a:r>
+              <a:rPr lang="en-US" altLang="zh-TW" sz="1200" b="0" i="0" kern="1200" dirty="0">
+                <a:solidFill>
+                  <a:schemeClr val="tx1"/>
+                </a:solidFill>
+                <a:effectLst/>
+                <a:latin typeface="Times New Roman" charset="0"/>
+                <a:ea typeface="MS PGothic" pitchFamily="34" charset="-128"/>
+                <a:cs typeface="ＭＳ Ｐゴシック" charset="-128"/>
+              </a:rPr>
+              <a:t>DB</a:t>
+            </a:r>
+            <a:r>
+              <a:rPr lang="zh-TW" altLang="en-US" sz="1200" b="0" i="0" kern="1200" dirty="0">
+                <a:solidFill>
+                  <a:schemeClr val="tx1"/>
+                </a:solidFill>
+                <a:effectLst/>
+                <a:latin typeface="Times New Roman" charset="0"/>
+                <a:ea typeface="MS PGothic" pitchFamily="34" charset="-128"/>
+                <a:cs typeface="ＭＳ Ｐゴシック" charset="-128"/>
+              </a:rPr>
+              <a:t>有點像   原檔是右邊   建一個</a:t>
+            </a:r>
+            <a:r>
+              <a:rPr lang="en-US" altLang="zh-TW" sz="1200" b="0" i="0" kern="1200" dirty="0">
+                <a:solidFill>
+                  <a:schemeClr val="tx1"/>
+                </a:solidFill>
+                <a:effectLst/>
+                <a:latin typeface="Times New Roman" charset="0"/>
+                <a:ea typeface="MS PGothic" pitchFamily="34" charset="-128"/>
+                <a:cs typeface="ＭＳ Ｐゴシック" charset="-128"/>
+              </a:rPr>
+              <a:t>index</a:t>
+            </a:r>
+            <a:r>
+              <a:rPr lang="zh-TW" altLang="en-US" sz="1200" b="0" i="0" kern="1200" dirty="0">
+                <a:solidFill>
+                  <a:schemeClr val="tx1"/>
+                </a:solidFill>
+                <a:effectLst/>
+                <a:latin typeface="Times New Roman" charset="0"/>
+                <a:ea typeface="MS PGothic" pitchFamily="34" charset="-128"/>
+                <a:cs typeface="ＭＳ Ｐゴシック" charset="-128"/>
+              </a:rPr>
+              <a:t>檔雞塊搜尋速度  找到再用</a:t>
+            </a:r>
+            <a:r>
+              <a:rPr lang="en-US" altLang="zh-TW" sz="1200" b="0" i="0" kern="1200" dirty="0">
+                <a:solidFill>
+                  <a:schemeClr val="tx1"/>
+                </a:solidFill>
+                <a:effectLst/>
+                <a:latin typeface="Times New Roman" charset="0"/>
+                <a:ea typeface="MS PGothic" pitchFamily="34" charset="-128"/>
+                <a:cs typeface="ＭＳ Ｐゴシック" charset="-128"/>
+              </a:rPr>
+              <a:t>pointer</a:t>
+            </a:r>
+            <a:r>
+              <a:rPr lang="zh-TW" altLang="en-US" sz="1200" b="0" i="0" kern="1200" dirty="0">
+                <a:solidFill>
+                  <a:schemeClr val="tx1"/>
+                </a:solidFill>
+                <a:effectLst/>
+                <a:latin typeface="Times New Roman" charset="0"/>
+                <a:ea typeface="MS PGothic" pitchFamily="34" charset="-128"/>
+                <a:cs typeface="ＭＳ Ｐゴシック" charset="-128"/>
+              </a:rPr>
+              <a:t>指回原檔位置</a:t>
+            </a:r>
+          </a:p>
+          <a:p>
             <a:pPr eaLnBrk="1" hangingPunct="1"/>
-            <a:endParaRPr lang="zh-TW" altLang="zh-TW"/>
+            <a:endParaRPr lang="zh-TW" altLang="zh-TW" dirty="0"/>
           </a:p>
         </p:txBody>
       </p:sp>
@@ -1699,68 +1866,122 @@
       </p:grpSpPr>
       <p:sp>
         <p:nvSpPr>
-          <p:cNvPr id="65538" name="Rectangle 7"/>
+          <p:cNvPr id="2" name="Slide Image Placeholder 1"/>
           <p:cNvSpPr>
-            <a:spLocks noGrp="1" noChangeArrowheads="1"/>
+            <a:spLocks noGrp="1" noRot="1" noChangeAspect="1"/>
+          </p:cNvSpPr>
+          <p:nvPr>
+            <p:ph type="sldImg"/>
+          </p:nvPr>
+        </p:nvSpPr>
+        <p:spPr/>
+      </p:sp>
+      <p:sp>
+        <p:nvSpPr>
+          <p:cNvPr id="3" name="Notes Placeholder 2"/>
+          <p:cNvSpPr>
+            <a:spLocks noGrp="1"/>
+          </p:cNvSpPr>
+          <p:nvPr>
+            <p:ph type="body" idx="1"/>
+          </p:nvPr>
+        </p:nvSpPr>
+        <p:spPr/>
+        <p:txBody>
+          <a:bodyPr/>
+          <a:lstStyle/>
+          <a:p>
+            <a:r>
+              <a:rPr lang="zh-TW" altLang="en-US" dirty="0"/>
+              <a:t>分割區可能因為磁頭刮傷或損壞導致壞掉不能讀   可以用</a:t>
+            </a:r>
+            <a:r>
+              <a:rPr lang="en-US" altLang="zh-TW" dirty="0"/>
+              <a:t>RAID</a:t>
+            </a:r>
+            <a:r>
+              <a:rPr lang="zh-TW" altLang="en-US" dirty="0"/>
+              <a:t>救回來  放好幾個</a:t>
+            </a:r>
+            <a:r>
+              <a:rPr lang="en-US" altLang="zh-TW" dirty="0"/>
+              <a:t>copy</a:t>
+            </a:r>
+            <a:r>
+              <a:rPr lang="zh-TW" altLang="en-US" dirty="0"/>
+              <a:t>在不同的</a:t>
+            </a:r>
+            <a:r>
+              <a:rPr lang="en-US" altLang="zh-TW" dirty="0"/>
+              <a:t>disk      volume:</a:t>
+            </a:r>
+            <a:r>
+              <a:rPr lang="zh-TW" altLang="en-US" dirty="0"/>
+              <a:t>是一個</a:t>
+            </a:r>
+            <a:r>
+              <a:rPr lang="en-US" altLang="zh-TW" dirty="0"/>
+              <a:t>partition</a:t>
+            </a:r>
+            <a:r>
+              <a:rPr lang="zh-TW" altLang="en-US" dirty="0"/>
+              <a:t>  上面是一個檔案系統      一個</a:t>
+            </a:r>
+            <a:r>
+              <a:rPr lang="en-US" altLang="zh-TW" dirty="0"/>
+              <a:t>OS</a:t>
+            </a:r>
+            <a:r>
+              <a:rPr lang="zh-TW" altLang="en-US" dirty="0"/>
+              <a:t>裡面可以有很多種檔案系統   例如</a:t>
+            </a:r>
+            <a:r>
+              <a:rPr lang="en-US" altLang="zh-TW" dirty="0"/>
+              <a:t>Remote File System  </a:t>
+            </a:r>
+            <a:r>
+              <a:rPr lang="zh-TW" altLang="en-US"/>
+              <a:t>檔案可以存在其他電腦 </a:t>
+            </a:r>
+            <a:endParaRPr lang="en-US" dirty="0"/>
+          </a:p>
+        </p:txBody>
+      </p:sp>
+      <p:sp>
+        <p:nvSpPr>
+          <p:cNvPr id="4" name="Slide Number Placeholder 3"/>
+          <p:cNvSpPr>
+            <a:spLocks noGrp="1"/>
           </p:cNvSpPr>
           <p:nvPr>
             <p:ph type="sldNum" sz="quarter" idx="5"/>
           </p:nvPr>
         </p:nvSpPr>
-        <p:spPr>
-          <a:noFill/>
-        </p:spPr>
+        <p:spPr/>
         <p:txBody>
           <a:bodyPr/>
           <a:lstStyle/>
           <a:p>
-            <a:fld id="{2E53AB94-428C-41EA-899B-2A119B6626D0}" type="slidenum">
+            <a:pPr>
+              <a:defRPr/>
+            </a:pPr>
+            <a:fld id="{7BD386D6-668B-4035-A22F-93BFA815CF3F}" type="slidenum">
               <a:rPr lang="en-US" altLang="zh-TW" smtClean="0"/>
-              <a:pPr/>
-              <a:t>19</a:t>
+              <a:pPr>
+                <a:defRPr/>
+              </a:pPr>
+              <a:t>18</a:t>
             </a:fld>
             <a:endParaRPr lang="en-US" altLang="zh-TW"/>
-          </a:p>
-        </p:txBody>
-      </p:sp>
-      <p:sp>
-        <p:nvSpPr>
-          <p:cNvPr id="65539" name="Rectangle 2"/>
-          <p:cNvSpPr>
-            <a:spLocks noGrp="1" noRot="1" noChangeAspect="1" noChangeArrowheads="1" noTextEdit="1"/>
-          </p:cNvSpPr>
-          <p:nvPr>
-            <p:ph type="sldImg"/>
-          </p:nvPr>
-        </p:nvSpPr>
-        <p:spPr>
-          <a:ln/>
-        </p:spPr>
-      </p:sp>
-      <p:sp>
-        <p:nvSpPr>
-          <p:cNvPr id="65540" name="Rectangle 3"/>
-          <p:cNvSpPr>
-            <a:spLocks noGrp="1" noChangeArrowheads="1"/>
-          </p:cNvSpPr>
-          <p:nvPr>
-            <p:ph type="body" idx="1"/>
-          </p:nvPr>
-        </p:nvSpPr>
-        <p:spPr>
-          <a:noFill/>
-          <a:ln/>
-        </p:spPr>
-        <p:txBody>
-          <a:bodyPr/>
-          <a:lstStyle/>
-          <a:p>
-            <a:pPr eaLnBrk="1" hangingPunct="1"/>
-            <a:endParaRPr lang="zh-TW" altLang="zh-TW"/>
           </a:p>
         </p:txBody>
       </p:sp>
     </p:spTree>
+    <p:extLst>
+      <p:ext uri="{BB962C8B-B14F-4D97-AF65-F5344CB8AC3E}">
+        <p14:creationId xmlns:p14="http://schemas.microsoft.com/office/powerpoint/2010/main" val="4135833506"/>
+      </p:ext>
+    </p:extLst>
   </p:cSld>
   <p:clrMapOvr>
     <a:masterClrMapping/>
@@ -1787,7 +2008,7 @@
       </p:grpSpPr>
       <p:sp>
         <p:nvSpPr>
-          <p:cNvPr id="66562" name="Rectangle 7"/>
+          <p:cNvPr id="65538" name="Rectangle 7"/>
           <p:cNvSpPr>
             <a:spLocks noGrp="1" noChangeArrowheads="1"/>
           </p:cNvSpPr>
@@ -1802,10 +2023,10 @@
           <a:bodyPr/>
           <a:lstStyle/>
           <a:p>
-            <a:fld id="{CDFEFCBE-6FB4-4666-9AA5-8788E1C7FD56}" type="slidenum">
+            <a:fld id="{2E53AB94-428C-41EA-899B-2A119B6626D0}" type="slidenum">
               <a:rPr lang="en-US" altLang="zh-TW" smtClean="0"/>
               <a:pPr/>
-              <a:t>20</a:t>
+              <a:t>19</a:t>
             </a:fld>
             <a:endParaRPr lang="en-US" altLang="zh-TW"/>
           </a:p>
@@ -1813,7 +2034,7 @@
       </p:sp>
       <p:sp>
         <p:nvSpPr>
-          <p:cNvPr id="66563" name="Rectangle 2"/>
+          <p:cNvPr id="65539" name="Rectangle 2"/>
           <p:cNvSpPr>
             <a:spLocks noGrp="1" noRot="1" noChangeAspect="1" noChangeArrowheads="1" noTextEdit="1"/>
           </p:cNvSpPr>
@@ -1827,7 +2048,7 @@
       </p:sp>
       <p:sp>
         <p:nvSpPr>
-          <p:cNvPr id="66564" name="Rectangle 3"/>
+          <p:cNvPr id="65540" name="Rectangle 3"/>
           <p:cNvSpPr>
             <a:spLocks noGrp="1" noChangeArrowheads="1"/>
           </p:cNvSpPr>
@@ -1963,6 +2184,94 @@
       </p:grpSpPr>
       <p:sp>
         <p:nvSpPr>
+          <p:cNvPr id="66562" name="Rectangle 7"/>
+          <p:cNvSpPr>
+            <a:spLocks noGrp="1" noChangeArrowheads="1"/>
+          </p:cNvSpPr>
+          <p:nvPr>
+            <p:ph type="sldNum" sz="quarter" idx="5"/>
+          </p:nvPr>
+        </p:nvSpPr>
+        <p:spPr>
+          <a:noFill/>
+        </p:spPr>
+        <p:txBody>
+          <a:bodyPr/>
+          <a:lstStyle/>
+          <a:p>
+            <a:fld id="{CDFEFCBE-6FB4-4666-9AA5-8788E1C7FD56}" type="slidenum">
+              <a:rPr lang="en-US" altLang="zh-TW" smtClean="0"/>
+              <a:pPr/>
+              <a:t>20</a:t>
+            </a:fld>
+            <a:endParaRPr lang="en-US" altLang="zh-TW"/>
+          </a:p>
+        </p:txBody>
+      </p:sp>
+      <p:sp>
+        <p:nvSpPr>
+          <p:cNvPr id="66563" name="Rectangle 2"/>
+          <p:cNvSpPr>
+            <a:spLocks noGrp="1" noRot="1" noChangeAspect="1" noChangeArrowheads="1" noTextEdit="1"/>
+          </p:cNvSpPr>
+          <p:nvPr>
+            <p:ph type="sldImg"/>
+          </p:nvPr>
+        </p:nvSpPr>
+        <p:spPr>
+          <a:ln/>
+        </p:spPr>
+      </p:sp>
+      <p:sp>
+        <p:nvSpPr>
+          <p:cNvPr id="66564" name="Rectangle 3"/>
+          <p:cNvSpPr>
+            <a:spLocks noGrp="1" noChangeArrowheads="1"/>
+          </p:cNvSpPr>
+          <p:nvPr>
+            <p:ph type="body" idx="1"/>
+          </p:nvPr>
+        </p:nvSpPr>
+        <p:spPr>
+          <a:noFill/>
+          <a:ln/>
+        </p:spPr>
+        <p:txBody>
+          <a:bodyPr/>
+          <a:lstStyle/>
+          <a:p>
+            <a:pPr eaLnBrk="1" hangingPunct="1"/>
+            <a:endParaRPr lang="zh-TW" altLang="zh-TW"/>
+          </a:p>
+        </p:txBody>
+      </p:sp>
+    </p:spTree>
+  </p:cSld>
+  <p:clrMapOvr>
+    <a:masterClrMapping/>
+  </p:clrMapOvr>
+</p:notes>
+</file>
+
+<file path=ppt/notesSlides/notesSlide21.xml><?xml version="1.0" encoding="utf-8"?>
+<p:notes xmlns:a="http://schemas.openxmlformats.org/drawingml/2006/main" xmlns:r="http://schemas.openxmlformats.org/officeDocument/2006/relationships" xmlns:p="http://schemas.openxmlformats.org/presentationml/2006/main">
+  <p:cSld>
+    <p:spTree>
+      <p:nvGrpSpPr>
+        <p:cNvPr id="1" name=""/>
+        <p:cNvGrpSpPr/>
+        <p:nvPr/>
+      </p:nvGrpSpPr>
+      <p:grpSpPr>
+        <a:xfrm>
+          <a:off x="0" y="0"/>
+          <a:ext cx="0" cy="0"/>
+          <a:chOff x="0" y="0"/>
+          <a:chExt cx="0" cy="0"/>
+        </a:xfrm>
+      </p:grpSpPr>
+      <p:sp>
+        <p:nvSpPr>
           <p:cNvPr id="67586" name="Rectangle 7"/>
           <p:cNvSpPr>
             <a:spLocks noGrp="1" noChangeArrowheads="1"/>
@@ -2032,7 +2341,7 @@
 </p:notes>
 </file>
 
-<file path=ppt/notesSlides/notesSlide21.xml><?xml version="1.0" encoding="utf-8"?>
+<file path=ppt/notesSlides/notesSlide22.xml><?xml version="1.0" encoding="utf-8"?>
 <p:notes xmlns:a="http://schemas.openxmlformats.org/drawingml/2006/main" xmlns:r="http://schemas.openxmlformats.org/officeDocument/2006/relationships" xmlns:p="http://schemas.openxmlformats.org/presentationml/2006/main">
   <p:cSld>
     <p:spTree>
@@ -2120,7 +2429,7 @@
 </p:notes>
 </file>
 
-<file path=ppt/notesSlides/notesSlide22.xml><?xml version="1.0" encoding="utf-8"?>
+<file path=ppt/notesSlides/notesSlide23.xml><?xml version="1.0" encoding="utf-8"?>
 <p:notes xmlns:a="http://schemas.openxmlformats.org/drawingml/2006/main" xmlns:r="http://schemas.openxmlformats.org/officeDocument/2006/relationships" xmlns:p="http://schemas.openxmlformats.org/presentationml/2006/main">
   <p:cSld>
     <p:spTree>
@@ -2208,7 +2517,7 @@
 </p:notes>
 </file>
 
-<file path=ppt/notesSlides/notesSlide23.xml><?xml version="1.0" encoding="utf-8"?>
+<file path=ppt/notesSlides/notesSlide24.xml><?xml version="1.0" encoding="utf-8"?>
 <p:notes xmlns:a="http://schemas.openxmlformats.org/drawingml/2006/main" xmlns:r="http://schemas.openxmlformats.org/officeDocument/2006/relationships" xmlns:p="http://schemas.openxmlformats.org/presentationml/2006/main">
   <p:cSld>
     <p:spTree>
@@ -2296,7 +2605,7 @@
 </p:notes>
 </file>
 
-<file path=ppt/notesSlides/notesSlide24.xml><?xml version="1.0" encoding="utf-8"?>
+<file path=ppt/notesSlides/notesSlide25.xml><?xml version="1.0" encoding="utf-8"?>
 <p:notes xmlns:a="http://schemas.openxmlformats.org/drawingml/2006/main" xmlns:r="http://schemas.openxmlformats.org/officeDocument/2006/relationships" xmlns:p="http://schemas.openxmlformats.org/presentationml/2006/main">
   <p:cSld>
     <p:spTree>
@@ -2384,7 +2693,7 @@
 </p:notes>
 </file>
 
-<file path=ppt/notesSlides/notesSlide25.xml><?xml version="1.0" encoding="utf-8"?>
+<file path=ppt/notesSlides/notesSlide26.xml><?xml version="1.0" encoding="utf-8"?>
 <p:notes xmlns:a="http://schemas.openxmlformats.org/drawingml/2006/main" xmlns:r="http://schemas.openxmlformats.org/officeDocument/2006/relationships" xmlns:p="http://schemas.openxmlformats.org/presentationml/2006/main">
   <p:cSld>
     <p:spTree>
@@ -2472,7 +2781,7 @@
 </p:notes>
 </file>
 
-<file path=ppt/notesSlides/notesSlide26.xml><?xml version="1.0" encoding="utf-8"?>
+<file path=ppt/notesSlides/notesSlide27.xml><?xml version="1.0" encoding="utf-8"?>
 <p:notes xmlns:a="http://schemas.openxmlformats.org/drawingml/2006/main" xmlns:r="http://schemas.openxmlformats.org/officeDocument/2006/relationships" xmlns:p="http://schemas.openxmlformats.org/presentationml/2006/main">
   <p:cSld>
     <p:spTree>
@@ -2560,7 +2869,7 @@
 </p:notes>
 </file>
 
-<file path=ppt/notesSlides/notesSlide27.xml><?xml version="1.0" encoding="utf-8"?>
+<file path=ppt/notesSlides/notesSlide28.xml><?xml version="1.0" encoding="utf-8"?>
 <p:notes xmlns:a="http://schemas.openxmlformats.org/drawingml/2006/main" xmlns:r="http://schemas.openxmlformats.org/officeDocument/2006/relationships" xmlns:p="http://schemas.openxmlformats.org/presentationml/2006/main">
   <p:cSld>
     <p:spTree>
@@ -2648,7 +2957,7 @@
 </p:notes>
 </file>
 
-<file path=ppt/notesSlides/notesSlide28.xml><?xml version="1.0" encoding="utf-8"?>
+<file path=ppt/notesSlides/notesSlide29.xml><?xml version="1.0" encoding="utf-8"?>
 <p:notes xmlns:a="http://schemas.openxmlformats.org/drawingml/2006/main" xmlns:r="http://schemas.openxmlformats.org/officeDocument/2006/relationships" xmlns:p="http://schemas.openxmlformats.org/presentationml/2006/main">
   <p:cSld>
     <p:spTree>
@@ -2708,94 +3017,6 @@
       <p:sp>
         <p:nvSpPr>
           <p:cNvPr id="75780" name="Rectangle 3"/>
-          <p:cNvSpPr>
-            <a:spLocks noGrp="1" noChangeArrowheads="1"/>
-          </p:cNvSpPr>
-          <p:nvPr>
-            <p:ph type="body" idx="1"/>
-          </p:nvPr>
-        </p:nvSpPr>
-        <p:spPr>
-          <a:noFill/>
-          <a:ln/>
-        </p:spPr>
-        <p:txBody>
-          <a:bodyPr/>
-          <a:lstStyle/>
-          <a:p>
-            <a:pPr eaLnBrk="1" hangingPunct="1"/>
-            <a:endParaRPr lang="zh-TW" altLang="zh-TW"/>
-          </a:p>
-        </p:txBody>
-      </p:sp>
-    </p:spTree>
-  </p:cSld>
-  <p:clrMapOvr>
-    <a:masterClrMapping/>
-  </p:clrMapOvr>
-</p:notes>
-</file>
-
-<file path=ppt/notesSlides/notesSlide29.xml><?xml version="1.0" encoding="utf-8"?>
-<p:notes xmlns:a="http://schemas.openxmlformats.org/drawingml/2006/main" xmlns:r="http://schemas.openxmlformats.org/officeDocument/2006/relationships" xmlns:p="http://schemas.openxmlformats.org/presentationml/2006/main">
-  <p:cSld>
-    <p:spTree>
-      <p:nvGrpSpPr>
-        <p:cNvPr id="1" name=""/>
-        <p:cNvGrpSpPr/>
-        <p:nvPr/>
-      </p:nvGrpSpPr>
-      <p:grpSpPr>
-        <a:xfrm>
-          <a:off x="0" y="0"/>
-          <a:ext cx="0" cy="0"/>
-          <a:chOff x="0" y="0"/>
-          <a:chExt cx="0" cy="0"/>
-        </a:xfrm>
-      </p:grpSpPr>
-      <p:sp>
-        <p:nvSpPr>
-          <p:cNvPr id="76802" name="Rectangle 7"/>
-          <p:cNvSpPr>
-            <a:spLocks noGrp="1" noChangeArrowheads="1"/>
-          </p:cNvSpPr>
-          <p:nvPr>
-            <p:ph type="sldNum" sz="quarter" idx="5"/>
-          </p:nvPr>
-        </p:nvSpPr>
-        <p:spPr>
-          <a:noFill/>
-        </p:spPr>
-        <p:txBody>
-          <a:bodyPr/>
-          <a:lstStyle/>
-          <a:p>
-            <a:fld id="{B6030961-C360-4A73-95C5-D1ED85AE2F4A}" type="slidenum">
-              <a:rPr lang="en-US" altLang="zh-TW" smtClean="0"/>
-              <a:pPr/>
-              <a:t>30</a:t>
-            </a:fld>
-            <a:endParaRPr lang="en-US" altLang="zh-TW"/>
-          </a:p>
-        </p:txBody>
-      </p:sp>
-      <p:sp>
-        <p:nvSpPr>
-          <p:cNvPr id="76803" name="Rectangle 2"/>
-          <p:cNvSpPr>
-            <a:spLocks noGrp="1" noRot="1" noChangeAspect="1" noChangeArrowheads="1" noTextEdit="1"/>
-          </p:cNvSpPr>
-          <p:nvPr>
-            <p:ph type="sldImg"/>
-          </p:nvPr>
-        </p:nvSpPr>
-        <p:spPr>
-          <a:ln/>
-        </p:spPr>
-      </p:sp>
-      <p:sp>
-        <p:nvSpPr>
-          <p:cNvPr id="76804" name="Rectangle 3"/>
           <p:cNvSpPr>
             <a:spLocks noGrp="1" noChangeArrowheads="1"/>
           </p:cNvSpPr>
@@ -2900,7 +3121,19 @@
           <a:lstStyle/>
           <a:p>
             <a:pPr eaLnBrk="1" hangingPunct="1"/>
-            <a:endParaRPr lang="zh-TW" altLang="zh-TW"/>
+            <a:r>
+              <a:rPr lang="zh-TW" altLang="en-US" dirty="0"/>
+              <a:t>呼叫那些</a:t>
+            </a:r>
+            <a:r>
+              <a:rPr lang="en-US" altLang="zh-TW" dirty="0"/>
+              <a:t>interface</a:t>
+            </a:r>
+            <a:r>
+              <a:rPr lang="zh-TW" altLang="en-US" dirty="0"/>
+              <a:t>呼叫使用檔案系統</a:t>
+            </a:r>
+            <a:endParaRPr lang="zh-TW" altLang="zh-TW" dirty="0"/>
           </a:p>
         </p:txBody>
       </p:sp>
@@ -2913,6 +3146,94 @@
 </file>
 
 <file path=ppt/notesSlides/notesSlide30.xml><?xml version="1.0" encoding="utf-8"?>
+<p:notes xmlns:a="http://schemas.openxmlformats.org/drawingml/2006/main" xmlns:r="http://schemas.openxmlformats.org/officeDocument/2006/relationships" xmlns:p="http://schemas.openxmlformats.org/presentationml/2006/main">
+  <p:cSld>
+    <p:spTree>
+      <p:nvGrpSpPr>
+        <p:cNvPr id="1" name=""/>
+        <p:cNvGrpSpPr/>
+        <p:nvPr/>
+      </p:nvGrpSpPr>
+      <p:grpSpPr>
+        <a:xfrm>
+          <a:off x="0" y="0"/>
+          <a:ext cx="0" cy="0"/>
+          <a:chOff x="0" y="0"/>
+          <a:chExt cx="0" cy="0"/>
+        </a:xfrm>
+      </p:grpSpPr>
+      <p:sp>
+        <p:nvSpPr>
+          <p:cNvPr id="76802" name="Rectangle 7"/>
+          <p:cNvSpPr>
+            <a:spLocks noGrp="1" noChangeArrowheads="1"/>
+          </p:cNvSpPr>
+          <p:nvPr>
+            <p:ph type="sldNum" sz="quarter" idx="5"/>
+          </p:nvPr>
+        </p:nvSpPr>
+        <p:spPr>
+          <a:noFill/>
+        </p:spPr>
+        <p:txBody>
+          <a:bodyPr/>
+          <a:lstStyle/>
+          <a:p>
+            <a:fld id="{B6030961-C360-4A73-95C5-D1ED85AE2F4A}" type="slidenum">
+              <a:rPr lang="en-US" altLang="zh-TW" smtClean="0"/>
+              <a:pPr/>
+              <a:t>30</a:t>
+            </a:fld>
+            <a:endParaRPr lang="en-US" altLang="zh-TW"/>
+          </a:p>
+        </p:txBody>
+      </p:sp>
+      <p:sp>
+        <p:nvSpPr>
+          <p:cNvPr id="76803" name="Rectangle 2"/>
+          <p:cNvSpPr>
+            <a:spLocks noGrp="1" noRot="1" noChangeAspect="1" noChangeArrowheads="1" noTextEdit="1"/>
+          </p:cNvSpPr>
+          <p:nvPr>
+            <p:ph type="sldImg"/>
+          </p:nvPr>
+        </p:nvSpPr>
+        <p:spPr>
+          <a:ln/>
+        </p:spPr>
+      </p:sp>
+      <p:sp>
+        <p:nvSpPr>
+          <p:cNvPr id="76804" name="Rectangle 3"/>
+          <p:cNvSpPr>
+            <a:spLocks noGrp="1" noChangeArrowheads="1"/>
+          </p:cNvSpPr>
+          <p:nvPr>
+            <p:ph type="body" idx="1"/>
+          </p:nvPr>
+        </p:nvSpPr>
+        <p:spPr>
+          <a:noFill/>
+          <a:ln/>
+        </p:spPr>
+        <p:txBody>
+          <a:bodyPr/>
+          <a:lstStyle/>
+          <a:p>
+            <a:pPr eaLnBrk="1" hangingPunct="1"/>
+            <a:endParaRPr lang="zh-TW" altLang="zh-TW"/>
+          </a:p>
+        </p:txBody>
+      </p:sp>
+    </p:spTree>
+  </p:cSld>
+  <p:clrMapOvr>
+    <a:masterClrMapping/>
+  </p:clrMapOvr>
+</p:notes>
+</file>
+
+<file path=ppt/notesSlides/notesSlide31.xml><?xml version="1.0" encoding="utf-8"?>
 <p:notes xmlns:a="http://schemas.openxmlformats.org/drawingml/2006/main" xmlns:r="http://schemas.openxmlformats.org/officeDocument/2006/relationships" xmlns:p="http://schemas.openxmlformats.org/presentationml/2006/main">
   <p:cSld>
     <p:spTree>
@@ -3000,7 +3321,7 @@
 </p:notes>
 </file>
 
-<file path=ppt/notesSlides/notesSlide31.xml><?xml version="1.0" encoding="utf-8"?>
+<file path=ppt/notesSlides/notesSlide32.xml><?xml version="1.0" encoding="utf-8"?>
 <p:notes xmlns:a="http://schemas.openxmlformats.org/drawingml/2006/main" xmlns:r="http://schemas.openxmlformats.org/officeDocument/2006/relationships" xmlns:p="http://schemas.openxmlformats.org/presentationml/2006/main">
   <p:cSld>
     <p:spTree>
@@ -3088,7 +3409,7 @@
 </p:notes>
 </file>
 
-<file path=ppt/notesSlides/notesSlide32.xml><?xml version="1.0" encoding="utf-8"?>
+<file path=ppt/notesSlides/notesSlide33.xml><?xml version="1.0" encoding="utf-8"?>
 <p:notes xmlns:a="http://schemas.openxmlformats.org/drawingml/2006/main" xmlns:r="http://schemas.openxmlformats.org/officeDocument/2006/relationships" xmlns:p="http://schemas.openxmlformats.org/presentationml/2006/main">
   <p:cSld>
     <p:spTree>
@@ -3176,7 +3497,7 @@
 </p:notes>
 </file>
 
-<file path=ppt/notesSlides/notesSlide33.xml><?xml version="1.0" encoding="utf-8"?>
+<file path=ppt/notesSlides/notesSlide34.xml><?xml version="1.0" encoding="utf-8"?>
 <p:notes xmlns:a="http://schemas.openxmlformats.org/drawingml/2006/main" xmlns:r="http://schemas.openxmlformats.org/officeDocument/2006/relationships" xmlns:p="http://schemas.openxmlformats.org/presentationml/2006/main">
   <p:cSld>
     <p:spTree>
@@ -3284,7 +3605,7 @@
 </p:notes>
 </file>
 
-<file path=ppt/notesSlides/notesSlide34.xml><?xml version="1.0" encoding="utf-8"?>
+<file path=ppt/notesSlides/notesSlide35.xml><?xml version="1.0" encoding="utf-8"?>
 <p:notes xmlns:a="http://schemas.openxmlformats.org/drawingml/2006/main" xmlns:r="http://schemas.openxmlformats.org/officeDocument/2006/relationships" xmlns:p="http://schemas.openxmlformats.org/presentationml/2006/main">
   <p:cSld>
     <p:spTree>
@@ -3372,7 +3693,7 @@
 </p:notes>
 </file>
 
-<file path=ppt/notesSlides/notesSlide35.xml><?xml version="1.0" encoding="utf-8"?>
+<file path=ppt/notesSlides/notesSlide36.xml><?xml version="1.0" encoding="utf-8"?>
 <p:notes xmlns:a="http://schemas.openxmlformats.org/drawingml/2006/main" xmlns:r="http://schemas.openxmlformats.org/officeDocument/2006/relationships" xmlns:p="http://schemas.openxmlformats.org/presentationml/2006/main">
   <p:cSld>
     <p:spTree>
@@ -3460,7 +3781,7 @@
 </p:notes>
 </file>
 
-<file path=ppt/notesSlides/notesSlide36.xml><?xml version="1.0" encoding="utf-8"?>
+<file path=ppt/notesSlides/notesSlide37.xml><?xml version="1.0" encoding="utf-8"?>
 <p:notes xmlns:a="http://schemas.openxmlformats.org/drawingml/2006/main" xmlns:r="http://schemas.openxmlformats.org/officeDocument/2006/relationships" xmlns:p="http://schemas.openxmlformats.org/presentationml/2006/main">
   <p:cSld>
     <p:spTree>
@@ -3548,7 +3869,7 @@
 </p:notes>
 </file>
 
-<file path=ppt/notesSlides/notesSlide37.xml><?xml version="1.0" encoding="utf-8"?>
+<file path=ppt/notesSlides/notesSlide38.xml><?xml version="1.0" encoding="utf-8"?>
 <p:notes xmlns:a="http://schemas.openxmlformats.org/drawingml/2006/main" xmlns:r="http://schemas.openxmlformats.org/officeDocument/2006/relationships" xmlns:p="http://schemas.openxmlformats.org/presentationml/2006/main">
   <p:cSld>
     <p:spTree>
@@ -3636,7 +3957,7 @@
 </p:notes>
 </file>
 
-<file path=ppt/notesSlides/notesSlide38.xml><?xml version="1.0" encoding="utf-8"?>
+<file path=ppt/notesSlides/notesSlide39.xml><?xml version="1.0" encoding="utf-8"?>
 <p:notes xmlns:a="http://schemas.openxmlformats.org/drawingml/2006/main" xmlns:r="http://schemas.openxmlformats.org/officeDocument/2006/relationships" xmlns:p="http://schemas.openxmlformats.org/presentationml/2006/main">
   <p:cSld>
     <p:spTree>
@@ -3696,94 +4017,6 @@
       <p:sp>
         <p:nvSpPr>
           <p:cNvPr id="86020" name="Rectangle 3"/>
-          <p:cNvSpPr>
-            <a:spLocks noGrp="1" noChangeArrowheads="1"/>
-          </p:cNvSpPr>
-          <p:nvPr>
-            <p:ph type="body" idx="1"/>
-          </p:nvPr>
-        </p:nvSpPr>
-        <p:spPr>
-          <a:noFill/>
-          <a:ln/>
-        </p:spPr>
-        <p:txBody>
-          <a:bodyPr/>
-          <a:lstStyle/>
-          <a:p>
-            <a:pPr eaLnBrk="1" hangingPunct="1"/>
-            <a:endParaRPr lang="zh-TW" altLang="zh-TW"/>
-          </a:p>
-        </p:txBody>
-      </p:sp>
-    </p:spTree>
-  </p:cSld>
-  <p:clrMapOvr>
-    <a:masterClrMapping/>
-  </p:clrMapOvr>
-</p:notes>
-</file>
-
-<file path=ppt/notesSlides/notesSlide39.xml><?xml version="1.0" encoding="utf-8"?>
-<p:notes xmlns:a="http://schemas.openxmlformats.org/drawingml/2006/main" xmlns:r="http://schemas.openxmlformats.org/officeDocument/2006/relationships" xmlns:p="http://schemas.openxmlformats.org/presentationml/2006/main">
-  <p:cSld>
-    <p:spTree>
-      <p:nvGrpSpPr>
-        <p:cNvPr id="1" name=""/>
-        <p:cNvGrpSpPr/>
-        <p:nvPr/>
-      </p:nvGrpSpPr>
-      <p:grpSpPr>
-        <a:xfrm>
-          <a:off x="0" y="0"/>
-          <a:ext cx="0" cy="0"/>
-          <a:chOff x="0" y="0"/>
-          <a:chExt cx="0" cy="0"/>
-        </a:xfrm>
-      </p:grpSpPr>
-      <p:sp>
-        <p:nvSpPr>
-          <p:cNvPr id="87042" name="Rectangle 7"/>
-          <p:cNvSpPr>
-            <a:spLocks noGrp="1" noChangeArrowheads="1"/>
-          </p:cNvSpPr>
-          <p:nvPr>
-            <p:ph type="sldNum" sz="quarter" idx="5"/>
-          </p:nvPr>
-        </p:nvSpPr>
-        <p:spPr>
-          <a:noFill/>
-        </p:spPr>
-        <p:txBody>
-          <a:bodyPr/>
-          <a:lstStyle/>
-          <a:p>
-            <a:fld id="{96C92559-958A-4240-8288-B639A8975820}" type="slidenum">
-              <a:rPr lang="en-US" altLang="zh-TW" smtClean="0"/>
-              <a:pPr/>
-              <a:t>40</a:t>
-            </a:fld>
-            <a:endParaRPr lang="en-US" altLang="zh-TW"/>
-          </a:p>
-        </p:txBody>
-      </p:sp>
-      <p:sp>
-        <p:nvSpPr>
-          <p:cNvPr id="87043" name="Rectangle 2"/>
-          <p:cNvSpPr>
-            <a:spLocks noGrp="1" noRot="1" noChangeAspect="1" noChangeArrowheads="1" noTextEdit="1"/>
-          </p:cNvSpPr>
-          <p:nvPr>
-            <p:ph type="sldImg"/>
-          </p:nvPr>
-        </p:nvSpPr>
-        <p:spPr>
-          <a:ln/>
-        </p:spPr>
-      </p:sp>
-      <p:sp>
-        <p:nvSpPr>
-          <p:cNvPr id="87044" name="Rectangle 3"/>
           <p:cNvSpPr>
             <a:spLocks noGrp="1" noChangeArrowheads="1"/>
           </p:cNvSpPr>
@@ -3919,6 +4152,94 @@
       </p:grpSpPr>
       <p:sp>
         <p:nvSpPr>
+          <p:cNvPr id="87042" name="Rectangle 7"/>
+          <p:cNvSpPr>
+            <a:spLocks noGrp="1" noChangeArrowheads="1"/>
+          </p:cNvSpPr>
+          <p:nvPr>
+            <p:ph type="sldNum" sz="quarter" idx="5"/>
+          </p:nvPr>
+        </p:nvSpPr>
+        <p:spPr>
+          <a:noFill/>
+        </p:spPr>
+        <p:txBody>
+          <a:bodyPr/>
+          <a:lstStyle/>
+          <a:p>
+            <a:fld id="{96C92559-958A-4240-8288-B639A8975820}" type="slidenum">
+              <a:rPr lang="en-US" altLang="zh-TW" smtClean="0"/>
+              <a:pPr/>
+              <a:t>40</a:t>
+            </a:fld>
+            <a:endParaRPr lang="en-US" altLang="zh-TW"/>
+          </a:p>
+        </p:txBody>
+      </p:sp>
+      <p:sp>
+        <p:nvSpPr>
+          <p:cNvPr id="87043" name="Rectangle 2"/>
+          <p:cNvSpPr>
+            <a:spLocks noGrp="1" noRot="1" noChangeAspect="1" noChangeArrowheads="1" noTextEdit="1"/>
+          </p:cNvSpPr>
+          <p:nvPr>
+            <p:ph type="sldImg"/>
+          </p:nvPr>
+        </p:nvSpPr>
+        <p:spPr>
+          <a:ln/>
+        </p:spPr>
+      </p:sp>
+      <p:sp>
+        <p:nvSpPr>
+          <p:cNvPr id="87044" name="Rectangle 3"/>
+          <p:cNvSpPr>
+            <a:spLocks noGrp="1" noChangeArrowheads="1"/>
+          </p:cNvSpPr>
+          <p:nvPr>
+            <p:ph type="body" idx="1"/>
+          </p:nvPr>
+        </p:nvSpPr>
+        <p:spPr>
+          <a:noFill/>
+          <a:ln/>
+        </p:spPr>
+        <p:txBody>
+          <a:bodyPr/>
+          <a:lstStyle/>
+          <a:p>
+            <a:pPr eaLnBrk="1" hangingPunct="1"/>
+            <a:endParaRPr lang="zh-TW" altLang="zh-TW"/>
+          </a:p>
+        </p:txBody>
+      </p:sp>
+    </p:spTree>
+  </p:cSld>
+  <p:clrMapOvr>
+    <a:masterClrMapping/>
+  </p:clrMapOvr>
+</p:notes>
+</file>
+
+<file path=ppt/notesSlides/notesSlide41.xml><?xml version="1.0" encoding="utf-8"?>
+<p:notes xmlns:a="http://schemas.openxmlformats.org/drawingml/2006/main" xmlns:r="http://schemas.openxmlformats.org/officeDocument/2006/relationships" xmlns:p="http://schemas.openxmlformats.org/presentationml/2006/main">
+  <p:cSld>
+    <p:spTree>
+      <p:nvGrpSpPr>
+        <p:cNvPr id="1" name=""/>
+        <p:cNvGrpSpPr/>
+        <p:nvPr/>
+      </p:nvGrpSpPr>
+      <p:grpSpPr>
+        <a:xfrm>
+          <a:off x="0" y="0"/>
+          <a:ext cx="0" cy="0"/>
+          <a:chOff x="0" y="0"/>
+          <a:chExt cx="0" cy="0"/>
+        </a:xfrm>
+      </p:grpSpPr>
+      <p:sp>
+        <p:nvSpPr>
           <p:cNvPr id="88066" name="Rectangle 7"/>
           <p:cNvSpPr>
             <a:spLocks noGrp="1" noChangeArrowheads="1"/>
@@ -3988,7 +4309,7 @@
 </p:notes>
 </file>
 
-<file path=ppt/notesSlides/notesSlide41.xml><?xml version="1.0" encoding="utf-8"?>
+<file path=ppt/notesSlides/notesSlide42.xml><?xml version="1.0" encoding="utf-8"?>
 <p:notes xmlns:a="http://schemas.openxmlformats.org/drawingml/2006/main" xmlns:r="http://schemas.openxmlformats.org/officeDocument/2006/relationships" xmlns:p="http://schemas.openxmlformats.org/presentationml/2006/main">
   <p:cSld>
     <p:spTree>
@@ -4076,7 +4397,7 @@
 </p:notes>
 </file>
 
-<file path=ppt/notesSlides/notesSlide42.xml><?xml version="1.0" encoding="utf-8"?>
+<file path=ppt/notesSlides/notesSlide43.xml><?xml version="1.0" encoding="utf-8"?>
 <p:notes xmlns:a="http://schemas.openxmlformats.org/drawingml/2006/main" xmlns:r="http://schemas.openxmlformats.org/officeDocument/2006/relationships" xmlns:p="http://schemas.openxmlformats.org/presentationml/2006/main">
   <p:cSld>
     <p:spTree>
@@ -4328,7 +4649,7 @@
           <a:lstStyle/>
           <a:p>
             <a:pPr eaLnBrk="1" hangingPunct="1"/>
-            <a:endParaRPr lang="zh-TW" altLang="zh-TW"/>
+            <a:endParaRPr lang="zh-TW" altLang="zh-TW" dirty="0"/>
           </a:p>
         </p:txBody>
       </p:sp>
@@ -4416,7 +4737,11 @@
           <a:lstStyle/>
           <a:p>
             <a:pPr eaLnBrk="1" hangingPunct="1"/>
-            <a:endParaRPr lang="zh-TW" altLang="zh-TW"/>
+            <a:r>
+              <a:rPr lang="en-US" altLang="zh-TW" dirty="0"/>
+              <a:t>10-2</a:t>
+            </a:r>
+            <a:endParaRPr lang="zh-TW" altLang="zh-TW" dirty="0"/>
           </a:p>
         </p:txBody>
       </p:sp>
@@ -4592,7 +4917,31 @@
           <a:lstStyle/>
           <a:p>
             <a:pPr eaLnBrk="1" hangingPunct="1"/>
-            <a:endParaRPr lang="zh-TW" altLang="zh-TW"/>
+            <a:r>
+              <a:rPr lang="zh-TW" altLang="en-US" dirty="0"/>
+              <a:t>最後一點是  </a:t>
+            </a:r>
+            <a:r>
+              <a:rPr lang="en-US" altLang="zh-TW" dirty="0"/>
+              <a:t>OS</a:t>
+            </a:r>
+            <a:r>
+              <a:rPr lang="zh-TW" altLang="en-US" dirty="0"/>
+              <a:t>不會檔你去碰</a:t>
+            </a:r>
+            <a:r>
+              <a:rPr lang="en-US" altLang="zh-TW" dirty="0"/>
+              <a:t>locked file  </a:t>
+            </a:r>
+            <a:r>
+              <a:rPr lang="zh-TW" altLang="en-US" dirty="0"/>
+              <a:t>但寫程式的自己要注意要先取得</a:t>
+            </a:r>
+            <a:r>
+              <a:rPr lang="en-US" altLang="zh-TW" dirty="0"/>
+              <a:t>lock</a:t>
+            </a:r>
+            <a:endParaRPr lang="zh-TW" altLang="zh-TW" dirty="0"/>
           </a:p>
         </p:txBody>
       </p:sp>
@@ -7911,7 +8260,25 @@
                 </a:solidFill>
                 <a:ea typeface="新細明體" charset="-120"/>
               </a:rPr>
-              <a:t>(0, </a:t>
+              <a:t>(0</a:t>
+            </a:r>
+            <a:r>
+              <a:rPr lang="zh-TW" altLang="en-US" sz="1800" dirty="0">
+                <a:solidFill>
+                  <a:srgbClr val="FF0000"/>
+                </a:solidFill>
+                <a:ea typeface="新細明體" charset="-120"/>
+              </a:rPr>
+              <a:t>零</a:t>
+            </a:r>
+            <a:r>
+              <a:rPr lang="en-US" altLang="zh-TW" sz="1800" dirty="0">
+                <a:solidFill>
+                  <a:srgbClr val="FF0000"/>
+                </a:solidFill>
+                <a:ea typeface="新細明體" charset="-120"/>
+              </a:rPr>
+              <a:t>, </a:t>
             </a:r>
             <a:r>
               <a:rPr lang="en-US" altLang="zh-TW" sz="1800" dirty="0" err="1">
@@ -10030,6 +10397,24 @@
               </a:rPr>
               <a:t>	</a:t>
             </a:r>
+            <a:r>
+              <a:rPr lang="zh-TW" altLang="en-US" sz="2400" dirty="0">
+                <a:solidFill>
+                  <a:srgbClr val="0033CC"/>
+                </a:solidFill>
+                <a:ea typeface="新細明體" charset="-120"/>
+              </a:rPr>
+              <a:t>都用</a:t>
+            </a:r>
+            <a:r>
+              <a:rPr lang="en-US" altLang="zh-TW" sz="2400" dirty="0">
+                <a:solidFill>
+                  <a:srgbClr val="0033CC"/>
+                </a:solidFill>
+                <a:ea typeface="新細明體" charset="-120"/>
+              </a:rPr>
+              <a:t>pointer</a:t>
+            </a:r>
           </a:p>
           <a:p>
             <a:pPr>
@@ -12143,6 +12528,21 @@
               </a:rPr>
               <a:t>with a file system</a:t>
             </a:r>
+            <a:r>
+              <a:rPr lang="zh-TW" altLang="en-US" sz="2400" dirty="0">
+                <a:ea typeface="新細明體" charset="-120"/>
+              </a:rPr>
+              <a:t>   硬碟格式化</a:t>
+            </a:r>
+            <a:r>
+              <a:rPr lang="zh-TW" altLang="en-US" dirty="0">
+                <a:ea typeface="新細明體" charset="-120"/>
+              </a:rPr>
+              <a:t>成特定檔案系統</a:t>
+            </a:r>
+            <a:endParaRPr lang="en-US" altLang="zh-TW" sz="2400" dirty="0">
+              <a:ea typeface="新細明體" charset="-120"/>
+            </a:endParaRPr>
           </a:p>
           <a:p>
             <a:r>
@@ -12189,7 +12589,19 @@
               <a:rPr lang="en-US" altLang="zh-TW" sz="2400" dirty="0">
                 <a:ea typeface="新細明體" charset="-120"/>
               </a:rPr>
-              <a:t>or </a:t>
+              <a:t>or</a:t>
+            </a:r>
+            <a:r>
+              <a:rPr lang="zh-TW" altLang="en-US" sz="2400" dirty="0">
+                <a:ea typeface="新細明體" charset="-120"/>
+              </a:rPr>
+              <a:t>或稱</a:t>
+            </a:r>
+            <a:r>
+              <a:rPr lang="en-US" altLang="zh-TW" sz="2400" dirty="0">
+                <a:ea typeface="新細明體" charset="-120"/>
+              </a:rPr>
+              <a:t> </a:t>
             </a:r>
             <a:r>
               <a:rPr lang="en-US" altLang="zh-TW" sz="2400" dirty="0">
@@ -15325,8 +15737,37 @@
               <a:rPr lang="en-US" altLang="zh-TW" sz="3200" dirty="0">
                 <a:ea typeface="新細明體" charset="-120"/>
               </a:rPr>
-              <a:t>Protection</a:t>
-            </a:r>
+              <a:t>Protection   </a:t>
+            </a:r>
+            <a:r>
+              <a:rPr lang="zh-TW" altLang="en-US" sz="3200" dirty="0">
+                <a:latin typeface="Calibri" panose="020F0502020204030204" pitchFamily="34" charset="0"/>
+                <a:ea typeface="新細明體" charset="-120"/>
+                <a:cs typeface="Calibri" panose="020F0502020204030204" pitchFamily="34" charset="0"/>
+              </a:rPr>
+              <a:t>例如</a:t>
+            </a:r>
+            <a:r>
+              <a:rPr lang="en-US" altLang="zh-TW" sz="3200" dirty="0">
+                <a:latin typeface="Calibri" panose="020F0502020204030204" pitchFamily="34" charset="0"/>
+                <a:ea typeface="新細明體" charset="-120"/>
+                <a:cs typeface="Calibri" panose="020F0502020204030204" pitchFamily="34" charset="0"/>
+              </a:rPr>
+              <a:t>owner</a:t>
+            </a:r>
+            <a:r>
+              <a:rPr lang="zh-TW" altLang="en-US" sz="3200" dirty="0">
+                <a:latin typeface="Calibri" panose="020F0502020204030204" pitchFamily="34" charset="0"/>
+                <a:ea typeface="新細明體" charset="-120"/>
+                <a:cs typeface="Calibri" panose="020F0502020204030204" pitchFamily="34" charset="0"/>
+              </a:rPr>
+              <a:t>誰可讀可寫</a:t>
+            </a:r>
+            <a:endParaRPr lang="en-US" altLang="zh-TW" sz="3200" dirty="0">
+              <a:latin typeface="Calibri" panose="020F0502020204030204" pitchFamily="34" charset="0"/>
+              <a:ea typeface="新細明體" charset="-120"/>
+              <a:cs typeface="Calibri" panose="020F0502020204030204" pitchFamily="34" charset="0"/>
+            </a:endParaRPr>
           </a:p>
         </p:txBody>
       </p:sp>
@@ -25814,7 +26255,19 @@
               <a:rPr lang="en-US" altLang="zh-TW" sz="2800" dirty="0">
                 <a:ea typeface="新細明體" charset="-120"/>
               </a:rPr>
-              <a:t>access methods, </a:t>
+              <a:t>access methods(sequential </a:t>
+            </a:r>
+            <a:r>
+              <a:rPr lang="zh-TW" altLang="en-US" sz="2800" dirty="0">
+                <a:ea typeface="新細明體" charset="-120"/>
+              </a:rPr>
+              <a:t>或</a:t>
+            </a:r>
+            <a:r>
+              <a:rPr lang="en-US" altLang="zh-TW" sz="2800" dirty="0">
+                <a:ea typeface="新細明體" charset="-120"/>
+              </a:rPr>
+              <a:t>random access), </a:t>
             </a:r>
           </a:p>
           <a:p>
@@ -31006,6 +31459,68 @@
               </a:rPr>
               <a:t>Contiguous logical address space</a:t>
             </a:r>
+          </a:p>
+          <a:p>
+            <a:r>
+              <a:rPr lang="en-US" altLang="zh-TW" sz="2800" dirty="0">
+                <a:solidFill>
+                  <a:srgbClr val="FF0000"/>
+                </a:solidFill>
+                <a:ea typeface="新細明體" charset="-120"/>
+              </a:rPr>
+              <a:t>logical</a:t>
+            </a:r>
+            <a:r>
+              <a:rPr lang="zh-TW" altLang="en-US" sz="2800" dirty="0">
+                <a:solidFill>
+                  <a:srgbClr val="FF0000"/>
+                </a:solidFill>
+                <a:ea typeface="新細明體" charset="-120"/>
+              </a:rPr>
+              <a:t>連續 </a:t>
+            </a:r>
+            <a:r>
+              <a:rPr lang="en-US" altLang="zh-TW" sz="2800" dirty="0">
+                <a:solidFill>
+                  <a:srgbClr val="FF0000"/>
+                </a:solidFill>
+                <a:ea typeface="新細明體" charset="-120"/>
+              </a:rPr>
+              <a:t>physical</a:t>
+            </a:r>
+            <a:r>
+              <a:rPr lang="zh-TW" altLang="en-US" sz="2800" dirty="0">
+                <a:solidFill>
+                  <a:srgbClr val="FF0000"/>
+                </a:solidFill>
+                <a:ea typeface="新細明體" charset="-120"/>
+              </a:rPr>
+              <a:t>存在硬碟可能不連續  但</a:t>
+            </a:r>
+            <a:r>
+              <a:rPr lang="en-US" altLang="zh-TW" sz="2800" dirty="0">
+                <a:solidFill>
+                  <a:srgbClr val="FF0000"/>
+                </a:solidFill>
+                <a:ea typeface="新細明體" charset="-120"/>
+              </a:rPr>
+              <a:t>user</a:t>
+            </a:r>
+            <a:r>
+              <a:rPr lang="zh-TW" altLang="en-US" sz="2800" dirty="0">
+                <a:solidFill>
+                  <a:srgbClr val="FF0000"/>
+                </a:solidFill>
+                <a:ea typeface="新細明體" charset="-120"/>
+              </a:rPr>
+              <a:t>不用想那麼多</a:t>
+            </a:r>
+            <a:endParaRPr lang="en-US" altLang="zh-TW" sz="2800" dirty="0">
+              <a:solidFill>
+                <a:srgbClr val="FF0000"/>
+              </a:solidFill>
+              <a:ea typeface="新細明體" charset="-120"/>
+            </a:endParaRPr>
           </a:p>
           <a:p>
             <a:r>
@@ -35062,8 +35577,8 @@
         </p:nvSpPr>
         <p:spPr>
           <a:xfrm>
-            <a:off x="806450" y="877888"/>
-            <a:ext cx="8229600" cy="4530725"/>
+            <a:off x="563563" y="680734"/>
+            <a:ext cx="10813622" cy="4530725"/>
           </a:xfrm>
         </p:spPr>
         <p:txBody>
@@ -35088,8 +35603,17 @@
               <a:rPr lang="en-US" altLang="zh-TW" sz="2400" dirty="0">
                 <a:ea typeface="新細明體" charset="-120"/>
               </a:rPr>
-              <a:t>- sequence of words, bytes</a:t>
-            </a:r>
+              <a:t>- sequence of words, bytes    </a:t>
+            </a:r>
+            <a:r>
+              <a:rPr lang="zh-TW" altLang="en-US" sz="2400" dirty="0">
+                <a:ea typeface="新細明體" charset="-120"/>
+              </a:rPr>
+              <a:t>沒有特定格式  使用不方便速度慢   沒辦法迅速定位到特定的資訊</a:t>
+            </a:r>
+            <a:endParaRPr lang="en-US" altLang="zh-TW" sz="2400" dirty="0">
+              <a:ea typeface="新細明體" charset="-120"/>
+            </a:endParaRPr>
           </a:p>
           <a:p>
             <a:pPr>
@@ -35106,6 +35630,21 @@
               </a:rPr>
               <a:t>Simple record structure</a:t>
             </a:r>
+            <a:r>
+              <a:rPr lang="zh-TW" altLang="en-US" sz="2400" dirty="0">
+                <a:solidFill>
+                  <a:srgbClr val="FF0000"/>
+                </a:solidFill>
+                <a:ea typeface="新細明體" charset="-120"/>
+              </a:rPr>
+              <a:t>    一行行</a:t>
+            </a:r>
+            <a:endParaRPr lang="en-US" altLang="zh-TW" sz="2400" dirty="0">
+              <a:solidFill>
+                <a:srgbClr val="FF0000"/>
+              </a:solidFill>
+              <a:ea typeface="新細明體" charset="-120"/>
+            </a:endParaRPr>
           </a:p>
           <a:p>
             <a:pPr lvl="1">
@@ -35182,17 +35721,20 @@
               </a:lnSpc>
             </a:pPr>
             <a:r>
-              <a:rPr lang="en-US" altLang="zh-TW" sz="2400" dirty="0" err="1">
-                <a:ea typeface="新細明體" charset="-120"/>
-              </a:rPr>
-              <a:t>Relocatable</a:t>
-            </a:r>
-            <a:r>
               <a:rPr lang="en-US" altLang="zh-TW" sz="2400" dirty="0">
                 <a:ea typeface="新細明體" charset="-120"/>
               </a:rPr>
-              <a:t> load file	</a:t>
-            </a:r>
+              <a:t>Relocatable load file	</a:t>
+            </a:r>
+            <a:r>
+              <a:rPr lang="zh-TW" altLang="en-US" sz="2400" dirty="0">
+                <a:ea typeface="新細明體" charset="-120"/>
+              </a:rPr>
+              <a:t>程式可以放在記憶體不同位置  會有特定格式才能做到</a:t>
+            </a:r>
+            <a:endParaRPr lang="en-US" altLang="zh-TW" sz="2400" dirty="0">
+              <a:ea typeface="新細明體" charset="-120"/>
+            </a:endParaRPr>
           </a:p>
           <a:p>
             <a:pPr>
@@ -35233,6 +35775,42 @@
               </a:rPr>
               <a:t>(CR, LF)</a:t>
             </a:r>
+            <a:r>
+              <a:rPr lang="zh-TW" altLang="en-US" sz="2400" dirty="0">
+                <a:solidFill>
+                  <a:srgbClr val="FF0000"/>
+                </a:solidFill>
+                <a:ea typeface="新細明體" charset="-120"/>
+              </a:rPr>
+              <a:t>  </a:t>
+            </a:r>
+            <a:r>
+              <a:rPr lang="en-US" altLang="zh-TW" sz="2400" dirty="0">
+                <a:solidFill>
+                  <a:srgbClr val="FF0000"/>
+                </a:solidFill>
+                <a:ea typeface="新細明體" charset="-120"/>
+              </a:rPr>
+              <a:t>carriage return/line feed(</a:t>
+            </a:r>
+            <a:r>
+              <a:rPr lang="zh-TW" altLang="en-US" sz="2400" dirty="0">
+                <a:solidFill>
+                  <a:srgbClr val="FF0000"/>
+                </a:solidFill>
+                <a:ea typeface="新細明體" charset="-120"/>
+              </a:rPr>
+              <a:t>迴車 換行</a:t>
+            </a:r>
+            <a:r>
+              <a:rPr lang="en-US" altLang="zh-TW" sz="2400" dirty="0">
+                <a:solidFill>
+                  <a:srgbClr val="FF0000"/>
+                </a:solidFill>
+                <a:ea typeface="新細明體" charset="-120"/>
+              </a:rPr>
+              <a:t>)</a:t>
+            </a:r>
           </a:p>
           <a:p>
             <a:pPr>
@@ -35244,7 +35822,19 @@
               <a:rPr lang="en-US" altLang="zh-TW" sz="2400" dirty="0">
                 <a:ea typeface="新細明體" charset="-120"/>
               </a:rPr>
-              <a:t>Who decides:</a:t>
+              <a:t>Who decides</a:t>
+            </a:r>
+            <a:r>
+              <a:rPr lang="zh-TW" altLang="en-US" sz="2400" dirty="0">
+                <a:ea typeface="新細明體" charset="-120"/>
+              </a:rPr>
+              <a:t>  檔案格式</a:t>
+            </a:r>
+            <a:r>
+              <a:rPr lang="en-US" altLang="zh-TW" sz="2400" dirty="0">
+                <a:ea typeface="新細明體" charset="-120"/>
+              </a:rPr>
+              <a:t>:</a:t>
             </a:r>
           </a:p>
           <a:p>
@@ -35259,6 +35849,15 @@
               </a:rPr>
               <a:t>Operating system</a:t>
             </a:r>
+            <a:r>
+              <a:rPr lang="zh-TW" altLang="en-US" sz="2400" dirty="0">
+                <a:ea typeface="新細明體" charset="-120"/>
+              </a:rPr>
+              <a:t>  </a:t>
+            </a:r>
+            <a:endParaRPr lang="en-US" altLang="zh-TW" sz="2400" dirty="0">
+              <a:ea typeface="新細明體" charset="-120"/>
+            </a:endParaRPr>
           </a:p>
           <a:p>
             <a:pPr lvl="1">
@@ -36016,6 +36615,27 @@
               </a:rPr>
               <a:t> – unique tag (number) identifies file within file system</a:t>
             </a:r>
+            <a:r>
+              <a:rPr lang="zh-TW" altLang="en-US" sz="2400" dirty="0">
+                <a:ea typeface="新細明體" charset="-120"/>
+              </a:rPr>
+              <a:t>    </a:t>
+            </a:r>
+            <a:r>
+              <a:rPr lang="en-US" altLang="zh-TW" sz="2400" dirty="0">
+                <a:ea typeface="新細明體" charset="-120"/>
+              </a:rPr>
+              <a:t>ID</a:t>
+            </a:r>
+            <a:r>
+              <a:rPr lang="zh-TW" altLang="en-US" sz="2400" dirty="0">
+                <a:ea typeface="新細明體" charset="-120"/>
+              </a:rPr>
+              <a:t> 系統給的編號  系統用的</a:t>
+            </a:r>
+            <a:endParaRPr lang="en-US" altLang="zh-TW" sz="2400" dirty="0">
+              <a:ea typeface="新細明體" charset="-120"/>
+            </a:endParaRPr>
           </a:p>
           <a:p>
             <a:r>
@@ -36793,8 +37413,17 @@
               <a:rPr lang="en-US" altLang="zh-TW" sz="2400" b="1" dirty="0">
                 <a:ea typeface="新細明體" charset="-120"/>
               </a:rPr>
-              <a:t>Reposition within file</a:t>
-            </a:r>
+              <a:t>Reposition within file  </a:t>
+            </a:r>
+            <a:r>
+              <a:rPr lang="zh-TW" altLang="en-US" sz="2400" b="1" dirty="0">
+                <a:ea typeface="新細明體" charset="-120"/>
+              </a:rPr>
+              <a:t>要讀寫的位置</a:t>
+            </a:r>
+            <a:endParaRPr lang="en-US" altLang="zh-TW" sz="2400" b="1" dirty="0">
+              <a:ea typeface="新細明體" charset="-120"/>
+            </a:endParaRPr>
           </a:p>
           <a:p>
             <a:r>
@@ -36853,7 +37482,22 @@
               <a:rPr lang="en-US" altLang="zh-TW" sz="2400" dirty="0">
                 <a:ea typeface="新細明體" charset="-120"/>
               </a:rPr>
-              <a:t> – search the directory structure on disk for entry </a:t>
+              <a:t> – search the directory structure on </a:t>
+            </a:r>
+            <a:r>
+              <a:rPr lang="en-US" altLang="zh-TW" sz="2400" dirty="0">
+                <a:solidFill>
+                  <a:srgbClr val="FF0000"/>
+                </a:solidFill>
+                <a:ea typeface="新細明體" charset="-120"/>
+              </a:rPr>
+              <a:t>disk</a:t>
+            </a:r>
+            <a:r>
+              <a:rPr lang="en-US" altLang="zh-TW" sz="2400" dirty="0">
+                <a:ea typeface="新細明體" charset="-120"/>
+              </a:rPr>
+              <a:t> for entry </a:t>
             </a:r>
             <a:r>
               <a:rPr lang="en-US" altLang="zh-TW" sz="2400" i="1" dirty="0" err="1">
@@ -36871,7 +37515,31 @@
               <a:rPr lang="en-US" altLang="zh-TW" sz="2400" dirty="0">
                 <a:ea typeface="新細明體" charset="-120"/>
               </a:rPr>
-              <a:t>, and move the content of entry to memory</a:t>
+              <a:t>, and move the content of entry </a:t>
+            </a:r>
+            <a:r>
+              <a:rPr lang="en-US" altLang="zh-TW" sz="2400" dirty="0">
+                <a:solidFill>
+                  <a:srgbClr val="FF0000"/>
+                </a:solidFill>
+                <a:ea typeface="新細明體" charset="-120"/>
+              </a:rPr>
+              <a:t>to</a:t>
+            </a:r>
+            <a:r>
+              <a:rPr lang="en-US" altLang="zh-TW" sz="2400" dirty="0">
+                <a:ea typeface="新細明體" charset="-120"/>
+              </a:rPr>
+              <a:t> </a:t>
+            </a:r>
+            <a:r>
+              <a:rPr lang="en-US" altLang="zh-TW" sz="2400" dirty="0">
+                <a:solidFill>
+                  <a:srgbClr val="FF0000"/>
+                </a:solidFill>
+                <a:ea typeface="新細明體" charset="-120"/>
+              </a:rPr>
+              <a:t>memory</a:t>
             </a:r>
           </a:p>
           <a:p>
@@ -36933,7 +37601,46 @@
               <a:rPr lang="en-US" altLang="zh-TW" sz="2400" dirty="0">
                 <a:ea typeface="新細明體" charset="-120"/>
               </a:rPr>
-              <a:t> in memory to directory structure on disk</a:t>
+              <a:t> in </a:t>
+            </a:r>
+            <a:r>
+              <a:rPr lang="en-US" altLang="zh-TW" sz="2400" dirty="0">
+                <a:solidFill>
+                  <a:srgbClr val="FF0000"/>
+                </a:solidFill>
+                <a:ea typeface="新細明體" charset="-120"/>
+              </a:rPr>
+              <a:t>memory</a:t>
+            </a:r>
+            <a:r>
+              <a:rPr lang="en-US" altLang="zh-TW" sz="2400" dirty="0">
+                <a:ea typeface="新細明體" charset="-120"/>
+              </a:rPr>
+              <a:t> </a:t>
+            </a:r>
+            <a:r>
+              <a:rPr lang="en-US" altLang="zh-TW" sz="2400" dirty="0">
+                <a:solidFill>
+                  <a:srgbClr val="FF0000"/>
+                </a:solidFill>
+                <a:ea typeface="新細明體" charset="-120"/>
+              </a:rPr>
+              <a:t>to</a:t>
+            </a:r>
+            <a:r>
+              <a:rPr lang="en-US" altLang="zh-TW" sz="2400" dirty="0">
+                <a:ea typeface="新細明體" charset="-120"/>
+              </a:rPr>
+              <a:t> directory structure on </a:t>
+            </a:r>
+            <a:r>
+              <a:rPr lang="en-US" altLang="zh-TW" sz="2400" dirty="0">
+                <a:solidFill>
+                  <a:srgbClr val="FF0000"/>
+                </a:solidFill>
+                <a:ea typeface="新細明體" charset="-120"/>
+              </a:rPr>
+              <a:t>disk</a:t>
             </a:r>
           </a:p>
         </p:txBody>
@@ -37048,8 +37755,17 @@
               <a:rPr lang="en-US" altLang="zh-TW" dirty="0">
                 <a:ea typeface="新細明體" charset="-120"/>
               </a:rPr>
-              <a:t>: counter of number of times a file is open – to allow removal of data from open-file table when last process closes it</a:t>
-            </a:r>
+              <a:t>: counter of number of times a file is open – to allow removal of data from open-file table when last process closes it   </a:t>
+            </a:r>
+            <a:r>
+              <a:rPr lang="zh-TW" altLang="en-US" dirty="0">
+                <a:ea typeface="新細明體" charset="-120"/>
+              </a:rPr>
+              <a:t>例如一個檔案被多個程序讀取</a:t>
+            </a:r>
+            <a:endParaRPr lang="en-US" altLang="zh-TW" dirty="0">
+              <a:ea typeface="新細明體" charset="-120"/>
+            </a:endParaRPr>
           </a:p>
           <a:p>
             <a:pPr lvl="1"/>
@@ -37085,6 +37801,15 @@
                 <a:ea typeface="新細明體" charset="-120"/>
               </a:rPr>
               <a:t>: per-process access mode information</a:t>
+            </a:r>
+          </a:p>
+          <a:p>
+            <a:pPr lvl="1"/>
+            <a:r>
+              <a:rPr lang="en-US" altLang="zh-TW" dirty="0">
+                <a:ea typeface="新細明體" charset="-120"/>
+              </a:rPr>
+              <a:t>RWX</a:t>
             </a:r>
           </a:p>
         </p:txBody>
@@ -37346,6 +38071,67 @@
                       </p:childTnLst>
                     </p:cTn>
                   </p:par>
+                  <p:par>
+                    <p:cTn id="23" fill="hold">
+                      <p:stCondLst>
+                        <p:cond delay="indefinite"/>
+                      </p:stCondLst>
+                      <p:childTnLst>
+                        <p:par>
+                          <p:cTn id="24" fill="hold">
+                            <p:stCondLst>
+                              <p:cond delay="0"/>
+                            </p:stCondLst>
+                            <p:childTnLst>
+                              <p:par>
+                                <p:cTn id="25" presetID="22" presetClass="entr" presetSubtype="8" fill="hold" nodeType="clickEffect">
+                                  <p:stCondLst>
+                                    <p:cond delay="0"/>
+                                  </p:stCondLst>
+                                  <p:childTnLst>
+                                    <p:set>
+                                      <p:cBhvr>
+                                        <p:cTn id="26" dur="1" fill="hold">
+                                          <p:stCondLst>
+                                            <p:cond delay="0"/>
+                                          </p:stCondLst>
+                                        </p:cTn>
+                                        <p:tgtEl>
+                                          <p:spTgt spid="10243">
+                                            <p:txEl>
+                                              <p:pRg st="5" end="5"/>
+                                            </p:txEl>
+                                          </p:spTgt>
+                                        </p:tgtEl>
+                                        <p:attrNameLst>
+                                          <p:attrName>style.visibility</p:attrName>
+                                        </p:attrNameLst>
+                                      </p:cBhvr>
+                                      <p:to>
+                                        <p:strVal val="visible"/>
+                                      </p:to>
+                                    </p:set>
+                                    <p:animEffect transition="in" filter="wipe(left)">
+                                      <p:cBhvr>
+                                        <p:cTn id="27" dur="2000"/>
+                                        <p:tgtEl>
+                                          <p:spTgt spid="10243">
+                                            <p:txEl>
+                                              <p:pRg st="5" end="5"/>
+                                            </p:txEl>
+                                          </p:spTgt>
+                                        </p:tgtEl>
+                                      </p:cBhvr>
+                                    </p:animEffect>
+                                  </p:childTnLst>
+                                </p:cTn>
+                              </p:par>
+                            </p:childTnLst>
+                          </p:cTn>
+                        </p:par>
+                      </p:childTnLst>
+                    </p:cTn>
+                  </p:par>
                 </p:childTnLst>
               </p:cTn>
               <p:prevCondLst>
@@ -37485,7 +38271,7 @@
               <a:rPr lang="zh-TW" altLang="en-US" sz="2800" dirty="0">
                 <a:ea typeface="新細明體" charset="-120"/>
               </a:rPr>
-              <a:t>查</a:t>
+              <a:t>義務的</a:t>
             </a:r>
             <a:r>
               <a:rPr lang="en-US" altLang="zh-TW" sz="2800" dirty="0">
@@ -37494,10 +38280,8 @@
               <a:t> or advisory</a:t>
             </a:r>
             <a:r>
-              <a:rPr lang="zh-TW" altLang="en-US" sz="2800" dirty="0">
-                <a:ea typeface="新細明體" charset="-120"/>
-              </a:rPr>
-              <a:t>查</a:t>
+              <a:rPr lang="zh-TW" altLang="en-US" b="0" dirty="0"/>
+              <a:t> 諮詢勸告的</a:t>
             </a:r>
             <a:r>
               <a:rPr lang="en-US" altLang="zh-TW" sz="2800" dirty="0">
@@ -37530,7 +38314,37 @@
               <a:rPr lang="en-US" altLang="zh-TW" dirty="0">
                 <a:ea typeface="新細明體" charset="-120"/>
               </a:rPr>
-              <a:t>– Once a process acquires an exclusive lock, the OS will prevent any other process from accessing the locked file. (Windows)</a:t>
+              <a:t>– Once </a:t>
+            </a:r>
+            <a:r>
+              <a:rPr lang="en-US" altLang="zh-TW" dirty="0">
+                <a:solidFill>
+                  <a:srgbClr val="FF0000"/>
+                </a:solidFill>
+                <a:ea typeface="新細明體" charset="-120"/>
+              </a:rPr>
+              <a:t>a process acquires an exclusive </a:t>
+            </a:r>
+            <a:r>
+              <a:rPr lang="en-US" altLang="zh-TW" dirty="0">
+                <a:ea typeface="新細明體" charset="-120"/>
+              </a:rPr>
+              <a:t>lock, the OS will </a:t>
+            </a:r>
+            <a:r>
+              <a:rPr lang="en-US" altLang="zh-TW" dirty="0">
+                <a:solidFill>
+                  <a:srgbClr val="FF0000"/>
+                </a:solidFill>
+                <a:ea typeface="新細明體" charset="-120"/>
+              </a:rPr>
+              <a:t>prevent any other </a:t>
+            </a:r>
+            <a:r>
+              <a:rPr lang="en-US" altLang="zh-TW" dirty="0">
+                <a:ea typeface="新細明體" charset="-120"/>
+              </a:rPr>
+              <a:t>process from accessing the locked file. (Windows)</a:t>
             </a:r>
           </a:p>
           <a:p>

--- a/ch10.pptx
+++ b/ch10.pptx
@@ -1940,8 +1940,12 @@
               <a:t>Remote File System  </a:t>
             </a:r>
             <a:r>
-              <a:rPr lang="zh-TW" altLang="en-US"/>
-              <a:t>檔案可以存在其他電腦 </a:t>
+              <a:rPr lang="zh-TW" altLang="en-US" dirty="0"/>
+              <a:t>檔案可以存在其他電腦     </a:t>
+            </a:r>
+            <a:r>
+              <a:rPr lang="en-US" altLang="zh-TW" dirty="0"/>
+              <a:t>10-3</a:t>
             </a:r>
             <a:endParaRPr lang="en-US" dirty="0"/>
           </a:p>
@@ -2065,7 +2069,27 @@
           <a:lstStyle/>
           <a:p>
             <a:pPr eaLnBrk="1" hangingPunct="1"/>
-            <a:endParaRPr lang="zh-TW" altLang="zh-TW"/>
+            <a:r>
+              <a:rPr lang="en-US" altLang="zh-TW" dirty="0"/>
+              <a:t>C</a:t>
+            </a:r>
+            <a:r>
+              <a:rPr lang="zh-TW" altLang="en-US" dirty="0"/>
+              <a:t> 是把兩個</a:t>
+            </a:r>
+            <a:r>
+              <a:rPr lang="en-US" altLang="zh-TW" dirty="0"/>
+              <a:t>disk</a:t>
+            </a:r>
+            <a:r>
+              <a:rPr lang="zh-TW" altLang="en-US" dirty="0"/>
+              <a:t>合併在一起變一個</a:t>
+            </a:r>
+            <a:r>
+              <a:rPr lang="en-US" altLang="zh-TW" dirty="0" err="1"/>
+              <a:t>dir</a:t>
+            </a:r>
+            <a:endParaRPr lang="zh-TW" altLang="zh-TW" dirty="0"/>
           </a:p>
         </p:txBody>
       </p:sp>
@@ -2416,8 +2440,66 @@
           <a:bodyPr/>
           <a:lstStyle/>
           <a:p>
+            <a:pPr marL="0" marR="0" lvl="0" indent="0" algn="l" defTabSz="914400" rtl="0" eaLnBrk="1" fontAlgn="base" latinLnBrk="0" hangingPunct="1">
+              <a:lnSpc>
+                <a:spcPct val="100000"/>
+              </a:lnSpc>
+              <a:spcBef>
+                <a:spcPct val="30000"/>
+              </a:spcBef>
+              <a:spcAft>
+                <a:spcPct val="0"/>
+              </a:spcAft>
+              <a:buClrTx/>
+              <a:buSzTx/>
+              <a:buFontTx/>
+              <a:buNone/>
+              <a:tabLst/>
+              <a:defRPr/>
+            </a:pPr>
+            <a:r>
+              <a:rPr lang="en-US" altLang="zh-TW" sz="1200" dirty="0">
+                <a:ea typeface="新細明體" charset="-120"/>
+              </a:rPr>
+              <a:t>ex</a:t>
+            </a:r>
+            <a:r>
+              <a:rPr lang="zh-TW" altLang="en-US" sz="1200" dirty="0">
+                <a:ea typeface="新細明體" charset="-120"/>
+              </a:rPr>
+              <a:t>同檔案多人共享   每個人取不同名字 但是這樣會無法</a:t>
+            </a:r>
+            <a:r>
+              <a:rPr lang="en-US" altLang="zh-TW" sz="1200" dirty="0">
+                <a:ea typeface="新細明體" charset="-120"/>
+              </a:rPr>
+              <a:t>group</a:t>
+            </a:r>
+            <a:r>
+              <a:rPr lang="zh-TW" altLang="en-US" sz="1200" dirty="0">
+                <a:ea typeface="新細明體" charset="-120"/>
+              </a:rPr>
+              <a:t> 還有不能在單一</a:t>
+            </a:r>
+            <a:r>
+              <a:rPr lang="en-US" altLang="zh-TW" sz="1200" dirty="0" err="1">
+                <a:ea typeface="新細明體" charset="-120"/>
+              </a:rPr>
+              <a:t>dirj</a:t>
+            </a:r>
+            <a:r>
+              <a:rPr lang="zh-TW" altLang="en-US" sz="1200" dirty="0">
+                <a:ea typeface="新細明體" charset="-120"/>
+              </a:rPr>
+              <a:t>做到因為檔名可能會重複   所以出現雙層</a:t>
+            </a:r>
+            <a:endParaRPr lang="en-US" altLang="zh-TW" sz="1200" dirty="0">
+              <a:ea typeface="新細明體" charset="-120"/>
+            </a:endParaRPr>
+          </a:p>
+          <a:p>
             <a:pPr eaLnBrk="1" hangingPunct="1"/>
-            <a:endParaRPr lang="zh-TW" altLang="zh-TW"/>
+            <a:endParaRPr lang="zh-TW" altLang="zh-TW" dirty="0"/>
           </a:p>
         </p:txBody>
       </p:sp>
@@ -2505,7 +2587,23 @@
           <a:lstStyle/>
           <a:p>
             <a:pPr eaLnBrk="1" hangingPunct="1"/>
-            <a:endParaRPr lang="zh-TW" altLang="zh-TW"/>
+            <a:r>
+              <a:rPr lang="zh-TW" altLang="en-US" dirty="0"/>
+              <a:t>第一階就分  </a:t>
+            </a:r>
+            <a:r>
+              <a:rPr lang="en-US" altLang="zh-TW" dirty="0"/>
+              <a:t>User     </a:t>
+            </a:r>
+            <a:r>
+              <a:rPr lang="zh-TW" altLang="en-US" dirty="0"/>
+              <a:t>   </a:t>
+            </a:r>
+            <a:r>
+              <a:rPr lang="en-US" altLang="zh-TW" dirty="0"/>
+              <a:t>user1\a  user2\a</a:t>
+            </a:r>
+            <a:endParaRPr lang="zh-TW" altLang="zh-TW" dirty="0"/>
           </a:p>
         </p:txBody>
       </p:sp>
@@ -2593,7 +2691,31 @@
           <a:lstStyle/>
           <a:p>
             <a:pPr eaLnBrk="1" hangingPunct="1"/>
-            <a:endParaRPr lang="zh-TW" altLang="zh-TW"/>
+            <a:r>
+              <a:rPr lang="zh-TW" altLang="en-US" dirty="0"/>
+              <a:t>多階   就可以更進一步做到</a:t>
+            </a:r>
+            <a:r>
+              <a:rPr lang="en-US" altLang="zh-TW" dirty="0"/>
+              <a:t>Grouping</a:t>
+            </a:r>
+            <a:r>
+              <a:rPr lang="zh-TW" altLang="en-US" dirty="0"/>
+              <a:t>  同類型的放在同個</a:t>
+            </a:r>
+            <a:r>
+              <a:rPr lang="en-US" altLang="zh-TW" dirty="0"/>
+              <a:t>folder</a:t>
+            </a:r>
+            <a:r>
+              <a:rPr lang="zh-TW" altLang="en-US" dirty="0"/>
+              <a:t>下  就是</a:t>
+            </a:r>
+            <a:r>
+              <a:rPr lang="en-US" altLang="zh-TW" dirty="0"/>
+              <a:t>group</a:t>
+            </a:r>
+            <a:endParaRPr lang="zh-TW" altLang="zh-TW" dirty="0"/>
           </a:p>
         </p:txBody>
       </p:sp>
@@ -2857,7 +2979,31 @@
           <a:lstStyle/>
           <a:p>
             <a:pPr eaLnBrk="1" hangingPunct="1"/>
-            <a:endParaRPr lang="zh-TW" altLang="zh-TW"/>
+            <a:r>
+              <a:rPr lang="en-US" sz="1200" b="0" i="0" kern="1200" dirty="0">
+                <a:solidFill>
+                  <a:schemeClr val="tx1"/>
+                </a:solidFill>
+                <a:effectLst/>
+                <a:latin typeface="Times New Roman" charset="0"/>
+                <a:ea typeface="MS PGothic" pitchFamily="34" charset="-128"/>
+                <a:cs typeface="ＭＳ Ｐゴシック" charset="-128"/>
+              </a:rPr>
+              <a:t>Directed Acyclic Graph</a:t>
+            </a:r>
+            <a:r>
+              <a:rPr lang="zh-TW" altLang="en-US" sz="1200" b="0" i="0" kern="1200" dirty="0">
+                <a:solidFill>
+                  <a:schemeClr val="tx1"/>
+                </a:solidFill>
+                <a:effectLst/>
+                <a:latin typeface="Times New Roman" charset="0"/>
+                <a:ea typeface="MS PGothic" pitchFamily="34" charset="-128"/>
+                <a:cs typeface="ＭＳ Ｐゴシック" charset="-128"/>
+              </a:rPr>
+              <a:t>   實際上說有向無環圖更精準    因為無向的話 上面就產生環了  多個箭頭指向同個檔案</a:t>
+            </a:r>
+            <a:endParaRPr lang="zh-TW" altLang="zh-TW" dirty="0"/>
           </a:p>
         </p:txBody>
       </p:sp>
@@ -3397,7 +3543,11 @@
           <a:lstStyle/>
           <a:p>
             <a:pPr eaLnBrk="1" hangingPunct="1"/>
-            <a:endParaRPr lang="zh-TW" altLang="zh-TW"/>
+            <a:r>
+              <a:rPr lang="zh-TW" altLang="en-US" dirty="0"/>
+              <a:t>這根樹的插入一樣  資結</a:t>
+            </a:r>
+            <a:endParaRPr lang="zh-TW" altLang="zh-TW" dirty="0"/>
           </a:p>
         </p:txBody>
       </p:sp>
@@ -3769,7 +3919,23 @@
           <a:lstStyle/>
           <a:p>
             <a:pPr eaLnBrk="1" hangingPunct="1"/>
-            <a:endParaRPr lang="zh-TW" altLang="zh-TW"/>
+            <a:r>
+              <a:rPr lang="en-US" altLang="zh-TW" dirty="0"/>
+              <a:t>LDAP  </a:t>
+            </a:r>
+            <a:r>
+              <a:rPr lang="zh-TW" altLang="en-US" dirty="0"/>
+              <a:t>很多企業有用  登入時去身分認證檢查   然後就能遠端存取目錄   </a:t>
+            </a:r>
+            <a:r>
+              <a:rPr lang="en-US" altLang="zh-TW" dirty="0"/>
+              <a:t>Active Dir </a:t>
+            </a:r>
+            <a:r>
+              <a:rPr lang="zh-TW" altLang="en-US" dirty="0"/>
+              <a:t>企業也常用    可能各地有很多不同子公司     但是想看成一個完整的目錄統一管理  但事實上 檔案放在很多不同電腦 </a:t>
+            </a:r>
+            <a:endParaRPr lang="zh-TW" altLang="zh-TW" dirty="0"/>
           </a:p>
         </p:txBody>
       </p:sp>
@@ -3857,7 +4023,27 @@
           <a:lstStyle/>
           <a:p>
             <a:pPr eaLnBrk="1" hangingPunct="1"/>
-            <a:endParaRPr lang="zh-TW" altLang="zh-TW"/>
+            <a:r>
+              <a:rPr lang="zh-TW" altLang="en-US" dirty="0"/>
+              <a:t>有</a:t>
+            </a:r>
+            <a:r>
+              <a:rPr lang="en-US" altLang="zh-TW" dirty="0"/>
+              <a:t>State</a:t>
+            </a:r>
+            <a:r>
+              <a:rPr lang="zh-TW" altLang="en-US" dirty="0"/>
+              <a:t> </a:t>
+            </a:r>
+            <a:r>
+              <a:rPr lang="en-US" altLang="zh-TW" dirty="0"/>
+              <a:t>Graph</a:t>
+            </a:r>
+            <a:r>
+              <a:rPr lang="zh-TW" altLang="en-US" dirty="0"/>
+              <a:t> 代表   每一步之間互相有關係</a:t>
+            </a:r>
+            <a:endParaRPr lang="zh-TW" altLang="zh-TW" dirty="0"/>
           </a:p>
         </p:txBody>
       </p:sp>
@@ -4385,7 +4571,51 @@
           <a:lstStyle/>
           <a:p>
             <a:pPr eaLnBrk="1" hangingPunct="1"/>
-            <a:endParaRPr lang="zh-TW" altLang="zh-TW"/>
+            <a:r>
+              <a:rPr lang="zh-TW" altLang="en-US" dirty="0"/>
+              <a:t>第一個字</a:t>
+            </a:r>
+            <a:r>
+              <a:rPr lang="en-US" altLang="zh-TW" dirty="0"/>
+              <a:t>d  </a:t>
+            </a:r>
+            <a:r>
+              <a:rPr lang="zh-TW" altLang="en-US" dirty="0"/>
+              <a:t>表資料夾   </a:t>
+            </a:r>
+            <a:r>
+              <a:rPr lang="en-US" altLang="zh-TW" dirty="0"/>
+              <a:t>-</a:t>
+            </a:r>
+            <a:r>
+              <a:rPr lang="zh-TW" altLang="en-US" dirty="0"/>
+              <a:t>表檔案 後面就是</a:t>
+            </a:r>
+            <a:r>
+              <a:rPr lang="en-US" altLang="zh-TW" dirty="0" err="1"/>
+              <a:t>rwxrwxrwx</a:t>
+            </a:r>
+            <a:r>
+              <a:rPr lang="en-US" altLang="zh-TW" dirty="0"/>
+              <a:t>  </a:t>
+            </a:r>
+            <a:r>
+              <a:rPr lang="zh-TW" altLang="en-US" dirty="0"/>
+              <a:t>三組分別是給</a:t>
+            </a:r>
+            <a:r>
+              <a:rPr lang="en-US" altLang="zh-TW" dirty="0"/>
+              <a:t>own gr </a:t>
+            </a:r>
+            <a:r>
+              <a:rPr lang="en-US" altLang="zh-TW" dirty="0" err="1"/>
+              <a:t>uni</a:t>
+            </a:r>
+            <a:r>
+              <a:rPr lang="zh-TW" altLang="en-US" dirty="0"/>
+              <a:t>的授權   </a:t>
+            </a:r>
+            <a:endParaRPr lang="zh-TW" altLang="zh-TW" dirty="0"/>
           </a:p>
         </p:txBody>
       </p:sp>
@@ -21579,11 +21809,32 @@
           <a:p>
             <a:pPr eaLnBrk="1" hangingPunct="1"/>
             <a:r>
-              <a:rPr lang="en-US" altLang="zh-TW">
-                <a:ea typeface="新細明體" charset="-120"/>
-              </a:rPr>
-              <a:t>Tree-Structured Directories (Cont)</a:t>
-            </a:r>
+              <a:rPr lang="en-US" altLang="zh-TW" dirty="0">
+                <a:ea typeface="新細明體" charset="-120"/>
+              </a:rPr>
+              <a:t>Tree-Structured Directories (</a:t>
+            </a:r>
+            <a:r>
+              <a:rPr lang="en-US" altLang="zh-TW" dirty="0" err="1">
+                <a:ea typeface="新細明體" charset="-120"/>
+              </a:rPr>
+              <a:t>Cont</a:t>
+            </a:r>
+            <a:r>
+              <a:rPr lang="en-US" altLang="zh-TW" dirty="0">
+                <a:ea typeface="新細明體" charset="-120"/>
+              </a:rPr>
+              <a:t>)</a:t>
+            </a:r>
+            <a:r>
+              <a:rPr lang="zh-TW" altLang="en-US" dirty="0">
+                <a:ea typeface="新細明體" charset="-120"/>
+              </a:rPr>
+              <a:t>多階</a:t>
+            </a:r>
+            <a:endParaRPr lang="en-US" altLang="zh-TW" dirty="0">
+              <a:ea typeface="新細明體" charset="-120"/>
+            </a:endParaRPr>
           </a:p>
         </p:txBody>
       </p:sp>
@@ -21616,6 +21867,15 @@
               </a:rPr>
               <a:t>Grouping Capability</a:t>
             </a:r>
+            <a:r>
+              <a:rPr lang="zh-TW" altLang="en-US" sz="3200" dirty="0">
+                <a:ea typeface="新細明體" charset="-120"/>
+              </a:rPr>
+              <a:t>就能做到這些</a:t>
+            </a:r>
+            <a:endParaRPr lang="en-US" altLang="zh-TW" sz="3200" dirty="0">
+              <a:ea typeface="新細明體" charset="-120"/>
+            </a:endParaRPr>
           </a:p>
           <a:p>
             <a:r>
@@ -21639,6 +21899,57 @@
               </a:rPr>
               <a:t>)</a:t>
             </a:r>
+            <a:r>
+              <a:rPr lang="zh-TW" altLang="en-US" sz="3200" dirty="0">
+                <a:ea typeface="新細明體" charset="-120"/>
+              </a:rPr>
+              <a:t>目前在哪個目錄  </a:t>
+            </a:r>
+            <a:r>
+              <a:rPr lang="en-US" altLang="zh-TW" sz="3200" dirty="0" err="1">
+                <a:ea typeface="新細明體" charset="-120"/>
+              </a:rPr>
+              <a:t>cmd</a:t>
+            </a:r>
+            <a:r>
+              <a:rPr lang="zh-TW" altLang="en-US" sz="3200" dirty="0">
+                <a:ea typeface="新細明體" charset="-120"/>
+              </a:rPr>
+              <a:t>的前面那串路徑  要換就</a:t>
+            </a:r>
+            <a:r>
+              <a:rPr lang="en-US" altLang="zh-TW" sz="3200" dirty="0">
+                <a:ea typeface="新細明體" charset="-120"/>
+              </a:rPr>
+              <a:t>cd  </a:t>
+            </a:r>
+            <a:r>
+              <a:rPr lang="zh-TW" altLang="en-US" sz="3200" dirty="0">
+                <a:ea typeface="新細明體" charset="-120"/>
+              </a:rPr>
+              <a:t>或者指定絕對路徑</a:t>
+            </a:r>
+            <a:r>
+              <a:rPr lang="en-US" altLang="zh-TW" sz="3200" dirty="0">
+                <a:ea typeface="新細明體" charset="-120"/>
+              </a:rPr>
+              <a:t>rm </a:t>
+            </a:r>
+            <a:r>
+              <a:rPr lang="zh-TW" altLang="en-US" sz="3200" dirty="0">
+                <a:ea typeface="新細明體" charset="-120"/>
+              </a:rPr>
+              <a:t>或</a:t>
+            </a:r>
+            <a:r>
+              <a:rPr lang="en-US" altLang="zh-TW" sz="3200" dirty="0" err="1">
+                <a:ea typeface="新細明體" charset="-120"/>
+              </a:rPr>
+              <a:t>mkdir</a:t>
+            </a:r>
+            <a:endParaRPr lang="en-US" altLang="zh-TW" sz="3200" dirty="0">
+              <a:ea typeface="新細明體" charset="-120"/>
+            </a:endParaRPr>
           </a:p>
           <a:p>
             <a:pPr lvl="1"/>
@@ -23346,12 +23657,24 @@
           <a:p>
             <a:pPr eaLnBrk="1" hangingPunct="1"/>
             <a:r>
-              <a:rPr lang="en-US" altLang="zh-TW">
-                <a:ea typeface="新細明體" charset="-120"/>
-              </a:rPr>
-              <a:t>Acyclic-Graph Directories</a:t>
-            </a:r>
-            <a:endParaRPr lang="en-US" altLang="zh-TW" sz="2400">
+              <a:rPr lang="en-US" altLang="zh-TW" dirty="0">
+                <a:ea typeface="新細明體" charset="-120"/>
+              </a:rPr>
+              <a:t>Acyclic</a:t>
+            </a:r>
+            <a:r>
+              <a:rPr lang="zh-TW" altLang="en-US" dirty="0">
+                <a:ea typeface="新細明體" charset="-120"/>
+              </a:rPr>
+              <a:t>無環</a:t>
+            </a:r>
+            <a:r>
+              <a:rPr lang="en-US" altLang="zh-TW" dirty="0">
+                <a:ea typeface="新細明體" charset="-120"/>
+              </a:rPr>
+              <a:t>-Graph Directories</a:t>
+            </a:r>
+            <a:endParaRPr lang="en-US" altLang="zh-TW" sz="2400" dirty="0">
               <a:ea typeface="新細明體" charset="-120"/>
             </a:endParaRPr>
           </a:p>
@@ -24483,7 +24806,31 @@
               <a:rPr lang="en-US" altLang="zh-TW" sz="2400" dirty="0">
                 <a:ea typeface="新細明體" charset="-120"/>
               </a:rPr>
-              <a:t>– using that path name to locate the real file. Links are easily identified by their format in the directory entry and are effectively indirect pointers.</a:t>
+              <a:t>– </a:t>
+            </a:r>
+            <a:r>
+              <a:rPr lang="en-US" altLang="zh-TW" sz="2400" dirty="0" err="1">
+                <a:ea typeface="新細明體" charset="-120"/>
+              </a:rPr>
+              <a:t>usin</a:t>
+            </a:r>
+            <a:r>
+              <a:rPr lang="en-US" altLang="zh-TW" sz="2400" dirty="0">
+                <a:ea typeface="新細明體" charset="-120"/>
+              </a:rPr>
+              <a:t>	g that path name to locate the real file. Links are easily identified by their format in the directory entry and are effectively indirect</a:t>
+            </a:r>
+            <a:r>
+              <a:rPr lang="zh-TW" altLang="en-US" sz="2400" dirty="0">
+                <a:ea typeface="新細明體" charset="-120"/>
+              </a:rPr>
+              <a:t>迂迴的</a:t>
+            </a:r>
+            <a:r>
+              <a:rPr lang="en-US" altLang="zh-TW" sz="2400" dirty="0">
+                <a:ea typeface="新細明體" charset="-120"/>
+              </a:rPr>
+              <a:t> pointers.</a:t>
             </a:r>
             <a:endParaRPr lang="en-US" altLang="zh-TW" sz="2400" b="1" dirty="0">
               <a:ea typeface="新細明體" charset="-120"/>
@@ -26916,8 +27263,17 @@
               <a:rPr lang="en-US" altLang="zh-TW" dirty="0">
                 <a:ea typeface="新細明體" charset="-120"/>
               </a:rPr>
-              <a:t>is used to determine when the last reference has been deleted and the disk space can be reallocated.</a:t>
-            </a:r>
+              <a:t>is used to determine when the last reference has been deleted and the disk space can be reallocated.   ex</a:t>
+            </a:r>
+            <a:r>
+              <a:rPr lang="zh-TW" altLang="en-US" dirty="0">
+                <a:ea typeface="新細明體" charset="-120"/>
+              </a:rPr>
+              <a:t>一個檔案被五個人用  四個人刪掉了  還是不能刪 要五人都刪才行 </a:t>
+            </a:r>
+            <a:endParaRPr lang="en-US" altLang="zh-TW" dirty="0">
+              <a:ea typeface="新細明體" charset="-120"/>
+            </a:endParaRPr>
           </a:p>
           <a:p>
             <a:r>
@@ -28541,6 +28897,27 @@
               </a:rPr>
               <a:t>On distributed systems, files may be shared across a network</a:t>
             </a:r>
+            <a:r>
+              <a:rPr lang="zh-TW" altLang="en-US" sz="2800" dirty="0">
+                <a:ea typeface="新細明體" charset="-120"/>
+              </a:rPr>
+              <a:t>  跨電腦的一個大目錄  由</a:t>
+            </a:r>
+            <a:r>
+              <a:rPr lang="en-US" altLang="zh-TW" sz="2800" dirty="0">
+                <a:ea typeface="新細明體" charset="-120"/>
+              </a:rPr>
+              <a:t>NFS</a:t>
+            </a:r>
+            <a:r>
+              <a:rPr lang="zh-TW" altLang="en-US" sz="2800" dirty="0">
+                <a:ea typeface="新細明體" charset="-120"/>
+              </a:rPr>
+              <a:t>幫忙管理</a:t>
+            </a:r>
+            <a:endParaRPr lang="en-US" altLang="zh-TW" sz="2800" dirty="0">
+              <a:ea typeface="新細明體" charset="-120"/>
+            </a:endParaRPr>
           </a:p>
           <a:p>
             <a:r>
@@ -29497,7 +29874,7 @@
               <a:rPr lang="en-US" altLang="zh-TW" sz="2400" dirty="0">
                 <a:ea typeface="新細明體" charset="-120"/>
               </a:rPr>
-              <a:t> model allows </a:t>
+              <a:t> X allows </a:t>
             </a:r>
             <a:r>
               <a:rPr lang="en-US" altLang="zh-TW" sz="2400" dirty="0">
@@ -29659,7 +30036,7 @@
               <a:rPr lang="en-US" altLang="zh-TW" sz="2400" dirty="0">
                 <a:ea typeface="新細明體" charset="-120"/>
               </a:rPr>
-              <a:t> such as LDAP (lightweight directory access protocol), DNS, NIS, Active Directory (Windows XP and Windows 2000) implement </a:t>
+              <a:t> such as LDAP (lightweight directory access protocol), DNS, NIS, Active Directory (Windows XP and Windows 2z`000) implement </a:t>
             </a:r>
             <a:r>
               <a:rPr lang="en-US" altLang="zh-TW" sz="2400" dirty="0">
@@ -30228,8 +30605,29 @@
               <a:rPr lang="en-US" altLang="zh-TW" sz="2800" dirty="0">
                 <a:ea typeface="新細明體" charset="-120"/>
               </a:rPr>
-              <a:t>, due to network failure, server failure</a:t>
-            </a:r>
+              <a:t>, due to network failure, server failure  </a:t>
+            </a:r>
+            <a:r>
+              <a:rPr lang="zh-TW" altLang="en-US" sz="2800" dirty="0">
+                <a:ea typeface="新細明體" charset="-120"/>
+              </a:rPr>
+              <a:t>例如網路不通  </a:t>
+            </a:r>
+            <a:r>
+              <a:rPr lang="en-US" altLang="zh-TW" sz="2800" dirty="0">
+                <a:ea typeface="新細明體" charset="-120"/>
+              </a:rPr>
+              <a:t>Server</a:t>
+            </a:r>
+            <a:r>
+              <a:rPr lang="zh-TW" altLang="en-US" sz="2800" dirty="0">
+                <a:ea typeface="新細明體" charset="-120"/>
+              </a:rPr>
+              <a:t>斷電當機</a:t>
+            </a:r>
+            <a:endParaRPr lang="en-US" altLang="zh-TW" sz="2800" dirty="0">
+              <a:ea typeface="新細明體" charset="-120"/>
+            </a:endParaRPr>
           </a:p>
           <a:p>
             <a:r>
@@ -30256,6 +30654,17 @@
           </a:p>
           <a:p>
             <a:r>
+              <a:rPr lang="zh-TW" altLang="en-US" sz="2800" dirty="0">
+                <a:ea typeface="新細明體" charset="-120"/>
+              </a:rPr>
+              <a:t>等到恢復了重試</a:t>
+            </a:r>
+            <a:endParaRPr lang="en-US" altLang="zh-TW" sz="2800" dirty="0">
+              <a:ea typeface="新細明體" charset="-120"/>
+            </a:endParaRPr>
+          </a:p>
+          <a:p>
+            <a:r>
               <a:rPr lang="en-US" altLang="zh-TW" sz="2800" dirty="0">
                 <a:solidFill>
                   <a:srgbClr val="FF0000"/>
@@ -30268,7 +30677,31 @@
               <a:rPr lang="en-US" altLang="zh-TW" sz="2800" dirty="0">
                 <a:ea typeface="新細明體" charset="-120"/>
               </a:rPr>
-              <a:t> such as NFS include all information in each request, allowing easy recovery but less security</a:t>
+              <a:t> (</a:t>
+            </a:r>
+            <a:r>
+              <a:rPr lang="zh-TW" altLang="en-US" sz="2800" dirty="0">
+                <a:ea typeface="新細明體" charset="-120"/>
+              </a:rPr>
+              <a:t>每個</a:t>
+            </a:r>
+            <a:r>
+              <a:rPr lang="en-US" altLang="zh-TW" sz="2800" dirty="0">
+                <a:ea typeface="新細明體" charset="-120"/>
+              </a:rPr>
+              <a:t>Request</a:t>
+            </a:r>
+            <a:r>
+              <a:rPr lang="zh-TW" altLang="en-US" sz="2800" dirty="0">
+                <a:ea typeface="新細明體" charset="-120"/>
+              </a:rPr>
+              <a:t>間沒有相依關係</a:t>
+            </a:r>
+            <a:r>
+              <a:rPr lang="en-US" altLang="zh-TW" sz="2800" dirty="0">
+                <a:ea typeface="新細明體" charset="-120"/>
+              </a:rPr>
+              <a:t>)such as NFS include all information in each request, allowing easy recovery but less security</a:t>
             </a:r>
           </a:p>
         </p:txBody>
@@ -30469,6 +30902,67 @@
                       </p:childTnLst>
                     </p:cTn>
                   </p:par>
+                  <p:par>
+                    <p:cTn id="18" fill="hold">
+                      <p:stCondLst>
+                        <p:cond delay="indefinite"/>
+                      </p:stCondLst>
+                      <p:childTnLst>
+                        <p:par>
+                          <p:cTn id="19" fill="hold">
+                            <p:stCondLst>
+                              <p:cond delay="0"/>
+                            </p:stCondLst>
+                            <p:childTnLst>
+                              <p:par>
+                                <p:cTn id="20" presetID="22" presetClass="entr" presetSubtype="8" fill="hold" grpId="0" nodeType="clickEffect">
+                                  <p:stCondLst>
+                                    <p:cond delay="0"/>
+                                  </p:stCondLst>
+                                  <p:childTnLst>
+                                    <p:set>
+                                      <p:cBhvr>
+                                        <p:cTn id="21" dur="1" fill="hold">
+                                          <p:stCondLst>
+                                            <p:cond delay="0"/>
+                                          </p:stCondLst>
+                                        </p:cTn>
+                                        <p:tgtEl>
+                                          <p:spTgt spid="39939">
+                                            <p:txEl>
+                                              <p:pRg st="3" end="3"/>
+                                            </p:txEl>
+                                          </p:spTgt>
+                                        </p:tgtEl>
+                                        <p:attrNameLst>
+                                          <p:attrName>style.visibility</p:attrName>
+                                        </p:attrNameLst>
+                                      </p:cBhvr>
+                                      <p:to>
+                                        <p:strVal val="visible"/>
+                                      </p:to>
+                                    </p:set>
+                                    <p:animEffect transition="in" filter="wipe(left)">
+                                      <p:cBhvr>
+                                        <p:cTn id="22" dur="1000"/>
+                                        <p:tgtEl>
+                                          <p:spTgt spid="39939">
+                                            <p:txEl>
+                                              <p:pRg st="3" end="3"/>
+                                            </p:txEl>
+                                          </p:spTgt>
+                                        </p:tgtEl>
+                                      </p:cBhvr>
+                                    </p:animEffect>
+                                  </p:childTnLst>
+                                </p:cTn>
+                              </p:par>
+                            </p:childTnLst>
+                          </p:cTn>
+                        </p:par>
+                      </p:childTnLst>
+                    </p:cTn>
+                  </p:par>
                 </p:childTnLst>
               </p:cTn>
               <p:prevCondLst>
@@ -30657,7 +31151,22 @@
               <a:rPr lang="en-US" altLang="zh-TW" sz="2000" dirty="0">
                 <a:ea typeface="新細明體" charset="-120"/>
               </a:rPr>
-              <a:t>(AFS, Chapter 17) implemented complex remote file sharing semantics</a:t>
+              <a:t>(</a:t>
+            </a:r>
+            <a:r>
+              <a:rPr lang="en-US" altLang="zh-TW" sz="2000" dirty="0">
+                <a:solidFill>
+                  <a:srgbClr val="0070C0"/>
+                </a:solidFill>
+                <a:ea typeface="新細明體" charset="-120"/>
+              </a:rPr>
+              <a:t>AFS</a:t>
+            </a:r>
+            <a:r>
+              <a:rPr lang="en-US" altLang="zh-TW" sz="2000" dirty="0">
+                <a:ea typeface="新細明體" charset="-120"/>
+              </a:rPr>
+              <a:t>, Chapter 17) implemented complex remote file sharing semantics</a:t>
             </a:r>
           </a:p>
           <a:p>
@@ -30731,9 +31240,18 @@
             </a:pPr>
             <a:r>
               <a:rPr lang="en-US" altLang="zh-TW" sz="2000" dirty="0">
-                <a:ea typeface="新細明體" charset="-120"/>
-              </a:rPr>
-              <a:t>AFS has </a:t>
+                <a:solidFill>
+                  <a:srgbClr val="0070C0"/>
+                </a:solidFill>
+                <a:ea typeface="新細明體" charset="-120"/>
+              </a:rPr>
+              <a:t>AFS</a:t>
+            </a:r>
+            <a:r>
+              <a:rPr lang="en-US" altLang="zh-TW" sz="2000" dirty="0">
+                <a:ea typeface="新細明體" charset="-120"/>
+              </a:rPr>
+              <a:t> has </a:t>
             </a:r>
             <a:r>
               <a:rPr lang="en-US" altLang="zh-TW" sz="2000" b="1" dirty="0">
@@ -31690,8 +32208,17 @@
               <a:rPr lang="en-US" altLang="zh-TW" sz="2000" dirty="0">
                 <a:ea typeface="新細明體" charset="-120"/>
               </a:rPr>
-              <a:t>Three classes of users</a:t>
-            </a:r>
+              <a:t>Three classes of users   </a:t>
+            </a:r>
+            <a:r>
+              <a:rPr lang="zh-TW" altLang="en-US" sz="2000" dirty="0">
+                <a:ea typeface="新細明體" charset="-120"/>
+              </a:rPr>
+              <a:t>三個等級舉例</a:t>
+            </a:r>
+            <a:endParaRPr lang="en-US" altLang="zh-TW" sz="2000" dirty="0">
+              <a:ea typeface="新細明體" charset="-120"/>
+            </a:endParaRPr>
           </a:p>
           <a:p>
             <a:pPr>
@@ -33755,9 +34282,9 @@
         <p:grpSpPr>
           <a:xfrm>
             <a:off x="2107323" y="1019498"/>
-            <a:ext cx="5048841" cy="1418901"/>
+            <a:ext cx="5667600" cy="1418901"/>
             <a:chOff x="362606" y="1040519"/>
-            <a:chExt cx="5048841" cy="1418901"/>
+            <a:chExt cx="5667600" cy="1418901"/>
           </a:xfrm>
         </p:grpSpPr>
         <p:sp>
@@ -33863,7 +34390,7 @@
           <p:spPr>
             <a:xfrm>
               <a:off x="1182404" y="1040519"/>
-              <a:ext cx="4229043" cy="461665"/>
+              <a:ext cx="4847802" cy="461665"/>
             </a:xfrm>
             <a:prstGeom prst="rect">
               <a:avLst/>
@@ -33885,7 +34412,25 @@
                   </a:solidFill>
                   <a:latin typeface="Candara" pitchFamily="34" charset="0"/>
                 </a:rPr>
-                <a:t>The number of links to the file </a:t>
+                <a:t>The number of links to the file</a:t>
+              </a:r>
+              <a:r>
+                <a:rPr lang="zh-TW" altLang="en-US" sz="2400" b="1" dirty="0">
+                  <a:solidFill>
+                    <a:srgbClr val="FF0000"/>
+                  </a:solidFill>
+                  <a:latin typeface="Candara" pitchFamily="34" charset="0"/>
+                </a:rPr>
+                <a:t>分享</a:t>
+              </a:r>
+              <a:r>
+                <a:rPr lang="en-US" altLang="zh-TW" sz="2400" b="1" dirty="0">
+                  <a:solidFill>
+                    <a:srgbClr val="FF0000"/>
+                  </a:solidFill>
+                  <a:latin typeface="Candara" pitchFamily="34" charset="0"/>
+                </a:rPr>
+                <a:t> </a:t>
               </a:r>
               <a:endParaRPr lang="zh-TW" altLang="en-US" sz="2400" b="1" dirty="0">
                 <a:solidFill>
@@ -33905,10 +34450,10 @@
         </p:nvGrpSpPr>
         <p:grpSpPr>
           <a:xfrm>
-            <a:off x="528486" y="4903074"/>
-            <a:ext cx="4724895" cy="1344537"/>
-            <a:chOff x="528486" y="4903074"/>
-            <a:chExt cx="4724895" cy="1344537"/>
+            <a:off x="362606" y="4903074"/>
+            <a:ext cx="3282694" cy="1551924"/>
+            <a:chOff x="362606" y="4903074"/>
+            <a:chExt cx="3282694" cy="1551924"/>
           </a:xfrm>
         </p:grpSpPr>
         <p:sp>
@@ -34227,7 +34772,7 @@
           </p:nvSpPr>
           <p:spPr>
             <a:xfrm>
-              <a:off x="1970687" y="5785946"/>
+              <a:off x="362606" y="5993333"/>
               <a:ext cx="3282694" cy="461665"/>
             </a:xfrm>
             <a:prstGeom prst="rect">
@@ -34301,7 +34846,7 @@
         </p:nvGrpSpPr>
         <p:grpSpPr>
           <a:xfrm>
-            <a:off x="2336316" y="4934606"/>
+            <a:off x="2302711" y="5184047"/>
             <a:ext cx="3521880" cy="1355043"/>
             <a:chOff x="544252" y="4892568"/>
             <a:chExt cx="3521880" cy="1355043"/>
